--- a/slides/Mambo no 5.pptx
+++ b/slides/Mambo no 5.pptx
@@ -5,25 +5,28 @@
     <p:sldMasterId id="2147483648" r:id="rId4"/>
   </p:sldMasterIdLst>
   <p:notesMasterIdLst>
-    <p:notesMasterId r:id="rId18"/>
+    <p:notesMasterId r:id="rId21"/>
   </p:notesMasterIdLst>
   <p:handoutMasterIdLst>
-    <p:handoutMasterId r:id="rId19"/>
+    <p:handoutMasterId r:id="rId22"/>
   </p:handoutMasterIdLst>
   <p:sldIdLst>
     <p:sldId id="274" r:id="rId5"/>
     <p:sldId id="278" r:id="rId6"/>
     <p:sldId id="271" r:id="rId7"/>
-    <p:sldId id="275" r:id="rId8"/>
-    <p:sldId id="288" r:id="rId9"/>
-    <p:sldId id="287" r:id="rId10"/>
-    <p:sldId id="266" r:id="rId11"/>
-    <p:sldId id="273" r:id="rId12"/>
-    <p:sldId id="286" r:id="rId13"/>
-    <p:sldId id="280" r:id="rId14"/>
-    <p:sldId id="281" r:id="rId15"/>
-    <p:sldId id="284" r:id="rId16"/>
-    <p:sldId id="279" r:id="rId17"/>
+    <p:sldId id="289" r:id="rId8"/>
+    <p:sldId id="286" r:id="rId9"/>
+    <p:sldId id="290" r:id="rId10"/>
+    <p:sldId id="291" r:id="rId11"/>
+    <p:sldId id="275" r:id="rId12"/>
+    <p:sldId id="288" r:id="rId13"/>
+    <p:sldId id="287" r:id="rId14"/>
+    <p:sldId id="266" r:id="rId15"/>
+    <p:sldId id="273" r:id="rId16"/>
+    <p:sldId id="280" r:id="rId17"/>
+    <p:sldId id="281" r:id="rId18"/>
+    <p:sldId id="284" r:id="rId19"/>
+    <p:sldId id="279" r:id="rId20"/>
   </p:sldIdLst>
   <p:sldSz cx="12192000" cy="6858000"/>
   <p:notesSz cx="6858000" cy="9144000"/>
@@ -2093,8 +2096,8 @@
         <a:p>
           <a:pPr rtl="0"/>
           <a:r>
-            <a:rPr lang="en-GB" b="0"/>
-            <a:t>Title</a:t>
+            <a:rPr lang="en-GB" b="0" dirty="0"/>
+            <a:t>1995-1996</a:t>
           </a:r>
         </a:p>
       </dgm:t>
@@ -2131,10 +2134,6 @@
         <a:lstStyle/>
         <a:p>
           <a:pPr rtl="0"/>
-          <a:r>
-            <a:rPr lang="en-GB" b="0" i="0" u="none"/>
-            <a:t>To start a presentation, go to the Slide Show tab, and select From Beginning.</a:t>
-          </a:r>
           <a:endParaRPr lang="en-GB" dirty="0"/>
         </a:p>
       </dgm:t>
@@ -2172,8 +2171,8 @@
         <a:p>
           <a:pPr rtl="0"/>
           <a:r>
-            <a:rPr lang="en-GB" b="0"/>
-            <a:t>Title</a:t>
+            <a:rPr lang="en-GB" b="0" dirty="0"/>
+            <a:t>2001-2004</a:t>
           </a:r>
         </a:p>
       </dgm:t>
@@ -2202,48 +2201,6 @@
         </a:p>
       </dgm:t>
     </dgm:pt>
-    <dgm:pt modelId="{5D70EFF5-8B31-4A1F-AE44-51E4CF0013EB}">
-      <dgm:prSet phldrT="[Text]"/>
-      <dgm:spPr/>
-      <dgm:t>
-        <a:bodyPr rtlCol="0"/>
-        <a:lstStyle/>
-        <a:p>
-          <a:pPr rtl="0"/>
-          <a:r>
-            <a:rPr lang="en-GB" dirty="0">
-              <a:latin typeface="+mn-lt"/>
-            </a:rPr>
-            <a:t>To display Presenter view, in Slide Show view, on the control bar at the bottom left select the three dots, and then Show Presenter View.</a:t>
-          </a:r>
-          <a:endParaRPr lang="en-GB" dirty="0"/>
-        </a:p>
-      </dgm:t>
-    </dgm:pt>
-    <dgm:pt modelId="{96C720A0-FEEF-48D1-8DF6-ABA03C304822}" type="parTrans" cxnId="{E97FF64F-8020-497E-AE7D-2395DDA4560D}">
-      <dgm:prSet/>
-      <dgm:spPr/>
-      <dgm:t>
-        <a:bodyPr rtlCol="0"/>
-        <a:lstStyle/>
-        <a:p>
-          <a:pPr rtl="0"/>
-          <a:endParaRPr lang="en-GB"/>
-        </a:p>
-      </dgm:t>
-    </dgm:pt>
-    <dgm:pt modelId="{B6A59CDE-18AD-4553-B6C5-FF001A8E8510}" type="sibTrans" cxnId="{E97FF64F-8020-497E-AE7D-2395DDA4560D}">
-      <dgm:prSet/>
-      <dgm:spPr/>
-      <dgm:t>
-        <a:bodyPr rtlCol="0"/>
-        <a:lstStyle/>
-        <a:p>
-          <a:pPr rtl="0"/>
-          <a:endParaRPr lang="en-GB"/>
-        </a:p>
-      </dgm:t>
-    </dgm:pt>
     <dgm:pt modelId="{D71FC021-6A65-44D1-95B9-0E6C89079866}">
       <dgm:prSet phldrT="[Text]"/>
       <dgm:spPr/>
@@ -2253,8 +2210,8 @@
         <a:p>
           <a:pPr rtl="0"/>
           <a:r>
-            <a:rPr lang="en-GB" b="0"/>
-            <a:t>Title</a:t>
+            <a:rPr lang="en-GB" b="0" dirty="0"/>
+            <a:t>2016</a:t>
           </a:r>
         </a:p>
       </dgm:t>
@@ -2283,46 +2240,6 @@
         </a:p>
       </dgm:t>
     </dgm:pt>
-    <dgm:pt modelId="{4A6BB192-9983-4F48-BBC5-6E384EED7EC5}">
-      <dgm:prSet phldrT="[Text]"/>
-      <dgm:spPr/>
-      <dgm:t>
-        <a:bodyPr rtlCol="0"/>
-        <a:lstStyle/>
-        <a:p>
-          <a:pPr rtl="0"/>
-          <a:r>
-            <a:rPr lang="en-GB" b="0" i="0" u="none"/>
-            <a:t>During your presentation, the speaker notes are visible on your monitor, but aren't visible to the audience. </a:t>
-          </a:r>
-          <a:endParaRPr lang="en-GB" dirty="0"/>
-        </a:p>
-      </dgm:t>
-    </dgm:pt>
-    <dgm:pt modelId="{230A6E4A-6CED-4DC0-AEFE-6859FE07B658}" type="parTrans" cxnId="{E3115EEA-DE9C-4F06-B8B3-BEB263D5F2B1}">
-      <dgm:prSet/>
-      <dgm:spPr/>
-      <dgm:t>
-        <a:bodyPr rtlCol="0"/>
-        <a:lstStyle/>
-        <a:p>
-          <a:pPr rtl="0"/>
-          <a:endParaRPr lang="en-GB"/>
-        </a:p>
-      </dgm:t>
-    </dgm:pt>
-    <dgm:pt modelId="{0B568EC2-5D2A-4B00-8047-B7832F245B44}" type="sibTrans" cxnId="{E3115EEA-DE9C-4F06-B8B3-BEB263D5F2B1}">
-      <dgm:prSet/>
-      <dgm:spPr/>
-      <dgm:t>
-        <a:bodyPr rtlCol="0"/>
-        <a:lstStyle/>
-        <a:p>
-          <a:pPr rtl="0"/>
-          <a:endParaRPr lang="en-GB"/>
-        </a:p>
-      </dgm:t>
-    </dgm:pt>
     <dgm:pt modelId="{4551B675-D926-4DD6-8951-65F2DCE2D424}">
       <dgm:prSet phldrT="[Text]"/>
       <dgm:spPr/>
@@ -2332,8 +2249,8 @@
         <a:p>
           <a:pPr rtl="0"/>
           <a:r>
-            <a:rPr lang="en-GB" b="0"/>
-            <a:t>Title</a:t>
+            <a:rPr lang="en-GB" b="0" dirty="0"/>
+            <a:t>2021</a:t>
           </a:r>
         </a:p>
       </dgm:t>
@@ -2371,8 +2288,8 @@
         <a:p>
           <a:pPr rtl="0"/>
           <a:r>
-            <a:rPr lang="en-GB" b="0"/>
-            <a:t>Title</a:t>
+            <a:rPr lang="en-GB" b="0" dirty="0"/>
+            <a:t>2023</a:t>
           </a:r>
         </a:p>
       </dgm:t>
@@ -2390,90 +2307,6 @@
       </dgm:t>
     </dgm:pt>
     <dgm:pt modelId="{2326DFF9-3C96-4E56-B8DA-BA5A1D0C9427}" type="sibTrans" cxnId="{9CD61D07-6F9B-41CF-BA28-CF7F19CBCB7F}">
-      <dgm:prSet/>
-      <dgm:spPr/>
-      <dgm:t>
-        <a:bodyPr rtlCol="0"/>
-        <a:lstStyle/>
-        <a:p>
-          <a:pPr rtl="0"/>
-          <a:endParaRPr lang="en-GB"/>
-        </a:p>
-      </dgm:t>
-    </dgm:pt>
-    <dgm:pt modelId="{C63CBFBA-D620-4D1A-8BFA-9C4B92041A7D}">
-      <dgm:prSet phldrT="[Text]"/>
-      <dgm:spPr/>
-      <dgm:t>
-        <a:bodyPr rtlCol="0"/>
-        <a:lstStyle/>
-        <a:p>
-          <a:pPr rtl="0">
-            <a:buFont typeface="Symbol" panose="05050102010706020507" pitchFamily="18" charset="2"/>
-            <a:buChar char=""/>
-          </a:pPr>
-          <a:r>
-            <a:rPr lang="en-GB"/>
-            <a:t>The Notes pane is a box that appears below each slide. Tap it to add notes.</a:t>
-          </a:r>
-        </a:p>
-      </dgm:t>
-    </dgm:pt>
-    <dgm:pt modelId="{641F8F77-4FA8-453E-97D7-7A46DE2DB152}" type="parTrans" cxnId="{5CA4D9F6-3D86-49AF-BCCE-C23462DAAD46}">
-      <dgm:prSet/>
-      <dgm:spPr/>
-      <dgm:t>
-        <a:bodyPr rtlCol="0"/>
-        <a:lstStyle/>
-        <a:p>
-          <a:pPr rtl="0"/>
-          <a:endParaRPr lang="en-GB"/>
-        </a:p>
-      </dgm:t>
-    </dgm:pt>
-    <dgm:pt modelId="{F8EFD8BE-C1B8-497B-80CF-1161A0AC120D}" type="sibTrans" cxnId="{5CA4D9F6-3D86-49AF-BCCE-C23462DAAD46}">
-      <dgm:prSet/>
-      <dgm:spPr/>
-      <dgm:t>
-        <a:bodyPr rtlCol="0"/>
-        <a:lstStyle/>
-        <a:p>
-          <a:pPr rtl="0"/>
-          <a:endParaRPr lang="en-GB"/>
-        </a:p>
-      </dgm:t>
-    </dgm:pt>
-    <dgm:pt modelId="{CE1D56AD-AC60-46E2-819C-103597262F4D}">
-      <dgm:prSet phldrT="[Text]"/>
-      <dgm:spPr/>
-      <dgm:t>
-        <a:bodyPr rtlCol="0"/>
-        <a:lstStyle/>
-        <a:p>
-          <a:pPr rtl="0">
-            <a:buFont typeface="Symbol" panose="05050102010706020507" pitchFamily="18" charset="2"/>
-            <a:buChar char=""/>
-          </a:pPr>
-          <a:r>
-            <a:rPr lang="en-GB" dirty="0"/>
-            <a:t>If you can’t see the Notes pane or it is completely minimised, click Notes on the task bar across the bottom of the PowerPoint window.</a:t>
-          </a:r>
-        </a:p>
-      </dgm:t>
-    </dgm:pt>
-    <dgm:pt modelId="{288FC339-10A2-4A37-8FF5-2E3D40FBA7D8}" type="parTrans" cxnId="{E9911C57-1368-4A5A-85AD-661D5B7FF115}">
-      <dgm:prSet/>
-      <dgm:spPr/>
-      <dgm:t>
-        <a:bodyPr rtlCol="0"/>
-        <a:lstStyle/>
-        <a:p>
-          <a:pPr rtl="0"/>
-          <a:endParaRPr lang="en-GB"/>
-        </a:p>
-      </dgm:t>
-    </dgm:pt>
-    <dgm:pt modelId="{8B68A952-7ABF-4ED7-A814-6A30E979E2EF}" type="sibTrans" cxnId="{E9911C57-1368-4A5A-85AD-661D5B7FF115}">
       <dgm:prSet/>
       <dgm:spPr/>
       <dgm:t>
@@ -2698,26 +2531,18 @@
   </dgm:ptLst>
   <dgm:cxnLst>
     <dgm:cxn modelId="{9CD61D07-6F9B-41CF-BA28-CF7F19CBCB7F}" srcId="{55C0B14E-AEA6-48D3-A387-ED4A3A3BF840}" destId="{75BA0777-02C1-4DE8-B655-2EFF7C294468}" srcOrd="4" destOrd="0" parTransId="{3B5B75D3-1048-48CB-B9CB-2ADAF96B9530}" sibTransId="{2326DFF9-3C96-4E56-B8DA-BA5A1D0C9427}"/>
-    <dgm:cxn modelId="{3C7B7211-E30D-44E1-925D-FFFD7E8E46DF}" type="presOf" srcId="{C63CBFBA-D620-4D1A-8BFA-9C4B92041A7D}" destId="{D008585C-06BD-48C5-9F14-B5451B59C4F4}" srcOrd="0" destOrd="0" presId="urn:microsoft.com/office/officeart/2016/7/layout/AccentHomeChevronProcess"/>
     <dgm:cxn modelId="{F23BFC27-EEA1-48DD-A68B-3C9BF1AE455D}" type="presOf" srcId="{349299C9-846E-4827-813A-349CCCE20782}" destId="{810D7AA7-A541-4507-BE7F-36CCF210089F}" srcOrd="0" destOrd="0" presId="urn:microsoft.com/office/officeart/2016/7/layout/AccentHomeChevronProcess"/>
     <dgm:cxn modelId="{E52EBC33-9336-463F-957B-20898FA73EB2}" type="presOf" srcId="{4551B675-D926-4DD6-8951-65F2DCE2D424}" destId="{3BACD511-46E3-4201-950C-5C55206B68A1}" srcOrd="0" destOrd="0" presId="urn:microsoft.com/office/officeart/2016/7/layout/AccentHomeChevronProcess"/>
     <dgm:cxn modelId="{0EFA3039-6828-403C-9445-4359BA6645E6}" srcId="{AACEAFD5-63CF-4AFC-B46F-BE086C5D447C}" destId="{349299C9-846E-4827-813A-349CCCE20782}" srcOrd="0" destOrd="0" parTransId="{AEA27547-B9ED-4994-BD27-04EC297EF367}" sibTransId="{9D819F52-ACA0-4B08-8256-DF6BD8FA3A0B}"/>
     <dgm:cxn modelId="{6CDEA839-6538-453E-9113-58ECC65280CB}" type="presOf" srcId="{AACEAFD5-63CF-4AFC-B46F-BE086C5D447C}" destId="{CA3A6A4E-2D39-41D2-A6B1-B590D0C452D2}" srcOrd="0" destOrd="0" presId="urn:microsoft.com/office/officeart/2016/7/layout/AccentHomeChevronProcess"/>
-    <dgm:cxn modelId="{B992744C-B242-4E5A-87EA-76B22A29BA9A}" type="presOf" srcId="{CE1D56AD-AC60-46E2-819C-103597262F4D}" destId="{29D3D54D-741B-4E9B-8C81-202E2FCBFCFD}" srcOrd="0" destOrd="0" presId="urn:microsoft.com/office/officeart/2016/7/layout/AccentHomeChevronProcess"/>
-    <dgm:cxn modelId="{E97FF64F-8020-497E-AE7D-2395DDA4560D}" srcId="{D07AD3FD-84FF-467E-9693-752776549C61}" destId="{5D70EFF5-8B31-4A1F-AE44-51E4CF0013EB}" srcOrd="0" destOrd="0" parTransId="{96C720A0-FEEF-48D1-8DF6-ABA03C304822}" sibTransId="{B6A59CDE-18AD-4553-B6C5-FF001A8E8510}"/>
-    <dgm:cxn modelId="{E9911C57-1368-4A5A-85AD-661D5B7FF115}" srcId="{75BA0777-02C1-4DE8-B655-2EFF7C294468}" destId="{CE1D56AD-AC60-46E2-819C-103597262F4D}" srcOrd="0" destOrd="0" parTransId="{288FC339-10A2-4A37-8FF5-2E3D40FBA7D8}" sibTransId="{8B68A952-7ABF-4ED7-A814-6A30E979E2EF}"/>
     <dgm:cxn modelId="{219EA357-E48B-4A91-91A7-8282DFF10601}" type="presOf" srcId="{55C0B14E-AEA6-48D3-A387-ED4A3A3BF840}" destId="{594BF422-752C-42F3-A230-3D0E6AE9A886}" srcOrd="0" destOrd="0" presId="urn:microsoft.com/office/officeart/2016/7/layout/AccentHomeChevronProcess"/>
     <dgm:cxn modelId="{55492768-9A5E-4F74-AC7C-959C5C24EFD3}" srcId="{55C0B14E-AEA6-48D3-A387-ED4A3A3BF840}" destId="{D07AD3FD-84FF-467E-9693-752776549C61}" srcOrd="1" destOrd="0" parTransId="{7B691773-F524-4FAD-A272-BDF0B0C4370A}" sibTransId="{A8C9B7A9-BC2A-4753-B7F0-F2E361D95520}"/>
     <dgm:cxn modelId="{3EF34168-9818-42BA-9890-50BFFA04A963}" type="presOf" srcId="{75BA0777-02C1-4DE8-B655-2EFF7C294468}" destId="{9C056497-7847-4419-9E6A-0B83A42BCA18}" srcOrd="0" destOrd="0" presId="urn:microsoft.com/office/officeart/2016/7/layout/AccentHomeChevronProcess"/>
-    <dgm:cxn modelId="{61E56288-5A92-4019-989A-398C8EA8A844}" type="presOf" srcId="{4A6BB192-9983-4F48-BBC5-6E384EED7EC5}" destId="{FD7B29F2-0D66-4B4B-BC8A-82DA23575305}" srcOrd="0" destOrd="0" presId="urn:microsoft.com/office/officeart/2016/7/layout/AccentHomeChevronProcess"/>
     <dgm:cxn modelId="{60399491-EC61-4ACD-870E-1A66600F3D26}" type="presOf" srcId="{D71FC021-6A65-44D1-95B9-0E6C89079866}" destId="{7A0B5EFC-88FB-4ED5-994F-D5F6584C2293}" srcOrd="0" destOrd="0" presId="urn:microsoft.com/office/officeart/2016/7/layout/AccentHomeChevronProcess"/>
     <dgm:cxn modelId="{53239C96-427C-420B-95DC-546F3B30ED65}" srcId="{55C0B14E-AEA6-48D3-A387-ED4A3A3BF840}" destId="{D71FC021-6A65-44D1-95B9-0E6C89079866}" srcOrd="2" destOrd="0" parTransId="{862AAE39-3AAD-40E3-BA20-90187BD73242}" sibTransId="{9B090D9D-470E-46E2-AABB-0368A52481AA}"/>
-    <dgm:cxn modelId="{2F6485B4-0735-4D01-8060-5A89B7562619}" type="presOf" srcId="{5D70EFF5-8B31-4A1F-AE44-51E4CF0013EB}" destId="{5E07F9E4-149C-4A89-848F-4ABDD305F0C5}" srcOrd="0" destOrd="0" presId="urn:microsoft.com/office/officeart/2016/7/layout/AccentHomeChevronProcess"/>
     <dgm:cxn modelId="{AE101ABC-7EA3-4444-A576-8AB15A371C84}" srcId="{55C0B14E-AEA6-48D3-A387-ED4A3A3BF840}" destId="{AACEAFD5-63CF-4AFC-B46F-BE086C5D447C}" srcOrd="0" destOrd="0" parTransId="{7A0BD8EC-BB4A-4912-A54E-6F39B681264E}" sibTransId="{7A8D4B4D-06E9-4958-810D-A6226B6AC588}"/>
     <dgm:cxn modelId="{665C05C7-3CB0-428C-B457-E59A0AF60DA1}" type="presOf" srcId="{D07AD3FD-84FF-467E-9693-752776549C61}" destId="{6C46E586-0364-4C52-98F9-74A7ACD803D1}" srcOrd="0" destOrd="0" presId="urn:microsoft.com/office/officeart/2016/7/layout/AccentHomeChevronProcess"/>
-    <dgm:cxn modelId="{E3115EEA-DE9C-4F06-B8B3-BEB263D5F2B1}" srcId="{D71FC021-6A65-44D1-95B9-0E6C89079866}" destId="{4A6BB192-9983-4F48-BBC5-6E384EED7EC5}" srcOrd="0" destOrd="0" parTransId="{230A6E4A-6CED-4DC0-AEFE-6859FE07B658}" sibTransId="{0B568EC2-5D2A-4B00-8047-B7832F245B44}"/>
     <dgm:cxn modelId="{BDC6F4EC-735C-4250-A2CF-39733D874D48}" srcId="{55C0B14E-AEA6-48D3-A387-ED4A3A3BF840}" destId="{4551B675-D926-4DD6-8951-65F2DCE2D424}" srcOrd="3" destOrd="0" parTransId="{2EE55A78-001E-403E-B21D-1FBC70FF8613}" sibTransId="{DFA807B3-8FE5-43CB-A9CE-8C2279DA0813}"/>
-    <dgm:cxn modelId="{5CA4D9F6-3D86-49AF-BCCE-C23462DAAD46}" srcId="{4551B675-D926-4DD6-8951-65F2DCE2D424}" destId="{C63CBFBA-D620-4D1A-8BFA-9C4B92041A7D}" srcOrd="0" destOrd="0" parTransId="{641F8F77-4FA8-453E-97D7-7A46DE2DB152}" sibTransId="{F8EFD8BE-C1B8-497B-80CF-1161A0AC120D}"/>
     <dgm:cxn modelId="{C93892E1-28C0-4B75-A464-293C00708672}" type="presParOf" srcId="{594BF422-752C-42F3-A230-3D0E6AE9A886}" destId="{F6A1B9E0-4B4A-47A4-A011-67526CEEA770}" srcOrd="0" destOrd="0" presId="urn:microsoft.com/office/officeart/2016/7/layout/AccentHomeChevronProcess"/>
     <dgm:cxn modelId="{D5413575-9692-46A2-A045-9ED8482318DF}" type="presParOf" srcId="{F6A1B9E0-4B4A-47A4-A011-67526CEEA770}" destId="{FA4E6E73-A3C8-4495-927B-8AADA5A74297}" srcOrd="0" destOrd="0" presId="urn:microsoft.com/office/officeart/2016/7/layout/AccentHomeChevronProcess"/>
     <dgm:cxn modelId="{3303BDD6-668D-45F1-9491-4125E782D67C}" type="presParOf" srcId="{F6A1B9E0-4B4A-47A4-A011-67526CEEA770}" destId="{CA3A6A4E-2D39-41D2-A6B1-B590D0C452D2}" srcOrd="1" destOrd="0" presId="urn:microsoft.com/office/officeart/2016/7/layout/AccentHomeChevronProcess"/>
@@ -2887,8 +2712,8 @@
             <a:buNone/>
           </a:pPr>
           <a:r>
-            <a:rPr lang="en-GB" sz="1600" b="0" kern="1200"/>
-            <a:t>Title</a:t>
+            <a:rPr lang="en-GB" sz="1600" b="0" kern="1200" dirty="0"/>
+            <a:t>1995-1996</a:t>
           </a:r>
         </a:p>
       </dsp:txBody>
@@ -2905,7 +2730,7 @@
       <dsp:spPr>
         <a:xfrm>
           <a:off x="177245" y="975382"/>
-          <a:ext cx="1778194" cy="1747872"/>
+          <a:ext cx="1778194" cy="1348238"/>
         </a:xfrm>
         <a:prstGeom prst="rect">
           <a:avLst/>
@@ -2934,7 +2759,7 @@
         </a:bodyPr>
         <a:lstStyle/>
         <a:p>
-          <a:pPr marL="0" lvl="0" indent="0" algn="l" defTabSz="577850" rtl="0">
+          <a:pPr marL="0" lvl="0" indent="0" algn="l" defTabSz="711200" rtl="0">
             <a:lnSpc>
               <a:spcPct val="90000"/>
             </a:lnSpc>
@@ -2946,16 +2771,12 @@
             </a:spcAft>
             <a:buNone/>
           </a:pPr>
-          <a:r>
-            <a:rPr lang="en-GB" sz="1300" b="0" i="0" u="none" kern="1200"/>
-            <a:t>To start a presentation, go to the Slide Show tab, and select From Beginning.</a:t>
-          </a:r>
-          <a:endParaRPr lang="en-GB" sz="1300" kern="1200" dirty="0"/>
+          <a:endParaRPr lang="en-GB" sz="1600" kern="1200" dirty="0"/>
         </a:p>
       </dsp:txBody>
       <dsp:txXfrm>
         <a:off x="177245" y="975382"/>
-        <a:ext cx="1778194" cy="1747872"/>
+        <a:ext cx="1778194" cy="1348238"/>
       </dsp:txXfrm>
     </dsp:sp>
     <dsp:sp modelId="{E41E7729-FD3F-426D-804C-45BD60BD762D}">
@@ -3079,8 +2900,8 @@
             <a:buNone/>
           </a:pPr>
           <a:r>
-            <a:rPr lang="en-GB" sz="1600" b="0" kern="1200"/>
-            <a:t>Title</a:t>
+            <a:rPr lang="en-GB" sz="1600" b="0" kern="1200" dirty="0"/>
+            <a:t>2001-2004</a:t>
           </a:r>
         </a:p>
       </dsp:txBody>
@@ -3120,37 +2941,6 @@
         </a:effectRef>
         <a:fontRef idx="minor"/>
       </dsp:style>
-      <dsp:txBody>
-        <a:bodyPr spcFirstLastPara="0" vert="horz" wrap="square" lIns="0" tIns="0" rIns="0" bIns="0" numCol="1" spcCol="1270" rtlCol="0" anchor="t" anchorCtr="0">
-          <a:noAutofit/>
-        </a:bodyPr>
-        <a:lstStyle/>
-        <a:p>
-          <a:pPr marL="0" lvl="0" indent="0" algn="l" defTabSz="577850" rtl="0">
-            <a:lnSpc>
-              <a:spcPct val="90000"/>
-            </a:lnSpc>
-            <a:spcBef>
-              <a:spcPct val="0"/>
-            </a:spcBef>
-            <a:spcAft>
-              <a:spcPct val="35000"/>
-            </a:spcAft>
-            <a:buNone/>
-          </a:pPr>
-          <a:r>
-            <a:rPr lang="en-GB" sz="1300" kern="1200" dirty="0">
-              <a:latin typeface="+mn-lt"/>
-            </a:rPr>
-            <a:t>To display Presenter view, in Slide Show view, on the control bar at the bottom left select the three dots, and then Show Presenter View.</a:t>
-          </a:r>
-          <a:endParaRPr lang="en-GB" sz="1300" kern="1200" dirty="0"/>
-        </a:p>
-      </dsp:txBody>
-      <dsp:txXfrm>
-        <a:off x="2257644" y="975382"/>
-        <a:ext cx="1778194" cy="1348238"/>
-      </dsp:txXfrm>
     </dsp:sp>
     <dsp:sp modelId="{473F2067-7126-4D56-A328-5A8CFD3D8D52}">
       <dsp:nvSpPr>
@@ -3273,8 +3063,8 @@
             <a:buNone/>
           </a:pPr>
           <a:r>
-            <a:rPr lang="en-GB" sz="1600" b="0" kern="1200"/>
-            <a:t>Title</a:t>
+            <a:rPr lang="en-GB" sz="1600" b="0" kern="1200" dirty="0"/>
+            <a:t>2016</a:t>
           </a:r>
         </a:p>
       </dsp:txBody>
@@ -3314,35 +3104,6 @@
         </a:effectRef>
         <a:fontRef idx="minor"/>
       </dsp:style>
-      <dsp:txBody>
-        <a:bodyPr spcFirstLastPara="0" vert="horz" wrap="square" lIns="0" tIns="0" rIns="0" bIns="0" numCol="1" spcCol="1270" rtlCol="0" anchor="t" anchorCtr="0">
-          <a:noAutofit/>
-        </a:bodyPr>
-        <a:lstStyle/>
-        <a:p>
-          <a:pPr marL="0" lvl="0" indent="0" algn="l" defTabSz="577850" rtl="0">
-            <a:lnSpc>
-              <a:spcPct val="90000"/>
-            </a:lnSpc>
-            <a:spcBef>
-              <a:spcPct val="0"/>
-            </a:spcBef>
-            <a:spcAft>
-              <a:spcPct val="35000"/>
-            </a:spcAft>
-            <a:buNone/>
-          </a:pPr>
-          <a:r>
-            <a:rPr lang="en-GB" sz="1300" b="0" i="0" u="none" kern="1200"/>
-            <a:t>During your presentation, the speaker notes are visible on your monitor, but aren't visible to the audience. </a:t>
-          </a:r>
-          <a:endParaRPr lang="en-GB" sz="1300" kern="1200" dirty="0"/>
-        </a:p>
-      </dsp:txBody>
-      <dsp:txXfrm>
-        <a:off x="4338044" y="975382"/>
-        <a:ext cx="1778194" cy="1348238"/>
-      </dsp:txXfrm>
     </dsp:sp>
     <dsp:sp modelId="{CD38773E-272C-4795-B64C-E2DC467049AB}">
       <dsp:nvSpPr>
@@ -3465,8 +3226,8 @@
             <a:buNone/>
           </a:pPr>
           <a:r>
-            <a:rPr lang="en-GB" sz="1600" b="0" kern="1200"/>
-            <a:t>Title</a:t>
+            <a:rPr lang="en-GB" sz="1600" b="0" kern="1200" dirty="0"/>
+            <a:t>2021</a:t>
           </a:r>
         </a:p>
       </dsp:txBody>
@@ -3506,35 +3267,6 @@
         </a:effectRef>
         <a:fontRef idx="minor"/>
       </dsp:style>
-      <dsp:txBody>
-        <a:bodyPr spcFirstLastPara="0" vert="horz" wrap="square" lIns="0" tIns="0" rIns="0" bIns="0" numCol="1" spcCol="1270" rtlCol="0" anchor="t" anchorCtr="0">
-          <a:noAutofit/>
-        </a:bodyPr>
-        <a:lstStyle/>
-        <a:p>
-          <a:pPr marL="0" lvl="0" indent="0" algn="l" defTabSz="577850" rtl="0">
-            <a:lnSpc>
-              <a:spcPct val="90000"/>
-            </a:lnSpc>
-            <a:spcBef>
-              <a:spcPct val="0"/>
-            </a:spcBef>
-            <a:spcAft>
-              <a:spcPct val="35000"/>
-            </a:spcAft>
-            <a:buFont typeface="Symbol" panose="05050102010706020507" pitchFamily="18" charset="2"/>
-            <a:buNone/>
-          </a:pPr>
-          <a:r>
-            <a:rPr lang="en-GB" sz="1300" kern="1200"/>
-            <a:t>The Notes pane is a box that appears below each slide. Tap it to add notes.</a:t>
-          </a:r>
-        </a:p>
-      </dsp:txBody>
-      <dsp:txXfrm>
-        <a:off x="6418443" y="975382"/>
-        <a:ext cx="1778194" cy="1348238"/>
-      </dsp:txXfrm>
     </dsp:sp>
     <dsp:sp modelId="{C018470C-7CA6-4B9A-8300-FBFBC9C8C198}">
       <dsp:nvSpPr>
@@ -3657,8 +3389,8 @@
             <a:buNone/>
           </a:pPr>
           <a:r>
-            <a:rPr lang="en-GB" sz="1600" b="0" kern="1200"/>
-            <a:t>Title</a:t>
+            <a:rPr lang="en-GB" sz="1600" b="0" kern="1200" dirty="0"/>
+            <a:t>2023</a:t>
           </a:r>
         </a:p>
       </dsp:txBody>
@@ -3698,35 +3430,6 @@
         </a:effectRef>
         <a:fontRef idx="minor"/>
       </dsp:style>
-      <dsp:txBody>
-        <a:bodyPr spcFirstLastPara="0" vert="horz" wrap="square" lIns="0" tIns="0" rIns="0" bIns="0" numCol="1" spcCol="1270" rtlCol="0" anchor="t" anchorCtr="0">
-          <a:noAutofit/>
-        </a:bodyPr>
-        <a:lstStyle/>
-        <a:p>
-          <a:pPr marL="0" lvl="0" indent="0" algn="l" defTabSz="577850" rtl="0">
-            <a:lnSpc>
-              <a:spcPct val="90000"/>
-            </a:lnSpc>
-            <a:spcBef>
-              <a:spcPct val="0"/>
-            </a:spcBef>
-            <a:spcAft>
-              <a:spcPct val="35000"/>
-            </a:spcAft>
-            <a:buFont typeface="Symbol" panose="05050102010706020507" pitchFamily="18" charset="2"/>
-            <a:buNone/>
-          </a:pPr>
-          <a:r>
-            <a:rPr lang="en-GB" sz="1300" kern="1200" dirty="0"/>
-            <a:t>If you can’t see the Notes pane or it is completely minimised, click Notes on the task bar across the bottom of the PowerPoint window.</a:t>
-          </a:r>
-        </a:p>
-      </dsp:txBody>
-      <dsp:txXfrm>
-        <a:off x="8498843" y="975382"/>
-        <a:ext cx="1778194" cy="1348238"/>
-      </dsp:txXfrm>
     </dsp:sp>
   </dsp:spTree>
 </dsp:drawing>
@@ -5882,7 +5585,7 @@
             <a:spLocks noGrp="1"/>
           </p:cNvSpPr>
           <p:nvPr>
-            <p:ph type="sldNum" sz="quarter" idx="5"/>
+            <p:ph type="sldNum" sz="quarter" idx="10"/>
           </p:nvPr>
         </p:nvSpPr>
         <p:spPr/>
@@ -5891,9 +5594,9 @@
           <a:lstStyle/>
           <a:p>
             <a:pPr rtl="0"/>
-            <a:fld id="{A1E85A95-B7C1-4043-B4FD-1C1E7B6E43C0}" type="slidenum">
+            <a:fld id="{32DC0559-D619-4E56-BF6F-3712370C2150}" type="slidenum">
               <a:rPr lang="en-GB" smtClean="0"/>
-              <a:t>7</a:t>
+              <a:t>5</a:t>
             </a:fld>
             <a:endParaRPr lang="en-GB" dirty="0"/>
           </a:p>
@@ -5904,7 +5607,7 @@
           <p:cNvPr id="5" name="Date Placeholder 4">
             <a:extLst>
               <a:ext uri="{FF2B5EF4-FFF2-40B4-BE49-F238E27FC236}">
-                <a16:creationId xmlns:a16="http://schemas.microsoft.com/office/drawing/2014/main" id="{FEDE107C-DF77-4BC5-B2F3-BDF3C5F289F6}"/>
+                <a16:creationId xmlns:a16="http://schemas.microsoft.com/office/drawing/2014/main" id="{3F9F7FED-ADC5-40EB-894F-68FE283162D2}"/>
               </a:ext>
             </a:extLst>
           </p:cNvPr>
@@ -5921,7 +5624,7 @@
           <a:lstStyle/>
           <a:p>
             <a:pPr rtl="0"/>
-            <a:fld id="{AEE162FB-CCCA-45C3-8A7E-D6CD3978BB41}" type="datetime1">
+            <a:fld id="{839483E9-340D-4F5A-B4B9-A0A85498FC10}" type="datetime1">
               <a:rPr lang="en-GB" smtClean="0"/>
               <a:t>25/05/2023</a:t>
             </a:fld>
@@ -5932,7 +5635,7 @@
     </p:spTree>
     <p:extLst>
       <p:ext uri="{BB962C8B-B14F-4D97-AF65-F5344CB8AC3E}">
-        <p14:creationId xmlns:p14="http://schemas.microsoft.com/office/powerpoint/2010/main" val="144160071"/>
+        <p14:creationId xmlns:p14="http://schemas.microsoft.com/office/powerpoint/2010/main" val="1741798182"/>
       </p:ext>
     </p:extLst>
   </p:cSld>
@@ -6007,9 +5710,9 @@
           <a:lstStyle/>
           <a:p>
             <a:pPr rtl="0"/>
-            <a:fld id="{DA8F3494-0491-4803-BC84-8A9DE4958074}" type="slidenum">
+            <a:fld id="{A1E85A95-B7C1-4043-B4FD-1C1E7B6E43C0}" type="slidenum">
               <a:rPr lang="en-GB" smtClean="0"/>
-              <a:t>8</a:t>
+              <a:t>11</a:t>
             </a:fld>
             <a:endParaRPr lang="en-GB" dirty="0"/>
           </a:p>
@@ -6020,7 +5723,7 @@
           <p:cNvPr id="5" name="Date Placeholder 4">
             <a:extLst>
               <a:ext uri="{FF2B5EF4-FFF2-40B4-BE49-F238E27FC236}">
-                <a16:creationId xmlns:a16="http://schemas.microsoft.com/office/drawing/2014/main" id="{74FBB099-7CE2-410B-A006-B25961458A8D}"/>
+                <a16:creationId xmlns:a16="http://schemas.microsoft.com/office/drawing/2014/main" id="{FEDE107C-DF77-4BC5-B2F3-BDF3C5F289F6}"/>
               </a:ext>
             </a:extLst>
           </p:cNvPr>
@@ -6037,7 +5740,7 @@
           <a:lstStyle/>
           <a:p>
             <a:pPr rtl="0"/>
-            <a:fld id="{BB40498B-BB8F-4C8F-8E26-47AF27566CFA}" type="datetime1">
+            <a:fld id="{AEE162FB-CCCA-45C3-8A7E-D6CD3978BB41}" type="datetime1">
               <a:rPr lang="en-GB" smtClean="0"/>
               <a:t>25/05/2023</a:t>
             </a:fld>
@@ -6048,7 +5751,7 @@
     </p:spTree>
     <p:extLst>
       <p:ext uri="{BB962C8B-B14F-4D97-AF65-F5344CB8AC3E}">
-        <p14:creationId xmlns:p14="http://schemas.microsoft.com/office/powerpoint/2010/main" val="1313959215"/>
+        <p14:creationId xmlns:p14="http://schemas.microsoft.com/office/powerpoint/2010/main" val="144160071"/>
       </p:ext>
     </p:extLst>
   </p:cSld>
@@ -6114,7 +5817,7 @@
             <a:spLocks noGrp="1"/>
           </p:cNvSpPr>
           <p:nvPr>
-            <p:ph type="sldNum" sz="quarter" idx="10"/>
+            <p:ph type="sldNum" sz="quarter" idx="5"/>
           </p:nvPr>
         </p:nvSpPr>
         <p:spPr/>
@@ -6123,9 +5826,9 @@
           <a:lstStyle/>
           <a:p>
             <a:pPr rtl="0"/>
-            <a:fld id="{32DC0559-D619-4E56-BF6F-3712370C2150}" type="slidenum">
+            <a:fld id="{DA8F3494-0491-4803-BC84-8A9DE4958074}" type="slidenum">
               <a:rPr lang="en-GB" smtClean="0"/>
-              <a:t>9</a:t>
+              <a:t>12</a:t>
             </a:fld>
             <a:endParaRPr lang="en-GB" dirty="0"/>
           </a:p>
@@ -6136,7 +5839,7 @@
           <p:cNvPr id="5" name="Date Placeholder 4">
             <a:extLst>
               <a:ext uri="{FF2B5EF4-FFF2-40B4-BE49-F238E27FC236}">
-                <a16:creationId xmlns:a16="http://schemas.microsoft.com/office/drawing/2014/main" id="{3F9F7FED-ADC5-40EB-894F-68FE283162D2}"/>
+                <a16:creationId xmlns:a16="http://schemas.microsoft.com/office/drawing/2014/main" id="{74FBB099-7CE2-410B-A006-B25961458A8D}"/>
               </a:ext>
             </a:extLst>
           </p:cNvPr>
@@ -6153,7 +5856,7 @@
           <a:lstStyle/>
           <a:p>
             <a:pPr rtl="0"/>
-            <a:fld id="{839483E9-340D-4F5A-B4B9-A0A85498FC10}" type="datetime1">
+            <a:fld id="{BB40498B-BB8F-4C8F-8E26-47AF27566CFA}" type="datetime1">
               <a:rPr lang="en-GB" smtClean="0"/>
               <a:t>25/05/2023</a:t>
             </a:fld>
@@ -6164,7 +5867,7 @@
     </p:spTree>
     <p:extLst>
       <p:ext uri="{BB962C8B-B14F-4D97-AF65-F5344CB8AC3E}">
-        <p14:creationId xmlns:p14="http://schemas.microsoft.com/office/powerpoint/2010/main" val="1741798182"/>
+        <p14:creationId xmlns:p14="http://schemas.microsoft.com/office/powerpoint/2010/main" val="1313959215"/>
       </p:ext>
     </p:extLst>
   </p:cSld>
@@ -15320,2507 +15023,6 @@
 </file>
 
 <file path=ppt/slides/slide10.xml><?xml version="1.0" encoding="utf-8"?>
-<p:sld xmlns:a="http://schemas.openxmlformats.org/drawingml/2006/main" xmlns:r="http://schemas.openxmlformats.org/officeDocument/2006/relationships" xmlns:p="http://schemas.openxmlformats.org/presentationml/2006/main">
-  <p:cSld>
-    <p:spTree>
-      <p:nvGrpSpPr>
-        <p:cNvPr id="1" name=""/>
-        <p:cNvGrpSpPr/>
-        <p:nvPr/>
-      </p:nvGrpSpPr>
-      <p:grpSpPr>
-        <a:xfrm>
-          <a:off x="0" y="0"/>
-          <a:ext cx="0" cy="0"/>
-          <a:chOff x="0" y="0"/>
-          <a:chExt cx="0" cy="0"/>
-        </a:xfrm>
-      </p:grpSpPr>
-      <p:sp>
-        <p:nvSpPr>
-          <p:cNvPr id="6" name="Title 5">
-            <a:extLst>
-              <a:ext uri="{FF2B5EF4-FFF2-40B4-BE49-F238E27FC236}">
-                <a16:creationId xmlns:a16="http://schemas.microsoft.com/office/drawing/2014/main" id="{796646DD-9771-4241-9017-A1226C4F0655}"/>
-              </a:ext>
-            </a:extLst>
-          </p:cNvPr>
-          <p:cNvSpPr>
-            <a:spLocks noGrp="1"/>
-          </p:cNvSpPr>
-          <p:nvPr>
-            <p:ph type="title"/>
-          </p:nvPr>
-        </p:nvSpPr>
-        <p:spPr>
-          <a:xfrm>
-            <a:off x="1371600" y="795528"/>
-            <a:ext cx="10241280" cy="1234440"/>
-          </a:xfrm>
-        </p:spPr>
-        <p:txBody>
-          <a:bodyPr rtlCol="0"/>
-          <a:lstStyle/>
-          <a:p>
-            <a:pPr rtl="0"/>
-            <a:r>
-              <a:rPr lang="en-GB"/>
-              <a:t>content</a:t>
-            </a:r>
-          </a:p>
-        </p:txBody>
-      </p:sp>
-      <p:sp>
-        <p:nvSpPr>
-          <p:cNvPr id="2" name="Footer Placeholder 1">
-            <a:extLst>
-              <a:ext uri="{FF2B5EF4-FFF2-40B4-BE49-F238E27FC236}">
-                <a16:creationId xmlns:a16="http://schemas.microsoft.com/office/drawing/2014/main" id="{18BA7DF5-0D60-4A7E-ADA0-055736BA9EDD}"/>
-              </a:ext>
-            </a:extLst>
-          </p:cNvPr>
-          <p:cNvSpPr>
-            <a:spLocks noGrp="1"/>
-          </p:cNvSpPr>
-          <p:nvPr>
-            <p:ph type="ftr" sz="quarter" idx="11"/>
-          </p:nvPr>
-        </p:nvSpPr>
-        <p:spPr>
-          <a:xfrm rot="5400000">
-            <a:off x="-1828800" y="1911096"/>
-            <a:ext cx="4114800" cy="457200"/>
-          </a:xfrm>
-        </p:spPr>
-        <p:txBody>
-          <a:bodyPr rtlCol="0"/>
-          <a:lstStyle/>
-          <a:p>
-            <a:pPr rtl="0"/>
-            <a:r>
-              <a:rPr lang="en-GB"/>
-              <a:t>Sample Footer Text</a:t>
-            </a:r>
-          </a:p>
-        </p:txBody>
-      </p:sp>
-      <p:sp>
-        <p:nvSpPr>
-          <p:cNvPr id="7" name="Text Placeholder 6">
-            <a:extLst>
-              <a:ext uri="{FF2B5EF4-FFF2-40B4-BE49-F238E27FC236}">
-                <a16:creationId xmlns:a16="http://schemas.microsoft.com/office/drawing/2014/main" id="{919CE106-2B1C-439F-9798-7B9D0616AD85}"/>
-              </a:ext>
-            </a:extLst>
-          </p:cNvPr>
-          <p:cNvSpPr>
-            <a:spLocks noGrp="1"/>
-          </p:cNvSpPr>
-          <p:nvPr>
-            <p:ph type="body" idx="1"/>
-          </p:nvPr>
-        </p:nvSpPr>
-        <p:spPr>
-          <a:xfrm>
-            <a:off x="1371600" y="2112264"/>
-            <a:ext cx="4841076" cy="823912"/>
-          </a:xfrm>
-        </p:spPr>
-        <p:txBody>
-          <a:bodyPr rtlCol="0"/>
-          <a:lstStyle/>
-          <a:p>
-            <a:pPr rtl="0"/>
-            <a:r>
-              <a:rPr lang="en-GB"/>
-              <a:t>Subtitle</a:t>
-            </a:r>
-          </a:p>
-        </p:txBody>
-      </p:sp>
-      <p:sp>
-        <p:nvSpPr>
-          <p:cNvPr id="8" name="Content Placeholder 7">
-            <a:extLst>
-              <a:ext uri="{FF2B5EF4-FFF2-40B4-BE49-F238E27FC236}">
-                <a16:creationId xmlns:a16="http://schemas.microsoft.com/office/drawing/2014/main" id="{170F1437-7C61-4D91-B080-B0C80E5D4EF7}"/>
-              </a:ext>
-            </a:extLst>
-          </p:cNvPr>
-          <p:cNvSpPr>
-            <a:spLocks noGrp="1"/>
-          </p:cNvSpPr>
-          <p:nvPr>
-            <p:ph sz="half" idx="2"/>
-          </p:nvPr>
-        </p:nvSpPr>
-        <p:spPr>
-          <a:xfrm>
-            <a:off x="1371600" y="3018472"/>
-            <a:ext cx="4841076" cy="3104856"/>
-          </a:xfrm>
-        </p:spPr>
-        <p:txBody>
-          <a:bodyPr rtlCol="0">
-            <a:normAutofit fontScale="92500"/>
-          </a:bodyPr>
-          <a:lstStyle/>
-          <a:p>
-            <a:pPr rtl="0"/>
-            <a:r>
-              <a:rPr lang="en-GB"/>
-              <a:t>Add text, images, art, and videos.</a:t>
-            </a:r>
-          </a:p>
-          <a:p>
-            <a:pPr rtl="0"/>
-            <a:r>
-              <a:rPr lang="en-GB"/>
-              <a:t>Add transitions, animations, and motion.</a:t>
-            </a:r>
-          </a:p>
-          <a:p>
-            <a:pPr rtl="0"/>
-            <a:r>
-              <a:rPr lang="en-GB"/>
-              <a:t>Save to One Drive, to get to your presentations from your computer, tablet, or phone.</a:t>
-            </a:r>
-          </a:p>
-          <a:p>
-            <a:pPr rtl="0"/>
-            <a:r>
-              <a:rPr lang="en-GB"/>
-              <a:t>Add text, images, art, and videos.</a:t>
-            </a:r>
-          </a:p>
-          <a:p>
-            <a:pPr rtl="0"/>
-            <a:r>
-              <a:rPr lang="en-GB"/>
-              <a:t>Add transitions, animations, and motion.</a:t>
-            </a:r>
-          </a:p>
-        </p:txBody>
-      </p:sp>
-      <p:sp>
-        <p:nvSpPr>
-          <p:cNvPr id="9" name="Text Placeholder 8">
-            <a:extLst>
-              <a:ext uri="{FF2B5EF4-FFF2-40B4-BE49-F238E27FC236}">
-                <a16:creationId xmlns:a16="http://schemas.microsoft.com/office/drawing/2014/main" id="{1DA21DAF-879A-47B0-B70D-76461CFBB18A}"/>
-              </a:ext>
-            </a:extLst>
-          </p:cNvPr>
-          <p:cNvSpPr>
-            <a:spLocks noGrp="1"/>
-          </p:cNvSpPr>
-          <p:nvPr>
-            <p:ph type="body" sz="quarter" idx="3"/>
-          </p:nvPr>
-        </p:nvSpPr>
-        <p:spPr>
-          <a:xfrm>
-            <a:off x="6766560" y="2112264"/>
-            <a:ext cx="4846320" cy="823912"/>
-          </a:xfrm>
-        </p:spPr>
-        <p:txBody>
-          <a:bodyPr rtlCol="0"/>
-          <a:lstStyle/>
-          <a:p>
-            <a:pPr rtl="0"/>
-            <a:r>
-              <a:rPr lang="en-GB"/>
-              <a:t>Subtitle</a:t>
-            </a:r>
-          </a:p>
-        </p:txBody>
-      </p:sp>
-      <p:sp>
-        <p:nvSpPr>
-          <p:cNvPr id="10" name="Content Placeholder 9">
-            <a:extLst>
-              <a:ext uri="{FF2B5EF4-FFF2-40B4-BE49-F238E27FC236}">
-                <a16:creationId xmlns:a16="http://schemas.microsoft.com/office/drawing/2014/main" id="{289C50EF-21A2-4017-B5C6-084510E6828D}"/>
-              </a:ext>
-            </a:extLst>
-          </p:cNvPr>
-          <p:cNvSpPr>
-            <a:spLocks noGrp="1"/>
-          </p:cNvSpPr>
-          <p:nvPr>
-            <p:ph sz="quarter" idx="4"/>
-          </p:nvPr>
-        </p:nvSpPr>
-        <p:spPr>
-          <a:xfrm>
-            <a:off x="6766560" y="3018471"/>
-            <a:ext cx="4841076" cy="3104857"/>
-          </a:xfrm>
-        </p:spPr>
-        <p:txBody>
-          <a:bodyPr rtlCol="0">
-            <a:normAutofit fontScale="92500"/>
-          </a:bodyPr>
-          <a:lstStyle/>
-          <a:p>
-            <a:pPr rtl="0"/>
-            <a:r>
-              <a:rPr lang="en-GB"/>
-              <a:t>Add text, images, art, and videos.</a:t>
-            </a:r>
-          </a:p>
-          <a:p>
-            <a:pPr rtl="0"/>
-            <a:r>
-              <a:rPr lang="en-GB"/>
-              <a:t>Add transitions, animations, and motion.</a:t>
-            </a:r>
-          </a:p>
-          <a:p>
-            <a:pPr rtl="0"/>
-            <a:r>
-              <a:rPr lang="en-GB"/>
-              <a:t>Save to One Drive, to get to your presentations from your computer, tablet, or phone.</a:t>
-            </a:r>
-          </a:p>
-          <a:p>
-            <a:pPr rtl="0"/>
-            <a:r>
-              <a:rPr lang="en-GB"/>
-              <a:t>Add text, images, art, and videos.</a:t>
-            </a:r>
-          </a:p>
-          <a:p>
-            <a:pPr rtl="0"/>
-            <a:r>
-              <a:rPr lang="en-GB"/>
-              <a:t>Add transitions, animations, and motion.</a:t>
-            </a:r>
-          </a:p>
-          <a:p>
-            <a:pPr rtl="0"/>
-            <a:endParaRPr lang="en-GB" dirty="0"/>
-          </a:p>
-        </p:txBody>
-      </p:sp>
-      <p:sp>
-        <p:nvSpPr>
-          <p:cNvPr id="14" name="Date Placeholder 13">
-            <a:extLst>
-              <a:ext uri="{FF2B5EF4-FFF2-40B4-BE49-F238E27FC236}">
-                <a16:creationId xmlns:a16="http://schemas.microsoft.com/office/drawing/2014/main" id="{7C0C8496-3347-458C-A9DA-C0C7BA01F90F}"/>
-              </a:ext>
-            </a:extLst>
-          </p:cNvPr>
-          <p:cNvSpPr>
-            <a:spLocks noGrp="1"/>
-          </p:cNvSpPr>
-          <p:nvPr>
-            <p:ph type="dt" sz="half" idx="10"/>
-          </p:nvPr>
-        </p:nvSpPr>
-        <p:spPr>
-          <a:xfrm>
-            <a:off x="7909560" y="6409944"/>
-            <a:ext cx="3703320" cy="448056"/>
-          </a:xfrm>
-        </p:spPr>
-        <p:txBody>
-          <a:bodyPr rtlCol="0"/>
-          <a:lstStyle/>
-          <a:p>
-            <a:pPr rtl="0"/>
-            <a:r>
-              <a:rPr lang="en-GB"/>
-              <a:t>Monday, February 1, 20XX</a:t>
-            </a:r>
-          </a:p>
-        </p:txBody>
-      </p:sp>
-      <p:sp>
-        <p:nvSpPr>
-          <p:cNvPr id="16" name="Slide Number Placeholder 15">
-            <a:extLst>
-              <a:ext uri="{FF2B5EF4-FFF2-40B4-BE49-F238E27FC236}">
-                <a16:creationId xmlns:a16="http://schemas.microsoft.com/office/drawing/2014/main" id="{B4425451-8618-441E-9D12-2D59D6AD1B9D}"/>
-              </a:ext>
-            </a:extLst>
-          </p:cNvPr>
-          <p:cNvSpPr>
-            <a:spLocks noGrp="1"/>
-          </p:cNvSpPr>
-          <p:nvPr>
-            <p:ph type="sldNum" sz="quarter" idx="12"/>
-          </p:nvPr>
-        </p:nvSpPr>
-        <p:spPr>
-          <a:xfrm>
-            <a:off x="11667744" y="6409944"/>
-            <a:ext cx="438912" cy="448056"/>
-          </a:xfrm>
-        </p:spPr>
-        <p:txBody>
-          <a:bodyPr rtlCol="0"/>
-          <a:lstStyle/>
-          <a:p>
-            <a:pPr rtl="0"/>
-            <a:fld id="{C01389E6-C847-4AD0-B56D-D205B2EAB1EE}" type="slidenum">
-              <a:rPr lang="en-GB" smtClean="0"/>
-              <a:pPr/>
-              <a:t>10</a:t>
-            </a:fld>
-            <a:endParaRPr lang="en-GB" dirty="0"/>
-          </a:p>
-        </p:txBody>
-      </p:sp>
-    </p:spTree>
-    <p:extLst>
-      <p:ext uri="{BB962C8B-B14F-4D97-AF65-F5344CB8AC3E}">
-        <p14:creationId xmlns:p14="http://schemas.microsoft.com/office/powerpoint/2010/main" val="1360356816"/>
-      </p:ext>
-    </p:extLst>
-  </p:cSld>
-  <p:clrMapOvr>
-    <a:masterClrMapping/>
-  </p:clrMapOvr>
-</p:sld>
-</file>
-
-<file path=ppt/slides/slide11.xml><?xml version="1.0" encoding="utf-8"?>
-<p:sld xmlns:a="http://schemas.openxmlformats.org/drawingml/2006/main" xmlns:r="http://schemas.openxmlformats.org/officeDocument/2006/relationships" xmlns:p="http://schemas.openxmlformats.org/presentationml/2006/main">
-  <p:cSld>
-    <p:spTree>
-      <p:nvGrpSpPr>
-        <p:cNvPr id="1" name=""/>
-        <p:cNvGrpSpPr/>
-        <p:nvPr/>
-      </p:nvGrpSpPr>
-      <p:grpSpPr>
-        <a:xfrm>
-          <a:off x="0" y="0"/>
-          <a:ext cx="0" cy="0"/>
-          <a:chOff x="0" y="0"/>
-          <a:chExt cx="0" cy="0"/>
-        </a:xfrm>
-      </p:grpSpPr>
-      <p:sp>
-        <p:nvSpPr>
-          <p:cNvPr id="8" name="Title 7">
-            <a:extLst>
-              <a:ext uri="{FF2B5EF4-FFF2-40B4-BE49-F238E27FC236}">
-                <a16:creationId xmlns:a16="http://schemas.microsoft.com/office/drawing/2014/main" id="{D7B820C0-182D-42F4-8707-5CC4A745D15D}"/>
-              </a:ext>
-            </a:extLst>
-          </p:cNvPr>
-          <p:cNvSpPr>
-            <a:spLocks noGrp="1"/>
-          </p:cNvSpPr>
-          <p:nvPr>
-            <p:ph type="title"/>
-          </p:nvPr>
-        </p:nvSpPr>
-        <p:spPr>
-          <a:xfrm>
-            <a:off x="1371600" y="795528"/>
-            <a:ext cx="10241280" cy="1234440"/>
-          </a:xfrm>
-        </p:spPr>
-        <p:txBody>
-          <a:bodyPr rtlCol="0"/>
-          <a:lstStyle/>
-          <a:p>
-            <a:pPr rtl="0"/>
-            <a:r>
-              <a:rPr lang="en-GB"/>
-              <a:t>Content 2</a:t>
-            </a:r>
-          </a:p>
-        </p:txBody>
-      </p:sp>
-      <p:sp>
-        <p:nvSpPr>
-          <p:cNvPr id="14" name="Footer Placeholder 13">
-            <a:extLst>
-              <a:ext uri="{FF2B5EF4-FFF2-40B4-BE49-F238E27FC236}">
-                <a16:creationId xmlns:a16="http://schemas.microsoft.com/office/drawing/2014/main" id="{EC5535F9-DB15-409A-BCC6-52A919692070}"/>
-              </a:ext>
-            </a:extLst>
-          </p:cNvPr>
-          <p:cNvSpPr>
-            <a:spLocks noGrp="1"/>
-          </p:cNvSpPr>
-          <p:nvPr>
-            <p:ph type="ftr" sz="quarter" idx="11"/>
-          </p:nvPr>
-        </p:nvSpPr>
-        <p:spPr>
-          <a:xfrm rot="5400000">
-            <a:off x="-1828800" y="1911096"/>
-            <a:ext cx="4114800" cy="457200"/>
-          </a:xfrm>
-        </p:spPr>
-        <p:txBody>
-          <a:bodyPr rtlCol="0"/>
-          <a:lstStyle/>
-          <a:p>
-            <a:pPr rtl="0"/>
-            <a:r>
-              <a:rPr lang="en-GB"/>
-              <a:t>Sample Footer Text</a:t>
-            </a:r>
-          </a:p>
-        </p:txBody>
-      </p:sp>
-      <p:sp>
-        <p:nvSpPr>
-          <p:cNvPr id="2" name="Text Placeholder 1">
-            <a:extLst>
-              <a:ext uri="{FF2B5EF4-FFF2-40B4-BE49-F238E27FC236}">
-                <a16:creationId xmlns:a16="http://schemas.microsoft.com/office/drawing/2014/main" id="{D54DDEAB-A1D8-45E5-B8F9-54AF382754D8}"/>
-              </a:ext>
-            </a:extLst>
-          </p:cNvPr>
-          <p:cNvSpPr>
-            <a:spLocks noGrp="1"/>
-          </p:cNvSpPr>
-          <p:nvPr>
-            <p:ph type="body" idx="1"/>
-          </p:nvPr>
-        </p:nvSpPr>
-        <p:spPr>
-          <a:xfrm>
-            <a:off x="1371600" y="2112264"/>
-            <a:ext cx="3200400" cy="823912"/>
-          </a:xfrm>
-        </p:spPr>
-        <p:txBody>
-          <a:bodyPr rtlCol="0"/>
-          <a:lstStyle/>
-          <a:p>
-            <a:pPr rtl="0"/>
-            <a:r>
-              <a:rPr lang="en-GB"/>
-              <a:t>Subtitle</a:t>
-            </a:r>
-          </a:p>
-        </p:txBody>
-      </p:sp>
-      <p:sp>
-        <p:nvSpPr>
-          <p:cNvPr id="3" name="Content Placeholder 2">
-            <a:extLst>
-              <a:ext uri="{FF2B5EF4-FFF2-40B4-BE49-F238E27FC236}">
-                <a16:creationId xmlns:a16="http://schemas.microsoft.com/office/drawing/2014/main" id="{9290A70A-B7A4-4395-BFBC-6889EE79D2B3}"/>
-              </a:ext>
-            </a:extLst>
-          </p:cNvPr>
-          <p:cNvSpPr>
-            <a:spLocks noGrp="1"/>
-          </p:cNvSpPr>
-          <p:nvPr>
-            <p:ph sz="half" idx="2"/>
-          </p:nvPr>
-        </p:nvSpPr>
-        <p:spPr>
-          <a:xfrm>
-            <a:off x="1371600" y="3018472"/>
-            <a:ext cx="3200400" cy="3104856"/>
-          </a:xfrm>
-        </p:spPr>
-        <p:txBody>
-          <a:bodyPr rtlCol="0">
-            <a:normAutofit fontScale="70000" lnSpcReduction="20000"/>
-          </a:bodyPr>
-          <a:lstStyle/>
-          <a:p>
-            <a:pPr rtl="0"/>
-            <a:r>
-              <a:rPr lang="en-GB"/>
-              <a:t>Add text, images, art, and videos.</a:t>
-            </a:r>
-          </a:p>
-          <a:p>
-            <a:pPr rtl="0"/>
-            <a:r>
-              <a:rPr lang="en-GB"/>
-              <a:t>Add transitions, animations, and motion.</a:t>
-            </a:r>
-          </a:p>
-          <a:p>
-            <a:pPr rtl="0"/>
-            <a:r>
-              <a:rPr lang="en-GB"/>
-              <a:t>Save to One Drive, to get to your presentations from your computer, tablet, or phone.</a:t>
-            </a:r>
-          </a:p>
-          <a:p>
-            <a:pPr rtl="0"/>
-            <a:r>
-              <a:rPr lang="en-GB"/>
-              <a:t>Add text, images, art, and videos.</a:t>
-            </a:r>
-          </a:p>
-          <a:p>
-            <a:pPr rtl="0"/>
-            <a:r>
-              <a:rPr lang="en-GB"/>
-              <a:t>Add transitions, animations, and motion.</a:t>
-            </a:r>
-          </a:p>
-        </p:txBody>
-      </p:sp>
-      <p:sp>
-        <p:nvSpPr>
-          <p:cNvPr id="4" name="Text Placeholder 3">
-            <a:extLst>
-              <a:ext uri="{FF2B5EF4-FFF2-40B4-BE49-F238E27FC236}">
-                <a16:creationId xmlns:a16="http://schemas.microsoft.com/office/drawing/2014/main" id="{22BD1F5F-2C0D-469F-B9D7-F62887EF92CF}"/>
-              </a:ext>
-            </a:extLst>
-          </p:cNvPr>
-          <p:cNvSpPr>
-            <a:spLocks noGrp="1"/>
-          </p:cNvSpPr>
-          <p:nvPr>
-            <p:ph type="body" sz="quarter" idx="3"/>
-          </p:nvPr>
-        </p:nvSpPr>
-        <p:spPr>
-          <a:xfrm>
-            <a:off x="4892040" y="2109976"/>
-            <a:ext cx="3200400" cy="823912"/>
-          </a:xfrm>
-        </p:spPr>
-        <p:txBody>
-          <a:bodyPr rtlCol="0"/>
-          <a:lstStyle/>
-          <a:p>
-            <a:pPr rtl="0"/>
-            <a:r>
-              <a:rPr lang="en-GB"/>
-              <a:t>Subtitle</a:t>
-            </a:r>
-          </a:p>
-        </p:txBody>
-      </p:sp>
-      <p:sp>
-        <p:nvSpPr>
-          <p:cNvPr id="5" name="Content Placeholder 4">
-            <a:extLst>
-              <a:ext uri="{FF2B5EF4-FFF2-40B4-BE49-F238E27FC236}">
-                <a16:creationId xmlns:a16="http://schemas.microsoft.com/office/drawing/2014/main" id="{F456CC6B-4AA1-4424-8333-65754C5AE4D4}"/>
-              </a:ext>
-            </a:extLst>
-          </p:cNvPr>
-          <p:cNvSpPr>
-            <a:spLocks noGrp="1"/>
-          </p:cNvSpPr>
-          <p:nvPr>
-            <p:ph sz="quarter" idx="4"/>
-          </p:nvPr>
-        </p:nvSpPr>
-        <p:spPr>
-          <a:xfrm>
-            <a:off x="4892040" y="3016183"/>
-            <a:ext cx="3200400" cy="3104857"/>
-          </a:xfrm>
-        </p:spPr>
-        <p:txBody>
-          <a:bodyPr rtlCol="0">
-            <a:normAutofit fontScale="70000" lnSpcReduction="20000"/>
-          </a:bodyPr>
-          <a:lstStyle/>
-          <a:p>
-            <a:pPr rtl="0"/>
-            <a:r>
-              <a:rPr lang="en-GB"/>
-              <a:t>Add text, images, art, and videos.</a:t>
-            </a:r>
-          </a:p>
-          <a:p>
-            <a:pPr rtl="0"/>
-            <a:r>
-              <a:rPr lang="en-GB"/>
-              <a:t>Add transitions, animations, and motion.</a:t>
-            </a:r>
-          </a:p>
-          <a:p>
-            <a:pPr rtl="0"/>
-            <a:r>
-              <a:rPr lang="en-GB"/>
-              <a:t>Save to One Drive, to get to your presentations from your computer, tablet, or phone.</a:t>
-            </a:r>
-          </a:p>
-          <a:p>
-            <a:pPr rtl="0"/>
-            <a:r>
-              <a:rPr lang="en-GB"/>
-              <a:t>Add text, images, art, and videos.</a:t>
-            </a:r>
-          </a:p>
-          <a:p>
-            <a:pPr rtl="0"/>
-            <a:r>
-              <a:rPr lang="en-GB"/>
-              <a:t>Add transitions, animations, and motion.</a:t>
-            </a:r>
-          </a:p>
-        </p:txBody>
-      </p:sp>
-      <p:sp>
-        <p:nvSpPr>
-          <p:cNvPr id="9" name="Text Placeholder 8">
-            <a:extLst>
-              <a:ext uri="{FF2B5EF4-FFF2-40B4-BE49-F238E27FC236}">
-                <a16:creationId xmlns:a16="http://schemas.microsoft.com/office/drawing/2014/main" id="{3E04CE81-6A28-4EA4-BA58-E94D051A3BC1}"/>
-              </a:ext>
-            </a:extLst>
-          </p:cNvPr>
-          <p:cNvSpPr>
-            <a:spLocks noGrp="1"/>
-          </p:cNvSpPr>
-          <p:nvPr>
-            <p:ph type="body" sz="quarter" idx="13"/>
-          </p:nvPr>
-        </p:nvSpPr>
-        <p:spPr>
-          <a:xfrm>
-            <a:off x="8412480" y="2112263"/>
-            <a:ext cx="3200400" cy="823912"/>
-          </a:xfrm>
-        </p:spPr>
-        <p:txBody>
-          <a:bodyPr rtlCol="0"/>
-          <a:lstStyle/>
-          <a:p>
-            <a:pPr rtl="0"/>
-            <a:r>
-              <a:rPr lang="en-GB"/>
-              <a:t>Subtitle</a:t>
-            </a:r>
-          </a:p>
-        </p:txBody>
-      </p:sp>
-      <p:sp>
-        <p:nvSpPr>
-          <p:cNvPr id="10" name="Content Placeholder 9">
-            <a:extLst>
-              <a:ext uri="{FF2B5EF4-FFF2-40B4-BE49-F238E27FC236}">
-                <a16:creationId xmlns:a16="http://schemas.microsoft.com/office/drawing/2014/main" id="{3A996BD0-4A93-4EF8-8348-686D9CB3C977}"/>
-              </a:ext>
-            </a:extLst>
-          </p:cNvPr>
-          <p:cNvSpPr>
-            <a:spLocks noGrp="1"/>
-          </p:cNvSpPr>
-          <p:nvPr>
-            <p:ph sz="quarter" idx="14"/>
-          </p:nvPr>
-        </p:nvSpPr>
-        <p:spPr>
-          <a:xfrm>
-            <a:off x="8412480" y="3018470"/>
-            <a:ext cx="3200400" cy="3104857"/>
-          </a:xfrm>
-        </p:spPr>
-        <p:txBody>
-          <a:bodyPr rtlCol="0">
-            <a:normAutofit fontScale="70000" lnSpcReduction="20000"/>
-          </a:bodyPr>
-          <a:lstStyle/>
-          <a:p>
-            <a:pPr rtl="0"/>
-            <a:r>
-              <a:rPr lang="en-GB"/>
-              <a:t>Add text, images, art, and videos.</a:t>
-            </a:r>
-          </a:p>
-          <a:p>
-            <a:pPr rtl="0"/>
-            <a:r>
-              <a:rPr lang="en-GB"/>
-              <a:t>Add transitions, animations, and motion.</a:t>
-            </a:r>
-          </a:p>
-          <a:p>
-            <a:pPr rtl="0"/>
-            <a:r>
-              <a:rPr lang="en-GB"/>
-              <a:t>Save to One Drive, to get to your presentations from your computer, tablet, or phone.</a:t>
-            </a:r>
-          </a:p>
-          <a:p>
-            <a:pPr rtl="0"/>
-            <a:r>
-              <a:rPr lang="en-GB"/>
-              <a:t>Add text, images, art, and videos.</a:t>
-            </a:r>
-          </a:p>
-          <a:p>
-            <a:pPr rtl="0"/>
-            <a:r>
-              <a:rPr lang="en-GB"/>
-              <a:t>Add transitions, animations, and motion.</a:t>
-            </a:r>
-          </a:p>
-        </p:txBody>
-      </p:sp>
-      <p:sp>
-        <p:nvSpPr>
-          <p:cNvPr id="6" name="Date Placeholder 5">
-            <a:extLst>
-              <a:ext uri="{FF2B5EF4-FFF2-40B4-BE49-F238E27FC236}">
-                <a16:creationId xmlns:a16="http://schemas.microsoft.com/office/drawing/2014/main" id="{256B2184-E681-4C0F-B7BE-487EF89C01F1}"/>
-              </a:ext>
-            </a:extLst>
-          </p:cNvPr>
-          <p:cNvSpPr>
-            <a:spLocks noGrp="1"/>
-          </p:cNvSpPr>
-          <p:nvPr>
-            <p:ph type="dt" sz="half" idx="10"/>
-          </p:nvPr>
-        </p:nvSpPr>
-        <p:spPr>
-          <a:xfrm>
-            <a:off x="7909560" y="6409944"/>
-            <a:ext cx="3703320" cy="448056"/>
-          </a:xfrm>
-        </p:spPr>
-        <p:txBody>
-          <a:bodyPr rtlCol="0"/>
-          <a:lstStyle/>
-          <a:p>
-            <a:pPr rtl="0"/>
-            <a:r>
-              <a:rPr lang="en-GB"/>
-              <a:t>Monday, February 1, 20XX</a:t>
-            </a:r>
-          </a:p>
-        </p:txBody>
-      </p:sp>
-      <p:sp>
-        <p:nvSpPr>
-          <p:cNvPr id="7" name="Slide Number Placeholder 6">
-            <a:extLst>
-              <a:ext uri="{FF2B5EF4-FFF2-40B4-BE49-F238E27FC236}">
-                <a16:creationId xmlns:a16="http://schemas.microsoft.com/office/drawing/2014/main" id="{2AE7E0D2-79BA-4A99-B0A5-6C7F621F51B7}"/>
-              </a:ext>
-            </a:extLst>
-          </p:cNvPr>
-          <p:cNvSpPr>
-            <a:spLocks noGrp="1"/>
-          </p:cNvSpPr>
-          <p:nvPr>
-            <p:ph type="sldNum" sz="quarter" idx="12"/>
-          </p:nvPr>
-        </p:nvSpPr>
-        <p:spPr>
-          <a:xfrm>
-            <a:off x="11667744" y="6409944"/>
-            <a:ext cx="438912" cy="448056"/>
-          </a:xfrm>
-        </p:spPr>
-        <p:txBody>
-          <a:bodyPr rtlCol="0"/>
-          <a:lstStyle/>
-          <a:p>
-            <a:pPr rtl="0"/>
-            <a:fld id="{C01389E6-C847-4AD0-B56D-D205B2EAB1EE}" type="slidenum">
-              <a:rPr lang="en-GB" smtClean="0"/>
-              <a:pPr/>
-              <a:t>11</a:t>
-            </a:fld>
-            <a:endParaRPr lang="en-GB" dirty="0"/>
-          </a:p>
-        </p:txBody>
-      </p:sp>
-    </p:spTree>
-    <p:extLst>
-      <p:ext uri="{BB962C8B-B14F-4D97-AF65-F5344CB8AC3E}">
-        <p14:creationId xmlns:p14="http://schemas.microsoft.com/office/powerpoint/2010/main" val="607991963"/>
-      </p:ext>
-    </p:extLst>
-  </p:cSld>
-  <p:clrMapOvr>
-    <a:masterClrMapping/>
-  </p:clrMapOvr>
-</p:sld>
-</file>
-
-<file path=ppt/slides/slide12.xml><?xml version="1.0" encoding="utf-8"?>
-<p:sld xmlns:a="http://schemas.openxmlformats.org/drawingml/2006/main" xmlns:r="http://schemas.openxmlformats.org/officeDocument/2006/relationships" xmlns:p="http://schemas.openxmlformats.org/presentationml/2006/main">
-  <p:cSld>
-    <p:spTree>
-      <p:nvGrpSpPr>
-        <p:cNvPr id="1" name=""/>
-        <p:cNvGrpSpPr/>
-        <p:nvPr/>
-      </p:nvGrpSpPr>
-      <p:grpSpPr>
-        <a:xfrm>
-          <a:off x="0" y="0"/>
-          <a:ext cx="0" cy="0"/>
-          <a:chOff x="0" y="0"/>
-          <a:chExt cx="0" cy="0"/>
-        </a:xfrm>
-      </p:grpSpPr>
-      <p:sp>
-        <p:nvSpPr>
-          <p:cNvPr id="2" name="Title 1">
-            <a:extLst>
-              <a:ext uri="{FF2B5EF4-FFF2-40B4-BE49-F238E27FC236}">
-                <a16:creationId xmlns:a16="http://schemas.microsoft.com/office/drawing/2014/main" id="{47490EC0-C38C-41A8-A532-E2716966A416}"/>
-              </a:ext>
-            </a:extLst>
-          </p:cNvPr>
-          <p:cNvSpPr>
-            <a:spLocks noGrp="1"/>
-          </p:cNvSpPr>
-          <p:nvPr>
-            <p:ph type="title"/>
-          </p:nvPr>
-        </p:nvSpPr>
-        <p:spPr>
-          <a:xfrm>
-            <a:off x="914400" y="758997"/>
-            <a:ext cx="3319895" cy="5381177"/>
-          </a:xfrm>
-        </p:spPr>
-        <p:txBody>
-          <a:bodyPr rtlCol="0"/>
-          <a:lstStyle/>
-          <a:p>
-            <a:pPr rtl="0"/>
-            <a:r>
-              <a:rPr lang="en-GB"/>
-              <a:t>Summary</a:t>
-            </a:r>
-          </a:p>
-        </p:txBody>
-      </p:sp>
-      <p:sp>
-        <p:nvSpPr>
-          <p:cNvPr id="7" name="Footer Placeholder 6">
-            <a:extLst>
-              <a:ext uri="{FF2B5EF4-FFF2-40B4-BE49-F238E27FC236}">
-                <a16:creationId xmlns:a16="http://schemas.microsoft.com/office/drawing/2014/main" id="{03C140D9-DDE2-4EEE-9B93-90EF3D3A08AB}"/>
-              </a:ext>
-            </a:extLst>
-          </p:cNvPr>
-          <p:cNvSpPr>
-            <a:spLocks noGrp="1"/>
-          </p:cNvSpPr>
-          <p:nvPr>
-            <p:ph type="ftr" sz="quarter" idx="11"/>
-          </p:nvPr>
-        </p:nvSpPr>
-        <p:spPr>
-          <a:xfrm rot="5400000">
-            <a:off x="-1828800" y="1911096"/>
-            <a:ext cx="4114800" cy="457200"/>
-          </a:xfrm>
-        </p:spPr>
-        <p:txBody>
-          <a:bodyPr rtlCol="0"/>
-          <a:lstStyle/>
-          <a:p>
-            <a:pPr rtl="0"/>
-            <a:r>
-              <a:rPr lang="en-GB"/>
-              <a:t>Sample Footer Text</a:t>
-            </a:r>
-          </a:p>
-        </p:txBody>
-      </p:sp>
-      <p:pic>
-        <p:nvPicPr>
-          <p:cNvPr id="10" name="Picture Placeholder 9" descr="A close - up of a trumpet">
-            <a:extLst>
-              <a:ext uri="{FF2B5EF4-FFF2-40B4-BE49-F238E27FC236}">
-                <a16:creationId xmlns:a16="http://schemas.microsoft.com/office/drawing/2014/main" id="{C7AC6189-076B-4290-9627-23ADDBA25A6A}"/>
-              </a:ext>
-            </a:extLst>
-          </p:cNvPr>
-          <p:cNvPicPr>
-            <a:picLocks noGrp="1" noChangeAspect="1"/>
-          </p:cNvPicPr>
-          <p:nvPr>
-            <p:ph type="pic" sz="quarter" idx="13"/>
-          </p:nvPr>
-        </p:nvPicPr>
-        <p:blipFill rotWithShape="1">
-          <a:blip r:embed="rId2" cstate="screen">
-            <a:extLst>
-              <a:ext uri="{28A0092B-C50C-407E-A947-70E740481C1C}">
-                <a14:useLocalDpi xmlns:a14="http://schemas.microsoft.com/office/drawing/2010/main" val="0"/>
-              </a:ext>
-            </a:extLst>
-          </a:blip>
-          <a:srcRect/>
-          <a:stretch/>
-        </p:blipFill>
-        <p:spPr>
-          <a:xfrm>
-            <a:off x="4608576" y="758952"/>
-            <a:ext cx="2962656" cy="2514600"/>
-          </a:xfrm>
-        </p:spPr>
-      </p:pic>
-      <p:pic>
-        <p:nvPicPr>
-          <p:cNvPr id="12" name="Picture Placeholder 11" descr="A close - up of a violin">
-            <a:extLst>
-              <a:ext uri="{FF2B5EF4-FFF2-40B4-BE49-F238E27FC236}">
-                <a16:creationId xmlns:a16="http://schemas.microsoft.com/office/drawing/2014/main" id="{21291091-9FC2-4F30-84FB-DB4A41BB216F}"/>
-              </a:ext>
-            </a:extLst>
-          </p:cNvPr>
-          <p:cNvPicPr>
-            <a:picLocks noGrp="1" noChangeAspect="1"/>
-          </p:cNvPicPr>
-          <p:nvPr>
-            <p:ph type="pic" sz="quarter" idx="14"/>
-          </p:nvPr>
-        </p:nvPicPr>
-        <p:blipFill rotWithShape="1">
-          <a:blip r:embed="rId3" cstate="screen">
-            <a:extLst>
-              <a:ext uri="{28A0092B-C50C-407E-A947-70E740481C1C}">
-                <a14:useLocalDpi xmlns:a14="http://schemas.microsoft.com/office/drawing/2010/main" val="0"/>
-              </a:ext>
-            </a:extLst>
-          </a:blip>
-          <a:srcRect/>
-          <a:stretch/>
-        </p:blipFill>
-        <p:spPr>
-          <a:xfrm>
-            <a:off x="4608576" y="3593592"/>
-            <a:ext cx="2962656" cy="2514600"/>
-          </a:xfrm>
-        </p:spPr>
-      </p:pic>
-      <p:sp>
-        <p:nvSpPr>
-          <p:cNvPr id="5" name="Content Placeholder 4">
-            <a:extLst>
-              <a:ext uri="{FF2B5EF4-FFF2-40B4-BE49-F238E27FC236}">
-                <a16:creationId xmlns:a16="http://schemas.microsoft.com/office/drawing/2014/main" id="{2BA4F76A-5D04-4CCD-B9EE-29C2A303924B}"/>
-              </a:ext>
-            </a:extLst>
-          </p:cNvPr>
-          <p:cNvSpPr>
-            <a:spLocks noGrp="1"/>
-          </p:cNvSpPr>
-          <p:nvPr>
-            <p:ph sz="quarter" idx="15"/>
-          </p:nvPr>
-        </p:nvSpPr>
-        <p:spPr>
-          <a:xfrm>
-            <a:off x="8089901" y="693738"/>
-            <a:ext cx="3522980" cy="5446712"/>
-          </a:xfrm>
-        </p:spPr>
-        <p:txBody>
-          <a:bodyPr rtlCol="0"/>
-          <a:lstStyle/>
-          <a:p>
-            <a:pPr rtl="0"/>
-            <a:r>
-              <a:rPr lang="en-GB"/>
-              <a:t>With PowerPoint, you can create presentations and share your work with others, wherever they are. Type the text you want here to get started. You can also add images, art, and videos on this template. Save to OneDrive and access your presentations from your computer, tablet, or phone.</a:t>
-            </a:r>
-          </a:p>
-          <a:p>
-            <a:pPr rtl="0"/>
-            <a:endParaRPr lang="en-GB" dirty="0"/>
-          </a:p>
-        </p:txBody>
-      </p:sp>
-      <p:sp>
-        <p:nvSpPr>
-          <p:cNvPr id="3" name="Date Placeholder 2">
-            <a:extLst>
-              <a:ext uri="{FF2B5EF4-FFF2-40B4-BE49-F238E27FC236}">
-                <a16:creationId xmlns:a16="http://schemas.microsoft.com/office/drawing/2014/main" id="{079899AB-59F8-4C4F-9BCC-9130BFD4A58C}"/>
-              </a:ext>
-            </a:extLst>
-          </p:cNvPr>
-          <p:cNvSpPr>
-            <a:spLocks noGrp="1"/>
-          </p:cNvSpPr>
-          <p:nvPr>
-            <p:ph type="dt" sz="half" idx="10"/>
-          </p:nvPr>
-        </p:nvSpPr>
-        <p:spPr>
-          <a:xfrm>
-            <a:off x="7909560" y="6409944"/>
-            <a:ext cx="3703320" cy="448056"/>
-          </a:xfrm>
-        </p:spPr>
-        <p:txBody>
-          <a:bodyPr rtlCol="0"/>
-          <a:lstStyle/>
-          <a:p>
-            <a:pPr rtl="0"/>
-            <a:r>
-              <a:rPr lang="en-GB"/>
-              <a:t>Monday, February 1, 20XX</a:t>
-            </a:r>
-          </a:p>
-        </p:txBody>
-      </p:sp>
-      <p:sp>
-        <p:nvSpPr>
-          <p:cNvPr id="4" name="Slide Number Placeholder 3">
-            <a:extLst>
-              <a:ext uri="{FF2B5EF4-FFF2-40B4-BE49-F238E27FC236}">
-                <a16:creationId xmlns:a16="http://schemas.microsoft.com/office/drawing/2014/main" id="{C50D7BB7-D04B-4D6C-86B1-392E2402794D}"/>
-              </a:ext>
-            </a:extLst>
-          </p:cNvPr>
-          <p:cNvSpPr>
-            <a:spLocks noGrp="1"/>
-          </p:cNvSpPr>
-          <p:nvPr>
-            <p:ph type="sldNum" sz="quarter" idx="12"/>
-          </p:nvPr>
-        </p:nvSpPr>
-        <p:spPr>
-          <a:xfrm>
-            <a:off x="11667744" y="6409944"/>
-            <a:ext cx="438912" cy="448056"/>
-          </a:xfrm>
-        </p:spPr>
-        <p:txBody>
-          <a:bodyPr rtlCol="0"/>
-          <a:lstStyle/>
-          <a:p>
-            <a:pPr rtl="0"/>
-            <a:fld id="{C01389E6-C847-4AD0-B56D-D205B2EAB1EE}" type="slidenum">
-              <a:rPr lang="en-GB" smtClean="0"/>
-              <a:pPr/>
-              <a:t>12</a:t>
-            </a:fld>
-            <a:endParaRPr lang="en-GB" dirty="0"/>
-          </a:p>
-        </p:txBody>
-      </p:sp>
-    </p:spTree>
-    <p:extLst>
-      <p:ext uri="{BB962C8B-B14F-4D97-AF65-F5344CB8AC3E}">
-        <p14:creationId xmlns:p14="http://schemas.microsoft.com/office/powerpoint/2010/main" val="3189488419"/>
-      </p:ext>
-    </p:extLst>
-  </p:cSld>
-  <p:clrMapOvr>
-    <a:masterClrMapping/>
-  </p:clrMapOvr>
-</p:sld>
-</file>
-
-<file path=ppt/slides/slide13.xml><?xml version="1.0" encoding="utf-8"?>
-<p:sld xmlns:a="http://schemas.openxmlformats.org/drawingml/2006/main" xmlns:r="http://schemas.openxmlformats.org/officeDocument/2006/relationships" xmlns:p="http://schemas.openxmlformats.org/presentationml/2006/main">
-  <p:cSld>
-    <p:spTree>
-      <p:nvGrpSpPr>
-        <p:cNvPr id="1" name=""/>
-        <p:cNvGrpSpPr/>
-        <p:nvPr/>
-      </p:nvGrpSpPr>
-      <p:grpSpPr>
-        <a:xfrm>
-          <a:off x="0" y="0"/>
-          <a:ext cx="0" cy="0"/>
-          <a:chOff x="0" y="0"/>
-          <a:chExt cx="0" cy="0"/>
-        </a:xfrm>
-      </p:grpSpPr>
-      <p:sp>
-        <p:nvSpPr>
-          <p:cNvPr id="6" name="Title 5">
-            <a:extLst>
-              <a:ext uri="{FF2B5EF4-FFF2-40B4-BE49-F238E27FC236}">
-                <a16:creationId xmlns:a16="http://schemas.microsoft.com/office/drawing/2014/main" id="{73BAB28E-BAF4-438C-A475-0D041A6A1E05}"/>
-              </a:ext>
-            </a:extLst>
-          </p:cNvPr>
-          <p:cNvSpPr>
-            <a:spLocks noGrp="1"/>
-          </p:cNvSpPr>
-          <p:nvPr>
-            <p:ph type="title"/>
-          </p:nvPr>
-        </p:nvSpPr>
-        <p:spPr>
-          <a:xfrm>
-            <a:off x="8643193" y="457201"/>
-            <a:ext cx="3091607" cy="1727643"/>
-          </a:xfrm>
-        </p:spPr>
-        <p:txBody>
-          <a:bodyPr rtlCol="0"/>
-          <a:lstStyle/>
-          <a:p>
-            <a:pPr rtl="0"/>
-            <a:r>
-              <a:rPr lang="en-GB"/>
-              <a:t>Thank you</a:t>
-            </a:r>
-          </a:p>
-        </p:txBody>
-      </p:sp>
-      <p:pic>
-        <p:nvPicPr>
-          <p:cNvPr id="10" name="Picture Placeholder 9" descr="Close-up of a DJ playing on his Deck">
-            <a:extLst>
-              <a:ext uri="{FF2B5EF4-FFF2-40B4-BE49-F238E27FC236}">
-                <a16:creationId xmlns:a16="http://schemas.microsoft.com/office/drawing/2014/main" id="{05C410A7-E92A-4EFD-A6AE-36748F8E33D5}"/>
-              </a:ext>
-            </a:extLst>
-          </p:cNvPr>
-          <p:cNvPicPr>
-            <a:picLocks noGrp="1" noChangeAspect="1"/>
-          </p:cNvPicPr>
-          <p:nvPr>
-            <p:ph type="pic" sz="quarter" idx="13"/>
-          </p:nvPr>
-        </p:nvPicPr>
-        <p:blipFill rotWithShape="1">
-          <a:blip r:embed="rId2" cstate="screen">
-            <a:extLst>
-              <a:ext uri="{28A0092B-C50C-407E-A947-70E740481C1C}">
-                <a14:useLocalDpi xmlns:a14="http://schemas.microsoft.com/office/drawing/2010/main" val="0"/>
-              </a:ext>
-            </a:extLst>
-          </a:blip>
-          <a:srcRect/>
-          <a:stretch/>
-        </p:blipFill>
-        <p:spPr>
-          <a:xfrm>
-            <a:off x="0" y="0"/>
-            <a:ext cx="8119872" cy="6409944"/>
-          </a:xfrm>
-        </p:spPr>
-      </p:pic>
-      <p:sp>
-        <p:nvSpPr>
-          <p:cNvPr id="2" name="Footer Placeholder 1">
-            <a:extLst>
-              <a:ext uri="{FF2B5EF4-FFF2-40B4-BE49-F238E27FC236}">
-                <a16:creationId xmlns:a16="http://schemas.microsoft.com/office/drawing/2014/main" id="{DCE49CC8-6A9D-4BEB-8ED2-83DB2D140C74}"/>
-              </a:ext>
-            </a:extLst>
-          </p:cNvPr>
-          <p:cNvSpPr>
-            <a:spLocks noGrp="1"/>
-          </p:cNvSpPr>
-          <p:nvPr>
-            <p:ph type="ftr" sz="quarter" idx="11"/>
-          </p:nvPr>
-        </p:nvSpPr>
-        <p:spPr>
-          <a:xfrm rot="5400000">
-            <a:off x="-1828800" y="1911096"/>
-            <a:ext cx="4114800" cy="457200"/>
-          </a:xfrm>
-        </p:spPr>
-        <p:txBody>
-          <a:bodyPr rtlCol="0"/>
-          <a:lstStyle/>
-          <a:p>
-            <a:pPr rtl="0"/>
-            <a:r>
-              <a:rPr lang="en-GB"/>
-              <a:t>Sample Footer Text</a:t>
-            </a:r>
-          </a:p>
-        </p:txBody>
-      </p:sp>
-      <p:sp>
-        <p:nvSpPr>
-          <p:cNvPr id="7" name="Content Placeholder 6">
-            <a:extLst>
-              <a:ext uri="{FF2B5EF4-FFF2-40B4-BE49-F238E27FC236}">
-                <a16:creationId xmlns:a16="http://schemas.microsoft.com/office/drawing/2014/main" id="{E3EE2CE0-415A-4D6D-882C-D348C67CFBE8}"/>
-              </a:ext>
-            </a:extLst>
-          </p:cNvPr>
-          <p:cNvSpPr>
-            <a:spLocks noGrp="1"/>
-          </p:cNvSpPr>
-          <p:nvPr>
-            <p:ph sz="quarter" idx="14"/>
-          </p:nvPr>
-        </p:nvSpPr>
-        <p:spPr>
-          <a:xfrm>
-            <a:off x="8643938" y="2530475"/>
-            <a:ext cx="3023806" cy="3427413"/>
-          </a:xfrm>
-        </p:spPr>
-        <p:txBody>
-          <a:bodyPr rtlCol="0"/>
-          <a:lstStyle/>
-          <a:p>
-            <a:pPr rtl="0"/>
-            <a:r>
-              <a:rPr lang="en-GB"/>
-              <a:t>Presenter Name</a:t>
-            </a:r>
-          </a:p>
-          <a:p>
-            <a:pPr rtl="0"/>
-            <a:r>
-              <a:rPr lang="en-GB"/>
-              <a:t>Email Address</a:t>
-            </a:r>
-          </a:p>
-          <a:p>
-            <a:pPr rtl="0"/>
-            <a:r>
-              <a:rPr lang="en-GB"/>
-              <a:t>Website Address</a:t>
-            </a:r>
-          </a:p>
-        </p:txBody>
-      </p:sp>
-      <p:sp>
-        <p:nvSpPr>
-          <p:cNvPr id="14" name="Date Placeholder 13">
-            <a:extLst>
-              <a:ext uri="{FF2B5EF4-FFF2-40B4-BE49-F238E27FC236}">
-                <a16:creationId xmlns:a16="http://schemas.microsoft.com/office/drawing/2014/main" id="{CCA4985F-09D8-41B4-B2AB-DF95AB3FA8B8}"/>
-              </a:ext>
-            </a:extLst>
-          </p:cNvPr>
-          <p:cNvSpPr>
-            <a:spLocks noGrp="1"/>
-          </p:cNvSpPr>
-          <p:nvPr>
-            <p:ph type="dt" sz="half" idx="10"/>
-          </p:nvPr>
-        </p:nvSpPr>
-        <p:spPr>
-          <a:xfrm>
-            <a:off x="7909560" y="6409944"/>
-            <a:ext cx="3703320" cy="448056"/>
-          </a:xfrm>
-        </p:spPr>
-        <p:txBody>
-          <a:bodyPr rtlCol="0"/>
-          <a:lstStyle/>
-          <a:p>
-            <a:pPr rtl="0"/>
-            <a:r>
-              <a:rPr lang="en-GB"/>
-              <a:t>Monday, February 1, 20XX</a:t>
-            </a:r>
-          </a:p>
-        </p:txBody>
-      </p:sp>
-      <p:sp>
-        <p:nvSpPr>
-          <p:cNvPr id="16" name="Slide Number Placeholder 15">
-            <a:extLst>
-              <a:ext uri="{FF2B5EF4-FFF2-40B4-BE49-F238E27FC236}">
-                <a16:creationId xmlns:a16="http://schemas.microsoft.com/office/drawing/2014/main" id="{0C7E1EC9-3F85-4EB7-AF0B-3F8DFE9400C1}"/>
-              </a:ext>
-            </a:extLst>
-          </p:cNvPr>
-          <p:cNvSpPr>
-            <a:spLocks noGrp="1"/>
-          </p:cNvSpPr>
-          <p:nvPr>
-            <p:ph type="sldNum" sz="quarter" idx="12"/>
-          </p:nvPr>
-        </p:nvSpPr>
-        <p:spPr>
-          <a:xfrm>
-            <a:off x="11667744" y="6409944"/>
-            <a:ext cx="438912" cy="448056"/>
-          </a:xfrm>
-        </p:spPr>
-        <p:txBody>
-          <a:bodyPr rtlCol="0"/>
-          <a:lstStyle/>
-          <a:p>
-            <a:pPr rtl="0"/>
-            <a:fld id="{C01389E6-C847-4AD0-B56D-D205B2EAB1EE}" type="slidenum">
-              <a:rPr lang="en-GB" smtClean="0"/>
-              <a:pPr/>
-              <a:t>13</a:t>
-            </a:fld>
-            <a:endParaRPr lang="en-GB" dirty="0"/>
-          </a:p>
-        </p:txBody>
-      </p:sp>
-    </p:spTree>
-    <p:extLst>
-      <p:ext uri="{BB962C8B-B14F-4D97-AF65-F5344CB8AC3E}">
-        <p14:creationId xmlns:p14="http://schemas.microsoft.com/office/powerpoint/2010/main" val="3486006413"/>
-      </p:ext>
-    </p:extLst>
-  </p:cSld>
-  <p:clrMapOvr>
-    <a:masterClrMapping/>
-  </p:clrMapOvr>
-</p:sld>
-</file>
-
-<file path=ppt/slides/slide2.xml><?xml version="1.0" encoding="utf-8"?>
-<p:sld xmlns:a="http://schemas.openxmlformats.org/drawingml/2006/main" xmlns:r="http://schemas.openxmlformats.org/officeDocument/2006/relationships" xmlns:p="http://schemas.openxmlformats.org/presentationml/2006/main">
-  <p:cSld>
-    <p:spTree>
-      <p:nvGrpSpPr>
-        <p:cNvPr id="1" name=""/>
-        <p:cNvGrpSpPr/>
-        <p:nvPr/>
-      </p:nvGrpSpPr>
-      <p:grpSpPr>
-        <a:xfrm>
-          <a:off x="0" y="0"/>
-          <a:ext cx="0" cy="0"/>
-          <a:chOff x="0" y="0"/>
-          <a:chExt cx="0" cy="0"/>
-        </a:xfrm>
-      </p:grpSpPr>
-      <p:sp>
-        <p:nvSpPr>
-          <p:cNvPr id="2" name="Title 1">
-            <a:extLst>
-              <a:ext uri="{FF2B5EF4-FFF2-40B4-BE49-F238E27FC236}">
-                <a16:creationId xmlns:a16="http://schemas.microsoft.com/office/drawing/2014/main" id="{D9FCC368-94C3-4438-BABC-31C920479974}"/>
-              </a:ext>
-            </a:extLst>
-          </p:cNvPr>
-          <p:cNvSpPr>
-            <a:spLocks noGrp="1"/>
-          </p:cNvSpPr>
-          <p:nvPr>
-            <p:ph type="title"/>
-          </p:nvPr>
-        </p:nvSpPr>
-        <p:spPr>
-          <a:xfrm>
-            <a:off x="518616" y="586633"/>
-            <a:ext cx="3125336" cy="3611584"/>
-          </a:xfrm>
-        </p:spPr>
-        <p:txBody>
-          <a:bodyPr rtlCol="0"/>
-          <a:lstStyle/>
-          <a:p>
-            <a:pPr rtl="0"/>
-            <a:r>
-              <a:rPr lang="en-GB" dirty="0"/>
-              <a:t>Agenda</a:t>
-            </a:r>
-          </a:p>
-        </p:txBody>
-      </p:sp>
-      <p:sp>
-        <p:nvSpPr>
-          <p:cNvPr id="16" name="Footer Placeholder 15">
-            <a:extLst>
-              <a:ext uri="{FF2B5EF4-FFF2-40B4-BE49-F238E27FC236}">
-                <a16:creationId xmlns:a16="http://schemas.microsoft.com/office/drawing/2014/main" id="{916FA212-79E7-4F38-B08F-FC68988E5BEC}"/>
-              </a:ext>
-            </a:extLst>
-          </p:cNvPr>
-          <p:cNvSpPr>
-            <a:spLocks noGrp="1"/>
-          </p:cNvSpPr>
-          <p:nvPr>
-            <p:ph type="ftr" sz="quarter" idx="11"/>
-          </p:nvPr>
-        </p:nvSpPr>
-        <p:spPr>
-          <a:xfrm rot="5400000">
-            <a:off x="-1828801" y="1912217"/>
-            <a:ext cx="4114800" cy="457200"/>
-          </a:xfrm>
-        </p:spPr>
-        <p:txBody>
-          <a:bodyPr rtlCol="0"/>
-          <a:lstStyle/>
-          <a:p>
-            <a:pPr rtl="0"/>
-            <a:r>
-              <a:rPr lang="en-GB" dirty="0"/>
-              <a:t>Copyright © Anthony </a:t>
-            </a:r>
-            <a:r>
-              <a:rPr lang="en-GB" dirty="0" err="1"/>
-              <a:t>Accioly</a:t>
-            </a:r>
-            <a:endParaRPr lang="en-GB" dirty="0"/>
-          </a:p>
-        </p:txBody>
-      </p:sp>
-      <p:sp>
-        <p:nvSpPr>
-          <p:cNvPr id="3" name="Content Placeholder 2">
-            <a:extLst>
-              <a:ext uri="{FF2B5EF4-FFF2-40B4-BE49-F238E27FC236}">
-                <a16:creationId xmlns:a16="http://schemas.microsoft.com/office/drawing/2014/main" id="{E9E23649-3D75-4D6D-8156-51D7E6B17713}"/>
-              </a:ext>
-            </a:extLst>
-          </p:cNvPr>
-          <p:cNvSpPr>
-            <a:spLocks noGrp="1"/>
-          </p:cNvSpPr>
-          <p:nvPr>
-            <p:ph sz="quarter" idx="16"/>
-          </p:nvPr>
-        </p:nvSpPr>
-        <p:spPr>
-          <a:xfrm>
-            <a:off x="4778375" y="863600"/>
-            <a:ext cx="3441700" cy="5130800"/>
-          </a:xfrm>
-        </p:spPr>
-        <p:txBody>
-          <a:bodyPr rtlCol="0"/>
-          <a:lstStyle/>
-          <a:p>
-            <a:pPr rtl="0"/>
-            <a:r>
-              <a:rPr lang="en-GB" dirty="0"/>
-              <a:t>Introduction</a:t>
-            </a:r>
-          </a:p>
-          <a:p>
-            <a:pPr rtl="0"/>
-            <a:r>
-              <a:rPr lang="en-GB" dirty="0"/>
-              <a:t>Java &amp; Kotlin &amp; Scala 3</a:t>
-            </a:r>
-          </a:p>
-          <a:p>
-            <a:pPr rtl="0"/>
-            <a:r>
-              <a:rPr lang="en-GB" dirty="0"/>
-              <a:t>Main: Let’s start from the start</a:t>
-            </a:r>
-          </a:p>
-          <a:p>
-            <a:pPr rtl="0"/>
-            <a:r>
-              <a:rPr lang="en-GB" dirty="0"/>
-              <a:t>Enums</a:t>
-            </a:r>
-          </a:p>
-          <a:p>
-            <a:pPr rtl="0"/>
-            <a:r>
-              <a:rPr lang="en-GB" dirty="0"/>
-              <a:t>Value classes &amp; Aliases</a:t>
-            </a:r>
-          </a:p>
-          <a:p>
-            <a:pPr rtl="0"/>
-            <a:r>
-              <a:rPr lang="en-GB" dirty="0"/>
-              <a:t>Kotlin &amp; Scala 3 (Encore) </a:t>
-            </a:r>
-          </a:p>
-        </p:txBody>
-      </p:sp>
-      <p:pic>
-        <p:nvPicPr>
-          <p:cNvPr id="8" name="Picture Placeholder 7" descr="A close - up of a violin">
-            <a:extLst>
-              <a:ext uri="{FF2B5EF4-FFF2-40B4-BE49-F238E27FC236}">
-                <a16:creationId xmlns:a16="http://schemas.microsoft.com/office/drawing/2014/main" id="{44C36EBD-DB9B-4ACF-A771-1AB4705F9519}"/>
-              </a:ext>
-            </a:extLst>
-          </p:cNvPr>
-          <p:cNvPicPr>
-            <a:picLocks noGrp="1" noChangeAspect="1"/>
-          </p:cNvPicPr>
-          <p:nvPr>
-            <p:ph type="pic" sz="quarter" idx="13"/>
-          </p:nvPr>
-        </p:nvPicPr>
-        <p:blipFill rotWithShape="1">
-          <a:blip r:embed="rId2" cstate="screen">
-            <a:extLst>
-              <a:ext uri="{28A0092B-C50C-407E-A947-70E740481C1C}">
-                <a14:useLocalDpi xmlns:a14="http://schemas.microsoft.com/office/drawing/2010/main" val="0"/>
-              </a:ext>
-            </a:extLst>
-          </a:blip>
-          <a:srcRect/>
-          <a:stretch/>
-        </p:blipFill>
-        <p:spPr>
-          <a:xfrm>
-            <a:off x="8787384" y="868680"/>
-            <a:ext cx="2505456" cy="1499616"/>
-          </a:xfrm>
-        </p:spPr>
-      </p:pic>
-      <p:pic>
-        <p:nvPicPr>
-          <p:cNvPr id="10" name="Picture Placeholder 9" descr="A close - up of a violinist">
-            <a:extLst>
-              <a:ext uri="{FF2B5EF4-FFF2-40B4-BE49-F238E27FC236}">
-                <a16:creationId xmlns:a16="http://schemas.microsoft.com/office/drawing/2014/main" id="{DA5E6B02-8CB9-4AF0-B81A-3B61DEE58E08}"/>
-              </a:ext>
-            </a:extLst>
-          </p:cNvPr>
-          <p:cNvPicPr>
-            <a:picLocks noGrp="1" noChangeAspect="1"/>
-          </p:cNvPicPr>
-          <p:nvPr>
-            <p:ph type="pic" sz="quarter" idx="14"/>
-          </p:nvPr>
-        </p:nvPicPr>
-        <p:blipFill rotWithShape="1">
-          <a:blip r:embed="rId3" cstate="screen">
-            <a:extLst>
-              <a:ext uri="{28A0092B-C50C-407E-A947-70E740481C1C}">
-                <a14:useLocalDpi xmlns:a14="http://schemas.microsoft.com/office/drawing/2010/main" val="0"/>
-              </a:ext>
-            </a:extLst>
-          </a:blip>
-          <a:srcRect/>
-          <a:stretch/>
-        </p:blipFill>
-        <p:spPr>
-          <a:xfrm>
-            <a:off x="8787384" y="2688336"/>
-            <a:ext cx="2505456" cy="1499616"/>
-          </a:xfrm>
-        </p:spPr>
-      </p:pic>
-      <p:pic>
-        <p:nvPicPr>
-          <p:cNvPr id="12" name="Picture Placeholder 11" descr="A close - up of a trumpet">
-            <a:extLst>
-              <a:ext uri="{FF2B5EF4-FFF2-40B4-BE49-F238E27FC236}">
-                <a16:creationId xmlns:a16="http://schemas.microsoft.com/office/drawing/2014/main" id="{AD486202-2CE9-48FF-813A-B87921B40342}"/>
-              </a:ext>
-            </a:extLst>
-          </p:cNvPr>
-          <p:cNvPicPr>
-            <a:picLocks noGrp="1" noChangeAspect="1"/>
-          </p:cNvPicPr>
-          <p:nvPr>
-            <p:ph type="pic" sz="quarter" idx="15"/>
-          </p:nvPr>
-        </p:nvPicPr>
-        <p:blipFill rotWithShape="1">
-          <a:blip r:embed="rId4" cstate="screen">
-            <a:extLst>
-              <a:ext uri="{28A0092B-C50C-407E-A947-70E740481C1C}">
-                <a14:useLocalDpi xmlns:a14="http://schemas.microsoft.com/office/drawing/2010/main" val="0"/>
-              </a:ext>
-            </a:extLst>
-          </a:blip>
-          <a:srcRect/>
-          <a:stretch/>
-        </p:blipFill>
-        <p:spPr>
-          <a:xfrm>
-            <a:off x="8787384" y="4526280"/>
-            <a:ext cx="2505456" cy="1499616"/>
-          </a:xfrm>
-        </p:spPr>
-      </p:pic>
-      <p:sp>
-        <p:nvSpPr>
-          <p:cNvPr id="13" name="Date Placeholder 12">
-            <a:extLst>
-              <a:ext uri="{FF2B5EF4-FFF2-40B4-BE49-F238E27FC236}">
-                <a16:creationId xmlns:a16="http://schemas.microsoft.com/office/drawing/2014/main" id="{6C36903A-8E11-4CCF-BB75-9C2BA05F8E19}"/>
-              </a:ext>
-            </a:extLst>
-          </p:cNvPr>
-          <p:cNvSpPr>
-            <a:spLocks noGrp="1"/>
-          </p:cNvSpPr>
-          <p:nvPr>
-            <p:ph type="dt" sz="half" idx="10"/>
-          </p:nvPr>
-        </p:nvSpPr>
-        <p:spPr>
-          <a:xfrm>
-            <a:off x="7910111" y="6409170"/>
-            <a:ext cx="3702392" cy="448830"/>
-          </a:xfrm>
-        </p:spPr>
-        <p:txBody>
-          <a:bodyPr rtlCol="0"/>
-          <a:lstStyle/>
-          <a:p>
-            <a:pPr rtl="0"/>
-            <a:r>
-              <a:rPr lang="en-GB" dirty="0"/>
-              <a:t>Thursday, May 25, 2025</a:t>
-            </a:r>
-          </a:p>
-        </p:txBody>
-      </p:sp>
-      <p:sp>
-        <p:nvSpPr>
-          <p:cNvPr id="14" name="Slide Number Placeholder 13">
-            <a:extLst>
-              <a:ext uri="{FF2B5EF4-FFF2-40B4-BE49-F238E27FC236}">
-                <a16:creationId xmlns:a16="http://schemas.microsoft.com/office/drawing/2014/main" id="{D5E3C6B7-507C-4330-B4B5-6B3975EF0BEE}"/>
-              </a:ext>
-            </a:extLst>
-          </p:cNvPr>
-          <p:cNvSpPr>
-            <a:spLocks noGrp="1"/>
-          </p:cNvSpPr>
-          <p:nvPr>
-            <p:ph type="sldNum" sz="quarter" idx="12"/>
-          </p:nvPr>
-        </p:nvSpPr>
-        <p:spPr>
-          <a:xfrm>
-            <a:off x="11669678" y="6408742"/>
-            <a:ext cx="438652" cy="448830"/>
-          </a:xfrm>
-        </p:spPr>
-        <p:txBody>
-          <a:bodyPr rtlCol="0"/>
-          <a:lstStyle/>
-          <a:p>
-            <a:pPr rtl="0"/>
-            <a:fld id="{39A857F5-96C8-461D-A78C-38E92FE1C522}" type="slidenum">
-              <a:rPr lang="en-GB" smtClean="0"/>
-              <a:pPr/>
-              <a:t>2</a:t>
-            </a:fld>
-            <a:endParaRPr lang="en-GB" dirty="0"/>
-          </a:p>
-        </p:txBody>
-      </p:sp>
-    </p:spTree>
-    <p:extLst>
-      <p:ext uri="{BB962C8B-B14F-4D97-AF65-F5344CB8AC3E}">
-        <p14:creationId xmlns:p14="http://schemas.microsoft.com/office/powerpoint/2010/main" val="738980766"/>
-      </p:ext>
-    </p:extLst>
-  </p:cSld>
-  <p:clrMapOvr>
-    <a:masterClrMapping/>
-  </p:clrMapOvr>
-</p:sld>
-</file>
-
-<file path=ppt/slides/slide3.xml><?xml version="1.0" encoding="utf-8"?>
-<p:sld xmlns:a="http://schemas.openxmlformats.org/drawingml/2006/main" xmlns:r="http://schemas.openxmlformats.org/officeDocument/2006/relationships" xmlns:p="http://schemas.openxmlformats.org/presentationml/2006/main">
-  <p:cSld>
-    <p:spTree>
-      <p:nvGrpSpPr>
-        <p:cNvPr id="1" name=""/>
-        <p:cNvGrpSpPr/>
-        <p:nvPr/>
-      </p:nvGrpSpPr>
-      <p:grpSpPr>
-        <a:xfrm>
-          <a:off x="0" y="0"/>
-          <a:ext cx="0" cy="0"/>
-          <a:chOff x="0" y="0"/>
-          <a:chExt cx="0" cy="0"/>
-        </a:xfrm>
-      </p:grpSpPr>
-      <p:sp>
-        <p:nvSpPr>
-          <p:cNvPr id="9" name="Title 8">
-            <a:extLst>
-              <a:ext uri="{FF2B5EF4-FFF2-40B4-BE49-F238E27FC236}">
-                <a16:creationId xmlns:a16="http://schemas.microsoft.com/office/drawing/2014/main" id="{B5D7CA65-D923-428F-A1EF-58CB4CF0186E}"/>
-              </a:ext>
-            </a:extLst>
-          </p:cNvPr>
-          <p:cNvSpPr>
-            <a:spLocks noGrp="1"/>
-          </p:cNvSpPr>
-          <p:nvPr>
-            <p:ph type="title"/>
-          </p:nvPr>
-        </p:nvSpPr>
-        <p:spPr>
-          <a:xfrm>
-            <a:off x="4769893" y="457200"/>
-            <a:ext cx="6230956" cy="1569368"/>
-          </a:xfrm>
-        </p:spPr>
-        <p:txBody>
-          <a:bodyPr rtlCol="0"/>
-          <a:lstStyle/>
-          <a:p>
-            <a:pPr rtl="0"/>
-            <a:r>
-              <a:rPr lang="en-GB"/>
-              <a:t>introduction</a:t>
-            </a:r>
-          </a:p>
-        </p:txBody>
-      </p:sp>
-      <p:pic>
-        <p:nvPicPr>
-          <p:cNvPr id="21" name="Picture Placeholder 20" descr="A close - up of a record player">
-            <a:extLst>
-              <a:ext uri="{FF2B5EF4-FFF2-40B4-BE49-F238E27FC236}">
-                <a16:creationId xmlns:a16="http://schemas.microsoft.com/office/drawing/2014/main" id="{F14649D9-001A-4ED1-8718-38FA144D1581}"/>
-              </a:ext>
-            </a:extLst>
-          </p:cNvPr>
-          <p:cNvPicPr>
-            <a:picLocks noGrp="1" noChangeAspect="1"/>
-          </p:cNvPicPr>
-          <p:nvPr>
-            <p:ph type="pic" sz="quarter" idx="13"/>
-          </p:nvPr>
-        </p:nvPicPr>
-        <p:blipFill rotWithShape="1">
-          <a:blip r:embed="rId3" cstate="screen">
-            <a:extLst>
-              <a:ext uri="{28A0092B-C50C-407E-A947-70E740481C1C}">
-                <a14:useLocalDpi xmlns:a14="http://schemas.microsoft.com/office/drawing/2010/main" val="0"/>
-              </a:ext>
-            </a:extLst>
-          </a:blip>
-          <a:srcRect/>
-          <a:stretch/>
-        </p:blipFill>
-        <p:spPr>
-          <a:xfrm>
-            <a:off x="0" y="0"/>
-            <a:ext cx="4041648" cy="1618488"/>
-          </a:xfrm>
-        </p:spPr>
-      </p:pic>
-      <p:sp>
-        <p:nvSpPr>
-          <p:cNvPr id="5" name="Footer Placeholder 4">
-            <a:extLst>
-              <a:ext uri="{FF2B5EF4-FFF2-40B4-BE49-F238E27FC236}">
-                <a16:creationId xmlns:a16="http://schemas.microsoft.com/office/drawing/2014/main" id="{AF0DD88E-C342-4482-A7E8-CD06315F23CB}"/>
-              </a:ext>
-            </a:extLst>
-          </p:cNvPr>
-          <p:cNvSpPr>
-            <a:spLocks noGrp="1"/>
-          </p:cNvSpPr>
-          <p:nvPr>
-            <p:ph type="ftr" sz="quarter" idx="11"/>
-          </p:nvPr>
-        </p:nvSpPr>
-        <p:spPr>
-          <a:xfrm rot="5400000">
-            <a:off x="-1828800" y="1911096"/>
-            <a:ext cx="4114800" cy="457200"/>
-          </a:xfrm>
-          <a:effectLst/>
-        </p:spPr>
-        <p:txBody>
-          <a:bodyPr rtlCol="0"/>
-          <a:lstStyle/>
-          <a:p>
-            <a:pPr rtl="0"/>
-            <a:r>
-              <a:rPr lang="en-GB"/>
-              <a:t>Sample Footer Text</a:t>
-            </a:r>
-          </a:p>
-        </p:txBody>
-      </p:sp>
-      <p:pic>
-        <p:nvPicPr>
-          <p:cNvPr id="27" name="Picture Placeholder 26" descr="A crowd of people at a concert&#10;">
-            <a:extLst>
-              <a:ext uri="{FF2B5EF4-FFF2-40B4-BE49-F238E27FC236}">
-                <a16:creationId xmlns:a16="http://schemas.microsoft.com/office/drawing/2014/main" id="{94309FBC-D2AD-4361-8C0F-FCA96A0919AB}"/>
-              </a:ext>
-            </a:extLst>
-          </p:cNvPr>
-          <p:cNvPicPr>
-            <a:picLocks noGrp="1" noChangeAspect="1"/>
-          </p:cNvPicPr>
-          <p:nvPr>
-            <p:ph type="pic" sz="quarter" idx="14"/>
-          </p:nvPr>
-        </p:nvPicPr>
-        <p:blipFill rotWithShape="1">
-          <a:blip r:embed="rId4" cstate="screen">
-            <a:extLst>
-              <a:ext uri="{28A0092B-C50C-407E-A947-70E740481C1C}">
-                <a14:useLocalDpi xmlns:a14="http://schemas.microsoft.com/office/drawing/2010/main" val="0"/>
-              </a:ext>
-            </a:extLst>
-          </a:blip>
-          <a:srcRect/>
-          <a:stretch/>
-        </p:blipFill>
-        <p:spPr>
-          <a:xfrm>
-            <a:off x="0" y="1616756"/>
-            <a:ext cx="4041648" cy="1618488"/>
-          </a:xfrm>
-        </p:spPr>
-      </p:pic>
-      <p:pic>
-        <p:nvPicPr>
-          <p:cNvPr id="29" name="Picture Placeholder 28" descr="A picture containing a dj deck with levers">
-            <a:extLst>
-              <a:ext uri="{FF2B5EF4-FFF2-40B4-BE49-F238E27FC236}">
-                <a16:creationId xmlns:a16="http://schemas.microsoft.com/office/drawing/2014/main" id="{7E54054D-570A-4FEA-8A80-4E48B629C4A9}"/>
-              </a:ext>
-            </a:extLst>
-          </p:cNvPr>
-          <p:cNvPicPr>
-            <a:picLocks noGrp="1" noChangeAspect="1"/>
-          </p:cNvPicPr>
-          <p:nvPr>
-            <p:ph type="pic" sz="quarter" idx="15"/>
-          </p:nvPr>
-        </p:nvPicPr>
-        <p:blipFill rotWithShape="1">
-          <a:blip r:embed="rId5" cstate="screen">
-            <a:extLst>
-              <a:ext uri="{28A0092B-C50C-407E-A947-70E740481C1C}">
-                <a14:useLocalDpi xmlns:a14="http://schemas.microsoft.com/office/drawing/2010/main" val="0"/>
-              </a:ext>
-            </a:extLst>
-          </a:blip>
-          <a:srcRect/>
-          <a:stretch/>
-        </p:blipFill>
-        <p:spPr>
-          <a:xfrm>
-            <a:off x="0" y="3233512"/>
-            <a:ext cx="4041648" cy="1618488"/>
-          </a:xfrm>
-        </p:spPr>
-      </p:pic>
-      <p:pic>
-        <p:nvPicPr>
-          <p:cNvPr id="31" name="Picture Placeholder 30" descr="Close-up of a DJ Deck">
-            <a:extLst>
-              <a:ext uri="{FF2B5EF4-FFF2-40B4-BE49-F238E27FC236}">
-                <a16:creationId xmlns:a16="http://schemas.microsoft.com/office/drawing/2014/main" id="{BC9BC6E1-4C26-4CC6-A927-CAD985475036}"/>
-              </a:ext>
-            </a:extLst>
-          </p:cNvPr>
-          <p:cNvPicPr>
-            <a:picLocks noGrp="1" noChangeAspect="1"/>
-          </p:cNvPicPr>
-          <p:nvPr>
-            <p:ph type="pic" sz="quarter" idx="16"/>
-          </p:nvPr>
-        </p:nvPicPr>
-        <p:blipFill rotWithShape="1">
-          <a:blip r:embed="rId6" cstate="screen">
-            <a:extLst>
-              <a:ext uri="{28A0092B-C50C-407E-A947-70E740481C1C}">
-                <a14:useLocalDpi xmlns:a14="http://schemas.microsoft.com/office/drawing/2010/main" val="0"/>
-              </a:ext>
-            </a:extLst>
-          </a:blip>
-          <a:srcRect/>
-          <a:stretch/>
-        </p:blipFill>
-        <p:spPr>
-          <a:xfrm>
-            <a:off x="0" y="4791359"/>
-            <a:ext cx="4041648" cy="1618488"/>
-          </a:xfrm>
-        </p:spPr>
-      </p:pic>
-      <p:sp>
-        <p:nvSpPr>
-          <p:cNvPr id="11" name="Content Placeholder 10">
-            <a:extLst>
-              <a:ext uri="{FF2B5EF4-FFF2-40B4-BE49-F238E27FC236}">
-                <a16:creationId xmlns:a16="http://schemas.microsoft.com/office/drawing/2014/main" id="{AAF4EEE3-8713-423E-B3A1-79F902706576}"/>
-              </a:ext>
-            </a:extLst>
-          </p:cNvPr>
-          <p:cNvSpPr>
-            <a:spLocks noGrp="1"/>
-          </p:cNvSpPr>
-          <p:nvPr>
-            <p:ph sz="quarter" idx="17"/>
-          </p:nvPr>
-        </p:nvSpPr>
-        <p:spPr>
-          <a:xfrm>
-            <a:off x="4770438" y="2368550"/>
-            <a:ext cx="6230411" cy="3390900"/>
-          </a:xfrm>
-        </p:spPr>
-        <p:txBody>
-          <a:bodyPr rtlCol="0"/>
-          <a:lstStyle/>
-          <a:p>
-            <a:pPr rtl="0"/>
-            <a:r>
-              <a:rPr lang="en-GB"/>
-              <a:t>With PowerPoint, you can create presentations and share your work with others, wherever they are. Type the text you want here to get started. You can also add images, art, and videos on this template. Save to OneDrive and access your presentations from your computer, tablet, or phone.</a:t>
-            </a:r>
-          </a:p>
-          <a:p>
-            <a:pPr rtl="0"/>
-            <a:endParaRPr lang="en-GB" dirty="0"/>
-          </a:p>
-        </p:txBody>
-      </p:sp>
-      <p:sp>
-        <p:nvSpPr>
-          <p:cNvPr id="4" name="Date Placeholder 3">
-            <a:extLst>
-              <a:ext uri="{FF2B5EF4-FFF2-40B4-BE49-F238E27FC236}">
-                <a16:creationId xmlns:a16="http://schemas.microsoft.com/office/drawing/2014/main" id="{35ED29D7-172E-44FC-9DB9-37788BC0FD7A}"/>
-              </a:ext>
-            </a:extLst>
-          </p:cNvPr>
-          <p:cNvSpPr>
-            <a:spLocks noGrp="1"/>
-          </p:cNvSpPr>
-          <p:nvPr>
-            <p:ph type="dt" sz="half" idx="10"/>
-          </p:nvPr>
-        </p:nvSpPr>
-        <p:spPr>
-          <a:xfrm>
-            <a:off x="7909560" y="6409944"/>
-            <a:ext cx="3703320" cy="448056"/>
-          </a:xfrm>
-        </p:spPr>
-        <p:txBody>
-          <a:bodyPr rtlCol="0"/>
-          <a:lstStyle/>
-          <a:p>
-            <a:pPr rtl="0"/>
-            <a:r>
-              <a:rPr lang="en-GB"/>
-              <a:t>Monday, February 1, 20XX</a:t>
-            </a:r>
-          </a:p>
-        </p:txBody>
-      </p:sp>
-      <p:sp>
-        <p:nvSpPr>
-          <p:cNvPr id="6" name="Slide Number Placeholder 5">
-            <a:extLst>
-              <a:ext uri="{FF2B5EF4-FFF2-40B4-BE49-F238E27FC236}">
-                <a16:creationId xmlns:a16="http://schemas.microsoft.com/office/drawing/2014/main" id="{2924DBB0-116F-4811-B263-A1E2ADE35B18}"/>
-              </a:ext>
-            </a:extLst>
-          </p:cNvPr>
-          <p:cNvSpPr>
-            <a:spLocks noGrp="1"/>
-          </p:cNvSpPr>
-          <p:nvPr>
-            <p:ph type="sldNum" sz="quarter" idx="12"/>
-          </p:nvPr>
-        </p:nvSpPr>
-        <p:spPr>
-          <a:xfrm>
-            <a:off x="11667744" y="6409944"/>
-            <a:ext cx="438912" cy="448056"/>
-          </a:xfrm>
-        </p:spPr>
-        <p:txBody>
-          <a:bodyPr rtlCol="0"/>
-          <a:lstStyle/>
-          <a:p>
-            <a:pPr rtl="0"/>
-            <a:fld id="{8B48EBF6-60E6-462A-9155-5FAF136BCCBC}" type="slidenum">
-              <a:rPr lang="en-GB" smtClean="0"/>
-              <a:pPr/>
-              <a:t>3</a:t>
-            </a:fld>
-            <a:endParaRPr lang="en-GB" dirty="0"/>
-          </a:p>
-        </p:txBody>
-      </p:sp>
-    </p:spTree>
-    <p:extLst>
-      <p:ext uri="{BB962C8B-B14F-4D97-AF65-F5344CB8AC3E}">
-        <p14:creationId xmlns:p14="http://schemas.microsoft.com/office/powerpoint/2010/main" val="2539589404"/>
-      </p:ext>
-    </p:extLst>
-  </p:cSld>
-  <p:clrMapOvr>
-    <a:masterClrMapping/>
-  </p:clrMapOvr>
-</p:sld>
-</file>
-
-<file path=ppt/slides/slide4.xml><?xml version="1.0" encoding="utf-8"?>
-<p:sld xmlns:a="http://schemas.openxmlformats.org/drawingml/2006/main" xmlns:r="http://schemas.openxmlformats.org/officeDocument/2006/relationships" xmlns:p="http://schemas.openxmlformats.org/presentationml/2006/main">
-  <p:cSld>
-    <p:spTree>
-      <p:nvGrpSpPr>
-        <p:cNvPr id="1" name=""/>
-        <p:cNvGrpSpPr/>
-        <p:nvPr/>
-      </p:nvGrpSpPr>
-      <p:grpSpPr>
-        <a:xfrm>
-          <a:off x="0" y="0"/>
-          <a:ext cx="0" cy="0"/>
-          <a:chOff x="0" y="0"/>
-          <a:chExt cx="0" cy="0"/>
-        </a:xfrm>
-      </p:grpSpPr>
-      <p:sp>
-        <p:nvSpPr>
-          <p:cNvPr id="9" name="Title 8">
-            <a:extLst>
-              <a:ext uri="{FF2B5EF4-FFF2-40B4-BE49-F238E27FC236}">
-                <a16:creationId xmlns:a16="http://schemas.microsoft.com/office/drawing/2014/main" id="{DE8DFAF9-B167-436E-89D1-4B7066EA3922}"/>
-              </a:ext>
-            </a:extLst>
-          </p:cNvPr>
-          <p:cNvSpPr>
-            <a:spLocks noGrp="1"/>
-          </p:cNvSpPr>
-          <p:nvPr>
-            <p:ph type="ctrTitle"/>
-          </p:nvPr>
-        </p:nvSpPr>
-        <p:spPr>
-          <a:xfrm>
-            <a:off x="929154" y="987237"/>
-            <a:ext cx="4506259" cy="2976491"/>
-          </a:xfrm>
-        </p:spPr>
-        <p:txBody>
-          <a:bodyPr rtlCol="0"/>
-          <a:lstStyle/>
-          <a:p>
-            <a:pPr rtl="0"/>
-            <a:r>
-              <a:rPr lang="en-GB"/>
-              <a:t>Topic one</a:t>
-            </a:r>
-          </a:p>
-        </p:txBody>
-      </p:sp>
-      <p:sp>
-        <p:nvSpPr>
-          <p:cNvPr id="10" name="Subtitle 9">
-            <a:extLst>
-              <a:ext uri="{FF2B5EF4-FFF2-40B4-BE49-F238E27FC236}">
-                <a16:creationId xmlns:a16="http://schemas.microsoft.com/office/drawing/2014/main" id="{25DEB519-11FF-4424-9BF3-B1EDC0F57D63}"/>
-              </a:ext>
-            </a:extLst>
-          </p:cNvPr>
-          <p:cNvSpPr>
-            <a:spLocks noGrp="1"/>
-          </p:cNvSpPr>
-          <p:nvPr>
-            <p:ph type="subTitle" idx="1"/>
-          </p:nvPr>
-        </p:nvSpPr>
-        <p:spPr>
-          <a:xfrm>
-            <a:off x="929154" y="4393824"/>
-            <a:ext cx="4506259" cy="1597145"/>
-          </a:xfrm>
-        </p:spPr>
-        <p:txBody>
-          <a:bodyPr rtlCol="0"/>
-          <a:lstStyle/>
-          <a:p>
-            <a:pPr rtl="0"/>
-            <a:r>
-              <a:rPr lang="en-GB"/>
-              <a:t>Subtitle</a:t>
-            </a:r>
-          </a:p>
-        </p:txBody>
-      </p:sp>
-      <p:sp>
-        <p:nvSpPr>
-          <p:cNvPr id="7" name="Footer Placeholder 6">
-            <a:extLst>
-              <a:ext uri="{FF2B5EF4-FFF2-40B4-BE49-F238E27FC236}">
-                <a16:creationId xmlns:a16="http://schemas.microsoft.com/office/drawing/2014/main" id="{3FB81DAD-88A7-463E-B09A-E1BC93B156F8}"/>
-              </a:ext>
-            </a:extLst>
-          </p:cNvPr>
-          <p:cNvSpPr>
-            <a:spLocks noGrp="1"/>
-          </p:cNvSpPr>
-          <p:nvPr>
-            <p:ph type="ftr" sz="quarter" idx="11"/>
-          </p:nvPr>
-        </p:nvSpPr>
-        <p:spPr/>
-        <p:txBody>
-          <a:bodyPr rtlCol="0"/>
-          <a:lstStyle/>
-          <a:p>
-            <a:pPr rtl="0"/>
-            <a:r>
-              <a:rPr lang="en-GB">
-                <a:solidFill>
-                  <a:schemeClr val="bg1"/>
-                </a:solidFill>
-              </a:rPr>
-              <a:t>Sample Footer Text</a:t>
-            </a:r>
-          </a:p>
-        </p:txBody>
-      </p:sp>
-      <p:pic>
-        <p:nvPicPr>
-          <p:cNvPr id="14" name="Picture Placeholder 13" descr="A picture containing a dj deck with levers">
-            <a:extLst>
-              <a:ext uri="{FF2B5EF4-FFF2-40B4-BE49-F238E27FC236}">
-                <a16:creationId xmlns:a16="http://schemas.microsoft.com/office/drawing/2014/main" id="{D3212BBA-7AB4-4A90-93F9-1B40576326AE}"/>
-              </a:ext>
-            </a:extLst>
-          </p:cNvPr>
-          <p:cNvPicPr>
-            <a:picLocks noGrp="1" noChangeAspect="1"/>
-          </p:cNvPicPr>
-          <p:nvPr>
-            <p:ph type="pic" sz="quarter" idx="13"/>
-          </p:nvPr>
-        </p:nvPicPr>
-        <p:blipFill rotWithShape="1">
-          <a:blip r:embed="rId2" cstate="screen">
-            <a:extLst>
-              <a:ext uri="{28A0092B-C50C-407E-A947-70E740481C1C}">
-                <a14:useLocalDpi xmlns:a14="http://schemas.microsoft.com/office/drawing/2010/main" val="0"/>
-              </a:ext>
-            </a:extLst>
-          </a:blip>
-          <a:srcRect/>
-          <a:stretch/>
-        </p:blipFill>
-        <p:spPr>
-          <a:xfrm>
-            <a:off x="6931152" y="627063"/>
-            <a:ext cx="4195763" cy="2674937"/>
-          </a:xfrm>
-        </p:spPr>
-      </p:pic>
-      <p:pic>
-        <p:nvPicPr>
-          <p:cNvPr id="16" name="Picture Placeholder 15" descr="Close-up of a DJ Deck">
-            <a:extLst>
-              <a:ext uri="{FF2B5EF4-FFF2-40B4-BE49-F238E27FC236}">
-                <a16:creationId xmlns:a16="http://schemas.microsoft.com/office/drawing/2014/main" id="{9AA84949-1394-42B3-8A1F-D93B0A3C055D}"/>
-              </a:ext>
-            </a:extLst>
-          </p:cNvPr>
-          <p:cNvPicPr>
-            <a:picLocks noGrp="1" noChangeAspect="1"/>
-          </p:cNvPicPr>
-          <p:nvPr>
-            <p:ph type="pic" sz="quarter" idx="14"/>
-          </p:nvPr>
-        </p:nvPicPr>
-        <p:blipFill rotWithShape="1">
-          <a:blip r:embed="rId3" cstate="screen">
-            <a:extLst>
-              <a:ext uri="{28A0092B-C50C-407E-A947-70E740481C1C}">
-                <a14:useLocalDpi xmlns:a14="http://schemas.microsoft.com/office/drawing/2010/main" val="0"/>
-              </a:ext>
-            </a:extLst>
-          </a:blip>
-          <a:srcRect/>
-          <a:stretch/>
-        </p:blipFill>
-        <p:spPr>
-          <a:xfrm>
-            <a:off x="6931152" y="3621024"/>
-            <a:ext cx="4195763" cy="2674937"/>
-          </a:xfrm>
-        </p:spPr>
-      </p:pic>
-      <p:sp>
-        <p:nvSpPr>
-          <p:cNvPr id="6" name="Date Placeholder 5">
-            <a:extLst>
-              <a:ext uri="{FF2B5EF4-FFF2-40B4-BE49-F238E27FC236}">
-                <a16:creationId xmlns:a16="http://schemas.microsoft.com/office/drawing/2014/main" id="{432A381B-EC49-4FA8-B4CB-033658FD3715}"/>
-              </a:ext>
-            </a:extLst>
-          </p:cNvPr>
-          <p:cNvSpPr>
-            <a:spLocks noGrp="1"/>
-          </p:cNvSpPr>
-          <p:nvPr>
-            <p:ph type="dt" sz="half" idx="10"/>
-          </p:nvPr>
-        </p:nvSpPr>
-        <p:spPr/>
-        <p:txBody>
-          <a:bodyPr rtlCol="0"/>
-          <a:lstStyle/>
-          <a:p>
-            <a:pPr rtl="0"/>
-            <a:r>
-              <a:rPr lang="en-GB"/>
-              <a:t>Monday, February 1, 20XX</a:t>
-            </a:r>
-          </a:p>
-        </p:txBody>
-      </p:sp>
-      <p:sp>
-        <p:nvSpPr>
-          <p:cNvPr id="8" name="Slide Number Placeholder 7">
-            <a:extLst>
-              <a:ext uri="{FF2B5EF4-FFF2-40B4-BE49-F238E27FC236}">
-                <a16:creationId xmlns:a16="http://schemas.microsoft.com/office/drawing/2014/main" id="{E4FB7EA2-5848-4DB6-828C-99DA351EE284}"/>
-              </a:ext>
-            </a:extLst>
-          </p:cNvPr>
-          <p:cNvSpPr>
-            <a:spLocks noGrp="1"/>
-          </p:cNvSpPr>
-          <p:nvPr>
-            <p:ph type="sldNum" sz="quarter" idx="12"/>
-          </p:nvPr>
-        </p:nvSpPr>
-        <p:spPr/>
-        <p:txBody>
-          <a:bodyPr rtlCol="0"/>
-          <a:lstStyle/>
-          <a:p>
-            <a:pPr rtl="0"/>
-            <a:fld id="{C01389E6-C847-4AD0-B56D-D205B2EAB1EE}" type="slidenum">
-              <a:rPr lang="en-GB" smtClean="0"/>
-              <a:t>4</a:t>
-            </a:fld>
-            <a:endParaRPr lang="en-GB" dirty="0"/>
-          </a:p>
-        </p:txBody>
-      </p:sp>
-    </p:spTree>
-    <p:extLst>
-      <p:ext uri="{BB962C8B-B14F-4D97-AF65-F5344CB8AC3E}">
-        <p14:creationId xmlns:p14="http://schemas.microsoft.com/office/powerpoint/2010/main" val="715360821"/>
-      </p:ext>
-    </p:extLst>
-  </p:cSld>
-  <p:clrMapOvr>
-    <a:masterClrMapping/>
-  </p:clrMapOvr>
-</p:sld>
-</file>
-
-<file path=ppt/slides/slide5.xml><?xml version="1.0" encoding="utf-8"?>
-<p:sld xmlns:a="http://schemas.openxmlformats.org/drawingml/2006/main" xmlns:r="http://schemas.openxmlformats.org/officeDocument/2006/relationships" xmlns:p="http://schemas.openxmlformats.org/presentationml/2006/main">
-  <p:cSld>
-    <p:spTree>
-      <p:nvGrpSpPr>
-        <p:cNvPr id="1" name=""/>
-        <p:cNvGrpSpPr/>
-        <p:nvPr/>
-      </p:nvGrpSpPr>
-      <p:grpSpPr>
-        <a:xfrm>
-          <a:off x="0" y="0"/>
-          <a:ext cx="0" cy="0"/>
-          <a:chOff x="0" y="0"/>
-          <a:chExt cx="0" cy="0"/>
-        </a:xfrm>
-      </p:grpSpPr>
-      <p:sp>
-        <p:nvSpPr>
-          <p:cNvPr id="2" name="Title 1">
-            <a:extLst>
-              <a:ext uri="{FF2B5EF4-FFF2-40B4-BE49-F238E27FC236}">
-                <a16:creationId xmlns:a16="http://schemas.microsoft.com/office/drawing/2014/main" id="{A8727B81-0B8B-4365-8134-80651A12C730}"/>
-              </a:ext>
-            </a:extLst>
-          </p:cNvPr>
-          <p:cNvSpPr>
-            <a:spLocks noGrp="1"/>
-          </p:cNvSpPr>
-          <p:nvPr>
-            <p:ph type="title"/>
-          </p:nvPr>
-        </p:nvSpPr>
-        <p:spPr>
-          <a:xfrm>
-            <a:off x="1371600" y="795528"/>
-            <a:ext cx="10241280" cy="1234440"/>
-          </a:xfrm>
-        </p:spPr>
-        <p:txBody>
-          <a:bodyPr rtlCol="0"/>
-          <a:lstStyle/>
-          <a:p>
-            <a:pPr rtl="0"/>
-            <a:r>
-              <a:rPr lang="en-GB"/>
-              <a:t>chart</a:t>
-            </a:r>
-          </a:p>
-        </p:txBody>
-      </p:sp>
-      <p:sp>
-        <p:nvSpPr>
-          <p:cNvPr id="3" name="Footer Placeholder 2">
-            <a:extLst>
-              <a:ext uri="{FF2B5EF4-FFF2-40B4-BE49-F238E27FC236}">
-                <a16:creationId xmlns:a16="http://schemas.microsoft.com/office/drawing/2014/main" id="{2C67144F-BC65-415D-8EA3-197F1BA0D1CF}"/>
-              </a:ext>
-            </a:extLst>
-          </p:cNvPr>
-          <p:cNvSpPr>
-            <a:spLocks noGrp="1"/>
-          </p:cNvSpPr>
-          <p:nvPr>
-            <p:ph type="ftr" sz="quarter" idx="11"/>
-          </p:nvPr>
-        </p:nvSpPr>
-        <p:spPr>
-          <a:xfrm rot="5400000">
-            <a:off x="-1828800" y="1911096"/>
-            <a:ext cx="4114800" cy="457200"/>
-          </a:xfrm>
-        </p:spPr>
-        <p:txBody>
-          <a:bodyPr rtlCol="0"/>
-          <a:lstStyle/>
-          <a:p>
-            <a:pPr rtl="0"/>
-            <a:r>
-              <a:rPr lang="en-GB"/>
-              <a:t>Sample Footer Text</a:t>
-            </a:r>
-          </a:p>
-        </p:txBody>
-      </p:sp>
-      <p:graphicFrame>
-        <p:nvGraphicFramePr>
-          <p:cNvPr id="7" name="Content Placeholder 15" descr="Bar Chart ">
-            <a:extLst>
-              <a:ext uri="{FF2B5EF4-FFF2-40B4-BE49-F238E27FC236}">
-                <a16:creationId xmlns:a16="http://schemas.microsoft.com/office/drawing/2014/main" id="{5274D981-B49C-4389-A6CB-924B3F0158DF}"/>
-              </a:ext>
-              <a:ext uri="{C183D7F6-B498-43B3-948B-1728B52AA6E4}">
-                <adec:decorative xmlns:adec="http://schemas.microsoft.com/office/drawing/2017/decorative" val="0"/>
-              </a:ext>
-            </a:extLst>
-          </p:cNvPr>
-          <p:cNvGraphicFramePr>
-            <a:graphicFrameLocks noGrp="1"/>
-          </p:cNvGraphicFramePr>
-          <p:nvPr>
-            <p:ph idx="1"/>
-            <p:extLst>
-              <p:ext uri="{D42A27DB-BD31-4B8C-83A1-F6EECF244321}">
-                <p14:modId xmlns:p14="http://schemas.microsoft.com/office/powerpoint/2010/main" val="1906429528"/>
-              </p:ext>
-            </p:extLst>
-          </p:nvPr>
-        </p:nvGraphicFramePr>
-        <p:xfrm>
-          <a:off x="1371600" y="2603500"/>
-          <a:ext cx="10190163" cy="3468688"/>
-        </p:xfrm>
-        <a:graphic>
-          <a:graphicData uri="http://schemas.openxmlformats.org/drawingml/2006/chart">
-            <c:chart xmlns:c="http://schemas.openxmlformats.org/drawingml/2006/chart" xmlns:r="http://schemas.openxmlformats.org/officeDocument/2006/relationships" r:id="rId2"/>
-          </a:graphicData>
-        </a:graphic>
-      </p:graphicFrame>
-      <p:sp>
-        <p:nvSpPr>
-          <p:cNvPr id="5" name="Date Placeholder 4">
-            <a:extLst>
-              <a:ext uri="{FF2B5EF4-FFF2-40B4-BE49-F238E27FC236}">
-                <a16:creationId xmlns:a16="http://schemas.microsoft.com/office/drawing/2014/main" id="{822B97E7-EFA7-4FCE-85AE-3715915092B9}"/>
-              </a:ext>
-            </a:extLst>
-          </p:cNvPr>
-          <p:cNvSpPr>
-            <a:spLocks noGrp="1"/>
-          </p:cNvSpPr>
-          <p:nvPr>
-            <p:ph type="dt" sz="half" idx="10"/>
-          </p:nvPr>
-        </p:nvSpPr>
-        <p:spPr>
-          <a:xfrm>
-            <a:off x="7909560" y="6409944"/>
-            <a:ext cx="3703320" cy="448056"/>
-          </a:xfrm>
-        </p:spPr>
-        <p:txBody>
-          <a:bodyPr rtlCol="0"/>
-          <a:lstStyle/>
-          <a:p>
-            <a:pPr rtl="0"/>
-            <a:r>
-              <a:rPr lang="en-GB"/>
-              <a:t>Monday, February 1, 20XX</a:t>
-            </a:r>
-          </a:p>
-        </p:txBody>
-      </p:sp>
-      <p:sp>
-        <p:nvSpPr>
-          <p:cNvPr id="6" name="Slide Number Placeholder 5">
-            <a:extLst>
-              <a:ext uri="{FF2B5EF4-FFF2-40B4-BE49-F238E27FC236}">
-                <a16:creationId xmlns:a16="http://schemas.microsoft.com/office/drawing/2014/main" id="{1BFDF3FA-E37C-4F01-AB1A-E1179A1A74A2}"/>
-              </a:ext>
-            </a:extLst>
-          </p:cNvPr>
-          <p:cNvSpPr>
-            <a:spLocks noGrp="1"/>
-          </p:cNvSpPr>
-          <p:nvPr>
-            <p:ph type="sldNum" sz="quarter" idx="12"/>
-          </p:nvPr>
-        </p:nvSpPr>
-        <p:spPr>
-          <a:xfrm>
-            <a:off x="11667744" y="6409944"/>
-            <a:ext cx="438912" cy="448056"/>
-          </a:xfrm>
-        </p:spPr>
-        <p:txBody>
-          <a:bodyPr rtlCol="0"/>
-          <a:lstStyle/>
-          <a:p>
-            <a:pPr rtl="0"/>
-            <a:fld id="{C01389E6-C847-4AD0-B56D-D205B2EAB1EE}" type="slidenum">
-              <a:rPr lang="en-GB" smtClean="0"/>
-              <a:pPr/>
-              <a:t>5</a:t>
-            </a:fld>
-            <a:endParaRPr lang="en-GB" dirty="0"/>
-          </a:p>
-        </p:txBody>
-      </p:sp>
-    </p:spTree>
-    <p:extLst>
-      <p:ext uri="{BB962C8B-B14F-4D97-AF65-F5344CB8AC3E}">
-        <p14:creationId xmlns:p14="http://schemas.microsoft.com/office/powerpoint/2010/main" val="1153327679"/>
-      </p:ext>
-    </p:extLst>
-  </p:cSld>
-  <p:clrMapOvr>
-    <a:masterClrMapping/>
-  </p:clrMapOvr>
-</p:sld>
-</file>
-
-<file path=ppt/slides/slide6.xml><?xml version="1.0" encoding="utf-8"?>
 <p:sld xmlns:a="http://schemas.openxmlformats.org/drawingml/2006/main" xmlns:r="http://schemas.openxmlformats.org/officeDocument/2006/relationships" xmlns:p="http://schemas.openxmlformats.org/presentationml/2006/main">
   <p:cSld>
     <p:spTree>
@@ -19352,8 +16554,8 @@
             <a:pPr rtl="0"/>
             <a:fld id="{C01389E6-C847-4AD0-B56D-D205B2EAB1EE}" type="slidenum">
               <a:rPr lang="en-GB" smtClean="0"/>
-              <a:pPr/>
-              <a:t>6</a:t>
+              <a:pPr rtl="0"/>
+              <a:t>10</a:t>
             </a:fld>
             <a:endParaRPr lang="en-GB" dirty="0"/>
           </a:p>
@@ -19369,6 +16571,5184 @@
   <p:clrMapOvr>
     <a:masterClrMapping/>
   </p:clrMapOvr>
+</p:sld>
+</file>
+
+<file path=ppt/slides/slide11.xml><?xml version="1.0" encoding="utf-8"?>
+<p:sld xmlns:a="http://schemas.openxmlformats.org/drawingml/2006/main" xmlns:r="http://schemas.openxmlformats.org/officeDocument/2006/relationships" xmlns:p="http://schemas.openxmlformats.org/presentationml/2006/main">
+  <p:cSld>
+    <p:spTree>
+      <p:nvGrpSpPr>
+        <p:cNvPr id="1" name=""/>
+        <p:cNvGrpSpPr/>
+        <p:nvPr/>
+      </p:nvGrpSpPr>
+      <p:grpSpPr>
+        <a:xfrm>
+          <a:off x="0" y="0"/>
+          <a:ext cx="0" cy="0"/>
+          <a:chOff x="0" y="0"/>
+          <a:chExt cx="0" cy="0"/>
+        </a:xfrm>
+      </p:grpSpPr>
+      <p:sp>
+        <p:nvSpPr>
+          <p:cNvPr id="2" name="Title 1">
+            <a:extLst>
+              <a:ext uri="{FF2B5EF4-FFF2-40B4-BE49-F238E27FC236}">
+                <a16:creationId xmlns:a16="http://schemas.microsoft.com/office/drawing/2014/main" id="{BC562C5A-DC3A-4D57-A7F0-A52C0B0842C5}"/>
+              </a:ext>
+            </a:extLst>
+          </p:cNvPr>
+          <p:cNvSpPr>
+            <a:spLocks noGrp="1"/>
+          </p:cNvSpPr>
+          <p:nvPr>
+            <p:ph type="ctrTitle"/>
+          </p:nvPr>
+        </p:nvSpPr>
+        <p:spPr>
+          <a:xfrm>
+            <a:off x="1383807" y="4611271"/>
+            <a:ext cx="10229073" cy="1171556"/>
+          </a:xfrm>
+        </p:spPr>
+        <p:txBody>
+          <a:bodyPr rtlCol="0">
+            <a:normAutofit fontScale="90000"/>
+          </a:bodyPr>
+          <a:lstStyle/>
+          <a:p>
+            <a:pPr rtl="0"/>
+            <a:r>
+              <a:rPr lang="en-GB"/>
+              <a:t>The way to get started is to quit talking and begin doing.</a:t>
+            </a:r>
+          </a:p>
+        </p:txBody>
+      </p:sp>
+      <p:sp>
+        <p:nvSpPr>
+          <p:cNvPr id="3" name="Subtitle 2">
+            <a:extLst>
+              <a:ext uri="{FF2B5EF4-FFF2-40B4-BE49-F238E27FC236}">
+                <a16:creationId xmlns:a16="http://schemas.microsoft.com/office/drawing/2014/main" id="{60F0DCEA-5CBC-4FE3-A819-C5EBE40E29E5}"/>
+              </a:ext>
+            </a:extLst>
+          </p:cNvPr>
+          <p:cNvSpPr>
+            <a:spLocks noGrp="1"/>
+          </p:cNvSpPr>
+          <p:nvPr>
+            <p:ph type="subTitle" idx="1"/>
+          </p:nvPr>
+        </p:nvSpPr>
+        <p:spPr>
+          <a:xfrm>
+            <a:off x="1371601" y="5970897"/>
+            <a:ext cx="9448800" cy="429904"/>
+          </a:xfrm>
+        </p:spPr>
+        <p:txBody>
+          <a:bodyPr rtlCol="0"/>
+          <a:lstStyle/>
+          <a:p>
+            <a:pPr rtl="0"/>
+            <a:r>
+              <a:rPr lang="en-GB"/>
+              <a:t>Walt Disney</a:t>
+            </a:r>
+          </a:p>
+        </p:txBody>
+      </p:sp>
+      <p:pic>
+        <p:nvPicPr>
+          <p:cNvPr id="14" name="Picture Placeholder 13" descr="A close - up of a violinist">
+            <a:extLst>
+              <a:ext uri="{FF2B5EF4-FFF2-40B4-BE49-F238E27FC236}">
+                <a16:creationId xmlns:a16="http://schemas.microsoft.com/office/drawing/2014/main" id="{5BC04982-CB92-4287-8A66-635C39585584}"/>
+              </a:ext>
+            </a:extLst>
+          </p:cNvPr>
+          <p:cNvPicPr>
+            <a:picLocks noGrp="1" noChangeAspect="1"/>
+          </p:cNvPicPr>
+          <p:nvPr>
+            <p:ph type="pic" sz="quarter" idx="13"/>
+          </p:nvPr>
+        </p:nvPicPr>
+        <p:blipFill rotWithShape="1">
+          <a:blip r:embed="rId3" cstate="screen">
+            <a:extLst>
+              <a:ext uri="{28A0092B-C50C-407E-A947-70E740481C1C}">
+                <a14:useLocalDpi xmlns:a14="http://schemas.microsoft.com/office/drawing/2010/main" val="0"/>
+              </a:ext>
+            </a:extLst>
+          </a:blip>
+          <a:srcRect/>
+          <a:stretch/>
+        </p:blipFill>
+        <p:spPr>
+          <a:xfrm>
+            <a:off x="0" y="0"/>
+            <a:ext cx="12188952" cy="4462272"/>
+          </a:xfrm>
+        </p:spPr>
+      </p:pic>
+      <p:sp>
+        <p:nvSpPr>
+          <p:cNvPr id="4" name="Footer Placeholder 3">
+            <a:extLst>
+              <a:ext uri="{FF2B5EF4-FFF2-40B4-BE49-F238E27FC236}">
+                <a16:creationId xmlns:a16="http://schemas.microsoft.com/office/drawing/2014/main" id="{EB4C6ED3-13A4-4C80-9C81-CB6CC8D7DCB8}"/>
+              </a:ext>
+            </a:extLst>
+          </p:cNvPr>
+          <p:cNvSpPr>
+            <a:spLocks noGrp="1"/>
+          </p:cNvSpPr>
+          <p:nvPr>
+            <p:ph type="ftr" sz="quarter" idx="11"/>
+          </p:nvPr>
+        </p:nvSpPr>
+        <p:spPr>
+          <a:xfrm rot="5400000">
+            <a:off x="-1828800" y="1911096"/>
+            <a:ext cx="4114800" cy="457200"/>
+          </a:xfrm>
+        </p:spPr>
+        <p:txBody>
+          <a:bodyPr rtlCol="0"/>
+          <a:lstStyle/>
+          <a:p>
+            <a:pPr rtl="0"/>
+            <a:r>
+              <a:rPr lang="en-GB"/>
+              <a:t>Sample Footer Text</a:t>
+            </a:r>
+          </a:p>
+        </p:txBody>
+      </p:sp>
+      <p:sp>
+        <p:nvSpPr>
+          <p:cNvPr id="21" name="Date Placeholder 20">
+            <a:extLst>
+              <a:ext uri="{FF2B5EF4-FFF2-40B4-BE49-F238E27FC236}">
+                <a16:creationId xmlns:a16="http://schemas.microsoft.com/office/drawing/2014/main" id="{6FF32649-32BD-4DF7-8CF4-C5EF7B01FDD0}"/>
+              </a:ext>
+            </a:extLst>
+          </p:cNvPr>
+          <p:cNvSpPr>
+            <a:spLocks noGrp="1"/>
+          </p:cNvSpPr>
+          <p:nvPr>
+            <p:ph type="dt" sz="half" idx="10"/>
+          </p:nvPr>
+        </p:nvSpPr>
+        <p:spPr>
+          <a:xfrm>
+            <a:off x="7909560" y="6409944"/>
+            <a:ext cx="3703320" cy="448056"/>
+          </a:xfrm>
+        </p:spPr>
+        <p:txBody>
+          <a:bodyPr rtlCol="0"/>
+          <a:lstStyle/>
+          <a:p>
+            <a:pPr rtl="0"/>
+            <a:r>
+              <a:rPr lang="en-GB"/>
+              <a:t>Monday, February 1, 20XX</a:t>
+            </a:r>
+          </a:p>
+        </p:txBody>
+      </p:sp>
+      <p:sp>
+        <p:nvSpPr>
+          <p:cNvPr id="23" name="Slide Number Placeholder 22">
+            <a:extLst>
+              <a:ext uri="{FF2B5EF4-FFF2-40B4-BE49-F238E27FC236}">
+                <a16:creationId xmlns:a16="http://schemas.microsoft.com/office/drawing/2014/main" id="{6D853837-26C5-47BD-A51B-085EDF9224A5}"/>
+              </a:ext>
+            </a:extLst>
+          </p:cNvPr>
+          <p:cNvSpPr>
+            <a:spLocks noGrp="1"/>
+          </p:cNvSpPr>
+          <p:nvPr>
+            <p:ph type="sldNum" sz="quarter" idx="12"/>
+          </p:nvPr>
+        </p:nvSpPr>
+        <p:spPr>
+          <a:xfrm>
+            <a:off x="11667744" y="6409944"/>
+            <a:ext cx="438912" cy="448056"/>
+          </a:xfrm>
+        </p:spPr>
+        <p:txBody>
+          <a:bodyPr rtlCol="0"/>
+          <a:lstStyle/>
+          <a:p>
+            <a:pPr rtl="0"/>
+            <a:fld id="{C01389E6-C847-4AD0-B56D-D205B2EAB1EE}" type="slidenum">
+              <a:rPr lang="en-GB" smtClean="0"/>
+              <a:pPr rtl="0"/>
+              <a:t>11</a:t>
+            </a:fld>
+            <a:endParaRPr lang="en-GB" dirty="0"/>
+          </a:p>
+        </p:txBody>
+      </p:sp>
+    </p:spTree>
+    <p:extLst>
+      <p:ext uri="{BB962C8B-B14F-4D97-AF65-F5344CB8AC3E}">
+        <p14:creationId xmlns:p14="http://schemas.microsoft.com/office/powerpoint/2010/main" val="2131406861"/>
+      </p:ext>
+    </p:extLst>
+  </p:cSld>
+  <p:clrMapOvr>
+    <a:masterClrMapping/>
+  </p:clrMapOvr>
+</p:sld>
+</file>
+
+<file path=ppt/slides/slide12.xml><?xml version="1.0" encoding="utf-8"?>
+<p:sld xmlns:a="http://schemas.openxmlformats.org/drawingml/2006/main" xmlns:r="http://schemas.openxmlformats.org/officeDocument/2006/relationships" xmlns:p="http://schemas.openxmlformats.org/presentationml/2006/main">
+  <p:cSld>
+    <p:spTree>
+      <p:nvGrpSpPr>
+        <p:cNvPr id="1" name=""/>
+        <p:cNvGrpSpPr/>
+        <p:nvPr/>
+      </p:nvGrpSpPr>
+      <p:grpSpPr>
+        <a:xfrm>
+          <a:off x="0" y="0"/>
+          <a:ext cx="0" cy="0"/>
+          <a:chOff x="0" y="0"/>
+          <a:chExt cx="0" cy="0"/>
+        </a:xfrm>
+      </p:grpSpPr>
+      <p:sp>
+        <p:nvSpPr>
+          <p:cNvPr id="11" name="Title 10">
+            <a:extLst>
+              <a:ext uri="{FF2B5EF4-FFF2-40B4-BE49-F238E27FC236}">
+                <a16:creationId xmlns:a16="http://schemas.microsoft.com/office/drawing/2014/main" id="{0733DF59-A4B2-4E69-B8BA-B4E6D9904EDB}"/>
+              </a:ext>
+            </a:extLst>
+          </p:cNvPr>
+          <p:cNvSpPr>
+            <a:spLocks noGrp="1"/>
+          </p:cNvSpPr>
+          <p:nvPr>
+            <p:ph type="title"/>
+          </p:nvPr>
+        </p:nvSpPr>
+        <p:spPr>
+          <a:xfrm>
+            <a:off x="1371600" y="580030"/>
+            <a:ext cx="10240903" cy="1009934"/>
+          </a:xfrm>
+        </p:spPr>
+        <p:txBody>
+          <a:bodyPr rtlCol="0" anchor="ctr"/>
+          <a:lstStyle/>
+          <a:p>
+            <a:pPr rtl="0"/>
+            <a:r>
+              <a:rPr lang="en-GB"/>
+              <a:t>team</a:t>
+            </a:r>
+          </a:p>
+        </p:txBody>
+      </p:sp>
+      <p:sp>
+        <p:nvSpPr>
+          <p:cNvPr id="2" name="Footer Placeholder 1">
+            <a:extLst>
+              <a:ext uri="{FF2B5EF4-FFF2-40B4-BE49-F238E27FC236}">
+                <a16:creationId xmlns:a16="http://schemas.microsoft.com/office/drawing/2014/main" id="{6F661F5F-6E1D-45DF-9BF7-1D0E0B690E5F}"/>
+              </a:ext>
+            </a:extLst>
+          </p:cNvPr>
+          <p:cNvSpPr>
+            <a:spLocks noGrp="1"/>
+          </p:cNvSpPr>
+          <p:nvPr>
+            <p:ph type="ftr" sz="quarter" idx="11"/>
+          </p:nvPr>
+        </p:nvSpPr>
+        <p:spPr>
+          <a:xfrm rot="5400000">
+            <a:off x="-1828800" y="1911096"/>
+            <a:ext cx="4114800" cy="457200"/>
+          </a:xfrm>
+        </p:spPr>
+        <p:txBody>
+          <a:bodyPr rtlCol="0"/>
+          <a:lstStyle/>
+          <a:p>
+            <a:pPr rtl="0"/>
+            <a:r>
+              <a:rPr lang="en-GB"/>
+              <a:t>Sample Footer Text</a:t>
+            </a:r>
+          </a:p>
+        </p:txBody>
+      </p:sp>
+      <p:pic>
+        <p:nvPicPr>
+          <p:cNvPr id="55" name="Picture Placeholder 54" descr="A person smiling for the camera">
+            <a:extLst>
+              <a:ext uri="{FF2B5EF4-FFF2-40B4-BE49-F238E27FC236}">
+                <a16:creationId xmlns:a16="http://schemas.microsoft.com/office/drawing/2014/main" id="{0E5C6F58-2AD4-4892-9B04-3BFAC5CEA500}"/>
+              </a:ext>
+            </a:extLst>
+          </p:cNvPr>
+          <p:cNvPicPr>
+            <a:picLocks noGrp="1" noChangeAspect="1"/>
+          </p:cNvPicPr>
+          <p:nvPr>
+            <p:ph type="pic" sz="quarter" idx="13"/>
+          </p:nvPr>
+        </p:nvPicPr>
+        <p:blipFill rotWithShape="1">
+          <a:blip r:embed="rId3" cstate="screen">
+            <a:extLst>
+              <a:ext uri="{28A0092B-C50C-407E-A947-70E740481C1C}">
+                <a14:useLocalDpi xmlns:a14="http://schemas.microsoft.com/office/drawing/2010/main" val="0"/>
+              </a:ext>
+            </a:extLst>
+          </a:blip>
+          <a:srcRect/>
+          <a:stretch/>
+        </p:blipFill>
+        <p:spPr>
+          <a:xfrm>
+            <a:off x="1045013" y="1819656"/>
+            <a:ext cx="2282932" cy="2282932"/>
+          </a:xfrm>
+        </p:spPr>
+      </p:pic>
+      <p:pic>
+        <p:nvPicPr>
+          <p:cNvPr id="39" name="Picture Placeholder 38" descr="A person smiling for the camera in the office">
+            <a:extLst>
+              <a:ext uri="{FF2B5EF4-FFF2-40B4-BE49-F238E27FC236}">
+                <a16:creationId xmlns:a16="http://schemas.microsoft.com/office/drawing/2014/main" id="{BF46F0F4-0C90-4C85-A0A9-A4B1E4D75AA7}"/>
+              </a:ext>
+            </a:extLst>
+          </p:cNvPr>
+          <p:cNvPicPr>
+            <a:picLocks noGrp="1" noChangeAspect="1"/>
+          </p:cNvPicPr>
+          <p:nvPr>
+            <p:ph type="pic" sz="quarter" idx="14"/>
+          </p:nvPr>
+        </p:nvPicPr>
+        <p:blipFill rotWithShape="1">
+          <a:blip r:embed="rId4" cstate="screen">
+            <a:extLst>
+              <a:ext uri="{28A0092B-C50C-407E-A947-70E740481C1C}">
+                <a14:useLocalDpi xmlns:a14="http://schemas.microsoft.com/office/drawing/2010/main" val="0"/>
+              </a:ext>
+            </a:extLst>
+          </a:blip>
+          <a:srcRect/>
+          <a:stretch/>
+        </p:blipFill>
+        <p:spPr>
+          <a:xfrm>
+            <a:off x="3657600" y="1819656"/>
+            <a:ext cx="2282932" cy="2282932"/>
+          </a:xfrm>
+        </p:spPr>
+      </p:pic>
+      <p:pic>
+        <p:nvPicPr>
+          <p:cNvPr id="41" name="Picture Placeholder 40" descr="A person smiling for the camera in the office">
+            <a:extLst>
+              <a:ext uri="{FF2B5EF4-FFF2-40B4-BE49-F238E27FC236}">
+                <a16:creationId xmlns:a16="http://schemas.microsoft.com/office/drawing/2014/main" id="{868BC0BC-25FE-4B51-9E04-D097D34B2E5D}"/>
+              </a:ext>
+            </a:extLst>
+          </p:cNvPr>
+          <p:cNvPicPr>
+            <a:picLocks noGrp="1" noChangeAspect="1"/>
+          </p:cNvPicPr>
+          <p:nvPr>
+            <p:ph type="pic" sz="quarter" idx="15"/>
+          </p:nvPr>
+        </p:nvPicPr>
+        <p:blipFill rotWithShape="1">
+          <a:blip r:embed="rId5" cstate="screen">
+            <a:extLst>
+              <a:ext uri="{28A0092B-C50C-407E-A947-70E740481C1C}">
+                <a14:useLocalDpi xmlns:a14="http://schemas.microsoft.com/office/drawing/2010/main" val="0"/>
+              </a:ext>
+            </a:extLst>
+          </a:blip>
+          <a:srcRect/>
+          <a:stretch/>
+        </p:blipFill>
+        <p:spPr>
+          <a:xfrm>
+            <a:off x="6281928" y="1819656"/>
+            <a:ext cx="2282932" cy="2282932"/>
+          </a:xfrm>
+        </p:spPr>
+      </p:pic>
+      <p:pic>
+        <p:nvPicPr>
+          <p:cNvPr id="57" name="Picture Placeholder 56" descr="A person smiling for the camera in the office">
+            <a:extLst>
+              <a:ext uri="{FF2B5EF4-FFF2-40B4-BE49-F238E27FC236}">
+                <a16:creationId xmlns:a16="http://schemas.microsoft.com/office/drawing/2014/main" id="{5E87E414-B261-4885-B6EF-3C0761238F5F}"/>
+              </a:ext>
+            </a:extLst>
+          </p:cNvPr>
+          <p:cNvPicPr>
+            <a:picLocks noGrp="1" noChangeAspect="1"/>
+          </p:cNvPicPr>
+          <p:nvPr>
+            <p:ph type="pic" sz="quarter" idx="16"/>
+          </p:nvPr>
+        </p:nvPicPr>
+        <p:blipFill rotWithShape="1">
+          <a:blip r:embed="rId6" cstate="screen">
+            <a:extLst>
+              <a:ext uri="{28A0092B-C50C-407E-A947-70E740481C1C}">
+                <a14:useLocalDpi xmlns:a14="http://schemas.microsoft.com/office/drawing/2010/main" val="0"/>
+              </a:ext>
+            </a:extLst>
+          </a:blip>
+          <a:srcRect/>
+          <a:stretch/>
+        </p:blipFill>
+        <p:spPr>
+          <a:xfrm>
+            <a:off x="8897112" y="1819656"/>
+            <a:ext cx="2282932" cy="2282932"/>
+          </a:xfrm>
+        </p:spPr>
+      </p:pic>
+      <p:sp>
+        <p:nvSpPr>
+          <p:cNvPr id="46" name="Text Placeholder 45">
+            <a:extLst>
+              <a:ext uri="{FF2B5EF4-FFF2-40B4-BE49-F238E27FC236}">
+                <a16:creationId xmlns:a16="http://schemas.microsoft.com/office/drawing/2014/main" id="{757F99B5-64D7-4A64-86D6-36354C4B82BF}"/>
+              </a:ext>
+            </a:extLst>
+          </p:cNvPr>
+          <p:cNvSpPr>
+            <a:spLocks noGrp="1"/>
+          </p:cNvSpPr>
+          <p:nvPr>
+            <p:ph type="body" sz="quarter" idx="17"/>
+          </p:nvPr>
+        </p:nvSpPr>
+        <p:spPr>
+          <a:xfrm>
+            <a:off x="1031368" y="4466873"/>
+            <a:ext cx="2286000" cy="274320"/>
+          </a:xfrm>
+        </p:spPr>
+        <p:txBody>
+          <a:bodyPr rtlCol="0"/>
+          <a:lstStyle/>
+          <a:p>
+            <a:pPr rtl="0"/>
+            <a:r>
+              <a:rPr lang="en-GB"/>
+              <a:t>Name</a:t>
+            </a:r>
+          </a:p>
+        </p:txBody>
+      </p:sp>
+      <p:sp>
+        <p:nvSpPr>
+          <p:cNvPr id="47" name="Text Placeholder 46">
+            <a:extLst>
+              <a:ext uri="{FF2B5EF4-FFF2-40B4-BE49-F238E27FC236}">
+                <a16:creationId xmlns:a16="http://schemas.microsoft.com/office/drawing/2014/main" id="{BECA2EEA-616D-4E87-9A3A-DF8655C5416D}"/>
+              </a:ext>
+            </a:extLst>
+          </p:cNvPr>
+          <p:cNvSpPr>
+            <a:spLocks noGrp="1"/>
+          </p:cNvSpPr>
+          <p:nvPr>
+            <p:ph type="body" sz="quarter" idx="21"/>
+          </p:nvPr>
+        </p:nvSpPr>
+        <p:spPr>
+          <a:xfrm>
+            <a:off x="1045013" y="4877332"/>
+            <a:ext cx="2286000" cy="594360"/>
+          </a:xfrm>
+        </p:spPr>
+        <p:txBody>
+          <a:bodyPr rtlCol="0"/>
+          <a:lstStyle/>
+          <a:p>
+            <a:pPr rtl="0"/>
+            <a:r>
+              <a:rPr lang="en-GB"/>
+              <a:t>Title</a:t>
+            </a:r>
+          </a:p>
+        </p:txBody>
+      </p:sp>
+      <p:sp>
+        <p:nvSpPr>
+          <p:cNvPr id="48" name="Text Placeholder 47">
+            <a:extLst>
+              <a:ext uri="{FF2B5EF4-FFF2-40B4-BE49-F238E27FC236}">
+                <a16:creationId xmlns:a16="http://schemas.microsoft.com/office/drawing/2014/main" id="{AE9A8D92-00FD-4246-866B-B772E0CA7757}"/>
+              </a:ext>
+            </a:extLst>
+          </p:cNvPr>
+          <p:cNvSpPr>
+            <a:spLocks noGrp="1"/>
+          </p:cNvSpPr>
+          <p:nvPr>
+            <p:ph type="body" sz="quarter" idx="22"/>
+          </p:nvPr>
+        </p:nvSpPr>
+        <p:spPr>
+          <a:xfrm>
+            <a:off x="3667663" y="4466873"/>
+            <a:ext cx="2286000" cy="274320"/>
+          </a:xfrm>
+        </p:spPr>
+        <p:txBody>
+          <a:bodyPr rtlCol="0"/>
+          <a:lstStyle/>
+          <a:p>
+            <a:pPr rtl="0"/>
+            <a:r>
+              <a:rPr lang="en-GB"/>
+              <a:t>Name</a:t>
+            </a:r>
+          </a:p>
+        </p:txBody>
+      </p:sp>
+      <p:sp>
+        <p:nvSpPr>
+          <p:cNvPr id="49" name="Text Placeholder 48">
+            <a:extLst>
+              <a:ext uri="{FF2B5EF4-FFF2-40B4-BE49-F238E27FC236}">
+                <a16:creationId xmlns:a16="http://schemas.microsoft.com/office/drawing/2014/main" id="{1522E387-1530-4794-9487-2FB24AFFDC59}"/>
+              </a:ext>
+            </a:extLst>
+          </p:cNvPr>
+          <p:cNvSpPr>
+            <a:spLocks noGrp="1"/>
+          </p:cNvSpPr>
+          <p:nvPr>
+            <p:ph type="body" sz="quarter" idx="23"/>
+          </p:nvPr>
+        </p:nvSpPr>
+        <p:spPr>
+          <a:xfrm>
+            <a:off x="3681308" y="4877332"/>
+            <a:ext cx="2286000" cy="594360"/>
+          </a:xfrm>
+        </p:spPr>
+        <p:txBody>
+          <a:bodyPr rtlCol="0"/>
+          <a:lstStyle/>
+          <a:p>
+            <a:pPr rtl="0"/>
+            <a:r>
+              <a:rPr lang="en-GB"/>
+              <a:t>Title</a:t>
+            </a:r>
+          </a:p>
+        </p:txBody>
+      </p:sp>
+      <p:sp>
+        <p:nvSpPr>
+          <p:cNvPr id="50" name="Text Placeholder 49">
+            <a:extLst>
+              <a:ext uri="{FF2B5EF4-FFF2-40B4-BE49-F238E27FC236}">
+                <a16:creationId xmlns:a16="http://schemas.microsoft.com/office/drawing/2014/main" id="{684E5FF7-FFBE-4834-89C3-708240DAC19B}"/>
+              </a:ext>
+            </a:extLst>
+          </p:cNvPr>
+          <p:cNvSpPr>
+            <a:spLocks noGrp="1"/>
+          </p:cNvSpPr>
+          <p:nvPr>
+            <p:ph type="body" sz="quarter" idx="24"/>
+          </p:nvPr>
+        </p:nvSpPr>
+        <p:spPr>
+          <a:xfrm>
+            <a:off x="6290307" y="4466873"/>
+            <a:ext cx="2286000" cy="274320"/>
+          </a:xfrm>
+        </p:spPr>
+        <p:txBody>
+          <a:bodyPr rtlCol="0"/>
+          <a:lstStyle/>
+          <a:p>
+            <a:pPr rtl="0"/>
+            <a:r>
+              <a:rPr lang="en-GB"/>
+              <a:t>Name</a:t>
+            </a:r>
+          </a:p>
+        </p:txBody>
+      </p:sp>
+      <p:sp>
+        <p:nvSpPr>
+          <p:cNvPr id="51" name="Text Placeholder 50">
+            <a:extLst>
+              <a:ext uri="{FF2B5EF4-FFF2-40B4-BE49-F238E27FC236}">
+                <a16:creationId xmlns:a16="http://schemas.microsoft.com/office/drawing/2014/main" id="{06C01CB0-5757-463B-9D47-3F8CA427DAD9}"/>
+              </a:ext>
+            </a:extLst>
+          </p:cNvPr>
+          <p:cNvSpPr>
+            <a:spLocks noGrp="1"/>
+          </p:cNvSpPr>
+          <p:nvPr>
+            <p:ph type="body" sz="quarter" idx="25"/>
+          </p:nvPr>
+        </p:nvSpPr>
+        <p:spPr>
+          <a:xfrm>
+            <a:off x="6303952" y="4877332"/>
+            <a:ext cx="2286000" cy="594360"/>
+          </a:xfrm>
+        </p:spPr>
+        <p:txBody>
+          <a:bodyPr rtlCol="0"/>
+          <a:lstStyle/>
+          <a:p>
+            <a:pPr rtl="0"/>
+            <a:r>
+              <a:rPr lang="en-GB"/>
+              <a:t>Title</a:t>
+            </a:r>
+          </a:p>
+        </p:txBody>
+      </p:sp>
+      <p:sp>
+        <p:nvSpPr>
+          <p:cNvPr id="52" name="Text Placeholder 51">
+            <a:extLst>
+              <a:ext uri="{FF2B5EF4-FFF2-40B4-BE49-F238E27FC236}">
+                <a16:creationId xmlns:a16="http://schemas.microsoft.com/office/drawing/2014/main" id="{F6EAF102-9D8C-42FA-8631-0A97B8FEAED2}"/>
+              </a:ext>
+            </a:extLst>
+          </p:cNvPr>
+          <p:cNvSpPr>
+            <a:spLocks noGrp="1"/>
+          </p:cNvSpPr>
+          <p:nvPr>
+            <p:ph type="body" sz="quarter" idx="26"/>
+          </p:nvPr>
+        </p:nvSpPr>
+        <p:spPr>
+          <a:xfrm>
+            <a:off x="8924408" y="4466873"/>
+            <a:ext cx="2286000" cy="274320"/>
+          </a:xfrm>
+        </p:spPr>
+        <p:txBody>
+          <a:bodyPr rtlCol="0"/>
+          <a:lstStyle/>
+          <a:p>
+            <a:pPr rtl="0"/>
+            <a:r>
+              <a:rPr lang="en-GB"/>
+              <a:t>Name</a:t>
+            </a:r>
+          </a:p>
+        </p:txBody>
+      </p:sp>
+      <p:sp>
+        <p:nvSpPr>
+          <p:cNvPr id="53" name="Text Placeholder 52">
+            <a:extLst>
+              <a:ext uri="{FF2B5EF4-FFF2-40B4-BE49-F238E27FC236}">
+                <a16:creationId xmlns:a16="http://schemas.microsoft.com/office/drawing/2014/main" id="{69F3136F-4592-4535-9658-790F97780F74}"/>
+              </a:ext>
+            </a:extLst>
+          </p:cNvPr>
+          <p:cNvSpPr>
+            <a:spLocks noGrp="1"/>
+          </p:cNvSpPr>
+          <p:nvPr>
+            <p:ph type="body" sz="quarter" idx="27"/>
+          </p:nvPr>
+        </p:nvSpPr>
+        <p:spPr>
+          <a:xfrm>
+            <a:off x="8938053" y="4877332"/>
+            <a:ext cx="2286000" cy="594360"/>
+          </a:xfrm>
+        </p:spPr>
+        <p:txBody>
+          <a:bodyPr rtlCol="0"/>
+          <a:lstStyle/>
+          <a:p>
+            <a:pPr rtl="0"/>
+            <a:r>
+              <a:rPr lang="en-GB"/>
+              <a:t>Title</a:t>
+            </a:r>
+          </a:p>
+        </p:txBody>
+      </p:sp>
+      <p:sp>
+        <p:nvSpPr>
+          <p:cNvPr id="8" name="Date Placeholder 7">
+            <a:extLst>
+              <a:ext uri="{FF2B5EF4-FFF2-40B4-BE49-F238E27FC236}">
+                <a16:creationId xmlns:a16="http://schemas.microsoft.com/office/drawing/2014/main" id="{4EB44ED7-7731-489B-9F8C-07F5367E9D2E}"/>
+              </a:ext>
+            </a:extLst>
+          </p:cNvPr>
+          <p:cNvSpPr>
+            <a:spLocks noGrp="1"/>
+          </p:cNvSpPr>
+          <p:nvPr>
+            <p:ph type="dt" sz="half" idx="10"/>
+          </p:nvPr>
+        </p:nvSpPr>
+        <p:spPr>
+          <a:xfrm>
+            <a:off x="7909560" y="6409944"/>
+            <a:ext cx="3703320" cy="448056"/>
+          </a:xfrm>
+        </p:spPr>
+        <p:txBody>
+          <a:bodyPr rtlCol="0"/>
+          <a:lstStyle/>
+          <a:p>
+            <a:pPr rtl="0"/>
+            <a:r>
+              <a:rPr lang="en-GB"/>
+              <a:t>Monday, February 1, 20XX</a:t>
+            </a:r>
+          </a:p>
+        </p:txBody>
+      </p:sp>
+      <p:sp>
+        <p:nvSpPr>
+          <p:cNvPr id="10" name="Slide Number Placeholder 9">
+            <a:extLst>
+              <a:ext uri="{FF2B5EF4-FFF2-40B4-BE49-F238E27FC236}">
+                <a16:creationId xmlns:a16="http://schemas.microsoft.com/office/drawing/2014/main" id="{5DB7A9A4-E0AF-4EBE-905E-7610470537F2}"/>
+              </a:ext>
+            </a:extLst>
+          </p:cNvPr>
+          <p:cNvSpPr>
+            <a:spLocks noGrp="1"/>
+          </p:cNvSpPr>
+          <p:nvPr>
+            <p:ph type="sldNum" sz="quarter" idx="12"/>
+          </p:nvPr>
+        </p:nvSpPr>
+        <p:spPr>
+          <a:xfrm>
+            <a:off x="11667744" y="6409944"/>
+            <a:ext cx="438912" cy="448056"/>
+          </a:xfrm>
+        </p:spPr>
+        <p:txBody>
+          <a:bodyPr rtlCol="0"/>
+          <a:lstStyle/>
+          <a:p>
+            <a:pPr rtl="0"/>
+            <a:fld id="{8B48EBF6-60E6-462A-9155-5FAF136BCCBC}" type="slidenum">
+              <a:rPr lang="en-GB" smtClean="0"/>
+              <a:pPr rtl="0"/>
+              <a:t>12</a:t>
+            </a:fld>
+            <a:endParaRPr lang="en-GB" dirty="0"/>
+          </a:p>
+        </p:txBody>
+      </p:sp>
+    </p:spTree>
+    <p:extLst>
+      <p:ext uri="{BB962C8B-B14F-4D97-AF65-F5344CB8AC3E}">
+        <p14:creationId xmlns:p14="http://schemas.microsoft.com/office/powerpoint/2010/main" val="2790870031"/>
+      </p:ext>
+    </p:extLst>
+  </p:cSld>
+  <p:clrMapOvr>
+    <a:masterClrMapping/>
+  </p:clrMapOvr>
+</p:sld>
+</file>
+
+<file path=ppt/slides/slide13.xml><?xml version="1.0" encoding="utf-8"?>
+<p:sld xmlns:a="http://schemas.openxmlformats.org/drawingml/2006/main" xmlns:r="http://schemas.openxmlformats.org/officeDocument/2006/relationships" xmlns:p="http://schemas.openxmlformats.org/presentationml/2006/main">
+  <p:cSld>
+    <p:spTree>
+      <p:nvGrpSpPr>
+        <p:cNvPr id="1" name=""/>
+        <p:cNvGrpSpPr/>
+        <p:nvPr/>
+      </p:nvGrpSpPr>
+      <p:grpSpPr>
+        <a:xfrm>
+          <a:off x="0" y="0"/>
+          <a:ext cx="0" cy="0"/>
+          <a:chOff x="0" y="0"/>
+          <a:chExt cx="0" cy="0"/>
+        </a:xfrm>
+      </p:grpSpPr>
+      <p:sp>
+        <p:nvSpPr>
+          <p:cNvPr id="6" name="Title 5">
+            <a:extLst>
+              <a:ext uri="{FF2B5EF4-FFF2-40B4-BE49-F238E27FC236}">
+                <a16:creationId xmlns:a16="http://schemas.microsoft.com/office/drawing/2014/main" id="{796646DD-9771-4241-9017-A1226C4F0655}"/>
+              </a:ext>
+            </a:extLst>
+          </p:cNvPr>
+          <p:cNvSpPr>
+            <a:spLocks noGrp="1"/>
+          </p:cNvSpPr>
+          <p:nvPr>
+            <p:ph type="title"/>
+          </p:nvPr>
+        </p:nvSpPr>
+        <p:spPr>
+          <a:xfrm>
+            <a:off x="1371600" y="795528"/>
+            <a:ext cx="10241280" cy="1234440"/>
+          </a:xfrm>
+        </p:spPr>
+        <p:txBody>
+          <a:bodyPr rtlCol="0"/>
+          <a:lstStyle/>
+          <a:p>
+            <a:pPr rtl="0"/>
+            <a:r>
+              <a:rPr lang="en-GB"/>
+              <a:t>content</a:t>
+            </a:r>
+          </a:p>
+        </p:txBody>
+      </p:sp>
+      <p:sp>
+        <p:nvSpPr>
+          <p:cNvPr id="2" name="Footer Placeholder 1">
+            <a:extLst>
+              <a:ext uri="{FF2B5EF4-FFF2-40B4-BE49-F238E27FC236}">
+                <a16:creationId xmlns:a16="http://schemas.microsoft.com/office/drawing/2014/main" id="{18BA7DF5-0D60-4A7E-ADA0-055736BA9EDD}"/>
+              </a:ext>
+            </a:extLst>
+          </p:cNvPr>
+          <p:cNvSpPr>
+            <a:spLocks noGrp="1"/>
+          </p:cNvSpPr>
+          <p:nvPr>
+            <p:ph type="ftr" sz="quarter" idx="11"/>
+          </p:nvPr>
+        </p:nvSpPr>
+        <p:spPr>
+          <a:xfrm rot="5400000">
+            <a:off x="-1828800" y="1911096"/>
+            <a:ext cx="4114800" cy="457200"/>
+          </a:xfrm>
+        </p:spPr>
+        <p:txBody>
+          <a:bodyPr rtlCol="0"/>
+          <a:lstStyle/>
+          <a:p>
+            <a:pPr rtl="0"/>
+            <a:r>
+              <a:rPr lang="en-GB"/>
+              <a:t>Sample Footer Text</a:t>
+            </a:r>
+          </a:p>
+        </p:txBody>
+      </p:sp>
+      <p:sp>
+        <p:nvSpPr>
+          <p:cNvPr id="7" name="Text Placeholder 6">
+            <a:extLst>
+              <a:ext uri="{FF2B5EF4-FFF2-40B4-BE49-F238E27FC236}">
+                <a16:creationId xmlns:a16="http://schemas.microsoft.com/office/drawing/2014/main" id="{919CE106-2B1C-439F-9798-7B9D0616AD85}"/>
+              </a:ext>
+            </a:extLst>
+          </p:cNvPr>
+          <p:cNvSpPr>
+            <a:spLocks noGrp="1"/>
+          </p:cNvSpPr>
+          <p:nvPr>
+            <p:ph type="body" idx="1"/>
+          </p:nvPr>
+        </p:nvSpPr>
+        <p:spPr>
+          <a:xfrm>
+            <a:off x="1371600" y="2112264"/>
+            <a:ext cx="4841076" cy="823912"/>
+          </a:xfrm>
+        </p:spPr>
+        <p:txBody>
+          <a:bodyPr rtlCol="0"/>
+          <a:lstStyle/>
+          <a:p>
+            <a:pPr rtl="0"/>
+            <a:r>
+              <a:rPr lang="en-GB"/>
+              <a:t>Subtitle</a:t>
+            </a:r>
+          </a:p>
+        </p:txBody>
+      </p:sp>
+      <p:sp>
+        <p:nvSpPr>
+          <p:cNvPr id="8" name="Content Placeholder 7">
+            <a:extLst>
+              <a:ext uri="{FF2B5EF4-FFF2-40B4-BE49-F238E27FC236}">
+                <a16:creationId xmlns:a16="http://schemas.microsoft.com/office/drawing/2014/main" id="{170F1437-7C61-4D91-B080-B0C80E5D4EF7}"/>
+              </a:ext>
+            </a:extLst>
+          </p:cNvPr>
+          <p:cNvSpPr>
+            <a:spLocks noGrp="1"/>
+          </p:cNvSpPr>
+          <p:nvPr>
+            <p:ph sz="half" idx="2"/>
+          </p:nvPr>
+        </p:nvSpPr>
+        <p:spPr>
+          <a:xfrm>
+            <a:off x="1371600" y="3018472"/>
+            <a:ext cx="4841076" cy="3104856"/>
+          </a:xfrm>
+        </p:spPr>
+        <p:txBody>
+          <a:bodyPr rtlCol="0">
+            <a:normAutofit fontScale="92500"/>
+          </a:bodyPr>
+          <a:lstStyle/>
+          <a:p>
+            <a:pPr rtl="0"/>
+            <a:r>
+              <a:rPr lang="en-GB"/>
+              <a:t>Add text, images, art, and videos.</a:t>
+            </a:r>
+          </a:p>
+          <a:p>
+            <a:pPr rtl="0"/>
+            <a:r>
+              <a:rPr lang="en-GB"/>
+              <a:t>Add transitions, animations, and motion.</a:t>
+            </a:r>
+          </a:p>
+          <a:p>
+            <a:pPr rtl="0"/>
+            <a:r>
+              <a:rPr lang="en-GB"/>
+              <a:t>Save to One Drive, to get to your presentations from your computer, tablet, or phone.</a:t>
+            </a:r>
+          </a:p>
+          <a:p>
+            <a:pPr rtl="0"/>
+            <a:r>
+              <a:rPr lang="en-GB"/>
+              <a:t>Add text, images, art, and videos.</a:t>
+            </a:r>
+          </a:p>
+          <a:p>
+            <a:pPr rtl="0"/>
+            <a:r>
+              <a:rPr lang="en-GB"/>
+              <a:t>Add transitions, animations, and motion.</a:t>
+            </a:r>
+          </a:p>
+        </p:txBody>
+      </p:sp>
+      <p:sp>
+        <p:nvSpPr>
+          <p:cNvPr id="9" name="Text Placeholder 8">
+            <a:extLst>
+              <a:ext uri="{FF2B5EF4-FFF2-40B4-BE49-F238E27FC236}">
+                <a16:creationId xmlns:a16="http://schemas.microsoft.com/office/drawing/2014/main" id="{1DA21DAF-879A-47B0-B70D-76461CFBB18A}"/>
+              </a:ext>
+            </a:extLst>
+          </p:cNvPr>
+          <p:cNvSpPr>
+            <a:spLocks noGrp="1"/>
+          </p:cNvSpPr>
+          <p:nvPr>
+            <p:ph type="body" sz="quarter" idx="3"/>
+          </p:nvPr>
+        </p:nvSpPr>
+        <p:spPr>
+          <a:xfrm>
+            <a:off x="6766560" y="2112264"/>
+            <a:ext cx="4846320" cy="823912"/>
+          </a:xfrm>
+        </p:spPr>
+        <p:txBody>
+          <a:bodyPr rtlCol="0"/>
+          <a:lstStyle/>
+          <a:p>
+            <a:pPr rtl="0"/>
+            <a:r>
+              <a:rPr lang="en-GB"/>
+              <a:t>Subtitle</a:t>
+            </a:r>
+          </a:p>
+        </p:txBody>
+      </p:sp>
+      <p:sp>
+        <p:nvSpPr>
+          <p:cNvPr id="10" name="Content Placeholder 9">
+            <a:extLst>
+              <a:ext uri="{FF2B5EF4-FFF2-40B4-BE49-F238E27FC236}">
+                <a16:creationId xmlns:a16="http://schemas.microsoft.com/office/drawing/2014/main" id="{289C50EF-21A2-4017-B5C6-084510E6828D}"/>
+              </a:ext>
+            </a:extLst>
+          </p:cNvPr>
+          <p:cNvSpPr>
+            <a:spLocks noGrp="1"/>
+          </p:cNvSpPr>
+          <p:nvPr>
+            <p:ph sz="quarter" idx="4"/>
+          </p:nvPr>
+        </p:nvSpPr>
+        <p:spPr>
+          <a:xfrm>
+            <a:off x="6766560" y="3018471"/>
+            <a:ext cx="4841076" cy="3104857"/>
+          </a:xfrm>
+        </p:spPr>
+        <p:txBody>
+          <a:bodyPr rtlCol="0">
+            <a:normAutofit fontScale="92500"/>
+          </a:bodyPr>
+          <a:lstStyle/>
+          <a:p>
+            <a:pPr rtl="0"/>
+            <a:r>
+              <a:rPr lang="en-GB"/>
+              <a:t>Add text, images, art, and videos.</a:t>
+            </a:r>
+          </a:p>
+          <a:p>
+            <a:pPr rtl="0"/>
+            <a:r>
+              <a:rPr lang="en-GB"/>
+              <a:t>Add transitions, animations, and motion.</a:t>
+            </a:r>
+          </a:p>
+          <a:p>
+            <a:pPr rtl="0"/>
+            <a:r>
+              <a:rPr lang="en-GB"/>
+              <a:t>Save to One Drive, to get to your presentations from your computer, tablet, or phone.</a:t>
+            </a:r>
+          </a:p>
+          <a:p>
+            <a:pPr rtl="0"/>
+            <a:r>
+              <a:rPr lang="en-GB"/>
+              <a:t>Add text, images, art, and videos.</a:t>
+            </a:r>
+          </a:p>
+          <a:p>
+            <a:pPr rtl="0"/>
+            <a:r>
+              <a:rPr lang="en-GB"/>
+              <a:t>Add transitions, animations, and motion.</a:t>
+            </a:r>
+          </a:p>
+          <a:p>
+            <a:pPr rtl="0"/>
+            <a:endParaRPr lang="en-GB" dirty="0"/>
+          </a:p>
+        </p:txBody>
+      </p:sp>
+      <p:sp>
+        <p:nvSpPr>
+          <p:cNvPr id="14" name="Date Placeholder 13">
+            <a:extLst>
+              <a:ext uri="{FF2B5EF4-FFF2-40B4-BE49-F238E27FC236}">
+                <a16:creationId xmlns:a16="http://schemas.microsoft.com/office/drawing/2014/main" id="{7C0C8496-3347-458C-A9DA-C0C7BA01F90F}"/>
+              </a:ext>
+            </a:extLst>
+          </p:cNvPr>
+          <p:cNvSpPr>
+            <a:spLocks noGrp="1"/>
+          </p:cNvSpPr>
+          <p:nvPr>
+            <p:ph type="dt" sz="half" idx="10"/>
+          </p:nvPr>
+        </p:nvSpPr>
+        <p:spPr>
+          <a:xfrm>
+            <a:off x="7909560" y="6409944"/>
+            <a:ext cx="3703320" cy="448056"/>
+          </a:xfrm>
+        </p:spPr>
+        <p:txBody>
+          <a:bodyPr rtlCol="0"/>
+          <a:lstStyle/>
+          <a:p>
+            <a:pPr rtl="0"/>
+            <a:r>
+              <a:rPr lang="en-GB"/>
+              <a:t>Monday, February 1, 20XX</a:t>
+            </a:r>
+          </a:p>
+        </p:txBody>
+      </p:sp>
+      <p:sp>
+        <p:nvSpPr>
+          <p:cNvPr id="16" name="Slide Number Placeholder 15">
+            <a:extLst>
+              <a:ext uri="{FF2B5EF4-FFF2-40B4-BE49-F238E27FC236}">
+                <a16:creationId xmlns:a16="http://schemas.microsoft.com/office/drawing/2014/main" id="{B4425451-8618-441E-9D12-2D59D6AD1B9D}"/>
+              </a:ext>
+            </a:extLst>
+          </p:cNvPr>
+          <p:cNvSpPr>
+            <a:spLocks noGrp="1"/>
+          </p:cNvSpPr>
+          <p:nvPr>
+            <p:ph type="sldNum" sz="quarter" idx="12"/>
+          </p:nvPr>
+        </p:nvSpPr>
+        <p:spPr>
+          <a:xfrm>
+            <a:off x="11667744" y="6409944"/>
+            <a:ext cx="438912" cy="448056"/>
+          </a:xfrm>
+        </p:spPr>
+        <p:txBody>
+          <a:bodyPr rtlCol="0"/>
+          <a:lstStyle/>
+          <a:p>
+            <a:pPr rtl="0"/>
+            <a:fld id="{C01389E6-C847-4AD0-B56D-D205B2EAB1EE}" type="slidenum">
+              <a:rPr lang="en-GB" smtClean="0"/>
+              <a:pPr rtl="0"/>
+              <a:t>13</a:t>
+            </a:fld>
+            <a:endParaRPr lang="en-GB" dirty="0"/>
+          </a:p>
+        </p:txBody>
+      </p:sp>
+    </p:spTree>
+    <p:extLst>
+      <p:ext uri="{BB962C8B-B14F-4D97-AF65-F5344CB8AC3E}">
+        <p14:creationId xmlns:p14="http://schemas.microsoft.com/office/powerpoint/2010/main" val="1360356816"/>
+      </p:ext>
+    </p:extLst>
+  </p:cSld>
+  <p:clrMapOvr>
+    <a:masterClrMapping/>
+  </p:clrMapOvr>
+</p:sld>
+</file>
+
+<file path=ppt/slides/slide14.xml><?xml version="1.0" encoding="utf-8"?>
+<p:sld xmlns:a="http://schemas.openxmlformats.org/drawingml/2006/main" xmlns:r="http://schemas.openxmlformats.org/officeDocument/2006/relationships" xmlns:p="http://schemas.openxmlformats.org/presentationml/2006/main">
+  <p:cSld>
+    <p:spTree>
+      <p:nvGrpSpPr>
+        <p:cNvPr id="1" name=""/>
+        <p:cNvGrpSpPr/>
+        <p:nvPr/>
+      </p:nvGrpSpPr>
+      <p:grpSpPr>
+        <a:xfrm>
+          <a:off x="0" y="0"/>
+          <a:ext cx="0" cy="0"/>
+          <a:chOff x="0" y="0"/>
+          <a:chExt cx="0" cy="0"/>
+        </a:xfrm>
+      </p:grpSpPr>
+      <p:sp>
+        <p:nvSpPr>
+          <p:cNvPr id="8" name="Title 7">
+            <a:extLst>
+              <a:ext uri="{FF2B5EF4-FFF2-40B4-BE49-F238E27FC236}">
+                <a16:creationId xmlns:a16="http://schemas.microsoft.com/office/drawing/2014/main" id="{D7B820C0-182D-42F4-8707-5CC4A745D15D}"/>
+              </a:ext>
+            </a:extLst>
+          </p:cNvPr>
+          <p:cNvSpPr>
+            <a:spLocks noGrp="1"/>
+          </p:cNvSpPr>
+          <p:nvPr>
+            <p:ph type="title"/>
+          </p:nvPr>
+        </p:nvSpPr>
+        <p:spPr>
+          <a:xfrm>
+            <a:off x="1371600" y="795528"/>
+            <a:ext cx="10241280" cy="1234440"/>
+          </a:xfrm>
+        </p:spPr>
+        <p:txBody>
+          <a:bodyPr rtlCol="0"/>
+          <a:lstStyle/>
+          <a:p>
+            <a:pPr rtl="0"/>
+            <a:r>
+              <a:rPr lang="en-GB"/>
+              <a:t>Content 2</a:t>
+            </a:r>
+          </a:p>
+        </p:txBody>
+      </p:sp>
+      <p:sp>
+        <p:nvSpPr>
+          <p:cNvPr id="14" name="Footer Placeholder 13">
+            <a:extLst>
+              <a:ext uri="{FF2B5EF4-FFF2-40B4-BE49-F238E27FC236}">
+                <a16:creationId xmlns:a16="http://schemas.microsoft.com/office/drawing/2014/main" id="{EC5535F9-DB15-409A-BCC6-52A919692070}"/>
+              </a:ext>
+            </a:extLst>
+          </p:cNvPr>
+          <p:cNvSpPr>
+            <a:spLocks noGrp="1"/>
+          </p:cNvSpPr>
+          <p:nvPr>
+            <p:ph type="ftr" sz="quarter" idx="11"/>
+          </p:nvPr>
+        </p:nvSpPr>
+        <p:spPr>
+          <a:xfrm rot="5400000">
+            <a:off x="-1828800" y="1911096"/>
+            <a:ext cx="4114800" cy="457200"/>
+          </a:xfrm>
+        </p:spPr>
+        <p:txBody>
+          <a:bodyPr rtlCol="0"/>
+          <a:lstStyle/>
+          <a:p>
+            <a:pPr rtl="0"/>
+            <a:r>
+              <a:rPr lang="en-GB"/>
+              <a:t>Sample Footer Text</a:t>
+            </a:r>
+          </a:p>
+        </p:txBody>
+      </p:sp>
+      <p:sp>
+        <p:nvSpPr>
+          <p:cNvPr id="2" name="Text Placeholder 1">
+            <a:extLst>
+              <a:ext uri="{FF2B5EF4-FFF2-40B4-BE49-F238E27FC236}">
+                <a16:creationId xmlns:a16="http://schemas.microsoft.com/office/drawing/2014/main" id="{D54DDEAB-A1D8-45E5-B8F9-54AF382754D8}"/>
+              </a:ext>
+            </a:extLst>
+          </p:cNvPr>
+          <p:cNvSpPr>
+            <a:spLocks noGrp="1"/>
+          </p:cNvSpPr>
+          <p:nvPr>
+            <p:ph type="body" idx="1"/>
+          </p:nvPr>
+        </p:nvSpPr>
+        <p:spPr>
+          <a:xfrm>
+            <a:off x="1371600" y="2112264"/>
+            <a:ext cx="3200400" cy="823912"/>
+          </a:xfrm>
+        </p:spPr>
+        <p:txBody>
+          <a:bodyPr rtlCol="0"/>
+          <a:lstStyle/>
+          <a:p>
+            <a:pPr rtl="0"/>
+            <a:r>
+              <a:rPr lang="en-GB"/>
+              <a:t>Subtitle</a:t>
+            </a:r>
+          </a:p>
+        </p:txBody>
+      </p:sp>
+      <p:sp>
+        <p:nvSpPr>
+          <p:cNvPr id="3" name="Content Placeholder 2">
+            <a:extLst>
+              <a:ext uri="{FF2B5EF4-FFF2-40B4-BE49-F238E27FC236}">
+                <a16:creationId xmlns:a16="http://schemas.microsoft.com/office/drawing/2014/main" id="{9290A70A-B7A4-4395-BFBC-6889EE79D2B3}"/>
+              </a:ext>
+            </a:extLst>
+          </p:cNvPr>
+          <p:cNvSpPr>
+            <a:spLocks noGrp="1"/>
+          </p:cNvSpPr>
+          <p:nvPr>
+            <p:ph sz="half" idx="2"/>
+          </p:nvPr>
+        </p:nvSpPr>
+        <p:spPr>
+          <a:xfrm>
+            <a:off x="1371600" y="3018472"/>
+            <a:ext cx="3200400" cy="3104856"/>
+          </a:xfrm>
+        </p:spPr>
+        <p:txBody>
+          <a:bodyPr rtlCol="0">
+            <a:normAutofit fontScale="70000" lnSpcReduction="20000"/>
+          </a:bodyPr>
+          <a:lstStyle/>
+          <a:p>
+            <a:pPr rtl="0"/>
+            <a:r>
+              <a:rPr lang="en-GB"/>
+              <a:t>Add text, images, art, and videos.</a:t>
+            </a:r>
+          </a:p>
+          <a:p>
+            <a:pPr rtl="0"/>
+            <a:r>
+              <a:rPr lang="en-GB"/>
+              <a:t>Add transitions, animations, and motion.</a:t>
+            </a:r>
+          </a:p>
+          <a:p>
+            <a:pPr rtl="0"/>
+            <a:r>
+              <a:rPr lang="en-GB"/>
+              <a:t>Save to One Drive, to get to your presentations from your computer, tablet, or phone.</a:t>
+            </a:r>
+          </a:p>
+          <a:p>
+            <a:pPr rtl="0"/>
+            <a:r>
+              <a:rPr lang="en-GB"/>
+              <a:t>Add text, images, art, and videos.</a:t>
+            </a:r>
+          </a:p>
+          <a:p>
+            <a:pPr rtl="0"/>
+            <a:r>
+              <a:rPr lang="en-GB"/>
+              <a:t>Add transitions, animations, and motion.</a:t>
+            </a:r>
+          </a:p>
+        </p:txBody>
+      </p:sp>
+      <p:sp>
+        <p:nvSpPr>
+          <p:cNvPr id="4" name="Text Placeholder 3">
+            <a:extLst>
+              <a:ext uri="{FF2B5EF4-FFF2-40B4-BE49-F238E27FC236}">
+                <a16:creationId xmlns:a16="http://schemas.microsoft.com/office/drawing/2014/main" id="{22BD1F5F-2C0D-469F-B9D7-F62887EF92CF}"/>
+              </a:ext>
+            </a:extLst>
+          </p:cNvPr>
+          <p:cNvSpPr>
+            <a:spLocks noGrp="1"/>
+          </p:cNvSpPr>
+          <p:nvPr>
+            <p:ph type="body" sz="quarter" idx="3"/>
+          </p:nvPr>
+        </p:nvSpPr>
+        <p:spPr>
+          <a:xfrm>
+            <a:off x="4892040" y="2109976"/>
+            <a:ext cx="3200400" cy="823912"/>
+          </a:xfrm>
+        </p:spPr>
+        <p:txBody>
+          <a:bodyPr rtlCol="0"/>
+          <a:lstStyle/>
+          <a:p>
+            <a:pPr rtl="0"/>
+            <a:r>
+              <a:rPr lang="en-GB"/>
+              <a:t>Subtitle</a:t>
+            </a:r>
+          </a:p>
+        </p:txBody>
+      </p:sp>
+      <p:sp>
+        <p:nvSpPr>
+          <p:cNvPr id="5" name="Content Placeholder 4">
+            <a:extLst>
+              <a:ext uri="{FF2B5EF4-FFF2-40B4-BE49-F238E27FC236}">
+                <a16:creationId xmlns:a16="http://schemas.microsoft.com/office/drawing/2014/main" id="{F456CC6B-4AA1-4424-8333-65754C5AE4D4}"/>
+              </a:ext>
+            </a:extLst>
+          </p:cNvPr>
+          <p:cNvSpPr>
+            <a:spLocks noGrp="1"/>
+          </p:cNvSpPr>
+          <p:nvPr>
+            <p:ph sz="quarter" idx="4"/>
+          </p:nvPr>
+        </p:nvSpPr>
+        <p:spPr>
+          <a:xfrm>
+            <a:off x="4892040" y="3016183"/>
+            <a:ext cx="3200400" cy="3104857"/>
+          </a:xfrm>
+        </p:spPr>
+        <p:txBody>
+          <a:bodyPr rtlCol="0">
+            <a:normAutofit fontScale="70000" lnSpcReduction="20000"/>
+          </a:bodyPr>
+          <a:lstStyle/>
+          <a:p>
+            <a:pPr rtl="0"/>
+            <a:r>
+              <a:rPr lang="en-GB"/>
+              <a:t>Add text, images, art, and videos.</a:t>
+            </a:r>
+          </a:p>
+          <a:p>
+            <a:pPr rtl="0"/>
+            <a:r>
+              <a:rPr lang="en-GB"/>
+              <a:t>Add transitions, animations, and motion.</a:t>
+            </a:r>
+          </a:p>
+          <a:p>
+            <a:pPr rtl="0"/>
+            <a:r>
+              <a:rPr lang="en-GB"/>
+              <a:t>Save to One Drive, to get to your presentations from your computer, tablet, or phone.</a:t>
+            </a:r>
+          </a:p>
+          <a:p>
+            <a:pPr rtl="0"/>
+            <a:r>
+              <a:rPr lang="en-GB"/>
+              <a:t>Add text, images, art, and videos.</a:t>
+            </a:r>
+          </a:p>
+          <a:p>
+            <a:pPr rtl="0"/>
+            <a:r>
+              <a:rPr lang="en-GB"/>
+              <a:t>Add transitions, animations, and motion.</a:t>
+            </a:r>
+          </a:p>
+        </p:txBody>
+      </p:sp>
+      <p:sp>
+        <p:nvSpPr>
+          <p:cNvPr id="9" name="Text Placeholder 8">
+            <a:extLst>
+              <a:ext uri="{FF2B5EF4-FFF2-40B4-BE49-F238E27FC236}">
+                <a16:creationId xmlns:a16="http://schemas.microsoft.com/office/drawing/2014/main" id="{3E04CE81-6A28-4EA4-BA58-E94D051A3BC1}"/>
+              </a:ext>
+            </a:extLst>
+          </p:cNvPr>
+          <p:cNvSpPr>
+            <a:spLocks noGrp="1"/>
+          </p:cNvSpPr>
+          <p:nvPr>
+            <p:ph type="body" sz="quarter" idx="13"/>
+          </p:nvPr>
+        </p:nvSpPr>
+        <p:spPr>
+          <a:xfrm>
+            <a:off x="8412480" y="2112263"/>
+            <a:ext cx="3200400" cy="823912"/>
+          </a:xfrm>
+        </p:spPr>
+        <p:txBody>
+          <a:bodyPr rtlCol="0"/>
+          <a:lstStyle/>
+          <a:p>
+            <a:pPr rtl="0"/>
+            <a:r>
+              <a:rPr lang="en-GB"/>
+              <a:t>Subtitle</a:t>
+            </a:r>
+          </a:p>
+        </p:txBody>
+      </p:sp>
+      <p:sp>
+        <p:nvSpPr>
+          <p:cNvPr id="10" name="Content Placeholder 9">
+            <a:extLst>
+              <a:ext uri="{FF2B5EF4-FFF2-40B4-BE49-F238E27FC236}">
+                <a16:creationId xmlns:a16="http://schemas.microsoft.com/office/drawing/2014/main" id="{3A996BD0-4A93-4EF8-8348-686D9CB3C977}"/>
+              </a:ext>
+            </a:extLst>
+          </p:cNvPr>
+          <p:cNvSpPr>
+            <a:spLocks noGrp="1"/>
+          </p:cNvSpPr>
+          <p:nvPr>
+            <p:ph sz="quarter" idx="14"/>
+          </p:nvPr>
+        </p:nvSpPr>
+        <p:spPr>
+          <a:xfrm>
+            <a:off x="8412480" y="3018470"/>
+            <a:ext cx="3200400" cy="3104857"/>
+          </a:xfrm>
+        </p:spPr>
+        <p:txBody>
+          <a:bodyPr rtlCol="0">
+            <a:normAutofit fontScale="70000" lnSpcReduction="20000"/>
+          </a:bodyPr>
+          <a:lstStyle/>
+          <a:p>
+            <a:pPr rtl="0"/>
+            <a:r>
+              <a:rPr lang="en-GB"/>
+              <a:t>Add text, images, art, and videos.</a:t>
+            </a:r>
+          </a:p>
+          <a:p>
+            <a:pPr rtl="0"/>
+            <a:r>
+              <a:rPr lang="en-GB"/>
+              <a:t>Add transitions, animations, and motion.</a:t>
+            </a:r>
+          </a:p>
+          <a:p>
+            <a:pPr rtl="0"/>
+            <a:r>
+              <a:rPr lang="en-GB"/>
+              <a:t>Save to One Drive, to get to your presentations from your computer, tablet, or phone.</a:t>
+            </a:r>
+          </a:p>
+          <a:p>
+            <a:pPr rtl="0"/>
+            <a:r>
+              <a:rPr lang="en-GB"/>
+              <a:t>Add text, images, art, and videos.</a:t>
+            </a:r>
+          </a:p>
+          <a:p>
+            <a:pPr rtl="0"/>
+            <a:r>
+              <a:rPr lang="en-GB"/>
+              <a:t>Add transitions, animations, and motion.</a:t>
+            </a:r>
+          </a:p>
+        </p:txBody>
+      </p:sp>
+      <p:sp>
+        <p:nvSpPr>
+          <p:cNvPr id="6" name="Date Placeholder 5">
+            <a:extLst>
+              <a:ext uri="{FF2B5EF4-FFF2-40B4-BE49-F238E27FC236}">
+                <a16:creationId xmlns:a16="http://schemas.microsoft.com/office/drawing/2014/main" id="{256B2184-E681-4C0F-B7BE-487EF89C01F1}"/>
+              </a:ext>
+            </a:extLst>
+          </p:cNvPr>
+          <p:cNvSpPr>
+            <a:spLocks noGrp="1"/>
+          </p:cNvSpPr>
+          <p:nvPr>
+            <p:ph type="dt" sz="half" idx="10"/>
+          </p:nvPr>
+        </p:nvSpPr>
+        <p:spPr>
+          <a:xfrm>
+            <a:off x="7909560" y="6409944"/>
+            <a:ext cx="3703320" cy="448056"/>
+          </a:xfrm>
+        </p:spPr>
+        <p:txBody>
+          <a:bodyPr rtlCol="0"/>
+          <a:lstStyle/>
+          <a:p>
+            <a:pPr rtl="0"/>
+            <a:r>
+              <a:rPr lang="en-GB"/>
+              <a:t>Monday, February 1, 20XX</a:t>
+            </a:r>
+          </a:p>
+        </p:txBody>
+      </p:sp>
+      <p:sp>
+        <p:nvSpPr>
+          <p:cNvPr id="7" name="Slide Number Placeholder 6">
+            <a:extLst>
+              <a:ext uri="{FF2B5EF4-FFF2-40B4-BE49-F238E27FC236}">
+                <a16:creationId xmlns:a16="http://schemas.microsoft.com/office/drawing/2014/main" id="{2AE7E0D2-79BA-4A99-B0A5-6C7F621F51B7}"/>
+              </a:ext>
+            </a:extLst>
+          </p:cNvPr>
+          <p:cNvSpPr>
+            <a:spLocks noGrp="1"/>
+          </p:cNvSpPr>
+          <p:nvPr>
+            <p:ph type="sldNum" sz="quarter" idx="12"/>
+          </p:nvPr>
+        </p:nvSpPr>
+        <p:spPr>
+          <a:xfrm>
+            <a:off x="11667744" y="6409944"/>
+            <a:ext cx="438912" cy="448056"/>
+          </a:xfrm>
+        </p:spPr>
+        <p:txBody>
+          <a:bodyPr rtlCol="0"/>
+          <a:lstStyle/>
+          <a:p>
+            <a:pPr rtl="0"/>
+            <a:fld id="{C01389E6-C847-4AD0-B56D-D205B2EAB1EE}" type="slidenum">
+              <a:rPr lang="en-GB" smtClean="0"/>
+              <a:pPr rtl="0"/>
+              <a:t>14</a:t>
+            </a:fld>
+            <a:endParaRPr lang="en-GB" dirty="0"/>
+          </a:p>
+        </p:txBody>
+      </p:sp>
+    </p:spTree>
+    <p:extLst>
+      <p:ext uri="{BB962C8B-B14F-4D97-AF65-F5344CB8AC3E}">
+        <p14:creationId xmlns:p14="http://schemas.microsoft.com/office/powerpoint/2010/main" val="607991963"/>
+      </p:ext>
+    </p:extLst>
+  </p:cSld>
+  <p:clrMapOvr>
+    <a:masterClrMapping/>
+  </p:clrMapOvr>
+</p:sld>
+</file>
+
+<file path=ppt/slides/slide15.xml><?xml version="1.0" encoding="utf-8"?>
+<p:sld xmlns:a="http://schemas.openxmlformats.org/drawingml/2006/main" xmlns:r="http://schemas.openxmlformats.org/officeDocument/2006/relationships" xmlns:p="http://schemas.openxmlformats.org/presentationml/2006/main">
+  <p:cSld>
+    <p:spTree>
+      <p:nvGrpSpPr>
+        <p:cNvPr id="1" name=""/>
+        <p:cNvGrpSpPr/>
+        <p:nvPr/>
+      </p:nvGrpSpPr>
+      <p:grpSpPr>
+        <a:xfrm>
+          <a:off x="0" y="0"/>
+          <a:ext cx="0" cy="0"/>
+          <a:chOff x="0" y="0"/>
+          <a:chExt cx="0" cy="0"/>
+        </a:xfrm>
+      </p:grpSpPr>
+      <p:sp>
+        <p:nvSpPr>
+          <p:cNvPr id="2" name="Title 1">
+            <a:extLst>
+              <a:ext uri="{FF2B5EF4-FFF2-40B4-BE49-F238E27FC236}">
+                <a16:creationId xmlns:a16="http://schemas.microsoft.com/office/drawing/2014/main" id="{47490EC0-C38C-41A8-A532-E2716966A416}"/>
+              </a:ext>
+            </a:extLst>
+          </p:cNvPr>
+          <p:cNvSpPr>
+            <a:spLocks noGrp="1"/>
+          </p:cNvSpPr>
+          <p:nvPr>
+            <p:ph type="title"/>
+          </p:nvPr>
+        </p:nvSpPr>
+        <p:spPr>
+          <a:xfrm>
+            <a:off x="914400" y="758997"/>
+            <a:ext cx="3319895" cy="5381177"/>
+          </a:xfrm>
+        </p:spPr>
+        <p:txBody>
+          <a:bodyPr rtlCol="0"/>
+          <a:lstStyle/>
+          <a:p>
+            <a:pPr algn="ctr" rtl="0"/>
+            <a:r>
+              <a:rPr lang="en-GB" dirty="0"/>
+              <a:t>KOTLIN </a:t>
+            </a:r>
+            <a:br>
+              <a:rPr lang="en-GB" dirty="0"/>
+            </a:br>
+            <a:r>
+              <a:rPr lang="en-GB" dirty="0"/>
+              <a:t>&amp; </a:t>
+            </a:r>
+            <a:br>
+              <a:rPr lang="en-GB" dirty="0"/>
+            </a:br>
+            <a:r>
+              <a:rPr lang="en-GB" dirty="0"/>
+              <a:t>SCALA 3</a:t>
+            </a:r>
+          </a:p>
+        </p:txBody>
+      </p:sp>
+      <p:pic>
+        <p:nvPicPr>
+          <p:cNvPr id="10" name="Picture Placeholder 9" descr="A close - up of a trumpet">
+            <a:extLst>
+              <a:ext uri="{FF2B5EF4-FFF2-40B4-BE49-F238E27FC236}">
+                <a16:creationId xmlns:a16="http://schemas.microsoft.com/office/drawing/2014/main" id="{C7AC6189-076B-4290-9627-23ADDBA25A6A}"/>
+              </a:ext>
+            </a:extLst>
+          </p:cNvPr>
+          <p:cNvPicPr>
+            <a:picLocks noGrp="1" noChangeAspect="1"/>
+          </p:cNvPicPr>
+          <p:nvPr>
+            <p:ph type="pic" sz="quarter" idx="13"/>
+          </p:nvPr>
+        </p:nvPicPr>
+        <p:blipFill rotWithShape="1">
+          <a:blip r:embed="rId2" cstate="screen">
+            <a:extLst>
+              <a:ext uri="{28A0092B-C50C-407E-A947-70E740481C1C}">
+                <a14:useLocalDpi xmlns:a14="http://schemas.microsoft.com/office/drawing/2010/main" val="0"/>
+              </a:ext>
+            </a:extLst>
+          </a:blip>
+          <a:srcRect/>
+          <a:stretch/>
+        </p:blipFill>
+        <p:spPr>
+          <a:xfrm>
+            <a:off x="4608576" y="758952"/>
+            <a:ext cx="2962656" cy="2514600"/>
+          </a:xfrm>
+        </p:spPr>
+      </p:pic>
+      <p:pic>
+        <p:nvPicPr>
+          <p:cNvPr id="12" name="Picture Placeholder 11" descr="A close - up of a violin">
+            <a:extLst>
+              <a:ext uri="{FF2B5EF4-FFF2-40B4-BE49-F238E27FC236}">
+                <a16:creationId xmlns:a16="http://schemas.microsoft.com/office/drawing/2014/main" id="{21291091-9FC2-4F30-84FB-DB4A41BB216F}"/>
+              </a:ext>
+            </a:extLst>
+          </p:cNvPr>
+          <p:cNvPicPr>
+            <a:picLocks noGrp="1" noChangeAspect="1"/>
+          </p:cNvPicPr>
+          <p:nvPr>
+            <p:ph type="pic" sz="quarter" idx="14"/>
+          </p:nvPr>
+        </p:nvPicPr>
+        <p:blipFill rotWithShape="1">
+          <a:blip r:embed="rId3" cstate="screen">
+            <a:extLst>
+              <a:ext uri="{28A0092B-C50C-407E-A947-70E740481C1C}">
+                <a14:useLocalDpi xmlns:a14="http://schemas.microsoft.com/office/drawing/2010/main" val="0"/>
+              </a:ext>
+            </a:extLst>
+          </a:blip>
+          <a:srcRect/>
+          <a:stretch/>
+        </p:blipFill>
+        <p:spPr>
+          <a:xfrm>
+            <a:off x="4608576" y="3593592"/>
+            <a:ext cx="2962656" cy="2514600"/>
+          </a:xfrm>
+        </p:spPr>
+      </p:pic>
+      <p:sp>
+        <p:nvSpPr>
+          <p:cNvPr id="5" name="Content Placeholder 4">
+            <a:extLst>
+              <a:ext uri="{FF2B5EF4-FFF2-40B4-BE49-F238E27FC236}">
+                <a16:creationId xmlns:a16="http://schemas.microsoft.com/office/drawing/2014/main" id="{2BA4F76A-5D04-4CCD-B9EE-29C2A303924B}"/>
+              </a:ext>
+            </a:extLst>
+          </p:cNvPr>
+          <p:cNvSpPr>
+            <a:spLocks noGrp="1"/>
+          </p:cNvSpPr>
+          <p:nvPr>
+            <p:ph sz="quarter" idx="15"/>
+          </p:nvPr>
+        </p:nvSpPr>
+        <p:spPr>
+          <a:xfrm>
+            <a:off x="8089901" y="693738"/>
+            <a:ext cx="3522980" cy="5446712"/>
+          </a:xfrm>
+        </p:spPr>
+        <p:txBody>
+          <a:bodyPr rtlCol="0"/>
+          <a:lstStyle/>
+          <a:p>
+            <a:pPr marL="285750" indent="-285750" rtl="0">
+              <a:buFont typeface="Arial" panose="020B0604020202020204" pitchFamily="34" charset="0"/>
+              <a:buChar char="•"/>
+            </a:pPr>
+            <a:r>
+              <a:rPr lang="en-GB" dirty="0"/>
+              <a:t>Some of the best features of Java, Kotlin &amp; Scala 3 are converging</a:t>
+            </a:r>
+          </a:p>
+          <a:p>
+            <a:pPr marL="285750" indent="-285750">
+              <a:buFont typeface="Arial" panose="020B0604020202020204" pitchFamily="34" charset="0"/>
+              <a:buChar char="•"/>
+            </a:pPr>
+            <a:r>
+              <a:rPr lang="en-GB" dirty="0"/>
+              <a:t>By design Scala is the more powerful language</a:t>
+            </a:r>
+          </a:p>
+          <a:p>
+            <a:pPr marL="285750" indent="-285750" rtl="0">
+              <a:buFont typeface="Arial" panose="020B0604020202020204" pitchFamily="34" charset="0"/>
+              <a:buChar char="•"/>
+            </a:pPr>
+            <a:r>
+              <a:rPr lang="en-GB" dirty="0"/>
+              <a:t>Kotlin is a cool language with some nice features of its own OOB (E.g., Null safety, Continuations / Coroutines)</a:t>
+            </a:r>
+          </a:p>
+          <a:p>
+            <a:pPr marL="285750" indent="-285750" rtl="0">
+              <a:buFont typeface="Arial" panose="020B0604020202020204" pitchFamily="34" charset="0"/>
+              <a:buChar char="•"/>
+            </a:pPr>
+            <a:r>
+              <a:rPr lang="en-GB" dirty="0"/>
+              <a:t>It’s relatively easy to transition from Scala to Kotlin</a:t>
+            </a:r>
+          </a:p>
+          <a:p>
+            <a:pPr marL="285750" indent="-285750" rtl="0">
+              <a:buFont typeface="Arial" panose="020B0604020202020204" pitchFamily="34" charset="0"/>
+              <a:buChar char="•"/>
+            </a:pPr>
+            <a:r>
+              <a:rPr lang="en-GB" dirty="0"/>
+              <a:t>Choice is a good thing</a:t>
+            </a:r>
+          </a:p>
+          <a:p>
+            <a:pPr marL="285750" indent="-285750" rtl="0">
+              <a:buFont typeface="Arial" panose="020B0604020202020204" pitchFamily="34" charset="0"/>
+              <a:buChar char="•"/>
+            </a:pPr>
+            <a:endParaRPr lang="en-GB" dirty="0"/>
+          </a:p>
+          <a:p>
+            <a:pPr rtl="0"/>
+            <a:endParaRPr lang="en-GB" dirty="0"/>
+          </a:p>
+        </p:txBody>
+      </p:sp>
+      <p:sp>
+        <p:nvSpPr>
+          <p:cNvPr id="3" name="Date Placeholder 2">
+            <a:extLst>
+              <a:ext uri="{FF2B5EF4-FFF2-40B4-BE49-F238E27FC236}">
+                <a16:creationId xmlns:a16="http://schemas.microsoft.com/office/drawing/2014/main" id="{079899AB-59F8-4C4F-9BCC-9130BFD4A58C}"/>
+              </a:ext>
+            </a:extLst>
+          </p:cNvPr>
+          <p:cNvSpPr>
+            <a:spLocks noGrp="1"/>
+          </p:cNvSpPr>
+          <p:nvPr>
+            <p:ph type="dt" sz="half" idx="10"/>
+          </p:nvPr>
+        </p:nvSpPr>
+        <p:spPr>
+          <a:xfrm>
+            <a:off x="7909560" y="6409944"/>
+            <a:ext cx="3703320" cy="448056"/>
+          </a:xfrm>
+        </p:spPr>
+        <p:txBody>
+          <a:bodyPr rtlCol="0"/>
+          <a:lstStyle/>
+          <a:p>
+            <a:pPr rtl="0"/>
+            <a:r>
+              <a:rPr lang="en-GB" dirty="0"/>
+              <a:t>Thursday, May 25, 2025</a:t>
+            </a:r>
+          </a:p>
+        </p:txBody>
+      </p:sp>
+      <p:sp>
+        <p:nvSpPr>
+          <p:cNvPr id="4" name="Slide Number Placeholder 3">
+            <a:extLst>
+              <a:ext uri="{FF2B5EF4-FFF2-40B4-BE49-F238E27FC236}">
+                <a16:creationId xmlns:a16="http://schemas.microsoft.com/office/drawing/2014/main" id="{C50D7BB7-D04B-4D6C-86B1-392E2402794D}"/>
+              </a:ext>
+            </a:extLst>
+          </p:cNvPr>
+          <p:cNvSpPr>
+            <a:spLocks noGrp="1"/>
+          </p:cNvSpPr>
+          <p:nvPr>
+            <p:ph type="sldNum" sz="quarter" idx="12"/>
+          </p:nvPr>
+        </p:nvSpPr>
+        <p:spPr>
+          <a:xfrm>
+            <a:off x="11667744" y="6409944"/>
+            <a:ext cx="438912" cy="448056"/>
+          </a:xfrm>
+        </p:spPr>
+        <p:txBody>
+          <a:bodyPr rtlCol="0"/>
+          <a:lstStyle/>
+          <a:p>
+            <a:pPr rtl="0"/>
+            <a:fld id="{C01389E6-C847-4AD0-B56D-D205B2EAB1EE}" type="slidenum">
+              <a:rPr lang="en-GB" smtClean="0"/>
+              <a:pPr rtl="0"/>
+              <a:t>15</a:t>
+            </a:fld>
+            <a:endParaRPr lang="en-GB" dirty="0"/>
+          </a:p>
+        </p:txBody>
+      </p:sp>
+    </p:spTree>
+    <p:extLst>
+      <p:ext uri="{BB962C8B-B14F-4D97-AF65-F5344CB8AC3E}">
+        <p14:creationId xmlns:p14="http://schemas.microsoft.com/office/powerpoint/2010/main" val="3189488419"/>
+      </p:ext>
+    </p:extLst>
+  </p:cSld>
+  <p:clrMapOvr>
+    <a:masterClrMapping/>
+  </p:clrMapOvr>
+  <p:timing>
+    <p:tnLst>
+      <p:par>
+        <p:cTn id="1" dur="indefinite" restart="never" nodeType="tmRoot">
+          <p:childTnLst>
+            <p:seq concurrent="1" nextAc="seek">
+              <p:cTn id="2" dur="indefinite" nodeType="mainSeq">
+                <p:childTnLst>
+                  <p:par>
+                    <p:cTn id="3" fill="hold">
+                      <p:stCondLst>
+                        <p:cond delay="indefinite"/>
+                      </p:stCondLst>
+                      <p:childTnLst>
+                        <p:par>
+                          <p:cTn id="4" fill="hold">
+                            <p:stCondLst>
+                              <p:cond delay="0"/>
+                            </p:stCondLst>
+                            <p:childTnLst>
+                              <p:par>
+                                <p:cTn id="5" presetID="1" presetClass="entr" presetSubtype="0" fill="hold" grpId="0" nodeType="clickEffect">
+                                  <p:stCondLst>
+                                    <p:cond delay="0"/>
+                                  </p:stCondLst>
+                                  <p:childTnLst>
+                                    <p:set>
+                                      <p:cBhvr>
+                                        <p:cTn id="6" dur="1" fill="hold">
+                                          <p:stCondLst>
+                                            <p:cond delay="0"/>
+                                          </p:stCondLst>
+                                        </p:cTn>
+                                        <p:tgtEl>
+                                          <p:spTgt spid="5">
+                                            <p:txEl>
+                                              <p:pRg st="0" end="0"/>
+                                            </p:txEl>
+                                          </p:spTgt>
+                                        </p:tgtEl>
+                                        <p:attrNameLst>
+                                          <p:attrName>style.visibility</p:attrName>
+                                        </p:attrNameLst>
+                                      </p:cBhvr>
+                                      <p:to>
+                                        <p:strVal val="visible"/>
+                                      </p:to>
+                                    </p:set>
+                                  </p:childTnLst>
+                                </p:cTn>
+                              </p:par>
+                            </p:childTnLst>
+                          </p:cTn>
+                        </p:par>
+                      </p:childTnLst>
+                    </p:cTn>
+                  </p:par>
+                  <p:par>
+                    <p:cTn id="7" fill="hold">
+                      <p:stCondLst>
+                        <p:cond delay="indefinite"/>
+                      </p:stCondLst>
+                      <p:childTnLst>
+                        <p:par>
+                          <p:cTn id="8" fill="hold">
+                            <p:stCondLst>
+                              <p:cond delay="0"/>
+                            </p:stCondLst>
+                            <p:childTnLst>
+                              <p:par>
+                                <p:cTn id="9" presetID="1" presetClass="entr" presetSubtype="0" fill="hold" grpId="0" nodeType="clickEffect">
+                                  <p:stCondLst>
+                                    <p:cond delay="0"/>
+                                  </p:stCondLst>
+                                  <p:childTnLst>
+                                    <p:set>
+                                      <p:cBhvr>
+                                        <p:cTn id="10" dur="1" fill="hold">
+                                          <p:stCondLst>
+                                            <p:cond delay="0"/>
+                                          </p:stCondLst>
+                                        </p:cTn>
+                                        <p:tgtEl>
+                                          <p:spTgt spid="5">
+                                            <p:txEl>
+                                              <p:pRg st="1" end="1"/>
+                                            </p:txEl>
+                                          </p:spTgt>
+                                        </p:tgtEl>
+                                        <p:attrNameLst>
+                                          <p:attrName>style.visibility</p:attrName>
+                                        </p:attrNameLst>
+                                      </p:cBhvr>
+                                      <p:to>
+                                        <p:strVal val="visible"/>
+                                      </p:to>
+                                    </p:set>
+                                  </p:childTnLst>
+                                </p:cTn>
+                              </p:par>
+                            </p:childTnLst>
+                          </p:cTn>
+                        </p:par>
+                      </p:childTnLst>
+                    </p:cTn>
+                  </p:par>
+                  <p:par>
+                    <p:cTn id="11" fill="hold">
+                      <p:stCondLst>
+                        <p:cond delay="indefinite"/>
+                      </p:stCondLst>
+                      <p:childTnLst>
+                        <p:par>
+                          <p:cTn id="12" fill="hold">
+                            <p:stCondLst>
+                              <p:cond delay="0"/>
+                            </p:stCondLst>
+                            <p:childTnLst>
+                              <p:par>
+                                <p:cTn id="13" presetID="1" presetClass="entr" presetSubtype="0" fill="hold" grpId="0" nodeType="clickEffect">
+                                  <p:stCondLst>
+                                    <p:cond delay="0"/>
+                                  </p:stCondLst>
+                                  <p:childTnLst>
+                                    <p:set>
+                                      <p:cBhvr>
+                                        <p:cTn id="14" dur="1" fill="hold">
+                                          <p:stCondLst>
+                                            <p:cond delay="0"/>
+                                          </p:stCondLst>
+                                        </p:cTn>
+                                        <p:tgtEl>
+                                          <p:spTgt spid="5">
+                                            <p:txEl>
+                                              <p:pRg st="2" end="2"/>
+                                            </p:txEl>
+                                          </p:spTgt>
+                                        </p:tgtEl>
+                                        <p:attrNameLst>
+                                          <p:attrName>style.visibility</p:attrName>
+                                        </p:attrNameLst>
+                                      </p:cBhvr>
+                                      <p:to>
+                                        <p:strVal val="visible"/>
+                                      </p:to>
+                                    </p:set>
+                                  </p:childTnLst>
+                                </p:cTn>
+                              </p:par>
+                            </p:childTnLst>
+                          </p:cTn>
+                        </p:par>
+                      </p:childTnLst>
+                    </p:cTn>
+                  </p:par>
+                  <p:par>
+                    <p:cTn id="15" fill="hold">
+                      <p:stCondLst>
+                        <p:cond delay="indefinite"/>
+                      </p:stCondLst>
+                      <p:childTnLst>
+                        <p:par>
+                          <p:cTn id="16" fill="hold">
+                            <p:stCondLst>
+                              <p:cond delay="0"/>
+                            </p:stCondLst>
+                            <p:childTnLst>
+                              <p:par>
+                                <p:cTn id="17" presetID="1" presetClass="entr" presetSubtype="0" fill="hold" grpId="0" nodeType="clickEffect">
+                                  <p:stCondLst>
+                                    <p:cond delay="0"/>
+                                  </p:stCondLst>
+                                  <p:childTnLst>
+                                    <p:set>
+                                      <p:cBhvr>
+                                        <p:cTn id="18" dur="1" fill="hold">
+                                          <p:stCondLst>
+                                            <p:cond delay="0"/>
+                                          </p:stCondLst>
+                                        </p:cTn>
+                                        <p:tgtEl>
+                                          <p:spTgt spid="5">
+                                            <p:txEl>
+                                              <p:pRg st="3" end="3"/>
+                                            </p:txEl>
+                                          </p:spTgt>
+                                        </p:tgtEl>
+                                        <p:attrNameLst>
+                                          <p:attrName>style.visibility</p:attrName>
+                                        </p:attrNameLst>
+                                      </p:cBhvr>
+                                      <p:to>
+                                        <p:strVal val="visible"/>
+                                      </p:to>
+                                    </p:set>
+                                  </p:childTnLst>
+                                </p:cTn>
+                              </p:par>
+                            </p:childTnLst>
+                          </p:cTn>
+                        </p:par>
+                      </p:childTnLst>
+                    </p:cTn>
+                  </p:par>
+                  <p:par>
+                    <p:cTn id="19" fill="hold">
+                      <p:stCondLst>
+                        <p:cond delay="indefinite"/>
+                      </p:stCondLst>
+                      <p:childTnLst>
+                        <p:par>
+                          <p:cTn id="20" fill="hold">
+                            <p:stCondLst>
+                              <p:cond delay="0"/>
+                            </p:stCondLst>
+                            <p:childTnLst>
+                              <p:par>
+                                <p:cTn id="21" presetID="1" presetClass="entr" presetSubtype="0" fill="hold" grpId="0" nodeType="clickEffect">
+                                  <p:stCondLst>
+                                    <p:cond delay="0"/>
+                                  </p:stCondLst>
+                                  <p:childTnLst>
+                                    <p:set>
+                                      <p:cBhvr>
+                                        <p:cTn id="22" dur="1" fill="hold">
+                                          <p:stCondLst>
+                                            <p:cond delay="0"/>
+                                          </p:stCondLst>
+                                        </p:cTn>
+                                        <p:tgtEl>
+                                          <p:spTgt spid="5">
+                                            <p:txEl>
+                                              <p:pRg st="4" end="4"/>
+                                            </p:txEl>
+                                          </p:spTgt>
+                                        </p:tgtEl>
+                                        <p:attrNameLst>
+                                          <p:attrName>style.visibility</p:attrName>
+                                        </p:attrNameLst>
+                                      </p:cBhvr>
+                                      <p:to>
+                                        <p:strVal val="visible"/>
+                                      </p:to>
+                                    </p:set>
+                                  </p:childTnLst>
+                                </p:cTn>
+                              </p:par>
+                            </p:childTnLst>
+                          </p:cTn>
+                        </p:par>
+                      </p:childTnLst>
+                    </p:cTn>
+                  </p:par>
+                </p:childTnLst>
+              </p:cTn>
+              <p:prevCondLst>
+                <p:cond evt="onPrev" delay="0">
+                  <p:tgtEl>
+                    <p:sldTgt/>
+                  </p:tgtEl>
+                </p:cond>
+              </p:prevCondLst>
+              <p:nextCondLst>
+                <p:cond evt="onNext" delay="0">
+                  <p:tgtEl>
+                    <p:sldTgt/>
+                  </p:tgtEl>
+                </p:cond>
+              </p:nextCondLst>
+            </p:seq>
+          </p:childTnLst>
+        </p:cTn>
+      </p:par>
+    </p:tnLst>
+    <p:bldLst>
+      <p:bldP spid="5" grpId="0" build="p"/>
+    </p:bldLst>
+  </p:timing>
+</p:sld>
+</file>
+
+<file path=ppt/slides/slide16.xml><?xml version="1.0" encoding="utf-8"?>
+<p:sld xmlns:a="http://schemas.openxmlformats.org/drawingml/2006/main" xmlns:r="http://schemas.openxmlformats.org/officeDocument/2006/relationships" xmlns:p="http://schemas.openxmlformats.org/presentationml/2006/main">
+  <p:cSld>
+    <p:spTree>
+      <p:nvGrpSpPr>
+        <p:cNvPr id="1" name=""/>
+        <p:cNvGrpSpPr/>
+        <p:nvPr/>
+      </p:nvGrpSpPr>
+      <p:grpSpPr>
+        <a:xfrm>
+          <a:off x="0" y="0"/>
+          <a:ext cx="0" cy="0"/>
+          <a:chOff x="0" y="0"/>
+          <a:chExt cx="0" cy="0"/>
+        </a:xfrm>
+      </p:grpSpPr>
+      <p:pic>
+        <p:nvPicPr>
+          <p:cNvPr id="10" name="Picture Placeholder 9" descr="Close-up of a DJ playing on his Deck">
+            <a:extLst>
+              <a:ext uri="{FF2B5EF4-FFF2-40B4-BE49-F238E27FC236}">
+                <a16:creationId xmlns:a16="http://schemas.microsoft.com/office/drawing/2014/main" id="{05C410A7-E92A-4EFD-A6AE-36748F8E33D5}"/>
+              </a:ext>
+            </a:extLst>
+          </p:cNvPr>
+          <p:cNvPicPr>
+            <a:picLocks noGrp="1" noChangeAspect="1"/>
+          </p:cNvPicPr>
+          <p:nvPr>
+            <p:ph type="pic" sz="quarter" idx="13"/>
+          </p:nvPr>
+        </p:nvPicPr>
+        <p:blipFill rotWithShape="1">
+          <a:blip r:embed="rId2" cstate="screen">
+            <a:extLst>
+              <a:ext uri="{28A0092B-C50C-407E-A947-70E740481C1C}">
+                <a14:useLocalDpi xmlns:a14="http://schemas.microsoft.com/office/drawing/2010/main" val="0"/>
+              </a:ext>
+            </a:extLst>
+          </a:blip>
+          <a:srcRect/>
+          <a:stretch/>
+        </p:blipFill>
+        <p:spPr>
+          <a:xfrm>
+            <a:off x="-1038492" y="0"/>
+            <a:ext cx="8119872" cy="6409944"/>
+          </a:xfrm>
+        </p:spPr>
+      </p:pic>
+      <p:sp>
+        <p:nvSpPr>
+          <p:cNvPr id="2" name="Footer Placeholder 1">
+            <a:extLst>
+              <a:ext uri="{FF2B5EF4-FFF2-40B4-BE49-F238E27FC236}">
+                <a16:creationId xmlns:a16="http://schemas.microsoft.com/office/drawing/2014/main" id="{DCE49CC8-6A9D-4BEB-8ED2-83DB2D140C74}"/>
+              </a:ext>
+            </a:extLst>
+          </p:cNvPr>
+          <p:cNvSpPr>
+            <a:spLocks noGrp="1"/>
+          </p:cNvSpPr>
+          <p:nvPr>
+            <p:ph type="ftr" sz="quarter" idx="11"/>
+          </p:nvPr>
+        </p:nvSpPr>
+        <p:spPr>
+          <a:xfrm rot="5400000">
+            <a:off x="-1828800" y="1911096"/>
+            <a:ext cx="4114800" cy="457200"/>
+          </a:xfrm>
+        </p:spPr>
+        <p:txBody>
+          <a:bodyPr rtlCol="0"/>
+          <a:lstStyle/>
+          <a:p>
+            <a:pPr rtl="0"/>
+            <a:r>
+              <a:rPr lang="en-GB" dirty="0"/>
+              <a:t>Copyright © Anthony </a:t>
+            </a:r>
+            <a:r>
+              <a:rPr lang="en-GB" dirty="0" err="1"/>
+              <a:t>Accioly</a:t>
+            </a:r>
+            <a:endParaRPr lang="en-GB" dirty="0"/>
+          </a:p>
+        </p:txBody>
+      </p:sp>
+      <p:sp>
+        <p:nvSpPr>
+          <p:cNvPr id="14" name="Date Placeholder 13">
+            <a:extLst>
+              <a:ext uri="{FF2B5EF4-FFF2-40B4-BE49-F238E27FC236}">
+                <a16:creationId xmlns:a16="http://schemas.microsoft.com/office/drawing/2014/main" id="{CCA4985F-09D8-41B4-B2AB-DF95AB3FA8B8}"/>
+              </a:ext>
+            </a:extLst>
+          </p:cNvPr>
+          <p:cNvSpPr>
+            <a:spLocks noGrp="1"/>
+          </p:cNvSpPr>
+          <p:nvPr>
+            <p:ph type="dt" sz="half" idx="10"/>
+          </p:nvPr>
+        </p:nvSpPr>
+        <p:spPr>
+          <a:xfrm>
+            <a:off x="7909560" y="6409944"/>
+            <a:ext cx="3703320" cy="448056"/>
+          </a:xfrm>
+        </p:spPr>
+        <p:txBody>
+          <a:bodyPr rtlCol="0"/>
+          <a:lstStyle/>
+          <a:p>
+            <a:pPr rtl="0"/>
+            <a:r>
+              <a:rPr lang="en-GB" dirty="0"/>
+              <a:t>Thursday, may 25, 2023</a:t>
+            </a:r>
+          </a:p>
+        </p:txBody>
+      </p:sp>
+      <p:sp>
+        <p:nvSpPr>
+          <p:cNvPr id="16" name="Slide Number Placeholder 15">
+            <a:extLst>
+              <a:ext uri="{FF2B5EF4-FFF2-40B4-BE49-F238E27FC236}">
+                <a16:creationId xmlns:a16="http://schemas.microsoft.com/office/drawing/2014/main" id="{0C7E1EC9-3F85-4EB7-AF0B-3F8DFE9400C1}"/>
+              </a:ext>
+            </a:extLst>
+          </p:cNvPr>
+          <p:cNvSpPr>
+            <a:spLocks noGrp="1"/>
+          </p:cNvSpPr>
+          <p:nvPr>
+            <p:ph type="sldNum" sz="quarter" idx="12"/>
+          </p:nvPr>
+        </p:nvSpPr>
+        <p:spPr>
+          <a:xfrm>
+            <a:off x="11667744" y="6409944"/>
+            <a:ext cx="438912" cy="448056"/>
+          </a:xfrm>
+        </p:spPr>
+        <p:txBody>
+          <a:bodyPr rtlCol="0"/>
+          <a:lstStyle/>
+          <a:p>
+            <a:pPr rtl="0"/>
+            <a:fld id="{C01389E6-C847-4AD0-B56D-D205B2EAB1EE}" type="slidenum">
+              <a:rPr lang="en-GB" smtClean="0"/>
+              <a:pPr rtl="0"/>
+              <a:t>16</a:t>
+            </a:fld>
+            <a:endParaRPr lang="en-GB" dirty="0"/>
+          </a:p>
+        </p:txBody>
+      </p:sp>
+      <p:sp>
+        <p:nvSpPr>
+          <p:cNvPr id="17" name="Title 8">
+            <a:extLst>
+              <a:ext uri="{FF2B5EF4-FFF2-40B4-BE49-F238E27FC236}">
+                <a16:creationId xmlns:a16="http://schemas.microsoft.com/office/drawing/2014/main" id="{FFC68B1F-635F-D7C8-11EA-E3A21D2566AE}"/>
+              </a:ext>
+            </a:extLst>
+          </p:cNvPr>
+          <p:cNvSpPr>
+            <a:spLocks noGrp="1"/>
+          </p:cNvSpPr>
+          <p:nvPr>
+            <p:ph type="title"/>
+          </p:nvPr>
+        </p:nvSpPr>
+        <p:spPr>
+          <a:xfrm>
+            <a:off x="7376118" y="82296"/>
+            <a:ext cx="4730538" cy="1578874"/>
+          </a:xfrm>
+        </p:spPr>
+        <p:txBody>
+          <a:bodyPr/>
+          <a:lstStyle/>
+          <a:p>
+            <a:pPr algn="ctr"/>
+            <a:r>
+              <a:rPr lang="en-GB" dirty="0"/>
+              <a:t>Questions?</a:t>
+            </a:r>
+          </a:p>
+        </p:txBody>
+      </p:sp>
+      <p:sp>
+        <p:nvSpPr>
+          <p:cNvPr id="18" name="CustomShape 2">
+            <a:extLst>
+              <a:ext uri="{FF2B5EF4-FFF2-40B4-BE49-F238E27FC236}">
+                <a16:creationId xmlns:a16="http://schemas.microsoft.com/office/drawing/2014/main" id="{0DB67A02-9133-5EA2-BA8B-F6A9AAEC5C65}"/>
+              </a:ext>
+            </a:extLst>
+          </p:cNvPr>
+          <p:cNvSpPr/>
+          <p:nvPr/>
+        </p:nvSpPr>
+        <p:spPr>
+          <a:xfrm>
+            <a:off x="7470078" y="1000084"/>
+            <a:ext cx="5189760" cy="4383720"/>
+          </a:xfrm>
+          <a:prstGeom prst="rect">
+            <a:avLst/>
+          </a:prstGeom>
+          <a:noFill/>
+          <a:ln>
+            <a:noFill/>
+          </a:ln>
+        </p:spPr>
+        <p:style>
+          <a:lnRef idx="0">
+            <a:scrgbClr r="0" g="0" b="0"/>
+          </a:lnRef>
+          <a:fillRef idx="0">
+            <a:scrgbClr r="0" g="0" b="0"/>
+          </a:fillRef>
+          <a:effectRef idx="0">
+            <a:scrgbClr r="0" g="0" b="0"/>
+          </a:effectRef>
+          <a:fontRef idx="minor"/>
+        </p:style>
+        <p:txBody>
+          <a:bodyPr lIns="0" tIns="0" rIns="0" bIns="0" anchor="ctr">
+            <a:noAutofit/>
+          </a:bodyPr>
+          <a:lstStyle/>
+          <a:p>
+            <a:pPr marL="432000" indent="-323280">
+              <a:lnSpc>
+                <a:spcPct val="100000"/>
+              </a:lnSpc>
+              <a:spcBef>
+                <a:spcPts val="1417"/>
+              </a:spcBef>
+              <a:buClr>
+                <a:srgbClr val="000000"/>
+              </a:buClr>
+              <a:buSzPct val="45000"/>
+              <a:buFont typeface="Wingdings" charset="2"/>
+              <a:buChar char=""/>
+            </a:pPr>
+            <a:r>
+              <a:rPr lang="en-US" b="0" u="sng" strike="noStrike" spc="-1" dirty="0">
+                <a:solidFill>
+                  <a:srgbClr val="0000FF"/>
+                </a:solidFill>
+                <a:uFillTx/>
+                <a:latin typeface="Arial"/>
+                <a:ea typeface="DejaVu Sans"/>
+                <a:hlinkClick r:id="rId3"/>
+              </a:rPr>
+              <a:t>https://www.linkedin.com/in/aaccioly</a:t>
+            </a:r>
+            <a:endParaRPr lang="en-US" b="0" u="sng" strike="noStrike" spc="-1" dirty="0">
+              <a:solidFill>
+                <a:srgbClr val="0000FF"/>
+              </a:solidFill>
+              <a:uFillTx/>
+              <a:latin typeface="Arial"/>
+              <a:ea typeface="DejaVu Sans"/>
+            </a:endParaRPr>
+          </a:p>
+          <a:p>
+            <a:pPr marL="432000" indent="-323280">
+              <a:lnSpc>
+                <a:spcPct val="100000"/>
+              </a:lnSpc>
+              <a:spcBef>
+                <a:spcPts val="1417"/>
+              </a:spcBef>
+              <a:buClr>
+                <a:srgbClr val="000000"/>
+              </a:buClr>
+              <a:buSzPct val="45000"/>
+              <a:buFont typeface="Wingdings" charset="2"/>
+              <a:buChar char=""/>
+            </a:pPr>
+            <a:r>
+              <a:rPr lang="en-US" b="0" strike="noStrike" spc="-1" dirty="0">
+                <a:latin typeface="Arial"/>
+                <a:hlinkClick r:id="rId4"/>
+              </a:rPr>
+              <a:t>@anthony@mastodon.accioly.dev</a:t>
+            </a:r>
+            <a:endParaRPr lang="en-US" b="0" strike="noStrike" spc="-1" dirty="0">
+              <a:latin typeface="Arial"/>
+            </a:endParaRPr>
+          </a:p>
+          <a:p>
+            <a:pPr marL="432000" indent="-323280">
+              <a:lnSpc>
+                <a:spcPct val="100000"/>
+              </a:lnSpc>
+              <a:spcBef>
+                <a:spcPts val="1417"/>
+              </a:spcBef>
+              <a:buClr>
+                <a:srgbClr val="000000"/>
+              </a:buClr>
+              <a:buSzPct val="45000"/>
+              <a:buFont typeface="Wingdings" charset="2"/>
+              <a:buChar char=""/>
+            </a:pPr>
+            <a:r>
+              <a:rPr lang="en-US" b="0" u="sng" strike="noStrike" spc="-1" dirty="0">
+                <a:solidFill>
+                  <a:srgbClr val="0000FF"/>
+                </a:solidFill>
+                <a:uFillTx/>
+                <a:latin typeface="Arial"/>
+                <a:ea typeface="DejaVu Sans"/>
+                <a:hlinkClick r:id="rId5"/>
+              </a:rPr>
+              <a:t>https://stackoverflow.com/users/664577</a:t>
+            </a:r>
+            <a:endParaRPr lang="en-US" b="0" strike="noStrike" spc="-1" dirty="0">
+              <a:latin typeface="Arial"/>
+            </a:endParaRPr>
+          </a:p>
+          <a:p>
+            <a:pPr marL="432000" indent="-323280">
+              <a:lnSpc>
+                <a:spcPct val="100000"/>
+              </a:lnSpc>
+              <a:spcBef>
+                <a:spcPts val="1417"/>
+              </a:spcBef>
+              <a:buClr>
+                <a:srgbClr val="000000"/>
+              </a:buClr>
+              <a:buSzPct val="45000"/>
+              <a:buFont typeface="Wingdings" charset="2"/>
+              <a:buChar char=""/>
+            </a:pPr>
+            <a:r>
+              <a:rPr lang="en-US" b="0" u="sng" strike="noStrike" spc="-1" dirty="0">
+                <a:solidFill>
+                  <a:srgbClr val="0000FF"/>
+                </a:solidFill>
+                <a:uFillTx/>
+                <a:latin typeface="Arial"/>
+                <a:ea typeface="DejaVu Sans"/>
+                <a:hlinkClick r:id="rId6"/>
+              </a:rPr>
+              <a:t>https://</a:t>
+            </a:r>
+            <a:r>
+              <a:rPr lang="en-US" b="0" u="sng" strike="noStrike" spc="-1" dirty="0" err="1">
+                <a:solidFill>
+                  <a:srgbClr val="0000FF"/>
+                </a:solidFill>
+                <a:uFillTx/>
+                <a:latin typeface="Arial"/>
+                <a:ea typeface="DejaVu Sans"/>
+                <a:hlinkClick r:id="rId6"/>
+              </a:rPr>
+              <a:t>accioly.dev</a:t>
+            </a:r>
+            <a:endParaRPr lang="en-US" b="0" strike="noStrike" spc="-1" dirty="0">
+              <a:latin typeface="Arial"/>
+            </a:endParaRPr>
+          </a:p>
+          <a:p>
+            <a:pPr marL="432000" indent="-323280">
+              <a:lnSpc>
+                <a:spcPct val="100000"/>
+              </a:lnSpc>
+              <a:spcBef>
+                <a:spcPts val="1417"/>
+              </a:spcBef>
+              <a:buClr>
+                <a:srgbClr val="000000"/>
+              </a:buClr>
+              <a:buSzPct val="45000"/>
+              <a:buFont typeface="Wingdings" charset="2"/>
+              <a:buChar char=""/>
+            </a:pPr>
+            <a:r>
+              <a:rPr lang="en-US" b="0" strike="noStrike" spc="-1" dirty="0" err="1">
+                <a:solidFill>
+                  <a:srgbClr val="0066CC"/>
+                </a:solidFill>
+                <a:latin typeface="Arial"/>
+                <a:ea typeface="DejaVu Sans"/>
+              </a:rPr>
+              <a:t>a.accioly</a:t>
+            </a:r>
+            <a:r>
+              <a:rPr lang="en-US" b="0" strike="noStrike" spc="-1" dirty="0">
+                <a:solidFill>
+                  <a:srgbClr val="0066CC"/>
+                </a:solidFill>
+                <a:latin typeface="Arial"/>
+                <a:ea typeface="DejaVu Sans"/>
+              </a:rPr>
+              <a:t> at protonmail.com</a:t>
+            </a:r>
+            <a:endParaRPr lang="en-US" b="0" strike="noStrike" spc="-1" dirty="0">
+              <a:latin typeface="Arial"/>
+            </a:endParaRPr>
+          </a:p>
+        </p:txBody>
+      </p:sp>
+      <p:pic>
+        <p:nvPicPr>
+          <p:cNvPr id="19" name="Picture 18">
+            <a:extLst>
+              <a:ext uri="{FF2B5EF4-FFF2-40B4-BE49-F238E27FC236}">
+                <a16:creationId xmlns:a16="http://schemas.microsoft.com/office/drawing/2014/main" id="{CF863571-B757-5FCE-6BCF-EB27E0A6EFF4}"/>
+              </a:ext>
+            </a:extLst>
+          </p:cNvPr>
+          <p:cNvPicPr/>
+          <p:nvPr/>
+        </p:nvPicPr>
+        <p:blipFill>
+          <a:blip r:embed="rId7"/>
+          <a:stretch/>
+        </p:blipFill>
+        <p:spPr>
+          <a:xfrm>
+            <a:off x="7385478" y="2082170"/>
+            <a:ext cx="456119" cy="457200"/>
+          </a:xfrm>
+          <a:prstGeom prst="rect">
+            <a:avLst/>
+          </a:prstGeom>
+          <a:ln>
+            <a:noFill/>
+          </a:ln>
+        </p:spPr>
+      </p:pic>
+      <p:pic>
+        <p:nvPicPr>
+          <p:cNvPr id="21" name="Picture 20">
+            <a:extLst>
+              <a:ext uri="{FF2B5EF4-FFF2-40B4-BE49-F238E27FC236}">
+                <a16:creationId xmlns:a16="http://schemas.microsoft.com/office/drawing/2014/main" id="{62CB952E-5183-8EC1-8AAD-214CFC05B824}"/>
+              </a:ext>
+            </a:extLst>
+          </p:cNvPr>
+          <p:cNvPicPr/>
+          <p:nvPr/>
+        </p:nvPicPr>
+        <p:blipFill>
+          <a:blip r:embed="rId8"/>
+          <a:stretch/>
+        </p:blipFill>
+        <p:spPr>
+          <a:xfrm>
+            <a:off x="7366757" y="3374546"/>
+            <a:ext cx="474840" cy="474840"/>
+          </a:xfrm>
+          <a:prstGeom prst="rect">
+            <a:avLst/>
+          </a:prstGeom>
+          <a:ln>
+            <a:noFill/>
+          </a:ln>
+        </p:spPr>
+      </p:pic>
+      <p:pic>
+        <p:nvPicPr>
+          <p:cNvPr id="22" name="Picture 21">
+            <a:extLst>
+              <a:ext uri="{FF2B5EF4-FFF2-40B4-BE49-F238E27FC236}">
+                <a16:creationId xmlns:a16="http://schemas.microsoft.com/office/drawing/2014/main" id="{2140070C-1E55-EEB3-6347-F5A581C1AD7B}"/>
+              </a:ext>
+            </a:extLst>
+          </p:cNvPr>
+          <p:cNvPicPr/>
+          <p:nvPr/>
+        </p:nvPicPr>
+        <p:blipFill>
+          <a:blip r:embed="rId9"/>
+          <a:stretch/>
+        </p:blipFill>
+        <p:spPr>
+          <a:xfrm>
+            <a:off x="7385117" y="3850106"/>
+            <a:ext cx="456480" cy="456480"/>
+          </a:xfrm>
+          <a:prstGeom prst="rect">
+            <a:avLst/>
+          </a:prstGeom>
+          <a:ln>
+            <a:noFill/>
+          </a:ln>
+        </p:spPr>
+      </p:pic>
+      <p:pic>
+        <p:nvPicPr>
+          <p:cNvPr id="23" name="Graphic 22">
+            <a:hlinkClick r:id="rId10"/>
+            <a:extLst>
+              <a:ext uri="{FF2B5EF4-FFF2-40B4-BE49-F238E27FC236}">
+                <a16:creationId xmlns:a16="http://schemas.microsoft.com/office/drawing/2014/main" id="{37C68062-B35E-F17F-9FAC-C67D3686EAE3}"/>
+              </a:ext>
+            </a:extLst>
+          </p:cNvPr>
+          <p:cNvPicPr>
+            <a:picLocks noChangeAspect="1"/>
+          </p:cNvPicPr>
+          <p:nvPr/>
+        </p:nvPicPr>
+        <p:blipFill>
+          <a:blip r:embed="rId11">
+            <a:extLst>
+              <a:ext uri="{28A0092B-C50C-407E-A947-70E740481C1C}">
+                <a14:useLocalDpi xmlns:a14="http://schemas.microsoft.com/office/drawing/2010/main" val="0"/>
+              </a:ext>
+              <a:ext uri="{96DAC541-7B7A-43D3-8B79-37D633B846F1}">
+                <asvg:svgBlip xmlns:asvg="http://schemas.microsoft.com/office/drawing/2016/SVG/main" r:embed="rId12"/>
+              </a:ext>
+            </a:extLst>
+          </a:blip>
+          <a:stretch>
+            <a:fillRect/>
+          </a:stretch>
+        </p:blipFill>
+        <p:spPr>
+          <a:xfrm>
+            <a:off x="9044022" y="4764794"/>
+            <a:ext cx="1143000" cy="400050"/>
+          </a:xfrm>
+          <a:prstGeom prst="rect">
+            <a:avLst/>
+          </a:prstGeom>
+        </p:spPr>
+      </p:pic>
+      <p:sp>
+        <p:nvSpPr>
+          <p:cNvPr id="24" name="TextBox 23">
+            <a:extLst>
+              <a:ext uri="{FF2B5EF4-FFF2-40B4-BE49-F238E27FC236}">
+                <a16:creationId xmlns:a16="http://schemas.microsoft.com/office/drawing/2014/main" id="{4D9B5AA9-C9B6-F8A6-6948-1CE3C17C682C}"/>
+              </a:ext>
+            </a:extLst>
+          </p:cNvPr>
+          <p:cNvSpPr txBox="1"/>
+          <p:nvPr/>
+        </p:nvSpPr>
+        <p:spPr>
+          <a:xfrm>
+            <a:off x="7376118" y="5224374"/>
+            <a:ext cx="4536504" cy="1077218"/>
+          </a:xfrm>
+          <a:prstGeom prst="rect">
+            <a:avLst/>
+          </a:prstGeom>
+          <a:noFill/>
+        </p:spPr>
+        <p:txBody>
+          <a:bodyPr wrap="square">
+            <a:spAutoFit/>
+          </a:bodyPr>
+          <a:lstStyle/>
+          <a:p>
+            <a:pPr algn="ctr"/>
+            <a:r>
+              <a:rPr lang="en-US" sz="1600" dirty="0">
+                <a:hlinkClick r:id="rId13"/>
+              </a:rPr>
+              <a:t>Mambo No. 5: A Little Bit of Kotlin in My Life, A Little Bit of Scala 3 in My Mind</a:t>
+            </a:r>
+            <a:r>
+              <a:rPr lang="en-US" sz="1600" dirty="0"/>
+              <a:t> © 2023 by </a:t>
+            </a:r>
+            <a:r>
+              <a:rPr lang="en-US" sz="1600" dirty="0">
+                <a:hlinkClick r:id="rId6"/>
+              </a:rPr>
+              <a:t>Anthony Accioly </a:t>
+            </a:r>
+            <a:r>
+              <a:rPr lang="en-US" sz="1600" dirty="0"/>
+              <a:t>is licensed under </a:t>
+            </a:r>
+            <a:br>
+              <a:rPr lang="en-US" sz="1600" dirty="0"/>
+            </a:br>
+            <a:r>
+              <a:rPr lang="en-US" sz="1600" dirty="0">
+                <a:hlinkClick r:id="rId14"/>
+              </a:rPr>
+              <a:t>CC BY-SA 4.0 </a:t>
+            </a:r>
+            <a:endParaRPr lang="en-US" sz="1600" dirty="0"/>
+          </a:p>
+        </p:txBody>
+      </p:sp>
+      <p:pic>
+        <p:nvPicPr>
+          <p:cNvPr id="20" name="Picture 19">
+            <a:extLst>
+              <a:ext uri="{FF2B5EF4-FFF2-40B4-BE49-F238E27FC236}">
+                <a16:creationId xmlns:a16="http://schemas.microsoft.com/office/drawing/2014/main" id="{327DAB16-AEF2-EFBD-F568-D303E00502C9}"/>
+              </a:ext>
+            </a:extLst>
+          </p:cNvPr>
+          <p:cNvPicPr/>
+          <p:nvPr/>
+        </p:nvPicPr>
+        <p:blipFill>
+          <a:blip r:embed="rId15"/>
+          <a:stretch/>
+        </p:blipFill>
+        <p:spPr>
+          <a:xfrm>
+            <a:off x="7385117" y="2963704"/>
+            <a:ext cx="456480" cy="456480"/>
+          </a:xfrm>
+          <a:prstGeom prst="rect">
+            <a:avLst/>
+          </a:prstGeom>
+          <a:ln>
+            <a:noFill/>
+          </a:ln>
+        </p:spPr>
+      </p:pic>
+      <p:pic>
+        <p:nvPicPr>
+          <p:cNvPr id="1026" name="Picture 2">
+            <a:extLst>
+              <a:ext uri="{FF2B5EF4-FFF2-40B4-BE49-F238E27FC236}">
+                <a16:creationId xmlns:a16="http://schemas.microsoft.com/office/drawing/2014/main" id="{5D4452D0-E9FE-A938-FC1F-953EFE745BCD}"/>
+              </a:ext>
+            </a:extLst>
+          </p:cNvPr>
+          <p:cNvPicPr>
+            <a:picLocks noChangeAspect="1" noChangeArrowheads="1"/>
+          </p:cNvPicPr>
+          <p:nvPr/>
+        </p:nvPicPr>
+        <p:blipFill>
+          <a:blip r:embed="rId16">
+            <a:extLst>
+              <a:ext uri="{28A0092B-C50C-407E-A947-70E740481C1C}">
+                <a14:useLocalDpi xmlns:a14="http://schemas.microsoft.com/office/drawing/2010/main" val="0"/>
+              </a:ext>
+            </a:extLst>
+          </a:blip>
+          <a:srcRect/>
+          <a:stretch>
+            <a:fillRect/>
+          </a:stretch>
+        </p:blipFill>
+        <p:spPr bwMode="auto">
+          <a:xfrm>
+            <a:off x="7424357" y="2578958"/>
+            <a:ext cx="378000" cy="378000"/>
+          </a:xfrm>
+          <a:prstGeom prst="rect">
+            <a:avLst/>
+          </a:prstGeom>
+          <a:noFill/>
+          <a:extLst>
+            <a:ext uri="{909E8E84-426E-40DD-AFC4-6F175D3DCCD1}">
+              <a14:hiddenFill xmlns:a14="http://schemas.microsoft.com/office/drawing/2010/main">
+                <a:solidFill>
+                  <a:srgbClr val="FFFFFF"/>
+                </a:solidFill>
+              </a14:hiddenFill>
+            </a:ext>
+          </a:extLst>
+        </p:spPr>
+      </p:pic>
+      <p:pic>
+        <p:nvPicPr>
+          <p:cNvPr id="25" name="Picture 24" descr="QR code for slides">
+            <a:extLst>
+              <a:ext uri="{FF2B5EF4-FFF2-40B4-BE49-F238E27FC236}">
+                <a16:creationId xmlns:a16="http://schemas.microsoft.com/office/drawing/2014/main" id="{12A487EC-5F03-C5BE-6F6C-C941C7930BDA}"/>
+              </a:ext>
+            </a:extLst>
+          </p:cNvPr>
+          <p:cNvPicPr>
+            <a:picLocks noChangeAspect="1"/>
+          </p:cNvPicPr>
+          <p:nvPr/>
+        </p:nvPicPr>
+        <p:blipFill>
+          <a:blip r:embed="rId17"/>
+          <a:stretch>
+            <a:fillRect/>
+          </a:stretch>
+        </p:blipFill>
+        <p:spPr>
+          <a:xfrm>
+            <a:off x="142915" y="3634740"/>
+            <a:ext cx="2857500" cy="2857500"/>
+          </a:xfrm>
+          <a:prstGeom prst="rect">
+            <a:avLst/>
+          </a:prstGeom>
+        </p:spPr>
+      </p:pic>
+      <p:sp>
+        <p:nvSpPr>
+          <p:cNvPr id="26" name="TextBox 25">
+            <a:extLst>
+              <a:ext uri="{FF2B5EF4-FFF2-40B4-BE49-F238E27FC236}">
+                <a16:creationId xmlns:a16="http://schemas.microsoft.com/office/drawing/2014/main" id="{B9084494-C2F1-1D1D-34F1-AC383EAB25AA}"/>
+              </a:ext>
+            </a:extLst>
+          </p:cNvPr>
+          <p:cNvSpPr txBox="1"/>
+          <p:nvPr/>
+        </p:nvSpPr>
+        <p:spPr>
+          <a:xfrm>
+            <a:off x="85344" y="6487520"/>
+            <a:ext cx="3048989" cy="246221"/>
+          </a:xfrm>
+          <a:prstGeom prst="rect">
+            <a:avLst/>
+          </a:prstGeom>
+          <a:noFill/>
+        </p:spPr>
+        <p:txBody>
+          <a:bodyPr wrap="square">
+            <a:spAutoFit/>
+          </a:bodyPr>
+          <a:lstStyle/>
+          <a:p>
+            <a:r>
+              <a:rPr lang="en-US" sz="1000" b="1" dirty="0">
+                <a:solidFill>
+                  <a:schemeClr val="bg1">
+                    <a:lumMod val="85000"/>
+                  </a:schemeClr>
+                </a:solidFill>
+                <a:hlinkClick r:id="rId13">
+                  <a:extLst>
+                    <a:ext uri="{A12FA001-AC4F-418D-AE19-62706E023703}">
+                      <ahyp:hlinkClr xmlns:ahyp="http://schemas.microsoft.com/office/drawing/2018/hyperlinkcolor" val="tx"/>
+                    </a:ext>
+                  </a:extLst>
+                </a:hlinkClick>
+              </a:rPr>
+              <a:t>https://github.com/aaccioly-demos/mambo-no5</a:t>
+            </a:r>
+            <a:endParaRPr lang="en-US" sz="1000" b="1" dirty="0">
+              <a:solidFill>
+                <a:schemeClr val="bg1">
+                  <a:lumMod val="85000"/>
+                </a:schemeClr>
+              </a:solidFill>
+            </a:endParaRPr>
+          </a:p>
+        </p:txBody>
+      </p:sp>
+    </p:spTree>
+    <p:extLst>
+      <p:ext uri="{BB962C8B-B14F-4D97-AF65-F5344CB8AC3E}">
+        <p14:creationId xmlns:p14="http://schemas.microsoft.com/office/powerpoint/2010/main" val="3486006413"/>
+      </p:ext>
+    </p:extLst>
+  </p:cSld>
+  <p:clrMapOvr>
+    <a:masterClrMapping/>
+  </p:clrMapOvr>
+</p:sld>
+</file>
+
+<file path=ppt/slides/slide2.xml><?xml version="1.0" encoding="utf-8"?>
+<p:sld xmlns:a="http://schemas.openxmlformats.org/drawingml/2006/main" xmlns:r="http://schemas.openxmlformats.org/officeDocument/2006/relationships" xmlns:p="http://schemas.openxmlformats.org/presentationml/2006/main">
+  <p:cSld>
+    <p:spTree>
+      <p:nvGrpSpPr>
+        <p:cNvPr id="1" name=""/>
+        <p:cNvGrpSpPr/>
+        <p:nvPr/>
+      </p:nvGrpSpPr>
+      <p:grpSpPr>
+        <a:xfrm>
+          <a:off x="0" y="0"/>
+          <a:ext cx="0" cy="0"/>
+          <a:chOff x="0" y="0"/>
+          <a:chExt cx="0" cy="0"/>
+        </a:xfrm>
+      </p:grpSpPr>
+      <p:sp>
+        <p:nvSpPr>
+          <p:cNvPr id="2" name="Title 1">
+            <a:extLst>
+              <a:ext uri="{FF2B5EF4-FFF2-40B4-BE49-F238E27FC236}">
+                <a16:creationId xmlns:a16="http://schemas.microsoft.com/office/drawing/2014/main" id="{D9FCC368-94C3-4438-BABC-31C920479974}"/>
+              </a:ext>
+            </a:extLst>
+          </p:cNvPr>
+          <p:cNvSpPr>
+            <a:spLocks noGrp="1"/>
+          </p:cNvSpPr>
+          <p:nvPr>
+            <p:ph type="title"/>
+          </p:nvPr>
+        </p:nvSpPr>
+        <p:spPr>
+          <a:xfrm>
+            <a:off x="518616" y="586633"/>
+            <a:ext cx="3125336" cy="1099663"/>
+          </a:xfrm>
+        </p:spPr>
+        <p:txBody>
+          <a:bodyPr rtlCol="0"/>
+          <a:lstStyle/>
+          <a:p>
+            <a:pPr rtl="0"/>
+            <a:r>
+              <a:rPr lang="en-GB" dirty="0"/>
+              <a:t>Agenda</a:t>
+            </a:r>
+          </a:p>
+        </p:txBody>
+      </p:sp>
+      <p:sp>
+        <p:nvSpPr>
+          <p:cNvPr id="16" name="Footer Placeholder 15">
+            <a:extLst>
+              <a:ext uri="{FF2B5EF4-FFF2-40B4-BE49-F238E27FC236}">
+                <a16:creationId xmlns:a16="http://schemas.microsoft.com/office/drawing/2014/main" id="{916FA212-79E7-4F38-B08F-FC68988E5BEC}"/>
+              </a:ext>
+            </a:extLst>
+          </p:cNvPr>
+          <p:cNvSpPr>
+            <a:spLocks noGrp="1"/>
+          </p:cNvSpPr>
+          <p:nvPr>
+            <p:ph type="ftr" sz="quarter" idx="11"/>
+          </p:nvPr>
+        </p:nvSpPr>
+        <p:spPr>
+          <a:xfrm rot="5400000">
+            <a:off x="-1828801" y="1912217"/>
+            <a:ext cx="4114800" cy="457200"/>
+          </a:xfrm>
+        </p:spPr>
+        <p:txBody>
+          <a:bodyPr rtlCol="0"/>
+          <a:lstStyle/>
+          <a:p>
+            <a:pPr rtl="0"/>
+            <a:r>
+              <a:rPr lang="en-GB" dirty="0"/>
+              <a:t>Copyright © Anthony </a:t>
+            </a:r>
+            <a:r>
+              <a:rPr lang="en-GB" dirty="0" err="1"/>
+              <a:t>Accioly</a:t>
+            </a:r>
+            <a:endParaRPr lang="en-GB" dirty="0"/>
+          </a:p>
+        </p:txBody>
+      </p:sp>
+      <p:sp>
+        <p:nvSpPr>
+          <p:cNvPr id="3" name="Content Placeholder 2">
+            <a:extLst>
+              <a:ext uri="{FF2B5EF4-FFF2-40B4-BE49-F238E27FC236}">
+                <a16:creationId xmlns:a16="http://schemas.microsoft.com/office/drawing/2014/main" id="{E9E23649-3D75-4D6D-8156-51D7E6B17713}"/>
+              </a:ext>
+            </a:extLst>
+          </p:cNvPr>
+          <p:cNvSpPr>
+            <a:spLocks noGrp="1"/>
+          </p:cNvSpPr>
+          <p:nvPr>
+            <p:ph sz="quarter" idx="16"/>
+          </p:nvPr>
+        </p:nvSpPr>
+        <p:spPr>
+          <a:xfrm>
+            <a:off x="4778375" y="863600"/>
+            <a:ext cx="3441700" cy="5130800"/>
+          </a:xfrm>
+        </p:spPr>
+        <p:txBody>
+          <a:bodyPr rtlCol="0"/>
+          <a:lstStyle/>
+          <a:p>
+            <a:pPr rtl="0"/>
+            <a:r>
+              <a:rPr lang="en-GB" dirty="0"/>
+              <a:t>Java &amp; Kotlin &amp; Scala 3</a:t>
+            </a:r>
+          </a:p>
+          <a:p>
+            <a:pPr rtl="0"/>
+            <a:r>
+              <a:rPr lang="en-GB" dirty="0"/>
+              <a:t>Main: Let’s start from the start</a:t>
+            </a:r>
+          </a:p>
+          <a:p>
+            <a:pPr rtl="0"/>
+            <a:r>
+              <a:rPr lang="en-GB" dirty="0"/>
+              <a:t>Enums</a:t>
+            </a:r>
+          </a:p>
+          <a:p>
+            <a:pPr rtl="0"/>
+            <a:r>
+              <a:rPr lang="en-GB" dirty="0"/>
+              <a:t>Extension methods</a:t>
+            </a:r>
+          </a:p>
+          <a:p>
+            <a:pPr rtl="0"/>
+            <a:r>
+              <a:rPr lang="en-GB" dirty="0"/>
+              <a:t>Value classes &amp; Aliases</a:t>
+            </a:r>
+          </a:p>
+          <a:p>
+            <a:pPr rtl="0"/>
+            <a:r>
+              <a:rPr lang="en-GB" dirty="0"/>
+              <a:t>Kotlin &amp; Scala 3 (Encore) </a:t>
+            </a:r>
+          </a:p>
+        </p:txBody>
+      </p:sp>
+      <p:pic>
+        <p:nvPicPr>
+          <p:cNvPr id="8" name="Picture Placeholder 7" descr="A close - up of a violin">
+            <a:extLst>
+              <a:ext uri="{FF2B5EF4-FFF2-40B4-BE49-F238E27FC236}">
+                <a16:creationId xmlns:a16="http://schemas.microsoft.com/office/drawing/2014/main" id="{44C36EBD-DB9B-4ACF-A771-1AB4705F9519}"/>
+              </a:ext>
+            </a:extLst>
+          </p:cNvPr>
+          <p:cNvPicPr>
+            <a:picLocks noGrp="1" noChangeAspect="1"/>
+          </p:cNvPicPr>
+          <p:nvPr>
+            <p:ph type="pic" sz="quarter" idx="13"/>
+          </p:nvPr>
+        </p:nvPicPr>
+        <p:blipFill rotWithShape="1">
+          <a:blip r:embed="rId2" cstate="screen">
+            <a:extLst>
+              <a:ext uri="{28A0092B-C50C-407E-A947-70E740481C1C}">
+                <a14:useLocalDpi xmlns:a14="http://schemas.microsoft.com/office/drawing/2010/main" val="0"/>
+              </a:ext>
+            </a:extLst>
+          </a:blip>
+          <a:srcRect/>
+          <a:stretch/>
+        </p:blipFill>
+        <p:spPr>
+          <a:xfrm>
+            <a:off x="8787384" y="868680"/>
+            <a:ext cx="2505456" cy="1499616"/>
+          </a:xfrm>
+        </p:spPr>
+      </p:pic>
+      <p:pic>
+        <p:nvPicPr>
+          <p:cNvPr id="10" name="Picture Placeholder 9" descr="A close - up of a violinist">
+            <a:extLst>
+              <a:ext uri="{FF2B5EF4-FFF2-40B4-BE49-F238E27FC236}">
+                <a16:creationId xmlns:a16="http://schemas.microsoft.com/office/drawing/2014/main" id="{DA5E6B02-8CB9-4AF0-B81A-3B61DEE58E08}"/>
+              </a:ext>
+            </a:extLst>
+          </p:cNvPr>
+          <p:cNvPicPr>
+            <a:picLocks noGrp="1" noChangeAspect="1"/>
+          </p:cNvPicPr>
+          <p:nvPr>
+            <p:ph type="pic" sz="quarter" idx="14"/>
+          </p:nvPr>
+        </p:nvPicPr>
+        <p:blipFill rotWithShape="1">
+          <a:blip r:embed="rId3" cstate="screen">
+            <a:extLst>
+              <a:ext uri="{28A0092B-C50C-407E-A947-70E740481C1C}">
+                <a14:useLocalDpi xmlns:a14="http://schemas.microsoft.com/office/drawing/2010/main" val="0"/>
+              </a:ext>
+            </a:extLst>
+          </a:blip>
+          <a:srcRect/>
+          <a:stretch/>
+        </p:blipFill>
+        <p:spPr>
+          <a:xfrm>
+            <a:off x="8787384" y="2688336"/>
+            <a:ext cx="2505456" cy="1499616"/>
+          </a:xfrm>
+        </p:spPr>
+      </p:pic>
+      <p:pic>
+        <p:nvPicPr>
+          <p:cNvPr id="12" name="Picture Placeholder 11" descr="A close - up of a trumpet">
+            <a:extLst>
+              <a:ext uri="{FF2B5EF4-FFF2-40B4-BE49-F238E27FC236}">
+                <a16:creationId xmlns:a16="http://schemas.microsoft.com/office/drawing/2014/main" id="{AD486202-2CE9-48FF-813A-B87921B40342}"/>
+              </a:ext>
+            </a:extLst>
+          </p:cNvPr>
+          <p:cNvPicPr>
+            <a:picLocks noGrp="1" noChangeAspect="1"/>
+          </p:cNvPicPr>
+          <p:nvPr>
+            <p:ph type="pic" sz="quarter" idx="15"/>
+          </p:nvPr>
+        </p:nvPicPr>
+        <p:blipFill rotWithShape="1">
+          <a:blip r:embed="rId4" cstate="screen">
+            <a:extLst>
+              <a:ext uri="{28A0092B-C50C-407E-A947-70E740481C1C}">
+                <a14:useLocalDpi xmlns:a14="http://schemas.microsoft.com/office/drawing/2010/main" val="0"/>
+              </a:ext>
+            </a:extLst>
+          </a:blip>
+          <a:srcRect/>
+          <a:stretch/>
+        </p:blipFill>
+        <p:spPr>
+          <a:xfrm>
+            <a:off x="8787384" y="4526280"/>
+            <a:ext cx="2505456" cy="1499616"/>
+          </a:xfrm>
+        </p:spPr>
+      </p:pic>
+      <p:sp>
+        <p:nvSpPr>
+          <p:cNvPr id="13" name="Date Placeholder 12">
+            <a:extLst>
+              <a:ext uri="{FF2B5EF4-FFF2-40B4-BE49-F238E27FC236}">
+                <a16:creationId xmlns:a16="http://schemas.microsoft.com/office/drawing/2014/main" id="{6C36903A-8E11-4CCF-BB75-9C2BA05F8E19}"/>
+              </a:ext>
+            </a:extLst>
+          </p:cNvPr>
+          <p:cNvSpPr>
+            <a:spLocks noGrp="1"/>
+          </p:cNvSpPr>
+          <p:nvPr>
+            <p:ph type="dt" sz="half" idx="10"/>
+          </p:nvPr>
+        </p:nvSpPr>
+        <p:spPr>
+          <a:xfrm>
+            <a:off x="7910111" y="6409170"/>
+            <a:ext cx="3702392" cy="448830"/>
+          </a:xfrm>
+        </p:spPr>
+        <p:txBody>
+          <a:bodyPr rtlCol="0"/>
+          <a:lstStyle/>
+          <a:p>
+            <a:pPr rtl="0"/>
+            <a:r>
+              <a:rPr lang="en-GB" dirty="0"/>
+              <a:t>Thursday, May 25, 2025</a:t>
+            </a:r>
+          </a:p>
+        </p:txBody>
+      </p:sp>
+      <p:sp>
+        <p:nvSpPr>
+          <p:cNvPr id="14" name="Slide Number Placeholder 13">
+            <a:extLst>
+              <a:ext uri="{FF2B5EF4-FFF2-40B4-BE49-F238E27FC236}">
+                <a16:creationId xmlns:a16="http://schemas.microsoft.com/office/drawing/2014/main" id="{D5E3C6B7-507C-4330-B4B5-6B3975EF0BEE}"/>
+              </a:ext>
+            </a:extLst>
+          </p:cNvPr>
+          <p:cNvSpPr>
+            <a:spLocks noGrp="1"/>
+          </p:cNvSpPr>
+          <p:nvPr>
+            <p:ph type="sldNum" sz="quarter" idx="12"/>
+          </p:nvPr>
+        </p:nvSpPr>
+        <p:spPr>
+          <a:xfrm>
+            <a:off x="11669678" y="6408742"/>
+            <a:ext cx="438652" cy="448830"/>
+          </a:xfrm>
+        </p:spPr>
+        <p:txBody>
+          <a:bodyPr rtlCol="0"/>
+          <a:lstStyle/>
+          <a:p>
+            <a:pPr rtl="0"/>
+            <a:fld id="{39A857F5-96C8-461D-A78C-38E92FE1C522}" type="slidenum">
+              <a:rPr lang="en-GB" smtClean="0"/>
+              <a:pPr/>
+              <a:t>2</a:t>
+            </a:fld>
+            <a:endParaRPr lang="en-GB" dirty="0"/>
+          </a:p>
+        </p:txBody>
+      </p:sp>
+      <p:pic>
+        <p:nvPicPr>
+          <p:cNvPr id="5" name="Picture 4" descr="QR code for slides">
+            <a:extLst>
+              <a:ext uri="{FF2B5EF4-FFF2-40B4-BE49-F238E27FC236}">
+                <a16:creationId xmlns:a16="http://schemas.microsoft.com/office/drawing/2014/main" id="{B6E93333-7190-DCC0-A642-B7F1069F1A77}"/>
+              </a:ext>
+            </a:extLst>
+          </p:cNvPr>
+          <p:cNvPicPr>
+            <a:picLocks noChangeAspect="1"/>
+          </p:cNvPicPr>
+          <p:nvPr/>
+        </p:nvPicPr>
+        <p:blipFill>
+          <a:blip r:embed="rId5"/>
+          <a:stretch>
+            <a:fillRect/>
+          </a:stretch>
+        </p:blipFill>
+        <p:spPr>
+          <a:xfrm>
+            <a:off x="514771" y="2000250"/>
+            <a:ext cx="2857500" cy="2857500"/>
+          </a:xfrm>
+          <a:prstGeom prst="rect">
+            <a:avLst/>
+          </a:prstGeom>
+        </p:spPr>
+      </p:pic>
+      <p:sp>
+        <p:nvSpPr>
+          <p:cNvPr id="7" name="TextBox 6">
+            <a:extLst>
+              <a:ext uri="{FF2B5EF4-FFF2-40B4-BE49-F238E27FC236}">
+                <a16:creationId xmlns:a16="http://schemas.microsoft.com/office/drawing/2014/main" id="{93A2CC7A-C606-9502-F225-6B41309CDBEB}"/>
+              </a:ext>
+            </a:extLst>
+          </p:cNvPr>
+          <p:cNvSpPr txBox="1"/>
+          <p:nvPr/>
+        </p:nvSpPr>
+        <p:spPr>
+          <a:xfrm>
+            <a:off x="457200" y="4853030"/>
+            <a:ext cx="3048989" cy="246221"/>
+          </a:xfrm>
+          <a:prstGeom prst="rect">
+            <a:avLst/>
+          </a:prstGeom>
+          <a:noFill/>
+        </p:spPr>
+        <p:txBody>
+          <a:bodyPr wrap="square">
+            <a:spAutoFit/>
+          </a:bodyPr>
+          <a:lstStyle/>
+          <a:p>
+            <a:r>
+              <a:rPr lang="en-US" sz="1000" b="1" dirty="0">
+                <a:solidFill>
+                  <a:schemeClr val="bg1">
+                    <a:lumMod val="85000"/>
+                  </a:schemeClr>
+                </a:solidFill>
+                <a:hlinkClick r:id="rId6">
+                  <a:extLst>
+                    <a:ext uri="{A12FA001-AC4F-418D-AE19-62706E023703}">
+                      <ahyp:hlinkClr xmlns:ahyp="http://schemas.microsoft.com/office/drawing/2018/hyperlinkcolor" val="tx"/>
+                    </a:ext>
+                  </a:extLst>
+                </a:hlinkClick>
+              </a:rPr>
+              <a:t>https://github.com/aaccioly-demos/mambo-no5</a:t>
+            </a:r>
+            <a:endParaRPr lang="en-US" sz="1000" b="1" dirty="0">
+              <a:solidFill>
+                <a:schemeClr val="bg1">
+                  <a:lumMod val="85000"/>
+                </a:schemeClr>
+              </a:solidFill>
+            </a:endParaRPr>
+          </a:p>
+        </p:txBody>
+      </p:sp>
+    </p:spTree>
+    <p:extLst>
+      <p:ext uri="{BB962C8B-B14F-4D97-AF65-F5344CB8AC3E}">
+        <p14:creationId xmlns:p14="http://schemas.microsoft.com/office/powerpoint/2010/main" val="738980766"/>
+      </p:ext>
+    </p:extLst>
+  </p:cSld>
+  <p:clrMapOvr>
+    <a:masterClrMapping/>
+  </p:clrMapOvr>
+</p:sld>
+</file>
+
+<file path=ppt/slides/slide3.xml><?xml version="1.0" encoding="utf-8"?>
+<p:sld xmlns:a="http://schemas.openxmlformats.org/drawingml/2006/main" xmlns:r="http://schemas.openxmlformats.org/officeDocument/2006/relationships" xmlns:p="http://schemas.openxmlformats.org/presentationml/2006/main">
+  <p:cSld>
+    <p:spTree>
+      <p:nvGrpSpPr>
+        <p:cNvPr id="1" name=""/>
+        <p:cNvGrpSpPr/>
+        <p:nvPr/>
+      </p:nvGrpSpPr>
+      <p:grpSpPr>
+        <a:xfrm>
+          <a:off x="0" y="0"/>
+          <a:ext cx="0" cy="0"/>
+          <a:chOff x="0" y="0"/>
+          <a:chExt cx="0" cy="0"/>
+        </a:xfrm>
+      </p:grpSpPr>
+      <p:sp>
+        <p:nvSpPr>
+          <p:cNvPr id="9" name="Title 8">
+            <a:extLst>
+              <a:ext uri="{FF2B5EF4-FFF2-40B4-BE49-F238E27FC236}">
+                <a16:creationId xmlns:a16="http://schemas.microsoft.com/office/drawing/2014/main" id="{B5D7CA65-D923-428F-A1EF-58CB4CF0186E}"/>
+              </a:ext>
+            </a:extLst>
+          </p:cNvPr>
+          <p:cNvSpPr>
+            <a:spLocks noGrp="1"/>
+          </p:cNvSpPr>
+          <p:nvPr>
+            <p:ph type="title"/>
+          </p:nvPr>
+        </p:nvSpPr>
+        <p:spPr>
+          <a:xfrm>
+            <a:off x="4769893" y="908812"/>
+            <a:ext cx="6230956" cy="1618487"/>
+          </a:xfrm>
+        </p:spPr>
+        <p:txBody>
+          <a:bodyPr rtlCol="0">
+            <a:noAutofit/>
+          </a:bodyPr>
+          <a:lstStyle/>
+          <a:p>
+            <a:r>
+              <a:rPr lang="en-GB" dirty="0"/>
+              <a:t>Java &amp; Kotlin &amp; Scala 3</a:t>
+            </a:r>
+            <a:br>
+              <a:rPr lang="en-GB" dirty="0"/>
+            </a:br>
+            <a:endParaRPr lang="en-GB" dirty="0"/>
+          </a:p>
+        </p:txBody>
+      </p:sp>
+      <p:sp>
+        <p:nvSpPr>
+          <p:cNvPr id="11" name="Content Placeholder 10">
+            <a:extLst>
+              <a:ext uri="{FF2B5EF4-FFF2-40B4-BE49-F238E27FC236}">
+                <a16:creationId xmlns:a16="http://schemas.microsoft.com/office/drawing/2014/main" id="{AAF4EEE3-8713-423E-B3A1-79F902706576}"/>
+              </a:ext>
+            </a:extLst>
+          </p:cNvPr>
+          <p:cNvSpPr>
+            <a:spLocks noGrp="1"/>
+          </p:cNvSpPr>
+          <p:nvPr>
+            <p:ph sz="quarter" idx="17"/>
+          </p:nvPr>
+        </p:nvSpPr>
+        <p:spPr>
+          <a:xfrm>
+            <a:off x="4770438" y="2368550"/>
+            <a:ext cx="6230411" cy="3390900"/>
+          </a:xfrm>
+        </p:spPr>
+        <p:txBody>
+          <a:bodyPr rtlCol="0"/>
+          <a:lstStyle/>
+          <a:p>
+            <a:pPr marL="285750" indent="-285750" rtl="0">
+              <a:buFont typeface="Arial" panose="020B0604020202020204" pitchFamily="34" charset="0"/>
+              <a:buChar char="•"/>
+            </a:pPr>
+            <a:r>
+              <a:rPr lang="en-GB" dirty="0"/>
+              <a:t>Something about me</a:t>
+            </a:r>
+          </a:p>
+          <a:p>
+            <a:pPr marL="285750" indent="-285750" rtl="0">
+              <a:buFont typeface="Arial" panose="020B0604020202020204" pitchFamily="34" charset="0"/>
+              <a:buChar char="•"/>
+            </a:pPr>
+            <a:r>
+              <a:rPr lang="en-GB" dirty="0"/>
+              <a:t>Something about you</a:t>
+            </a:r>
+          </a:p>
+          <a:p>
+            <a:pPr marL="285750" indent="-285750" rtl="0">
+              <a:buFont typeface="Arial" panose="020B0604020202020204" pitchFamily="34" charset="0"/>
+              <a:buChar char="•"/>
+            </a:pPr>
+            <a:r>
+              <a:rPr lang="en-GB" dirty="0"/>
+              <a:t>Something about this talk</a:t>
+            </a:r>
+          </a:p>
+          <a:p>
+            <a:pPr marL="285750" indent="-285750" rtl="0">
+              <a:buFont typeface="Arial" panose="020B0604020202020204" pitchFamily="34" charset="0"/>
+              <a:buChar char="•"/>
+            </a:pPr>
+            <a:r>
+              <a:rPr lang="en-GB" dirty="0"/>
+              <a:t>Something about the languages</a:t>
+            </a:r>
+          </a:p>
+          <a:p>
+            <a:pPr marL="285750" indent="-285750" rtl="0">
+              <a:buFont typeface="Arial" panose="020B0604020202020204" pitchFamily="34" charset="0"/>
+              <a:buChar char="•"/>
+            </a:pPr>
+            <a:endParaRPr lang="en-GB" dirty="0"/>
+          </a:p>
+        </p:txBody>
+      </p:sp>
+      <p:sp>
+        <p:nvSpPr>
+          <p:cNvPr id="4" name="Date Placeholder 3">
+            <a:extLst>
+              <a:ext uri="{FF2B5EF4-FFF2-40B4-BE49-F238E27FC236}">
+                <a16:creationId xmlns:a16="http://schemas.microsoft.com/office/drawing/2014/main" id="{35ED29D7-172E-44FC-9DB9-37788BC0FD7A}"/>
+              </a:ext>
+            </a:extLst>
+          </p:cNvPr>
+          <p:cNvSpPr>
+            <a:spLocks noGrp="1"/>
+          </p:cNvSpPr>
+          <p:nvPr>
+            <p:ph type="dt" sz="half" idx="10"/>
+          </p:nvPr>
+        </p:nvSpPr>
+        <p:spPr>
+          <a:xfrm>
+            <a:off x="7909560" y="6409944"/>
+            <a:ext cx="3703320" cy="448056"/>
+          </a:xfrm>
+        </p:spPr>
+        <p:txBody>
+          <a:bodyPr rtlCol="0"/>
+          <a:lstStyle/>
+          <a:p>
+            <a:r>
+              <a:rPr lang="en-GB" dirty="0"/>
+              <a:t>Thursday, May 25, 2025</a:t>
+            </a:r>
+          </a:p>
+        </p:txBody>
+      </p:sp>
+      <p:sp>
+        <p:nvSpPr>
+          <p:cNvPr id="6" name="Slide Number Placeholder 5">
+            <a:extLst>
+              <a:ext uri="{FF2B5EF4-FFF2-40B4-BE49-F238E27FC236}">
+                <a16:creationId xmlns:a16="http://schemas.microsoft.com/office/drawing/2014/main" id="{2924DBB0-116F-4811-B263-A1E2ADE35B18}"/>
+              </a:ext>
+            </a:extLst>
+          </p:cNvPr>
+          <p:cNvSpPr>
+            <a:spLocks noGrp="1"/>
+          </p:cNvSpPr>
+          <p:nvPr>
+            <p:ph type="sldNum" sz="quarter" idx="12"/>
+          </p:nvPr>
+        </p:nvSpPr>
+        <p:spPr>
+          <a:xfrm>
+            <a:off x="11667744" y="6409944"/>
+            <a:ext cx="438912" cy="448056"/>
+          </a:xfrm>
+        </p:spPr>
+        <p:txBody>
+          <a:bodyPr rtlCol="0"/>
+          <a:lstStyle/>
+          <a:p>
+            <a:pPr rtl="0"/>
+            <a:fld id="{8B48EBF6-60E6-462A-9155-5FAF136BCCBC}" type="slidenum">
+              <a:rPr lang="en-GB" smtClean="0"/>
+              <a:pPr/>
+              <a:t>3</a:t>
+            </a:fld>
+            <a:endParaRPr lang="en-GB" dirty="0"/>
+          </a:p>
+        </p:txBody>
+      </p:sp>
+      <p:pic>
+        <p:nvPicPr>
+          <p:cNvPr id="22" name="Picture 21" descr="A picture containing clothing, painting, cartoon, illustration&#10;&#10;Description automatically generated">
+            <a:extLst>
+              <a:ext uri="{FF2B5EF4-FFF2-40B4-BE49-F238E27FC236}">
+                <a16:creationId xmlns:a16="http://schemas.microsoft.com/office/drawing/2014/main" id="{5FD0AB5B-6FAE-7888-51A4-92328FE594DC}"/>
+              </a:ext>
+            </a:extLst>
+          </p:cNvPr>
+          <p:cNvPicPr>
+            <a:picLocks noChangeAspect="1"/>
+          </p:cNvPicPr>
+          <p:nvPr/>
+        </p:nvPicPr>
+        <p:blipFill>
+          <a:blip r:embed="rId3"/>
+          <a:stretch>
+            <a:fillRect/>
+          </a:stretch>
+        </p:blipFill>
+        <p:spPr>
+          <a:xfrm>
+            <a:off x="0" y="-1"/>
+            <a:ext cx="3835730" cy="6382655"/>
+          </a:xfrm>
+          <a:prstGeom prst="rect">
+            <a:avLst/>
+          </a:prstGeom>
+        </p:spPr>
+      </p:pic>
+    </p:spTree>
+    <p:extLst>
+      <p:ext uri="{BB962C8B-B14F-4D97-AF65-F5344CB8AC3E}">
+        <p14:creationId xmlns:p14="http://schemas.microsoft.com/office/powerpoint/2010/main" val="2539589404"/>
+      </p:ext>
+    </p:extLst>
+  </p:cSld>
+  <p:clrMapOvr>
+    <a:masterClrMapping/>
+  </p:clrMapOvr>
+  <p:timing>
+    <p:tnLst>
+      <p:par>
+        <p:cTn id="1" dur="indefinite" restart="never" nodeType="tmRoot">
+          <p:childTnLst>
+            <p:seq concurrent="1" nextAc="seek">
+              <p:cTn id="2" dur="indefinite" nodeType="mainSeq">
+                <p:childTnLst>
+                  <p:par>
+                    <p:cTn id="3" fill="hold">
+                      <p:stCondLst>
+                        <p:cond delay="indefinite"/>
+                      </p:stCondLst>
+                      <p:childTnLst>
+                        <p:par>
+                          <p:cTn id="4" fill="hold">
+                            <p:stCondLst>
+                              <p:cond delay="0"/>
+                            </p:stCondLst>
+                            <p:childTnLst>
+                              <p:par>
+                                <p:cTn id="5" presetID="1" presetClass="entr" presetSubtype="0" fill="hold" grpId="0" nodeType="clickEffect">
+                                  <p:stCondLst>
+                                    <p:cond delay="0"/>
+                                  </p:stCondLst>
+                                  <p:childTnLst>
+                                    <p:set>
+                                      <p:cBhvr>
+                                        <p:cTn id="6" dur="1" fill="hold">
+                                          <p:stCondLst>
+                                            <p:cond delay="0"/>
+                                          </p:stCondLst>
+                                        </p:cTn>
+                                        <p:tgtEl>
+                                          <p:spTgt spid="11">
+                                            <p:txEl>
+                                              <p:pRg st="0" end="0"/>
+                                            </p:txEl>
+                                          </p:spTgt>
+                                        </p:tgtEl>
+                                        <p:attrNameLst>
+                                          <p:attrName>style.visibility</p:attrName>
+                                        </p:attrNameLst>
+                                      </p:cBhvr>
+                                      <p:to>
+                                        <p:strVal val="visible"/>
+                                      </p:to>
+                                    </p:set>
+                                  </p:childTnLst>
+                                </p:cTn>
+                              </p:par>
+                            </p:childTnLst>
+                          </p:cTn>
+                        </p:par>
+                      </p:childTnLst>
+                    </p:cTn>
+                  </p:par>
+                  <p:par>
+                    <p:cTn id="7" fill="hold">
+                      <p:stCondLst>
+                        <p:cond delay="indefinite"/>
+                      </p:stCondLst>
+                      <p:childTnLst>
+                        <p:par>
+                          <p:cTn id="8" fill="hold">
+                            <p:stCondLst>
+                              <p:cond delay="0"/>
+                            </p:stCondLst>
+                            <p:childTnLst>
+                              <p:par>
+                                <p:cTn id="9" presetID="1" presetClass="entr" presetSubtype="0" fill="hold" grpId="0" nodeType="clickEffect">
+                                  <p:stCondLst>
+                                    <p:cond delay="0"/>
+                                  </p:stCondLst>
+                                  <p:childTnLst>
+                                    <p:set>
+                                      <p:cBhvr>
+                                        <p:cTn id="10" dur="1" fill="hold">
+                                          <p:stCondLst>
+                                            <p:cond delay="0"/>
+                                          </p:stCondLst>
+                                        </p:cTn>
+                                        <p:tgtEl>
+                                          <p:spTgt spid="11">
+                                            <p:txEl>
+                                              <p:pRg st="1" end="1"/>
+                                            </p:txEl>
+                                          </p:spTgt>
+                                        </p:tgtEl>
+                                        <p:attrNameLst>
+                                          <p:attrName>style.visibility</p:attrName>
+                                        </p:attrNameLst>
+                                      </p:cBhvr>
+                                      <p:to>
+                                        <p:strVal val="visible"/>
+                                      </p:to>
+                                    </p:set>
+                                  </p:childTnLst>
+                                </p:cTn>
+                              </p:par>
+                            </p:childTnLst>
+                          </p:cTn>
+                        </p:par>
+                      </p:childTnLst>
+                    </p:cTn>
+                  </p:par>
+                  <p:par>
+                    <p:cTn id="11" fill="hold">
+                      <p:stCondLst>
+                        <p:cond delay="indefinite"/>
+                      </p:stCondLst>
+                      <p:childTnLst>
+                        <p:par>
+                          <p:cTn id="12" fill="hold">
+                            <p:stCondLst>
+                              <p:cond delay="0"/>
+                            </p:stCondLst>
+                            <p:childTnLst>
+                              <p:par>
+                                <p:cTn id="13" presetID="1" presetClass="entr" presetSubtype="0" fill="hold" grpId="0" nodeType="clickEffect">
+                                  <p:stCondLst>
+                                    <p:cond delay="0"/>
+                                  </p:stCondLst>
+                                  <p:childTnLst>
+                                    <p:set>
+                                      <p:cBhvr>
+                                        <p:cTn id="14" dur="1" fill="hold">
+                                          <p:stCondLst>
+                                            <p:cond delay="0"/>
+                                          </p:stCondLst>
+                                        </p:cTn>
+                                        <p:tgtEl>
+                                          <p:spTgt spid="11">
+                                            <p:txEl>
+                                              <p:pRg st="2" end="2"/>
+                                            </p:txEl>
+                                          </p:spTgt>
+                                        </p:tgtEl>
+                                        <p:attrNameLst>
+                                          <p:attrName>style.visibility</p:attrName>
+                                        </p:attrNameLst>
+                                      </p:cBhvr>
+                                      <p:to>
+                                        <p:strVal val="visible"/>
+                                      </p:to>
+                                    </p:set>
+                                  </p:childTnLst>
+                                </p:cTn>
+                              </p:par>
+                            </p:childTnLst>
+                          </p:cTn>
+                        </p:par>
+                      </p:childTnLst>
+                    </p:cTn>
+                  </p:par>
+                  <p:par>
+                    <p:cTn id="15" fill="hold">
+                      <p:stCondLst>
+                        <p:cond delay="indefinite"/>
+                      </p:stCondLst>
+                      <p:childTnLst>
+                        <p:par>
+                          <p:cTn id="16" fill="hold">
+                            <p:stCondLst>
+                              <p:cond delay="0"/>
+                            </p:stCondLst>
+                            <p:childTnLst>
+                              <p:par>
+                                <p:cTn id="17" presetID="1" presetClass="entr" presetSubtype="0" fill="hold" grpId="0" nodeType="clickEffect">
+                                  <p:stCondLst>
+                                    <p:cond delay="0"/>
+                                  </p:stCondLst>
+                                  <p:childTnLst>
+                                    <p:set>
+                                      <p:cBhvr>
+                                        <p:cTn id="18" dur="1" fill="hold">
+                                          <p:stCondLst>
+                                            <p:cond delay="0"/>
+                                          </p:stCondLst>
+                                        </p:cTn>
+                                        <p:tgtEl>
+                                          <p:spTgt spid="11">
+                                            <p:txEl>
+                                              <p:pRg st="3" end="3"/>
+                                            </p:txEl>
+                                          </p:spTgt>
+                                        </p:tgtEl>
+                                        <p:attrNameLst>
+                                          <p:attrName>style.visibility</p:attrName>
+                                        </p:attrNameLst>
+                                      </p:cBhvr>
+                                      <p:to>
+                                        <p:strVal val="visible"/>
+                                      </p:to>
+                                    </p:set>
+                                  </p:childTnLst>
+                                </p:cTn>
+                              </p:par>
+                            </p:childTnLst>
+                          </p:cTn>
+                        </p:par>
+                      </p:childTnLst>
+                    </p:cTn>
+                  </p:par>
+                </p:childTnLst>
+              </p:cTn>
+              <p:prevCondLst>
+                <p:cond evt="onPrev" delay="0">
+                  <p:tgtEl>
+                    <p:sldTgt/>
+                  </p:tgtEl>
+                </p:cond>
+              </p:prevCondLst>
+              <p:nextCondLst>
+                <p:cond evt="onNext" delay="0">
+                  <p:tgtEl>
+                    <p:sldTgt/>
+                  </p:tgtEl>
+                </p:cond>
+              </p:nextCondLst>
+            </p:seq>
+          </p:childTnLst>
+        </p:cTn>
+      </p:par>
+    </p:tnLst>
+    <p:bldLst>
+      <p:bldP spid="11" grpId="0" uiExpand="1" build="p"/>
+    </p:bldLst>
+  </p:timing>
+</p:sld>
+</file>
+
+<file path=ppt/slides/slide4.xml><?xml version="1.0" encoding="utf-8"?>
+<p:sld xmlns:a="http://schemas.openxmlformats.org/drawingml/2006/main" xmlns:r="http://schemas.openxmlformats.org/officeDocument/2006/relationships" xmlns:p="http://schemas.openxmlformats.org/presentationml/2006/main">
+  <p:cSld>
+    <p:spTree>
+      <p:nvGrpSpPr>
+        <p:cNvPr id="1" name=""/>
+        <p:cNvGrpSpPr/>
+        <p:nvPr/>
+      </p:nvGrpSpPr>
+      <p:grpSpPr>
+        <a:xfrm>
+          <a:off x="0" y="0"/>
+          <a:ext cx="0" cy="0"/>
+          <a:chOff x="0" y="0"/>
+          <a:chExt cx="0" cy="0"/>
+        </a:xfrm>
+      </p:grpSpPr>
+      <p:sp>
+        <p:nvSpPr>
+          <p:cNvPr id="9" name="Date Placeholder 8">
+            <a:extLst>
+              <a:ext uri="{FF2B5EF4-FFF2-40B4-BE49-F238E27FC236}">
+                <a16:creationId xmlns:a16="http://schemas.microsoft.com/office/drawing/2014/main" id="{4F261D4A-493E-B845-C24F-B8A230FCBE57}"/>
+              </a:ext>
+            </a:extLst>
+          </p:cNvPr>
+          <p:cNvSpPr>
+            <a:spLocks noGrp="1"/>
+          </p:cNvSpPr>
+          <p:nvPr>
+            <p:ph type="dt" sz="half" idx="10"/>
+          </p:nvPr>
+        </p:nvSpPr>
+        <p:spPr>
+          <a:xfrm>
+            <a:off x="7909560" y="6409944"/>
+            <a:ext cx="3703320" cy="448056"/>
+          </a:xfrm>
+        </p:spPr>
+        <p:txBody>
+          <a:bodyPr anchor="ctr">
+            <a:normAutofit/>
+          </a:bodyPr>
+          <a:lstStyle/>
+          <a:p>
+            <a:r>
+              <a:rPr lang="en-GB" dirty="0"/>
+              <a:t>Thursday, May 25, 2025</a:t>
+            </a:r>
+          </a:p>
+        </p:txBody>
+      </p:sp>
+      <p:sp>
+        <p:nvSpPr>
+          <p:cNvPr id="10" name="Slide Number Placeholder 9">
+            <a:extLst>
+              <a:ext uri="{FF2B5EF4-FFF2-40B4-BE49-F238E27FC236}">
+                <a16:creationId xmlns:a16="http://schemas.microsoft.com/office/drawing/2014/main" id="{C3E38480-3BF4-68B0-FBC9-DDB3BD8C8EB0}"/>
+              </a:ext>
+            </a:extLst>
+          </p:cNvPr>
+          <p:cNvSpPr>
+            <a:spLocks noGrp="1"/>
+          </p:cNvSpPr>
+          <p:nvPr>
+            <p:ph type="sldNum" sz="quarter" idx="12"/>
+          </p:nvPr>
+        </p:nvSpPr>
+        <p:spPr>
+          <a:xfrm>
+            <a:off x="11667744" y="6409944"/>
+            <a:ext cx="438912" cy="448056"/>
+          </a:xfrm>
+        </p:spPr>
+        <p:txBody>
+          <a:bodyPr anchor="ctr">
+            <a:normAutofit/>
+          </a:bodyPr>
+          <a:lstStyle/>
+          <a:p>
+            <a:pPr rtl="0">
+              <a:spcAft>
+                <a:spcPts val="600"/>
+              </a:spcAft>
+            </a:pPr>
+            <a:fld id="{C01389E6-C847-4AD0-B56D-D205B2EAB1EE}" type="slidenum">
+              <a:rPr lang="en-GB" smtClean="0"/>
+              <a:pPr rtl="0">
+                <a:spcAft>
+                  <a:spcPts val="600"/>
+                </a:spcAft>
+              </a:pPr>
+              <a:t>4</a:t>
+            </a:fld>
+            <a:endParaRPr lang="en-GB"/>
+          </a:p>
+        </p:txBody>
+      </p:sp>
+      <p:pic>
+        <p:nvPicPr>
+          <p:cNvPr id="3074" name="Picture 2" descr="Duke the Java mascot wearing a birthday hat and holding a cake with two numbered candles forming the number 28.">
+            <a:extLst>
+              <a:ext uri="{FF2B5EF4-FFF2-40B4-BE49-F238E27FC236}">
+                <a16:creationId xmlns:a16="http://schemas.microsoft.com/office/drawing/2014/main" id="{005372CB-762A-5B76-8207-7ABE7D01BF17}"/>
+              </a:ext>
+            </a:extLst>
+          </p:cNvPr>
+          <p:cNvPicPr>
+            <a:picLocks noChangeAspect="1" noChangeArrowheads="1"/>
+          </p:cNvPicPr>
+          <p:nvPr/>
+        </p:nvPicPr>
+        <p:blipFill>
+          <a:blip r:embed="rId2">
+            <a:extLst>
+              <a:ext uri="{28A0092B-C50C-407E-A947-70E740481C1C}">
+                <a14:useLocalDpi xmlns:a14="http://schemas.microsoft.com/office/drawing/2010/main" val="0"/>
+              </a:ext>
+            </a:extLst>
+          </a:blip>
+          <a:srcRect/>
+          <a:stretch>
+            <a:fillRect/>
+          </a:stretch>
+        </p:blipFill>
+        <p:spPr bwMode="auto">
+          <a:xfrm>
+            <a:off x="657101" y="302265"/>
+            <a:ext cx="10877797" cy="5685349"/>
+          </a:xfrm>
+          <a:prstGeom prst="rect">
+            <a:avLst/>
+          </a:prstGeom>
+          <a:noFill/>
+          <a:extLst>
+            <a:ext uri="{909E8E84-426E-40DD-AFC4-6F175D3DCCD1}">
+              <a14:hiddenFill xmlns:a14="http://schemas.microsoft.com/office/drawing/2010/main">
+                <a:solidFill>
+                  <a:srgbClr val="FFFFFF"/>
+                </a:solidFill>
+              </a14:hiddenFill>
+            </a:ext>
+          </a:extLst>
+        </p:spPr>
+      </p:pic>
+      <p:sp>
+        <p:nvSpPr>
+          <p:cNvPr id="3" name="TextBox 2">
+            <a:extLst>
+              <a:ext uri="{FF2B5EF4-FFF2-40B4-BE49-F238E27FC236}">
+                <a16:creationId xmlns:a16="http://schemas.microsoft.com/office/drawing/2014/main" id="{09CF84E0-33FF-346F-6DBF-42C4D1DD0B00}"/>
+              </a:ext>
+            </a:extLst>
+          </p:cNvPr>
+          <p:cNvSpPr txBox="1"/>
+          <p:nvPr/>
+        </p:nvSpPr>
+        <p:spPr>
+          <a:xfrm>
+            <a:off x="9679204" y="501054"/>
+            <a:ext cx="1855694" cy="369332"/>
+          </a:xfrm>
+          <a:prstGeom prst="rect">
+            <a:avLst/>
+          </a:prstGeom>
+          <a:noFill/>
+        </p:spPr>
+        <p:txBody>
+          <a:bodyPr wrap="square">
+            <a:spAutoFit/>
+          </a:bodyPr>
+          <a:lstStyle/>
+          <a:p>
+            <a:r>
+              <a:rPr lang="en-GB" b="0" i="0" dirty="0">
+                <a:solidFill>
+                  <a:srgbClr val="E2EEFF"/>
+                </a:solidFill>
+                <a:effectLst/>
+                <a:latin typeface="Google Sans"/>
+              </a:rPr>
+              <a:t>May 23rd, 1995</a:t>
+            </a:r>
+            <a:r>
+              <a:rPr lang="en-GB" b="0" i="0" dirty="0">
+                <a:solidFill>
+                  <a:srgbClr val="E8EAED"/>
+                </a:solidFill>
+                <a:effectLst/>
+                <a:latin typeface="Google Sans"/>
+              </a:rPr>
+              <a:t> </a:t>
+            </a:r>
+            <a:endParaRPr lang="en-US" dirty="0"/>
+          </a:p>
+        </p:txBody>
+      </p:sp>
+    </p:spTree>
+    <p:extLst>
+      <p:ext uri="{BB962C8B-B14F-4D97-AF65-F5344CB8AC3E}">
+        <p14:creationId xmlns:p14="http://schemas.microsoft.com/office/powerpoint/2010/main" val="418250470"/>
+      </p:ext>
+    </p:extLst>
+  </p:cSld>
+  <p:clrMapOvr>
+    <a:masterClrMapping/>
+  </p:clrMapOvr>
+  <p:timing>
+    <p:tnLst>
+      <p:par>
+        <p:cTn id="1" dur="indefinite" restart="never" nodeType="tmRoot">
+          <p:childTnLst>
+            <p:seq concurrent="1" nextAc="seek">
+              <p:cTn id="2" dur="indefinite" nodeType="mainSeq">
+                <p:childTnLst>
+                  <p:par>
+                    <p:cTn id="3" fill="hold">
+                      <p:stCondLst>
+                        <p:cond delay="indefinite"/>
+                      </p:stCondLst>
+                      <p:childTnLst>
+                        <p:par>
+                          <p:cTn id="4" fill="hold">
+                            <p:stCondLst>
+                              <p:cond delay="0"/>
+                            </p:stCondLst>
+                            <p:childTnLst>
+                              <p:par>
+                                <p:cTn id="5" presetID="21" presetClass="entr" presetSubtype="1" fill="hold" grpId="0" nodeType="clickEffect">
+                                  <p:stCondLst>
+                                    <p:cond delay="0"/>
+                                  </p:stCondLst>
+                                  <p:childTnLst>
+                                    <p:set>
+                                      <p:cBhvr>
+                                        <p:cTn id="6" dur="1" fill="hold">
+                                          <p:stCondLst>
+                                            <p:cond delay="0"/>
+                                          </p:stCondLst>
+                                        </p:cTn>
+                                        <p:tgtEl>
+                                          <p:spTgt spid="3"/>
+                                        </p:tgtEl>
+                                        <p:attrNameLst>
+                                          <p:attrName>style.visibility</p:attrName>
+                                        </p:attrNameLst>
+                                      </p:cBhvr>
+                                      <p:to>
+                                        <p:strVal val="visible"/>
+                                      </p:to>
+                                    </p:set>
+                                    <p:animEffect transition="in" filter="wheel(1)">
+                                      <p:cBhvr>
+                                        <p:cTn id="7" dur="1000"/>
+                                        <p:tgtEl>
+                                          <p:spTgt spid="3"/>
+                                        </p:tgtEl>
+                                      </p:cBhvr>
+                                    </p:animEffect>
+                                  </p:childTnLst>
+                                </p:cTn>
+                              </p:par>
+                            </p:childTnLst>
+                          </p:cTn>
+                        </p:par>
+                      </p:childTnLst>
+                    </p:cTn>
+                  </p:par>
+                </p:childTnLst>
+              </p:cTn>
+              <p:prevCondLst>
+                <p:cond evt="onPrev" delay="0">
+                  <p:tgtEl>
+                    <p:sldTgt/>
+                  </p:tgtEl>
+                </p:cond>
+              </p:prevCondLst>
+              <p:nextCondLst>
+                <p:cond evt="onNext" delay="0">
+                  <p:tgtEl>
+                    <p:sldTgt/>
+                  </p:tgtEl>
+                </p:cond>
+              </p:nextCondLst>
+            </p:seq>
+          </p:childTnLst>
+        </p:cTn>
+      </p:par>
+    </p:tnLst>
+    <p:bldLst>
+      <p:bldP spid="3" grpId="0"/>
+    </p:bldLst>
+  </p:timing>
+</p:sld>
+</file>
+
+<file path=ppt/slides/slide5.xml><?xml version="1.0" encoding="utf-8"?>
+<p:sld xmlns:a="http://schemas.openxmlformats.org/drawingml/2006/main" xmlns:r="http://schemas.openxmlformats.org/officeDocument/2006/relationships" xmlns:p="http://schemas.openxmlformats.org/presentationml/2006/main">
+  <p:cSld>
+    <p:spTree>
+      <p:nvGrpSpPr>
+        <p:cNvPr id="1" name=""/>
+        <p:cNvGrpSpPr/>
+        <p:nvPr/>
+      </p:nvGrpSpPr>
+      <p:grpSpPr>
+        <a:xfrm>
+          <a:off x="0" y="0"/>
+          <a:ext cx="0" cy="0"/>
+          <a:chOff x="0" y="0"/>
+          <a:chExt cx="0" cy="0"/>
+        </a:xfrm>
+      </p:grpSpPr>
+      <p:sp>
+        <p:nvSpPr>
+          <p:cNvPr id="2" name="Title 1">
+            <a:extLst>
+              <a:ext uri="{FF2B5EF4-FFF2-40B4-BE49-F238E27FC236}">
+                <a16:creationId xmlns:a16="http://schemas.microsoft.com/office/drawing/2014/main" id="{F8A51886-AA43-422E-B193-F1F3DF7D8A4D}"/>
+              </a:ext>
+            </a:extLst>
+          </p:cNvPr>
+          <p:cNvSpPr>
+            <a:spLocks noGrp="1"/>
+          </p:cNvSpPr>
+          <p:nvPr>
+            <p:ph type="title"/>
+          </p:nvPr>
+        </p:nvSpPr>
+        <p:spPr>
+          <a:xfrm>
+            <a:off x="1371600" y="795528"/>
+            <a:ext cx="10241280" cy="1234440"/>
+          </a:xfrm>
+        </p:spPr>
+        <p:txBody>
+          <a:bodyPr rtlCol="0"/>
+          <a:lstStyle/>
+          <a:p>
+            <a:pPr rtl="0"/>
+            <a:r>
+              <a:rPr lang="en-GB"/>
+              <a:t>timeline</a:t>
+            </a:r>
+          </a:p>
+        </p:txBody>
+      </p:sp>
+      <p:graphicFrame>
+        <p:nvGraphicFramePr>
+          <p:cNvPr id="7" name="Content Placeholder 6" descr="Timeline Smart Art">
+            <a:extLst>
+              <a:ext uri="{FF2B5EF4-FFF2-40B4-BE49-F238E27FC236}">
+                <a16:creationId xmlns:a16="http://schemas.microsoft.com/office/drawing/2014/main" id="{7F19F4C0-09A9-4052-8CA4-4CE1AF00A359}"/>
+              </a:ext>
+            </a:extLst>
+          </p:cNvPr>
+          <p:cNvGraphicFramePr>
+            <a:graphicFrameLocks noGrp="1"/>
+          </p:cNvGraphicFramePr>
+          <p:nvPr>
+            <p:ph idx="1"/>
+            <p:extLst>
+              <p:ext uri="{D42A27DB-BD31-4B8C-83A1-F6EECF244321}">
+                <p14:modId xmlns:p14="http://schemas.microsoft.com/office/powerpoint/2010/main" val="285256336"/>
+              </p:ext>
+            </p:extLst>
+          </p:nvPr>
+        </p:nvGraphicFramePr>
+        <p:xfrm>
+          <a:off x="838200" y="1825625"/>
+          <a:ext cx="10515600" cy="4351338"/>
+        </p:xfrm>
+        <a:graphic>
+          <a:graphicData uri="http://schemas.openxmlformats.org/drawingml/2006/diagram">
+            <dgm:relIds xmlns:dgm="http://schemas.openxmlformats.org/drawingml/2006/diagram" xmlns:r="http://schemas.openxmlformats.org/officeDocument/2006/relationships" r:dm="rId3" r:lo="rId4" r:qs="rId5" r:cs="rId6"/>
+          </a:graphicData>
+        </a:graphic>
+      </p:graphicFrame>
+      <p:sp>
+        <p:nvSpPr>
+          <p:cNvPr id="3" name="Date Placeholder 2">
+            <a:extLst>
+              <a:ext uri="{FF2B5EF4-FFF2-40B4-BE49-F238E27FC236}">
+                <a16:creationId xmlns:a16="http://schemas.microsoft.com/office/drawing/2014/main" id="{5932410C-796A-4C04-978D-E9F12DC15F29}"/>
+              </a:ext>
+            </a:extLst>
+          </p:cNvPr>
+          <p:cNvSpPr>
+            <a:spLocks noGrp="1"/>
+          </p:cNvSpPr>
+          <p:nvPr>
+            <p:ph type="dt" sz="half" idx="10"/>
+          </p:nvPr>
+        </p:nvSpPr>
+        <p:spPr>
+          <a:xfrm>
+            <a:off x="7909560" y="6409944"/>
+            <a:ext cx="3703320" cy="448056"/>
+          </a:xfrm>
+        </p:spPr>
+        <p:txBody>
+          <a:bodyPr rtlCol="0"/>
+          <a:lstStyle/>
+          <a:p>
+            <a:pPr rtl="0"/>
+            <a:r>
+              <a:rPr lang="en-GB" dirty="0"/>
+              <a:t>Thursday, May 25, 2025</a:t>
+            </a:r>
+          </a:p>
+        </p:txBody>
+      </p:sp>
+      <p:sp>
+        <p:nvSpPr>
+          <p:cNvPr id="5" name="Slide Number Placeholder 4">
+            <a:extLst>
+              <a:ext uri="{FF2B5EF4-FFF2-40B4-BE49-F238E27FC236}">
+                <a16:creationId xmlns:a16="http://schemas.microsoft.com/office/drawing/2014/main" id="{B7AE1B71-4F09-43CB-815A-9B020C22A7F4}"/>
+              </a:ext>
+            </a:extLst>
+          </p:cNvPr>
+          <p:cNvSpPr>
+            <a:spLocks noGrp="1"/>
+          </p:cNvSpPr>
+          <p:nvPr>
+            <p:ph type="sldNum" sz="quarter" idx="12"/>
+          </p:nvPr>
+        </p:nvSpPr>
+        <p:spPr>
+          <a:xfrm>
+            <a:off x="11667744" y="6409944"/>
+            <a:ext cx="438912" cy="448056"/>
+          </a:xfrm>
+        </p:spPr>
+        <p:txBody>
+          <a:bodyPr rtlCol="0"/>
+          <a:lstStyle/>
+          <a:p>
+            <a:pPr rtl="0"/>
+            <a:fld id="{C01389E6-C847-4AD0-B56D-D205B2EAB1EE}" type="slidenum">
+              <a:rPr lang="en-GB" smtClean="0"/>
+              <a:pPr rtl="0"/>
+              <a:t>5</a:t>
+            </a:fld>
+            <a:endParaRPr lang="en-GB" dirty="0"/>
+          </a:p>
+        </p:txBody>
+      </p:sp>
+      <p:pic>
+        <p:nvPicPr>
+          <p:cNvPr id="4098" name="Picture 2">
+            <a:extLst>
+              <a:ext uri="{FF2B5EF4-FFF2-40B4-BE49-F238E27FC236}">
+                <a16:creationId xmlns:a16="http://schemas.microsoft.com/office/drawing/2014/main" id="{368C9D5F-6891-AD19-211C-32BB5E06D6C0}"/>
+              </a:ext>
+            </a:extLst>
+          </p:cNvPr>
+          <p:cNvPicPr>
+            <a:picLocks noChangeAspect="1" noChangeArrowheads="1"/>
+          </p:cNvPicPr>
+          <p:nvPr/>
+        </p:nvPicPr>
+        <p:blipFill>
+          <a:blip r:embed="rId8">
+            <a:extLst>
+              <a:ext uri="{28A0092B-C50C-407E-A947-70E740481C1C}">
+                <a14:useLocalDpi xmlns:a14="http://schemas.microsoft.com/office/drawing/2010/main" val="0"/>
+              </a:ext>
+            </a:extLst>
+          </a:blip>
+          <a:srcRect/>
+          <a:stretch>
+            <a:fillRect/>
+          </a:stretch>
+        </p:blipFill>
+        <p:spPr bwMode="auto">
+          <a:xfrm>
+            <a:off x="1371600" y="2713595"/>
+            <a:ext cx="1037523" cy="1894980"/>
+          </a:xfrm>
+          <a:prstGeom prst="rect">
+            <a:avLst/>
+          </a:prstGeom>
+          <a:noFill/>
+          <a:extLst>
+            <a:ext uri="{909E8E84-426E-40DD-AFC4-6F175D3DCCD1}">
+              <a14:hiddenFill xmlns:a14="http://schemas.microsoft.com/office/drawing/2010/main">
+                <a:solidFill>
+                  <a:srgbClr val="FFFFFF"/>
+                </a:solidFill>
+              </a14:hiddenFill>
+            </a:ext>
+          </a:extLst>
+        </p:spPr>
+      </p:pic>
+      <p:pic>
+        <p:nvPicPr>
+          <p:cNvPr id="4100" name="Picture 4">
+            <a:extLst>
+              <a:ext uri="{FF2B5EF4-FFF2-40B4-BE49-F238E27FC236}">
+                <a16:creationId xmlns:a16="http://schemas.microsoft.com/office/drawing/2014/main" id="{ADE89241-4429-D3E2-5F6A-D508D9486F4E}"/>
+              </a:ext>
+            </a:extLst>
+          </p:cNvPr>
+          <p:cNvPicPr>
+            <a:picLocks noChangeAspect="1" noChangeArrowheads="1"/>
+          </p:cNvPicPr>
+          <p:nvPr/>
+        </p:nvPicPr>
+        <p:blipFill>
+          <a:blip r:embed="rId9">
+            <a:extLst>
+              <a:ext uri="{28A0092B-C50C-407E-A947-70E740481C1C}">
+                <a14:useLocalDpi xmlns:a14="http://schemas.microsoft.com/office/drawing/2010/main" val="0"/>
+              </a:ext>
+            </a:extLst>
+          </a:blip>
+          <a:srcRect/>
+          <a:stretch>
+            <a:fillRect/>
+          </a:stretch>
+        </p:blipFill>
+        <p:spPr bwMode="auto">
+          <a:xfrm>
+            <a:off x="3417454" y="2822548"/>
+            <a:ext cx="1037523" cy="1679149"/>
+          </a:xfrm>
+          <a:prstGeom prst="rect">
+            <a:avLst/>
+          </a:prstGeom>
+          <a:noFill/>
+          <a:extLst>
+            <a:ext uri="{909E8E84-426E-40DD-AFC4-6F175D3DCCD1}">
+              <a14:hiddenFill xmlns:a14="http://schemas.microsoft.com/office/drawing/2010/main">
+                <a:solidFill>
+                  <a:srgbClr val="FFFFFF"/>
+                </a:solidFill>
+              </a14:hiddenFill>
+            </a:ext>
+          </a:extLst>
+        </p:spPr>
+      </p:pic>
+      <p:pic>
+        <p:nvPicPr>
+          <p:cNvPr id="6" name="Picture 5" descr="A picture containing colorfulness, purple, lilac, magenta&#10;&#10;Description automatically generated">
+            <a:extLst>
+              <a:ext uri="{FF2B5EF4-FFF2-40B4-BE49-F238E27FC236}">
+                <a16:creationId xmlns:a16="http://schemas.microsoft.com/office/drawing/2014/main" id="{09B4322F-0361-F9DB-C4F6-548C8A9CA62F}"/>
+              </a:ext>
+            </a:extLst>
+          </p:cNvPr>
+          <p:cNvPicPr>
+            <a:picLocks noChangeAspect="1"/>
+          </p:cNvPicPr>
+          <p:nvPr/>
+        </p:nvPicPr>
+        <p:blipFill>
+          <a:blip r:embed="rId10"/>
+          <a:stretch>
+            <a:fillRect/>
+          </a:stretch>
+        </p:blipFill>
+        <p:spPr>
+          <a:xfrm>
+            <a:off x="5389715" y="2957549"/>
+            <a:ext cx="1412570" cy="1412570"/>
+          </a:xfrm>
+          <a:prstGeom prst="rect">
+            <a:avLst/>
+          </a:prstGeom>
+        </p:spPr>
+      </p:pic>
+      <p:pic>
+        <p:nvPicPr>
+          <p:cNvPr id="9" name="Picture 4">
+            <a:extLst>
+              <a:ext uri="{FF2B5EF4-FFF2-40B4-BE49-F238E27FC236}">
+                <a16:creationId xmlns:a16="http://schemas.microsoft.com/office/drawing/2014/main" id="{3AAA9E49-A6B5-A0AA-4344-102D67F1D9BB}"/>
+              </a:ext>
+            </a:extLst>
+          </p:cNvPr>
+          <p:cNvPicPr>
+            <a:picLocks noChangeAspect="1" noChangeArrowheads="1"/>
+          </p:cNvPicPr>
+          <p:nvPr/>
+        </p:nvPicPr>
+        <p:blipFill>
+          <a:blip r:embed="rId9">
+            <a:extLst>
+              <a:ext uri="{28A0092B-C50C-407E-A947-70E740481C1C}">
+                <a14:useLocalDpi xmlns:a14="http://schemas.microsoft.com/office/drawing/2010/main" val="0"/>
+              </a:ext>
+            </a:extLst>
+          </a:blip>
+          <a:srcRect/>
+          <a:stretch>
+            <a:fillRect/>
+          </a:stretch>
+        </p:blipFill>
+        <p:spPr bwMode="auto">
+          <a:xfrm>
+            <a:off x="7630145" y="2821510"/>
+            <a:ext cx="1037523" cy="1679149"/>
+          </a:xfrm>
+          <a:prstGeom prst="rect">
+            <a:avLst/>
+          </a:prstGeom>
+          <a:noFill/>
+          <a:extLst>
+            <a:ext uri="{909E8E84-426E-40DD-AFC4-6F175D3DCCD1}">
+              <a14:hiddenFill xmlns:a14="http://schemas.microsoft.com/office/drawing/2010/main">
+                <a:solidFill>
+                  <a:srgbClr val="FFFFFF"/>
+                </a:solidFill>
+              </a14:hiddenFill>
+            </a:ext>
+          </a:extLst>
+        </p:spPr>
+      </p:pic>
+      <p:sp>
+        <p:nvSpPr>
+          <p:cNvPr id="10" name="TextBox 9">
+            <a:extLst>
+              <a:ext uri="{FF2B5EF4-FFF2-40B4-BE49-F238E27FC236}">
+                <a16:creationId xmlns:a16="http://schemas.microsoft.com/office/drawing/2014/main" id="{484B87EE-7854-4C69-A67B-4E49F1FF471D}"/>
+              </a:ext>
+            </a:extLst>
+          </p:cNvPr>
+          <p:cNvSpPr txBox="1"/>
+          <p:nvPr/>
+        </p:nvSpPr>
+        <p:spPr>
+          <a:xfrm>
+            <a:off x="8566727" y="3634744"/>
+            <a:ext cx="748146" cy="1015663"/>
+          </a:xfrm>
+          <a:prstGeom prst="rect">
+            <a:avLst/>
+          </a:prstGeom>
+          <a:noFill/>
+        </p:spPr>
+        <p:txBody>
+          <a:bodyPr wrap="square" rtlCol="0">
+            <a:spAutoFit/>
+          </a:bodyPr>
+          <a:lstStyle/>
+          <a:p>
+            <a:r>
+              <a:rPr lang="en-US" sz="6000" b="1" dirty="0"/>
+              <a:t>3</a:t>
+            </a:r>
+          </a:p>
+        </p:txBody>
+      </p:sp>
+      <p:pic>
+        <p:nvPicPr>
+          <p:cNvPr id="12" name="Picture 11" descr="A red circle with black text&#10;&#10;Description automatically generated">
+            <a:extLst>
+              <a:ext uri="{FF2B5EF4-FFF2-40B4-BE49-F238E27FC236}">
+                <a16:creationId xmlns:a16="http://schemas.microsoft.com/office/drawing/2014/main" id="{8D13F452-5AA3-C629-AF18-AEE890388735}"/>
+              </a:ext>
+            </a:extLst>
+          </p:cNvPr>
+          <p:cNvPicPr>
+            <a:picLocks noChangeAspect="1"/>
+          </p:cNvPicPr>
+          <p:nvPr/>
+        </p:nvPicPr>
+        <p:blipFill>
+          <a:blip r:embed="rId11">
+            <a:extLst>
+              <a:ext uri="{837473B0-CC2E-450A-ABE3-18F120FF3D39}">
+                <a1611:picAttrSrcUrl xmlns:a1611="http://schemas.microsoft.com/office/drawing/2016/11/main" r:id="rId12"/>
+              </a:ext>
+            </a:extLst>
+          </a:blip>
+          <a:stretch>
+            <a:fillRect/>
+          </a:stretch>
+        </p:blipFill>
+        <p:spPr>
+          <a:xfrm>
+            <a:off x="9347648" y="2895204"/>
+            <a:ext cx="1673545" cy="1619764"/>
+          </a:xfrm>
+          <a:prstGeom prst="rect">
+            <a:avLst/>
+          </a:prstGeom>
+        </p:spPr>
+      </p:pic>
+    </p:spTree>
+    <p:extLst>
+      <p:ext uri="{BB962C8B-B14F-4D97-AF65-F5344CB8AC3E}">
+        <p14:creationId xmlns:p14="http://schemas.microsoft.com/office/powerpoint/2010/main" val="61361026"/>
+      </p:ext>
+    </p:extLst>
+  </p:cSld>
+  <p:clrMapOvr>
+    <a:masterClrMapping/>
+  </p:clrMapOvr>
+</p:sld>
+</file>
+
+<file path=ppt/slides/slide6.xml><?xml version="1.0" encoding="utf-8"?>
+<p:sld xmlns:a="http://schemas.openxmlformats.org/drawingml/2006/main" xmlns:r="http://schemas.openxmlformats.org/officeDocument/2006/relationships" xmlns:p="http://schemas.openxmlformats.org/presentationml/2006/main">
+  <p:cSld>
+    <p:spTree>
+      <p:nvGrpSpPr>
+        <p:cNvPr id="1" name=""/>
+        <p:cNvGrpSpPr/>
+        <p:nvPr/>
+      </p:nvGrpSpPr>
+      <p:grpSpPr>
+        <a:xfrm>
+          <a:off x="0" y="0"/>
+          <a:ext cx="0" cy="0"/>
+          <a:chOff x="0" y="0"/>
+          <a:chExt cx="0" cy="0"/>
+        </a:xfrm>
+      </p:grpSpPr>
+      <p:sp>
+        <p:nvSpPr>
+          <p:cNvPr id="7" name="Title 6">
+            <a:extLst>
+              <a:ext uri="{FF2B5EF4-FFF2-40B4-BE49-F238E27FC236}">
+                <a16:creationId xmlns:a16="http://schemas.microsoft.com/office/drawing/2014/main" id="{938E083E-1F45-8F91-57DD-F5564514D452}"/>
+              </a:ext>
+            </a:extLst>
+          </p:cNvPr>
+          <p:cNvSpPr>
+            <a:spLocks noGrp="1"/>
+          </p:cNvSpPr>
+          <p:nvPr>
+            <p:ph type="title"/>
+          </p:nvPr>
+        </p:nvSpPr>
+        <p:spPr/>
+        <p:txBody>
+          <a:bodyPr/>
+          <a:lstStyle/>
+          <a:p>
+            <a:r>
+              <a:rPr lang="en-US" dirty="0"/>
+              <a:t>KOTLIN is…</a:t>
+            </a:r>
+          </a:p>
+        </p:txBody>
+      </p:sp>
+      <p:sp>
+        <p:nvSpPr>
+          <p:cNvPr id="10" name="Text Placeholder 9">
+            <a:extLst>
+              <a:ext uri="{FF2B5EF4-FFF2-40B4-BE49-F238E27FC236}">
+                <a16:creationId xmlns:a16="http://schemas.microsoft.com/office/drawing/2014/main" id="{5FF0F5FB-D18E-4487-ADDE-5D206BBC105D}"/>
+              </a:ext>
+            </a:extLst>
+          </p:cNvPr>
+          <p:cNvSpPr>
+            <a:spLocks noGrp="1"/>
+          </p:cNvSpPr>
+          <p:nvPr>
+            <p:ph type="body" sz="half" idx="2"/>
+          </p:nvPr>
+        </p:nvSpPr>
+        <p:spPr/>
+        <p:txBody>
+          <a:bodyPr/>
+          <a:lstStyle/>
+          <a:p>
+            <a:pPr marL="285750" indent="-285750">
+              <a:buFont typeface="Arial" panose="020B0604020202020204" pitchFamily="34" charset="0"/>
+              <a:buChar char="•"/>
+            </a:pPr>
+            <a:r>
+              <a:rPr lang="en-US" dirty="0"/>
+              <a:t>Fist and foremost a pragmatic language</a:t>
+            </a:r>
+          </a:p>
+          <a:p>
+            <a:pPr marL="285750" indent="-285750">
+              <a:buFont typeface="Arial" panose="020B0604020202020204" pitchFamily="34" charset="0"/>
+              <a:buChar char="•"/>
+            </a:pPr>
+            <a:r>
+              <a:rPr lang="en-US" dirty="0"/>
+              <a:t>Great tooling</a:t>
+            </a:r>
+          </a:p>
+          <a:p>
+            <a:pPr marL="285750" indent="-285750">
+              <a:buFont typeface="Arial" panose="020B0604020202020204" pitchFamily="34" charset="0"/>
+              <a:buChar char="•"/>
+            </a:pPr>
+            <a:r>
+              <a:rPr lang="en-US" dirty="0"/>
+              <a:t>Gaining popularity in the industry</a:t>
+            </a:r>
+          </a:p>
+          <a:p>
+            <a:pPr marL="285750" indent="-285750">
+              <a:buFont typeface="Arial" panose="020B0604020202020204" pitchFamily="34" charset="0"/>
+              <a:buChar char="•"/>
+            </a:pPr>
+            <a:r>
+              <a:rPr lang="en-US" dirty="0"/>
+              <a:t>Not restricted to Android</a:t>
+            </a:r>
+          </a:p>
+        </p:txBody>
+      </p:sp>
+      <p:sp>
+        <p:nvSpPr>
+          <p:cNvPr id="5" name="Date Placeholder 4">
+            <a:extLst>
+              <a:ext uri="{FF2B5EF4-FFF2-40B4-BE49-F238E27FC236}">
+                <a16:creationId xmlns:a16="http://schemas.microsoft.com/office/drawing/2014/main" id="{1B86A6FD-2EA5-223F-8052-C9A57334574B}"/>
+              </a:ext>
+            </a:extLst>
+          </p:cNvPr>
+          <p:cNvSpPr>
+            <a:spLocks noGrp="1"/>
+          </p:cNvSpPr>
+          <p:nvPr>
+            <p:ph type="dt" sz="half" idx="10"/>
+          </p:nvPr>
+        </p:nvSpPr>
+        <p:spPr/>
+        <p:txBody>
+          <a:bodyPr/>
+          <a:lstStyle/>
+          <a:p>
+            <a:r>
+              <a:rPr lang="en-GB" dirty="0"/>
+              <a:t>Thursday, May 25, 2025</a:t>
+            </a:r>
+          </a:p>
+        </p:txBody>
+      </p:sp>
+      <p:sp>
+        <p:nvSpPr>
+          <p:cNvPr id="6" name="Slide Number Placeholder 5">
+            <a:extLst>
+              <a:ext uri="{FF2B5EF4-FFF2-40B4-BE49-F238E27FC236}">
+                <a16:creationId xmlns:a16="http://schemas.microsoft.com/office/drawing/2014/main" id="{C888F61D-4D37-B86C-5B0D-B4D2EBED6869}"/>
+              </a:ext>
+            </a:extLst>
+          </p:cNvPr>
+          <p:cNvSpPr>
+            <a:spLocks noGrp="1"/>
+          </p:cNvSpPr>
+          <p:nvPr>
+            <p:ph type="sldNum" sz="quarter" idx="12"/>
+          </p:nvPr>
+        </p:nvSpPr>
+        <p:spPr/>
+        <p:txBody>
+          <a:bodyPr/>
+          <a:lstStyle/>
+          <a:p>
+            <a:pPr rtl="0"/>
+            <a:fld id="{C01389E6-C847-4AD0-B56D-D205B2EAB1EE}" type="slidenum">
+              <a:rPr lang="en-GB" smtClean="0"/>
+              <a:t>6</a:t>
+            </a:fld>
+            <a:endParaRPr lang="en-GB" dirty="0"/>
+          </a:p>
+        </p:txBody>
+      </p:sp>
+      <p:pic>
+        <p:nvPicPr>
+          <p:cNvPr id="5122" name="Picture 2" descr="No alt text provided for this image">
+            <a:extLst>
+              <a:ext uri="{FF2B5EF4-FFF2-40B4-BE49-F238E27FC236}">
+                <a16:creationId xmlns:a16="http://schemas.microsoft.com/office/drawing/2014/main" id="{9476BC95-5918-0A40-1F1A-388F9D428DFB}"/>
+              </a:ext>
+            </a:extLst>
+          </p:cNvPr>
+          <p:cNvPicPr>
+            <a:picLocks noGrp="1" noChangeAspect="1" noChangeArrowheads="1"/>
+          </p:cNvPicPr>
+          <p:nvPr>
+            <p:ph idx="1"/>
+          </p:nvPr>
+        </p:nvPicPr>
+        <p:blipFill>
+          <a:blip r:embed="rId2">
+            <a:extLst>
+              <a:ext uri="{28A0092B-C50C-407E-A947-70E740481C1C}">
+                <a14:useLocalDpi xmlns:a14="http://schemas.microsoft.com/office/drawing/2010/main" val="0"/>
+              </a:ext>
+            </a:extLst>
+          </a:blip>
+          <a:srcRect/>
+          <a:stretch>
+            <a:fillRect/>
+          </a:stretch>
+        </p:blipFill>
+        <p:spPr bwMode="auto">
+          <a:xfrm>
+            <a:off x="5651500" y="1290995"/>
+            <a:ext cx="5686425" cy="4266485"/>
+          </a:xfrm>
+          <a:prstGeom prst="rect">
+            <a:avLst/>
+          </a:prstGeom>
+          <a:noFill/>
+          <a:extLst>
+            <a:ext uri="{909E8E84-426E-40DD-AFC4-6F175D3DCCD1}">
+              <a14:hiddenFill xmlns:a14="http://schemas.microsoft.com/office/drawing/2010/main">
+                <a:solidFill>
+                  <a:srgbClr val="FFFFFF"/>
+                </a:solidFill>
+              </a14:hiddenFill>
+            </a:ext>
+          </a:extLst>
+        </p:spPr>
+      </p:pic>
+      <p:sp>
+        <p:nvSpPr>
+          <p:cNvPr id="13" name="TextBox 12">
+            <a:extLst>
+              <a:ext uri="{FF2B5EF4-FFF2-40B4-BE49-F238E27FC236}">
+                <a16:creationId xmlns:a16="http://schemas.microsoft.com/office/drawing/2014/main" id="{3FEC6C6D-6C8C-76AE-E4FA-3383FDCEA92E}"/>
+              </a:ext>
+            </a:extLst>
+          </p:cNvPr>
+          <p:cNvSpPr txBox="1"/>
+          <p:nvPr/>
+        </p:nvSpPr>
+        <p:spPr>
+          <a:xfrm>
+            <a:off x="5651499" y="5722549"/>
+            <a:ext cx="5686424" cy="277001"/>
+          </a:xfrm>
+          <a:prstGeom prst="rect">
+            <a:avLst/>
+          </a:prstGeom>
+          <a:noFill/>
+        </p:spPr>
+        <p:txBody>
+          <a:bodyPr wrap="square">
+            <a:spAutoFit/>
+          </a:bodyPr>
+          <a:lstStyle/>
+          <a:p>
+            <a:pPr algn="ctr"/>
+            <a:r>
+              <a:rPr lang="en-GB" sz="1200" b="0" i="0" dirty="0">
+                <a:solidFill>
+                  <a:srgbClr val="000000"/>
+                </a:solidFill>
+                <a:effectLst/>
+                <a:hlinkClick r:id="rId3"/>
+              </a:rPr>
+              <a:t>Source Talks: On Kotlin #5 with Andrey </a:t>
+            </a:r>
+            <a:r>
+              <a:rPr lang="en-GB" sz="1200" b="0" i="0" dirty="0" err="1">
+                <a:solidFill>
+                  <a:srgbClr val="000000"/>
+                </a:solidFill>
+                <a:effectLst/>
+                <a:hlinkClick r:id="rId3"/>
+              </a:rPr>
+              <a:t>Breslav</a:t>
+            </a:r>
+            <a:r>
+              <a:rPr lang="en-GB" sz="1200" b="0" i="0" dirty="0">
+                <a:solidFill>
+                  <a:srgbClr val="000000"/>
+                </a:solidFill>
+                <a:effectLst/>
+                <a:hlinkClick r:id="rId3"/>
+              </a:rPr>
+              <a:t> – Shoulders of giants</a:t>
+            </a:r>
+            <a:endParaRPr lang="en-US" sz="1200" dirty="0"/>
+          </a:p>
+        </p:txBody>
+      </p:sp>
+    </p:spTree>
+    <p:extLst>
+      <p:ext uri="{BB962C8B-B14F-4D97-AF65-F5344CB8AC3E}">
+        <p14:creationId xmlns:p14="http://schemas.microsoft.com/office/powerpoint/2010/main" val="1602735127"/>
+      </p:ext>
+    </p:extLst>
+  </p:cSld>
+  <p:clrMapOvr>
+    <a:masterClrMapping/>
+  </p:clrMapOvr>
+  <p:timing>
+    <p:tnLst>
+      <p:par>
+        <p:cTn id="1" dur="indefinite" restart="never" nodeType="tmRoot">
+          <p:childTnLst>
+            <p:seq concurrent="1" nextAc="seek">
+              <p:cTn id="2" dur="indefinite" nodeType="mainSeq">
+                <p:childTnLst>
+                  <p:par>
+                    <p:cTn id="3" fill="hold">
+                      <p:stCondLst>
+                        <p:cond delay="indefinite"/>
+                      </p:stCondLst>
+                      <p:childTnLst>
+                        <p:par>
+                          <p:cTn id="4" fill="hold">
+                            <p:stCondLst>
+                              <p:cond delay="0"/>
+                            </p:stCondLst>
+                            <p:childTnLst>
+                              <p:par>
+                                <p:cTn id="5" presetID="1" presetClass="entr" presetSubtype="0" fill="hold" grpId="0" nodeType="clickEffect">
+                                  <p:stCondLst>
+                                    <p:cond delay="0"/>
+                                  </p:stCondLst>
+                                  <p:childTnLst>
+                                    <p:set>
+                                      <p:cBhvr>
+                                        <p:cTn id="6" dur="1" fill="hold">
+                                          <p:stCondLst>
+                                            <p:cond delay="0"/>
+                                          </p:stCondLst>
+                                        </p:cTn>
+                                        <p:tgtEl>
+                                          <p:spTgt spid="10">
+                                            <p:txEl>
+                                              <p:pRg st="0" end="0"/>
+                                            </p:txEl>
+                                          </p:spTgt>
+                                        </p:tgtEl>
+                                        <p:attrNameLst>
+                                          <p:attrName>style.visibility</p:attrName>
+                                        </p:attrNameLst>
+                                      </p:cBhvr>
+                                      <p:to>
+                                        <p:strVal val="visible"/>
+                                      </p:to>
+                                    </p:set>
+                                  </p:childTnLst>
+                                </p:cTn>
+                              </p:par>
+                            </p:childTnLst>
+                          </p:cTn>
+                        </p:par>
+                      </p:childTnLst>
+                    </p:cTn>
+                  </p:par>
+                  <p:par>
+                    <p:cTn id="7" fill="hold">
+                      <p:stCondLst>
+                        <p:cond delay="indefinite"/>
+                      </p:stCondLst>
+                      <p:childTnLst>
+                        <p:par>
+                          <p:cTn id="8" fill="hold">
+                            <p:stCondLst>
+                              <p:cond delay="0"/>
+                            </p:stCondLst>
+                            <p:childTnLst>
+                              <p:par>
+                                <p:cTn id="9" presetID="1" presetClass="entr" presetSubtype="0" fill="hold" grpId="0" nodeType="clickEffect">
+                                  <p:stCondLst>
+                                    <p:cond delay="0"/>
+                                  </p:stCondLst>
+                                  <p:childTnLst>
+                                    <p:set>
+                                      <p:cBhvr>
+                                        <p:cTn id="10" dur="1" fill="hold">
+                                          <p:stCondLst>
+                                            <p:cond delay="0"/>
+                                          </p:stCondLst>
+                                        </p:cTn>
+                                        <p:tgtEl>
+                                          <p:spTgt spid="10">
+                                            <p:txEl>
+                                              <p:pRg st="1" end="1"/>
+                                            </p:txEl>
+                                          </p:spTgt>
+                                        </p:tgtEl>
+                                        <p:attrNameLst>
+                                          <p:attrName>style.visibility</p:attrName>
+                                        </p:attrNameLst>
+                                      </p:cBhvr>
+                                      <p:to>
+                                        <p:strVal val="visible"/>
+                                      </p:to>
+                                    </p:set>
+                                  </p:childTnLst>
+                                </p:cTn>
+                              </p:par>
+                            </p:childTnLst>
+                          </p:cTn>
+                        </p:par>
+                      </p:childTnLst>
+                    </p:cTn>
+                  </p:par>
+                  <p:par>
+                    <p:cTn id="11" fill="hold">
+                      <p:stCondLst>
+                        <p:cond delay="indefinite"/>
+                      </p:stCondLst>
+                      <p:childTnLst>
+                        <p:par>
+                          <p:cTn id="12" fill="hold">
+                            <p:stCondLst>
+                              <p:cond delay="0"/>
+                            </p:stCondLst>
+                            <p:childTnLst>
+                              <p:par>
+                                <p:cTn id="13" presetID="1" presetClass="entr" presetSubtype="0" fill="hold" grpId="0" nodeType="clickEffect">
+                                  <p:stCondLst>
+                                    <p:cond delay="0"/>
+                                  </p:stCondLst>
+                                  <p:childTnLst>
+                                    <p:set>
+                                      <p:cBhvr>
+                                        <p:cTn id="14" dur="1" fill="hold">
+                                          <p:stCondLst>
+                                            <p:cond delay="0"/>
+                                          </p:stCondLst>
+                                        </p:cTn>
+                                        <p:tgtEl>
+                                          <p:spTgt spid="10">
+                                            <p:txEl>
+                                              <p:pRg st="2" end="2"/>
+                                            </p:txEl>
+                                          </p:spTgt>
+                                        </p:tgtEl>
+                                        <p:attrNameLst>
+                                          <p:attrName>style.visibility</p:attrName>
+                                        </p:attrNameLst>
+                                      </p:cBhvr>
+                                      <p:to>
+                                        <p:strVal val="visible"/>
+                                      </p:to>
+                                    </p:set>
+                                  </p:childTnLst>
+                                </p:cTn>
+                              </p:par>
+                            </p:childTnLst>
+                          </p:cTn>
+                        </p:par>
+                      </p:childTnLst>
+                    </p:cTn>
+                  </p:par>
+                  <p:par>
+                    <p:cTn id="15" fill="hold">
+                      <p:stCondLst>
+                        <p:cond delay="indefinite"/>
+                      </p:stCondLst>
+                      <p:childTnLst>
+                        <p:par>
+                          <p:cTn id="16" fill="hold">
+                            <p:stCondLst>
+                              <p:cond delay="0"/>
+                            </p:stCondLst>
+                            <p:childTnLst>
+                              <p:par>
+                                <p:cTn id="17" presetID="1" presetClass="entr" presetSubtype="0" fill="hold" grpId="0" nodeType="clickEffect">
+                                  <p:stCondLst>
+                                    <p:cond delay="0"/>
+                                  </p:stCondLst>
+                                  <p:childTnLst>
+                                    <p:set>
+                                      <p:cBhvr>
+                                        <p:cTn id="18" dur="1" fill="hold">
+                                          <p:stCondLst>
+                                            <p:cond delay="0"/>
+                                          </p:stCondLst>
+                                        </p:cTn>
+                                        <p:tgtEl>
+                                          <p:spTgt spid="10">
+                                            <p:txEl>
+                                              <p:pRg st="3" end="3"/>
+                                            </p:txEl>
+                                          </p:spTgt>
+                                        </p:tgtEl>
+                                        <p:attrNameLst>
+                                          <p:attrName>style.visibility</p:attrName>
+                                        </p:attrNameLst>
+                                      </p:cBhvr>
+                                      <p:to>
+                                        <p:strVal val="visible"/>
+                                      </p:to>
+                                    </p:set>
+                                  </p:childTnLst>
+                                </p:cTn>
+                              </p:par>
+                            </p:childTnLst>
+                          </p:cTn>
+                        </p:par>
+                      </p:childTnLst>
+                    </p:cTn>
+                  </p:par>
+                  <p:par>
+                    <p:cTn id="19" fill="hold">
+                      <p:stCondLst>
+                        <p:cond delay="indefinite"/>
+                      </p:stCondLst>
+                      <p:childTnLst>
+                        <p:par>
+                          <p:cTn id="20" fill="hold">
+                            <p:stCondLst>
+                              <p:cond delay="0"/>
+                            </p:stCondLst>
+                            <p:childTnLst>
+                              <p:par>
+                                <p:cTn id="21" presetID="16" presetClass="entr" presetSubtype="21" fill="hold" grpId="0" nodeType="clickEffect">
+                                  <p:stCondLst>
+                                    <p:cond delay="0"/>
+                                  </p:stCondLst>
+                                  <p:childTnLst>
+                                    <p:set>
+                                      <p:cBhvr>
+                                        <p:cTn id="22" dur="1" fill="hold">
+                                          <p:stCondLst>
+                                            <p:cond delay="0"/>
+                                          </p:stCondLst>
+                                        </p:cTn>
+                                        <p:tgtEl>
+                                          <p:spTgt spid="13"/>
+                                        </p:tgtEl>
+                                        <p:attrNameLst>
+                                          <p:attrName>style.visibility</p:attrName>
+                                        </p:attrNameLst>
+                                      </p:cBhvr>
+                                      <p:to>
+                                        <p:strVal val="visible"/>
+                                      </p:to>
+                                    </p:set>
+                                    <p:animEffect transition="in" filter="barn(inVertical)">
+                                      <p:cBhvr>
+                                        <p:cTn id="23" dur="1000"/>
+                                        <p:tgtEl>
+                                          <p:spTgt spid="13"/>
+                                        </p:tgtEl>
+                                      </p:cBhvr>
+                                    </p:animEffect>
+                                  </p:childTnLst>
+                                </p:cTn>
+                              </p:par>
+                            </p:childTnLst>
+                          </p:cTn>
+                        </p:par>
+                      </p:childTnLst>
+                    </p:cTn>
+                  </p:par>
+                </p:childTnLst>
+              </p:cTn>
+              <p:prevCondLst>
+                <p:cond evt="onPrev" delay="0">
+                  <p:tgtEl>
+                    <p:sldTgt/>
+                  </p:tgtEl>
+                </p:cond>
+              </p:prevCondLst>
+              <p:nextCondLst>
+                <p:cond evt="onNext" delay="0">
+                  <p:tgtEl>
+                    <p:sldTgt/>
+                  </p:tgtEl>
+                </p:cond>
+              </p:nextCondLst>
+            </p:seq>
+          </p:childTnLst>
+        </p:cTn>
+      </p:par>
+    </p:tnLst>
+    <p:bldLst>
+      <p:bldP spid="10" grpId="0" uiExpand="1" build="p"/>
+      <p:bldP spid="13" grpId="0"/>
+    </p:bldLst>
+  </p:timing>
 </p:sld>
 </file>
 
@@ -19391,10 +21771,10 @@
       </p:grpSpPr>
       <p:sp>
         <p:nvSpPr>
-          <p:cNvPr id="2" name="Title 1">
-            <a:extLst>
-              <a:ext uri="{FF2B5EF4-FFF2-40B4-BE49-F238E27FC236}">
-                <a16:creationId xmlns:a16="http://schemas.microsoft.com/office/drawing/2014/main" id="{BC562C5A-DC3A-4D57-A7F0-A52C0B0842C5}"/>
+          <p:cNvPr id="7" name="Title 6">
+            <a:extLst>
+              <a:ext uri="{FF2B5EF4-FFF2-40B4-BE49-F238E27FC236}">
+                <a16:creationId xmlns:a16="http://schemas.microsoft.com/office/drawing/2014/main" id="{938E083E-1F45-8F91-57DD-F5564514D452}"/>
               </a:ext>
             </a:extLst>
           </p:cNvPr>
@@ -19402,35 +21782,27 @@
             <a:spLocks noGrp="1"/>
           </p:cNvSpPr>
           <p:nvPr>
-            <p:ph type="ctrTitle"/>
-          </p:nvPr>
-        </p:nvSpPr>
-        <p:spPr>
-          <a:xfrm>
-            <a:off x="1383807" y="4611271"/>
-            <a:ext cx="10229073" cy="1171556"/>
-          </a:xfrm>
-        </p:spPr>
-        <p:txBody>
-          <a:bodyPr rtlCol="0">
-            <a:normAutofit fontScale="90000"/>
-          </a:bodyPr>
+            <p:ph type="title"/>
+          </p:nvPr>
+        </p:nvSpPr>
+        <p:spPr/>
+        <p:txBody>
+          <a:bodyPr/>
           <a:lstStyle/>
           <a:p>
-            <a:pPr rtl="0"/>
-            <a:r>
-              <a:rPr lang="en-GB"/>
-              <a:t>The way to get started is to quit talking and begin doing.</a:t>
-            </a:r>
-          </a:p>
-        </p:txBody>
-      </p:sp>
-      <p:sp>
-        <p:nvSpPr>
-          <p:cNvPr id="3" name="Subtitle 2">
-            <a:extLst>
-              <a:ext uri="{FF2B5EF4-FFF2-40B4-BE49-F238E27FC236}">
-                <a16:creationId xmlns:a16="http://schemas.microsoft.com/office/drawing/2014/main" id="{60F0DCEA-5CBC-4FE3-A819-C5EBE40E29E5}"/>
+            <a:r>
+              <a:rPr lang="en-US" dirty="0"/>
+              <a:t>Scala 3 is…</a:t>
+            </a:r>
+          </a:p>
+        </p:txBody>
+      </p:sp>
+      <p:sp>
+        <p:nvSpPr>
+          <p:cNvPr id="10" name="Text Placeholder 9">
+            <a:extLst>
+              <a:ext uri="{FF2B5EF4-FFF2-40B4-BE49-F238E27FC236}">
+                <a16:creationId xmlns:a16="http://schemas.microsoft.com/office/drawing/2014/main" id="{5FF0F5FB-D18E-4487-ADDE-5D206BBC105D}"/>
               </a:ext>
             </a:extLst>
           </p:cNvPr>
@@ -19438,33 +21810,119 @@
             <a:spLocks noGrp="1"/>
           </p:cNvSpPr>
           <p:nvPr>
-            <p:ph type="subTitle" idx="1"/>
-          </p:nvPr>
-        </p:nvSpPr>
-        <p:spPr>
-          <a:xfrm>
-            <a:off x="1371601" y="5970897"/>
-            <a:ext cx="9448800" cy="429904"/>
-          </a:xfrm>
-        </p:spPr>
-        <p:txBody>
-          <a:bodyPr rtlCol="0"/>
+            <p:ph type="body" sz="half" idx="2"/>
+          </p:nvPr>
+        </p:nvSpPr>
+        <p:spPr/>
+        <p:txBody>
+          <a:bodyPr/>
           <a:lstStyle/>
           <a:p>
+            <a:pPr marL="285750" indent="-285750">
+              <a:buFont typeface="Arial" panose="020B0604020202020204" pitchFamily="34" charset="0"/>
+              <a:buChar char="•"/>
+            </a:pPr>
+            <a:r>
+              <a:rPr lang="en-US" dirty="0"/>
+              <a:t>Powerful</a:t>
+            </a:r>
+          </a:p>
+          <a:p>
+            <a:pPr marL="285750" indent="-285750">
+              <a:buFont typeface="Arial" panose="020B0604020202020204" pitchFamily="34" charset="0"/>
+              <a:buChar char="•"/>
+            </a:pPr>
+            <a:r>
+              <a:rPr lang="en-US" dirty="0"/>
+              <a:t>Faster than Scala 2</a:t>
+            </a:r>
+          </a:p>
+          <a:p>
+            <a:pPr marL="285750" indent="-285750">
+              <a:buFont typeface="Arial" panose="020B0604020202020204" pitchFamily="34" charset="0"/>
+              <a:buChar char="•"/>
+            </a:pPr>
+            <a:r>
+              <a:rPr lang="en-US" dirty="0"/>
+              <a:t>Simpler than Scala 2</a:t>
+            </a:r>
+          </a:p>
+          <a:p>
+            <a:pPr marL="285750" indent="-285750">
+              <a:buFont typeface="Arial" panose="020B0604020202020204" pitchFamily="34" charset="0"/>
+              <a:buChar char="•"/>
+            </a:pPr>
+            <a:r>
+              <a:rPr lang="en-US" dirty="0"/>
+              <a:t>Still finding its place in the industry</a:t>
+            </a:r>
+          </a:p>
+        </p:txBody>
+      </p:sp>
+      <p:sp>
+        <p:nvSpPr>
+          <p:cNvPr id="5" name="Date Placeholder 4">
+            <a:extLst>
+              <a:ext uri="{FF2B5EF4-FFF2-40B4-BE49-F238E27FC236}">
+                <a16:creationId xmlns:a16="http://schemas.microsoft.com/office/drawing/2014/main" id="{1B86A6FD-2EA5-223F-8052-C9A57334574B}"/>
+              </a:ext>
+            </a:extLst>
+          </p:cNvPr>
+          <p:cNvSpPr>
+            <a:spLocks noGrp="1"/>
+          </p:cNvSpPr>
+          <p:nvPr>
+            <p:ph type="dt" sz="half" idx="10"/>
+          </p:nvPr>
+        </p:nvSpPr>
+        <p:spPr/>
+        <p:txBody>
+          <a:bodyPr/>
+          <a:lstStyle/>
+          <a:p>
+            <a:r>
+              <a:rPr lang="en-GB" dirty="0"/>
+              <a:t>Thursday, May 25, 2025</a:t>
+            </a:r>
+          </a:p>
+        </p:txBody>
+      </p:sp>
+      <p:sp>
+        <p:nvSpPr>
+          <p:cNvPr id="6" name="Slide Number Placeholder 5">
+            <a:extLst>
+              <a:ext uri="{FF2B5EF4-FFF2-40B4-BE49-F238E27FC236}">
+                <a16:creationId xmlns:a16="http://schemas.microsoft.com/office/drawing/2014/main" id="{C888F61D-4D37-B86C-5B0D-B4D2EBED6869}"/>
+              </a:ext>
+            </a:extLst>
+          </p:cNvPr>
+          <p:cNvSpPr>
+            <a:spLocks noGrp="1"/>
+          </p:cNvSpPr>
+          <p:nvPr>
+            <p:ph type="sldNum" sz="quarter" idx="12"/>
+          </p:nvPr>
+        </p:nvSpPr>
+        <p:spPr/>
+        <p:txBody>
+          <a:bodyPr/>
+          <a:lstStyle/>
+          <a:p>
             <a:pPr rtl="0"/>
-            <a:r>
-              <a:rPr lang="en-GB"/>
-              <a:t>Walt Disney</a:t>
-            </a:r>
+            <a:fld id="{C01389E6-C847-4AD0-B56D-D205B2EAB1EE}" type="slidenum">
+              <a:rPr lang="en-GB" smtClean="0"/>
+              <a:t>7</a:t>
+            </a:fld>
+            <a:endParaRPr lang="en-GB" dirty="0"/>
           </a:p>
         </p:txBody>
       </p:sp>
       <p:pic>
         <p:nvPicPr>
-          <p:cNvPr id="14" name="Picture Placeholder 13" descr="A close - up of a violinist">
-            <a:extLst>
-              <a:ext uri="{FF2B5EF4-FFF2-40B4-BE49-F238E27FC236}">
-                <a16:creationId xmlns:a16="http://schemas.microsoft.com/office/drawing/2014/main" id="{5BC04982-CB92-4287-8A66-635C39585584}"/>
+          <p:cNvPr id="14" name="Content Placeholder 13" descr="A screenshot of a social media post&#10;&#10;Description automatically generated with medium confidence">
+            <a:extLst>
+              <a:ext uri="{FF2B5EF4-FFF2-40B4-BE49-F238E27FC236}">
+                <a16:creationId xmlns:a16="http://schemas.microsoft.com/office/drawing/2014/main" id="{77A4DC96-26B8-2EFB-52A0-2AFBBDBBA931}"/>
               </a:ext>
             </a:extLst>
           </p:cNvPr>
@@ -19472,141 +21930,344 @@
             <a:picLocks noGrp="1" noChangeAspect="1"/>
           </p:cNvPicPr>
           <p:nvPr>
-            <p:ph type="pic" sz="quarter" idx="13"/>
+            <p:ph idx="1"/>
           </p:nvPr>
         </p:nvPicPr>
-        <p:blipFill rotWithShape="1">
-          <a:blip r:embed="rId3" cstate="screen">
-            <a:extLst>
-              <a:ext uri="{28A0092B-C50C-407E-A947-70E740481C1C}">
-                <a14:useLocalDpi xmlns:a14="http://schemas.microsoft.com/office/drawing/2010/main" val="0"/>
-              </a:ext>
-            </a:extLst>
-          </a:blip>
-          <a:srcRect/>
-          <a:stretch/>
+        <p:blipFill>
+          <a:blip r:embed="rId2"/>
+          <a:stretch>
+            <a:fillRect/>
+          </a:stretch>
         </p:blipFill>
         <p:spPr>
           <a:xfrm>
-            <a:off x="0" y="0"/>
-            <a:ext cx="12188952" cy="4462272"/>
+            <a:off x="6096000" y="425043"/>
+            <a:ext cx="4991178" cy="5266934"/>
           </a:xfrm>
         </p:spPr>
       </p:pic>
       <p:sp>
         <p:nvSpPr>
-          <p:cNvPr id="4" name="Footer Placeholder 3">
-            <a:extLst>
-              <a:ext uri="{FF2B5EF4-FFF2-40B4-BE49-F238E27FC236}">
-                <a16:creationId xmlns:a16="http://schemas.microsoft.com/office/drawing/2014/main" id="{EB4C6ED3-13A4-4C80-9C81-CB6CC8D7DCB8}"/>
-              </a:ext>
-            </a:extLst>
-          </p:cNvPr>
-          <p:cNvSpPr>
-            <a:spLocks noGrp="1"/>
-          </p:cNvSpPr>
-          <p:nvPr>
-            <p:ph type="ftr" sz="quarter" idx="11"/>
-          </p:nvPr>
-        </p:nvSpPr>
-        <p:spPr>
-          <a:xfrm rot="5400000">
-            <a:off x="-1828800" y="1911096"/>
-            <a:ext cx="4114800" cy="457200"/>
-          </a:xfrm>
-        </p:spPr>
-        <p:txBody>
-          <a:bodyPr rtlCol="0"/>
-          <a:lstStyle/>
-          <a:p>
-            <a:pPr rtl="0"/>
-            <a:r>
-              <a:rPr lang="en-GB"/>
-              <a:t>Sample Footer Text</a:t>
-            </a:r>
-          </a:p>
-        </p:txBody>
-      </p:sp>
-      <p:sp>
-        <p:nvSpPr>
-          <p:cNvPr id="21" name="Date Placeholder 20">
-            <a:extLst>
-              <a:ext uri="{FF2B5EF4-FFF2-40B4-BE49-F238E27FC236}">
-                <a16:creationId xmlns:a16="http://schemas.microsoft.com/office/drawing/2014/main" id="{6FF32649-32BD-4DF7-8CF4-C5EF7B01FDD0}"/>
-              </a:ext>
-            </a:extLst>
-          </p:cNvPr>
-          <p:cNvSpPr>
-            <a:spLocks noGrp="1"/>
-          </p:cNvSpPr>
-          <p:nvPr>
-            <p:ph type="dt" sz="half" idx="10"/>
-          </p:nvPr>
+          <p:cNvPr id="16" name="TextBox 15">
+            <a:extLst>
+              <a:ext uri="{FF2B5EF4-FFF2-40B4-BE49-F238E27FC236}">
+                <a16:creationId xmlns:a16="http://schemas.microsoft.com/office/drawing/2014/main" id="{8313A9AB-754B-6AFD-BB31-105F3D3F63F3}"/>
+              </a:ext>
+            </a:extLst>
+          </p:cNvPr>
+          <p:cNvSpPr txBox="1"/>
+          <p:nvPr/>
         </p:nvSpPr>
         <p:spPr>
           <a:xfrm>
-            <a:off x="7909560" y="6409944"/>
-            <a:ext cx="3703320" cy="448056"/>
+            <a:off x="6096000" y="5861051"/>
+            <a:ext cx="4991178" cy="276999"/>
           </a:xfrm>
+          <a:prstGeom prst="rect">
+            <a:avLst/>
+          </a:prstGeom>
+          <a:noFill/>
         </p:spPr>
         <p:txBody>
-          <a:bodyPr rtlCol="0"/>
+          <a:bodyPr wrap="square">
+            <a:spAutoFit/>
+          </a:bodyPr>
           <a:lstStyle/>
           <a:p>
-            <a:pPr rtl="0"/>
-            <a:r>
-              <a:rPr lang="en-GB"/>
-              <a:t>Monday, February 1, 20XX</a:t>
-            </a:r>
-          </a:p>
-        </p:txBody>
-      </p:sp>
-      <p:sp>
-        <p:nvSpPr>
-          <p:cNvPr id="23" name="Slide Number Placeholder 22">
-            <a:extLst>
-              <a:ext uri="{FF2B5EF4-FFF2-40B4-BE49-F238E27FC236}">
-                <a16:creationId xmlns:a16="http://schemas.microsoft.com/office/drawing/2014/main" id="{6D853837-26C5-47BD-A51B-085EDF9224A5}"/>
-              </a:ext>
-            </a:extLst>
-          </p:cNvPr>
-          <p:cNvSpPr>
-            <a:spLocks noGrp="1"/>
-          </p:cNvSpPr>
-          <p:nvPr>
-            <p:ph type="sldNum" sz="quarter" idx="12"/>
-          </p:nvPr>
-        </p:nvSpPr>
-        <p:spPr>
-          <a:xfrm>
-            <a:off x="11667744" y="6409944"/>
-            <a:ext cx="438912" cy="448056"/>
-          </a:xfrm>
-        </p:spPr>
-        <p:txBody>
-          <a:bodyPr rtlCol="0"/>
-          <a:lstStyle/>
-          <a:p>
-            <a:pPr rtl="0"/>
-            <a:fld id="{C01389E6-C847-4AD0-B56D-D205B2EAB1EE}" type="slidenum">
-              <a:rPr lang="en-GB" smtClean="0"/>
-              <a:pPr/>
-              <a:t>7</a:t>
-            </a:fld>
-            <a:endParaRPr lang="en-GB" dirty="0"/>
+            <a:pPr algn="ctr"/>
+            <a:r>
+              <a:rPr lang="en-GB" sz="1200" b="0" i="0" dirty="0">
+                <a:solidFill>
+                  <a:srgbClr val="000000"/>
+                </a:solidFill>
+                <a:effectLst/>
+                <a:hlinkClick r:id="rId3"/>
+              </a:rPr>
+              <a:t>https://</a:t>
+            </a:r>
+            <a:r>
+              <a:rPr lang="en-GB" sz="1200" b="0" i="0" dirty="0" err="1">
+                <a:solidFill>
+                  <a:srgbClr val="000000"/>
+                </a:solidFill>
+                <a:effectLst/>
+                <a:hlinkClick r:id="rId3"/>
+              </a:rPr>
+              <a:t>twitter.com</a:t>
+            </a:r>
+            <a:r>
+              <a:rPr lang="en-GB" sz="1200" b="0" i="0" dirty="0">
+                <a:solidFill>
+                  <a:srgbClr val="000000"/>
+                </a:solidFill>
+                <a:effectLst/>
+                <a:hlinkClick r:id="rId3"/>
+              </a:rPr>
+              <a:t>/</a:t>
+            </a:r>
+            <a:r>
+              <a:rPr lang="en-GB" sz="1200" b="0" i="0" dirty="0" err="1">
+                <a:solidFill>
+                  <a:srgbClr val="000000"/>
+                </a:solidFill>
+                <a:effectLst/>
+                <a:hlinkClick r:id="rId3"/>
+              </a:rPr>
+              <a:t>antonarhipov</a:t>
+            </a:r>
+            <a:r>
+              <a:rPr lang="en-GB" sz="1200" b="0" i="0" dirty="0">
+                <a:solidFill>
+                  <a:srgbClr val="000000"/>
+                </a:solidFill>
+                <a:effectLst/>
+                <a:hlinkClick r:id="rId3"/>
+              </a:rPr>
+              <a:t>/status/1527249040244723713</a:t>
+            </a:r>
+            <a:endParaRPr lang="en-US" sz="1200" dirty="0"/>
           </a:p>
         </p:txBody>
       </p:sp>
     </p:spTree>
     <p:extLst>
       <p:ext uri="{BB962C8B-B14F-4D97-AF65-F5344CB8AC3E}">
-        <p14:creationId xmlns:p14="http://schemas.microsoft.com/office/powerpoint/2010/main" val="2131406861"/>
+        <p14:creationId xmlns:p14="http://schemas.microsoft.com/office/powerpoint/2010/main" val="3872287314"/>
       </p:ext>
     </p:extLst>
   </p:cSld>
   <p:clrMapOvr>
     <a:masterClrMapping/>
   </p:clrMapOvr>
+  <p:timing>
+    <p:tnLst>
+      <p:par>
+        <p:cTn id="1" dur="indefinite" restart="never" nodeType="tmRoot">
+          <p:childTnLst>
+            <p:seq concurrent="1" nextAc="seek">
+              <p:cTn id="2" dur="indefinite" nodeType="mainSeq">
+                <p:childTnLst>
+                  <p:par>
+                    <p:cTn id="3" fill="hold">
+                      <p:stCondLst>
+                        <p:cond delay="indefinite"/>
+                      </p:stCondLst>
+                      <p:childTnLst>
+                        <p:par>
+                          <p:cTn id="4" fill="hold">
+                            <p:stCondLst>
+                              <p:cond delay="0"/>
+                            </p:stCondLst>
+                            <p:childTnLst>
+                              <p:par>
+                                <p:cTn id="5" presetID="1" presetClass="entr" presetSubtype="0" fill="hold" grpId="0" nodeType="clickEffect">
+                                  <p:stCondLst>
+                                    <p:cond delay="0"/>
+                                  </p:stCondLst>
+                                  <p:childTnLst>
+                                    <p:set>
+                                      <p:cBhvr>
+                                        <p:cTn id="6" dur="1" fill="hold">
+                                          <p:stCondLst>
+                                            <p:cond delay="0"/>
+                                          </p:stCondLst>
+                                        </p:cTn>
+                                        <p:tgtEl>
+                                          <p:spTgt spid="10">
+                                            <p:txEl>
+                                              <p:pRg st="0" end="0"/>
+                                            </p:txEl>
+                                          </p:spTgt>
+                                        </p:tgtEl>
+                                        <p:attrNameLst>
+                                          <p:attrName>style.visibility</p:attrName>
+                                        </p:attrNameLst>
+                                      </p:cBhvr>
+                                      <p:to>
+                                        <p:strVal val="visible"/>
+                                      </p:to>
+                                    </p:set>
+                                  </p:childTnLst>
+                                </p:cTn>
+                              </p:par>
+                            </p:childTnLst>
+                          </p:cTn>
+                        </p:par>
+                      </p:childTnLst>
+                    </p:cTn>
+                  </p:par>
+                  <p:par>
+                    <p:cTn id="7" fill="hold">
+                      <p:stCondLst>
+                        <p:cond delay="indefinite"/>
+                      </p:stCondLst>
+                      <p:childTnLst>
+                        <p:par>
+                          <p:cTn id="8" fill="hold">
+                            <p:stCondLst>
+                              <p:cond delay="0"/>
+                            </p:stCondLst>
+                            <p:childTnLst>
+                              <p:par>
+                                <p:cTn id="9" presetID="1" presetClass="entr" presetSubtype="0" fill="hold" grpId="0" nodeType="clickEffect">
+                                  <p:stCondLst>
+                                    <p:cond delay="0"/>
+                                  </p:stCondLst>
+                                  <p:childTnLst>
+                                    <p:set>
+                                      <p:cBhvr>
+                                        <p:cTn id="10" dur="1" fill="hold">
+                                          <p:stCondLst>
+                                            <p:cond delay="0"/>
+                                          </p:stCondLst>
+                                        </p:cTn>
+                                        <p:tgtEl>
+                                          <p:spTgt spid="10">
+                                            <p:txEl>
+                                              <p:pRg st="1" end="1"/>
+                                            </p:txEl>
+                                          </p:spTgt>
+                                        </p:tgtEl>
+                                        <p:attrNameLst>
+                                          <p:attrName>style.visibility</p:attrName>
+                                        </p:attrNameLst>
+                                      </p:cBhvr>
+                                      <p:to>
+                                        <p:strVal val="visible"/>
+                                      </p:to>
+                                    </p:set>
+                                  </p:childTnLst>
+                                </p:cTn>
+                              </p:par>
+                            </p:childTnLst>
+                          </p:cTn>
+                        </p:par>
+                      </p:childTnLst>
+                    </p:cTn>
+                  </p:par>
+                  <p:par>
+                    <p:cTn id="11" fill="hold">
+                      <p:stCondLst>
+                        <p:cond delay="indefinite"/>
+                      </p:stCondLst>
+                      <p:childTnLst>
+                        <p:par>
+                          <p:cTn id="12" fill="hold">
+                            <p:stCondLst>
+                              <p:cond delay="0"/>
+                            </p:stCondLst>
+                            <p:childTnLst>
+                              <p:par>
+                                <p:cTn id="13" presetID="1" presetClass="entr" presetSubtype="0" fill="hold" grpId="0" nodeType="clickEffect">
+                                  <p:stCondLst>
+                                    <p:cond delay="0"/>
+                                  </p:stCondLst>
+                                  <p:childTnLst>
+                                    <p:set>
+                                      <p:cBhvr>
+                                        <p:cTn id="14" dur="1" fill="hold">
+                                          <p:stCondLst>
+                                            <p:cond delay="0"/>
+                                          </p:stCondLst>
+                                        </p:cTn>
+                                        <p:tgtEl>
+                                          <p:spTgt spid="10">
+                                            <p:txEl>
+                                              <p:pRg st="2" end="2"/>
+                                            </p:txEl>
+                                          </p:spTgt>
+                                        </p:tgtEl>
+                                        <p:attrNameLst>
+                                          <p:attrName>style.visibility</p:attrName>
+                                        </p:attrNameLst>
+                                      </p:cBhvr>
+                                      <p:to>
+                                        <p:strVal val="visible"/>
+                                      </p:to>
+                                    </p:set>
+                                  </p:childTnLst>
+                                </p:cTn>
+                              </p:par>
+                            </p:childTnLst>
+                          </p:cTn>
+                        </p:par>
+                      </p:childTnLst>
+                    </p:cTn>
+                  </p:par>
+                  <p:par>
+                    <p:cTn id="15" fill="hold">
+                      <p:stCondLst>
+                        <p:cond delay="indefinite"/>
+                      </p:stCondLst>
+                      <p:childTnLst>
+                        <p:par>
+                          <p:cTn id="16" fill="hold">
+                            <p:stCondLst>
+                              <p:cond delay="0"/>
+                            </p:stCondLst>
+                            <p:childTnLst>
+                              <p:par>
+                                <p:cTn id="17" presetID="1" presetClass="entr" presetSubtype="0" fill="hold" grpId="0" nodeType="clickEffect">
+                                  <p:stCondLst>
+                                    <p:cond delay="0"/>
+                                  </p:stCondLst>
+                                  <p:childTnLst>
+                                    <p:set>
+                                      <p:cBhvr>
+                                        <p:cTn id="18" dur="1" fill="hold">
+                                          <p:stCondLst>
+                                            <p:cond delay="0"/>
+                                          </p:stCondLst>
+                                        </p:cTn>
+                                        <p:tgtEl>
+                                          <p:spTgt spid="10">
+                                            <p:txEl>
+                                              <p:pRg st="3" end="3"/>
+                                            </p:txEl>
+                                          </p:spTgt>
+                                        </p:tgtEl>
+                                        <p:attrNameLst>
+                                          <p:attrName>style.visibility</p:attrName>
+                                        </p:attrNameLst>
+                                      </p:cBhvr>
+                                      <p:to>
+                                        <p:strVal val="visible"/>
+                                      </p:to>
+                                    </p:set>
+                                  </p:childTnLst>
+                                </p:cTn>
+                              </p:par>
+                            </p:childTnLst>
+                          </p:cTn>
+                        </p:par>
+                      </p:childTnLst>
+                    </p:cTn>
+                  </p:par>
+                </p:childTnLst>
+              </p:cTn>
+              <p:prevCondLst>
+                <p:cond evt="onPrev" delay="0">
+                  <p:tgtEl>
+                    <p:sldTgt/>
+                  </p:tgtEl>
+                </p:cond>
+              </p:prevCondLst>
+              <p:nextCondLst>
+                <p:cond evt="onNext" delay="0">
+                  <p:tgtEl>
+                    <p:sldTgt/>
+                  </p:tgtEl>
+                </p:cond>
+              </p:nextCondLst>
+            </p:seq>
+          </p:childTnLst>
+        </p:cTn>
+      </p:par>
+    </p:tnLst>
+    <p:bldLst>
+      <p:bldP spid="10" grpId="0" uiExpand="1" build="p"/>
+    </p:bldLst>
+  </p:timing>
 </p:sld>
 </file>
 
@@ -19629,10 +22290,10 @@
       </p:grpSpPr>
       <p:sp>
         <p:nvSpPr>
-          <p:cNvPr id="11" name="Title 10">
-            <a:extLst>
-              <a:ext uri="{FF2B5EF4-FFF2-40B4-BE49-F238E27FC236}">
-                <a16:creationId xmlns:a16="http://schemas.microsoft.com/office/drawing/2014/main" id="{0733DF59-A4B2-4E69-B8BA-B4E6D9904EDB}"/>
+          <p:cNvPr id="9" name="Title 8">
+            <a:extLst>
+              <a:ext uri="{FF2B5EF4-FFF2-40B4-BE49-F238E27FC236}">
+                <a16:creationId xmlns:a16="http://schemas.microsoft.com/office/drawing/2014/main" id="{DE8DFAF9-B167-436E-89D1-4B7066EA3922}"/>
               </a:ext>
             </a:extLst>
           </p:cNvPr>
@@ -19640,33 +22301,33 @@
             <a:spLocks noGrp="1"/>
           </p:cNvSpPr>
           <p:nvPr>
-            <p:ph type="title"/>
+            <p:ph type="ctrTitle"/>
           </p:nvPr>
         </p:nvSpPr>
         <p:spPr>
           <a:xfrm>
-            <a:off x="1371600" y="580030"/>
-            <a:ext cx="10240903" cy="1009934"/>
+            <a:off x="929154" y="987237"/>
+            <a:ext cx="4506259" cy="2976491"/>
           </a:xfrm>
         </p:spPr>
         <p:txBody>
-          <a:bodyPr rtlCol="0" anchor="ctr"/>
+          <a:bodyPr rtlCol="0"/>
           <a:lstStyle/>
           <a:p>
             <a:pPr rtl="0"/>
             <a:r>
               <a:rPr lang="en-GB"/>
-              <a:t>team</a:t>
-            </a:r>
-          </a:p>
-        </p:txBody>
-      </p:sp>
-      <p:sp>
-        <p:nvSpPr>
-          <p:cNvPr id="2" name="Footer Placeholder 1">
-            <a:extLst>
-              <a:ext uri="{FF2B5EF4-FFF2-40B4-BE49-F238E27FC236}">
-                <a16:creationId xmlns:a16="http://schemas.microsoft.com/office/drawing/2014/main" id="{6F661F5F-6E1D-45DF-9BF7-1D0E0B690E5F}"/>
+              <a:t>Topic one</a:t>
+            </a:r>
+          </a:p>
+        </p:txBody>
+      </p:sp>
+      <p:sp>
+        <p:nvSpPr>
+          <p:cNvPr id="10" name="Subtitle 9">
+            <a:extLst>
+              <a:ext uri="{FF2B5EF4-FFF2-40B4-BE49-F238E27FC236}">
+                <a16:creationId xmlns:a16="http://schemas.microsoft.com/office/drawing/2014/main" id="{25DEB519-11FF-4424-9BF3-B1EDC0F57D63}"/>
               </a:ext>
             </a:extLst>
           </p:cNvPr>
@@ -19674,13 +22335,13 @@
             <a:spLocks noGrp="1"/>
           </p:cNvSpPr>
           <p:nvPr>
-            <p:ph type="ftr" sz="quarter" idx="11"/>
+            <p:ph type="subTitle" idx="1"/>
           </p:nvPr>
         </p:nvSpPr>
         <p:spPr>
-          <a:xfrm rot="5400000">
-            <a:off x="-1828800" y="1911096"/>
-            <a:ext cx="4114800" cy="457200"/>
+          <a:xfrm>
+            <a:off x="929154" y="4393824"/>
+            <a:ext cx="4506259" cy="1597145"/>
           </a:xfrm>
         </p:spPr>
         <p:txBody>
@@ -19690,6 +22351,39 @@
             <a:pPr rtl="0"/>
             <a:r>
               <a:rPr lang="en-GB"/>
+              <a:t>Subtitle</a:t>
+            </a:r>
+          </a:p>
+        </p:txBody>
+      </p:sp>
+      <p:sp>
+        <p:nvSpPr>
+          <p:cNvPr id="7" name="Footer Placeholder 6">
+            <a:extLst>
+              <a:ext uri="{FF2B5EF4-FFF2-40B4-BE49-F238E27FC236}">
+                <a16:creationId xmlns:a16="http://schemas.microsoft.com/office/drawing/2014/main" id="{3FB81DAD-88A7-463E-B09A-E1BC93B156F8}"/>
+              </a:ext>
+            </a:extLst>
+          </p:cNvPr>
+          <p:cNvSpPr>
+            <a:spLocks noGrp="1"/>
+          </p:cNvSpPr>
+          <p:nvPr>
+            <p:ph type="ftr" sz="quarter" idx="11"/>
+          </p:nvPr>
+        </p:nvSpPr>
+        <p:spPr/>
+        <p:txBody>
+          <a:bodyPr rtlCol="0"/>
+          <a:lstStyle/>
+          <a:p>
+            <a:pPr rtl="0"/>
+            <a:r>
+              <a:rPr lang="en-GB">
+                <a:solidFill>
+                  <a:schemeClr val="bg1"/>
+                </a:solidFill>
+              </a:rPr>
               <a:t>Sample Footer Text</a:t>
             </a:r>
           </a:p>
@@ -19697,10 +22391,10 @@
       </p:sp>
       <p:pic>
         <p:nvPicPr>
-          <p:cNvPr id="55" name="Picture Placeholder 54" descr="A person smiling for the camera">
-            <a:extLst>
-              <a:ext uri="{FF2B5EF4-FFF2-40B4-BE49-F238E27FC236}">
-                <a16:creationId xmlns:a16="http://schemas.microsoft.com/office/drawing/2014/main" id="{0E5C6F58-2AD4-4892-9B04-3BFAC5CEA500}"/>
+          <p:cNvPr id="14" name="Picture Placeholder 13" descr="A picture containing a dj deck with levers">
+            <a:extLst>
+              <a:ext uri="{FF2B5EF4-FFF2-40B4-BE49-F238E27FC236}">
+                <a16:creationId xmlns:a16="http://schemas.microsoft.com/office/drawing/2014/main" id="{D3212BBA-7AB4-4A90-93F9-1B40576326AE}"/>
               </a:ext>
             </a:extLst>
           </p:cNvPr>
@@ -19712,7 +22406,7 @@
           </p:nvPr>
         </p:nvPicPr>
         <p:blipFill rotWithShape="1">
-          <a:blip r:embed="rId3" cstate="screen">
+          <a:blip r:embed="rId2" cstate="screen">
             <a:extLst>
               <a:ext uri="{28A0092B-C50C-407E-A947-70E740481C1C}">
                 <a14:useLocalDpi xmlns:a14="http://schemas.microsoft.com/office/drawing/2010/main" val="0"/>
@@ -19724,17 +22418,17 @@
         </p:blipFill>
         <p:spPr>
           <a:xfrm>
-            <a:off x="1045013" y="1819656"/>
-            <a:ext cx="2282932" cy="2282932"/>
+            <a:off x="6931152" y="627063"/>
+            <a:ext cx="4195763" cy="2674937"/>
           </a:xfrm>
         </p:spPr>
       </p:pic>
       <p:pic>
         <p:nvPicPr>
-          <p:cNvPr id="39" name="Picture Placeholder 38" descr="A person smiling for the camera in the office">
-            <a:extLst>
-              <a:ext uri="{FF2B5EF4-FFF2-40B4-BE49-F238E27FC236}">
-                <a16:creationId xmlns:a16="http://schemas.microsoft.com/office/drawing/2014/main" id="{BF46F0F4-0C90-4C85-A0A9-A4B1E4D75AA7}"/>
+          <p:cNvPr id="16" name="Picture Placeholder 15" descr="Close-up of a DJ Deck">
+            <a:extLst>
+              <a:ext uri="{FF2B5EF4-FFF2-40B4-BE49-F238E27FC236}">
+                <a16:creationId xmlns:a16="http://schemas.microsoft.com/office/drawing/2014/main" id="{9AA84949-1394-42B3-8A1F-D93B0A3C055D}"/>
               </a:ext>
             </a:extLst>
           </p:cNvPr>
@@ -19746,7 +22440,7 @@
           </p:nvPr>
         </p:nvPicPr>
         <p:blipFill rotWithShape="1">
-          <a:blip r:embed="rId4" cstate="screen">
+          <a:blip r:embed="rId3" cstate="screen">
             <a:extLst>
               <a:ext uri="{28A0092B-C50C-407E-A947-70E740481C1C}">
                 <a14:useLocalDpi xmlns:a14="http://schemas.microsoft.com/office/drawing/2010/main" val="0"/>
@@ -19758,85 +22452,17 @@
         </p:blipFill>
         <p:spPr>
           <a:xfrm>
-            <a:off x="3657600" y="1819656"/>
-            <a:ext cx="2282932" cy="2282932"/>
+            <a:off x="6931152" y="3621024"/>
+            <a:ext cx="4195763" cy="2674937"/>
           </a:xfrm>
         </p:spPr>
       </p:pic>
-      <p:pic>
-        <p:nvPicPr>
-          <p:cNvPr id="41" name="Picture Placeholder 40" descr="A person smiling for the camera in the office">
-            <a:extLst>
-              <a:ext uri="{FF2B5EF4-FFF2-40B4-BE49-F238E27FC236}">
-                <a16:creationId xmlns:a16="http://schemas.microsoft.com/office/drawing/2014/main" id="{868BC0BC-25FE-4B51-9E04-D097D34B2E5D}"/>
-              </a:ext>
-            </a:extLst>
-          </p:cNvPr>
-          <p:cNvPicPr>
-            <a:picLocks noGrp="1" noChangeAspect="1"/>
-          </p:cNvPicPr>
-          <p:nvPr>
-            <p:ph type="pic" sz="quarter" idx="15"/>
-          </p:nvPr>
-        </p:nvPicPr>
-        <p:blipFill rotWithShape="1">
-          <a:blip r:embed="rId5" cstate="screen">
-            <a:extLst>
-              <a:ext uri="{28A0092B-C50C-407E-A947-70E740481C1C}">
-                <a14:useLocalDpi xmlns:a14="http://schemas.microsoft.com/office/drawing/2010/main" val="0"/>
-              </a:ext>
-            </a:extLst>
-          </a:blip>
-          <a:srcRect/>
-          <a:stretch/>
-        </p:blipFill>
-        <p:spPr>
-          <a:xfrm>
-            <a:off x="6281928" y="1819656"/>
-            <a:ext cx="2282932" cy="2282932"/>
-          </a:xfrm>
-        </p:spPr>
-      </p:pic>
-      <p:pic>
-        <p:nvPicPr>
-          <p:cNvPr id="57" name="Picture Placeholder 56" descr="A person smiling for the camera in the office">
-            <a:extLst>
-              <a:ext uri="{FF2B5EF4-FFF2-40B4-BE49-F238E27FC236}">
-                <a16:creationId xmlns:a16="http://schemas.microsoft.com/office/drawing/2014/main" id="{5E87E414-B261-4885-B6EF-3C0761238F5F}"/>
-              </a:ext>
-            </a:extLst>
-          </p:cNvPr>
-          <p:cNvPicPr>
-            <a:picLocks noGrp="1" noChangeAspect="1"/>
-          </p:cNvPicPr>
-          <p:nvPr>
-            <p:ph type="pic" sz="quarter" idx="16"/>
-          </p:nvPr>
-        </p:nvPicPr>
-        <p:blipFill rotWithShape="1">
-          <a:blip r:embed="rId6" cstate="screen">
-            <a:extLst>
-              <a:ext uri="{28A0092B-C50C-407E-A947-70E740481C1C}">
-                <a14:useLocalDpi xmlns:a14="http://schemas.microsoft.com/office/drawing/2010/main" val="0"/>
-              </a:ext>
-            </a:extLst>
-          </a:blip>
-          <a:srcRect/>
-          <a:stretch/>
-        </p:blipFill>
-        <p:spPr>
-          <a:xfrm>
-            <a:off x="8897112" y="1819656"/>
-            <a:ext cx="2282932" cy="2282932"/>
-          </a:xfrm>
-        </p:spPr>
-      </p:pic>
-      <p:sp>
-        <p:nvSpPr>
-          <p:cNvPr id="46" name="Text Placeholder 45">
-            <a:extLst>
-              <a:ext uri="{FF2B5EF4-FFF2-40B4-BE49-F238E27FC236}">
-                <a16:creationId xmlns:a16="http://schemas.microsoft.com/office/drawing/2014/main" id="{757F99B5-64D7-4A64-86D6-36354C4B82BF}"/>
+      <p:sp>
+        <p:nvSpPr>
+          <p:cNvPr id="6" name="Date Placeholder 5">
+            <a:extLst>
+              <a:ext uri="{FF2B5EF4-FFF2-40B4-BE49-F238E27FC236}">
+                <a16:creationId xmlns:a16="http://schemas.microsoft.com/office/drawing/2014/main" id="{432A381B-EC49-4FA8-B4CB-033658FD3715}"/>
               </a:ext>
             </a:extLst>
           </p:cNvPr>
@@ -19844,15 +22470,10 @@
             <a:spLocks noGrp="1"/>
           </p:cNvSpPr>
           <p:nvPr>
-            <p:ph type="body" sz="quarter" idx="17"/>
-          </p:nvPr>
-        </p:nvSpPr>
-        <p:spPr>
-          <a:xfrm>
-            <a:off x="1031368" y="4466873"/>
-            <a:ext cx="2286000" cy="274320"/>
-          </a:xfrm>
-        </p:spPr>
+            <p:ph type="dt" sz="half" idx="10"/>
+          </p:nvPr>
+        </p:nvSpPr>
+        <p:spPr/>
         <p:txBody>
           <a:bodyPr rtlCol="0"/>
           <a:lstStyle/>
@@ -19860,17 +22481,17 @@
             <a:pPr rtl="0"/>
             <a:r>
               <a:rPr lang="en-GB"/>
-              <a:t>Name</a:t>
-            </a:r>
-          </a:p>
-        </p:txBody>
-      </p:sp>
-      <p:sp>
-        <p:nvSpPr>
-          <p:cNvPr id="47" name="Text Placeholder 46">
-            <a:extLst>
-              <a:ext uri="{FF2B5EF4-FFF2-40B4-BE49-F238E27FC236}">
-                <a16:creationId xmlns:a16="http://schemas.microsoft.com/office/drawing/2014/main" id="{BECA2EEA-616D-4E87-9A3A-DF8655C5416D}"/>
+              <a:t>Monday, February 1, 20XX</a:t>
+            </a:r>
+          </a:p>
+        </p:txBody>
+      </p:sp>
+      <p:sp>
+        <p:nvSpPr>
+          <p:cNvPr id="8" name="Slide Number Placeholder 7">
+            <a:extLst>
+              <a:ext uri="{FF2B5EF4-FFF2-40B4-BE49-F238E27FC236}">
+                <a16:creationId xmlns:a16="http://schemas.microsoft.com/office/drawing/2014/main" id="{E4FB7EA2-5848-4DB6-828C-99DA351EE284}"/>
               </a:ext>
             </a:extLst>
           </p:cNvPr>
@@ -19878,295 +22499,17 @@
             <a:spLocks noGrp="1"/>
           </p:cNvSpPr>
           <p:nvPr>
-            <p:ph type="body" sz="quarter" idx="21"/>
-          </p:nvPr>
-        </p:nvSpPr>
-        <p:spPr>
-          <a:xfrm>
-            <a:off x="1045013" y="4877332"/>
-            <a:ext cx="2286000" cy="594360"/>
-          </a:xfrm>
-        </p:spPr>
+            <p:ph type="sldNum" sz="quarter" idx="12"/>
+          </p:nvPr>
+        </p:nvSpPr>
+        <p:spPr/>
         <p:txBody>
           <a:bodyPr rtlCol="0"/>
           <a:lstStyle/>
           <a:p>
             <a:pPr rtl="0"/>
-            <a:r>
-              <a:rPr lang="en-GB"/>
-              <a:t>Title</a:t>
-            </a:r>
-          </a:p>
-        </p:txBody>
-      </p:sp>
-      <p:sp>
-        <p:nvSpPr>
-          <p:cNvPr id="48" name="Text Placeholder 47">
-            <a:extLst>
-              <a:ext uri="{FF2B5EF4-FFF2-40B4-BE49-F238E27FC236}">
-                <a16:creationId xmlns:a16="http://schemas.microsoft.com/office/drawing/2014/main" id="{AE9A8D92-00FD-4246-866B-B772E0CA7757}"/>
-              </a:ext>
-            </a:extLst>
-          </p:cNvPr>
-          <p:cNvSpPr>
-            <a:spLocks noGrp="1"/>
-          </p:cNvSpPr>
-          <p:nvPr>
-            <p:ph type="body" sz="quarter" idx="22"/>
-          </p:nvPr>
-        </p:nvSpPr>
-        <p:spPr>
-          <a:xfrm>
-            <a:off x="3667663" y="4466873"/>
-            <a:ext cx="2286000" cy="274320"/>
-          </a:xfrm>
-        </p:spPr>
-        <p:txBody>
-          <a:bodyPr rtlCol="0"/>
-          <a:lstStyle/>
-          <a:p>
-            <a:pPr rtl="0"/>
-            <a:r>
-              <a:rPr lang="en-GB"/>
-              <a:t>Name</a:t>
-            </a:r>
-          </a:p>
-        </p:txBody>
-      </p:sp>
-      <p:sp>
-        <p:nvSpPr>
-          <p:cNvPr id="49" name="Text Placeholder 48">
-            <a:extLst>
-              <a:ext uri="{FF2B5EF4-FFF2-40B4-BE49-F238E27FC236}">
-                <a16:creationId xmlns:a16="http://schemas.microsoft.com/office/drawing/2014/main" id="{1522E387-1530-4794-9487-2FB24AFFDC59}"/>
-              </a:ext>
-            </a:extLst>
-          </p:cNvPr>
-          <p:cNvSpPr>
-            <a:spLocks noGrp="1"/>
-          </p:cNvSpPr>
-          <p:nvPr>
-            <p:ph type="body" sz="quarter" idx="23"/>
-          </p:nvPr>
-        </p:nvSpPr>
-        <p:spPr>
-          <a:xfrm>
-            <a:off x="3681308" y="4877332"/>
-            <a:ext cx="2286000" cy="594360"/>
-          </a:xfrm>
-        </p:spPr>
-        <p:txBody>
-          <a:bodyPr rtlCol="0"/>
-          <a:lstStyle/>
-          <a:p>
-            <a:pPr rtl="0"/>
-            <a:r>
-              <a:rPr lang="en-GB"/>
-              <a:t>Title</a:t>
-            </a:r>
-          </a:p>
-        </p:txBody>
-      </p:sp>
-      <p:sp>
-        <p:nvSpPr>
-          <p:cNvPr id="50" name="Text Placeholder 49">
-            <a:extLst>
-              <a:ext uri="{FF2B5EF4-FFF2-40B4-BE49-F238E27FC236}">
-                <a16:creationId xmlns:a16="http://schemas.microsoft.com/office/drawing/2014/main" id="{684E5FF7-FFBE-4834-89C3-708240DAC19B}"/>
-              </a:ext>
-            </a:extLst>
-          </p:cNvPr>
-          <p:cNvSpPr>
-            <a:spLocks noGrp="1"/>
-          </p:cNvSpPr>
-          <p:nvPr>
-            <p:ph type="body" sz="quarter" idx="24"/>
-          </p:nvPr>
-        </p:nvSpPr>
-        <p:spPr>
-          <a:xfrm>
-            <a:off x="6290307" y="4466873"/>
-            <a:ext cx="2286000" cy="274320"/>
-          </a:xfrm>
-        </p:spPr>
-        <p:txBody>
-          <a:bodyPr rtlCol="0"/>
-          <a:lstStyle/>
-          <a:p>
-            <a:pPr rtl="0"/>
-            <a:r>
-              <a:rPr lang="en-GB"/>
-              <a:t>Name</a:t>
-            </a:r>
-          </a:p>
-        </p:txBody>
-      </p:sp>
-      <p:sp>
-        <p:nvSpPr>
-          <p:cNvPr id="51" name="Text Placeholder 50">
-            <a:extLst>
-              <a:ext uri="{FF2B5EF4-FFF2-40B4-BE49-F238E27FC236}">
-                <a16:creationId xmlns:a16="http://schemas.microsoft.com/office/drawing/2014/main" id="{06C01CB0-5757-463B-9D47-3F8CA427DAD9}"/>
-              </a:ext>
-            </a:extLst>
-          </p:cNvPr>
-          <p:cNvSpPr>
-            <a:spLocks noGrp="1"/>
-          </p:cNvSpPr>
-          <p:nvPr>
-            <p:ph type="body" sz="quarter" idx="25"/>
-          </p:nvPr>
-        </p:nvSpPr>
-        <p:spPr>
-          <a:xfrm>
-            <a:off x="6303952" y="4877332"/>
-            <a:ext cx="2286000" cy="594360"/>
-          </a:xfrm>
-        </p:spPr>
-        <p:txBody>
-          <a:bodyPr rtlCol="0"/>
-          <a:lstStyle/>
-          <a:p>
-            <a:pPr rtl="0"/>
-            <a:r>
-              <a:rPr lang="en-GB"/>
-              <a:t>Title</a:t>
-            </a:r>
-          </a:p>
-        </p:txBody>
-      </p:sp>
-      <p:sp>
-        <p:nvSpPr>
-          <p:cNvPr id="52" name="Text Placeholder 51">
-            <a:extLst>
-              <a:ext uri="{FF2B5EF4-FFF2-40B4-BE49-F238E27FC236}">
-                <a16:creationId xmlns:a16="http://schemas.microsoft.com/office/drawing/2014/main" id="{F6EAF102-9D8C-42FA-8631-0A97B8FEAED2}"/>
-              </a:ext>
-            </a:extLst>
-          </p:cNvPr>
-          <p:cNvSpPr>
-            <a:spLocks noGrp="1"/>
-          </p:cNvSpPr>
-          <p:nvPr>
-            <p:ph type="body" sz="quarter" idx="26"/>
-          </p:nvPr>
-        </p:nvSpPr>
-        <p:spPr>
-          <a:xfrm>
-            <a:off x="8924408" y="4466873"/>
-            <a:ext cx="2286000" cy="274320"/>
-          </a:xfrm>
-        </p:spPr>
-        <p:txBody>
-          <a:bodyPr rtlCol="0"/>
-          <a:lstStyle/>
-          <a:p>
-            <a:pPr rtl="0"/>
-            <a:r>
-              <a:rPr lang="en-GB"/>
-              <a:t>Name</a:t>
-            </a:r>
-          </a:p>
-        </p:txBody>
-      </p:sp>
-      <p:sp>
-        <p:nvSpPr>
-          <p:cNvPr id="53" name="Text Placeholder 52">
-            <a:extLst>
-              <a:ext uri="{FF2B5EF4-FFF2-40B4-BE49-F238E27FC236}">
-                <a16:creationId xmlns:a16="http://schemas.microsoft.com/office/drawing/2014/main" id="{69F3136F-4592-4535-9658-790F97780F74}"/>
-              </a:ext>
-            </a:extLst>
-          </p:cNvPr>
-          <p:cNvSpPr>
-            <a:spLocks noGrp="1"/>
-          </p:cNvSpPr>
-          <p:nvPr>
-            <p:ph type="body" sz="quarter" idx="27"/>
-          </p:nvPr>
-        </p:nvSpPr>
-        <p:spPr>
-          <a:xfrm>
-            <a:off x="8938053" y="4877332"/>
-            <a:ext cx="2286000" cy="594360"/>
-          </a:xfrm>
-        </p:spPr>
-        <p:txBody>
-          <a:bodyPr rtlCol="0"/>
-          <a:lstStyle/>
-          <a:p>
-            <a:pPr rtl="0"/>
-            <a:r>
-              <a:rPr lang="en-GB"/>
-              <a:t>Title</a:t>
-            </a:r>
-          </a:p>
-        </p:txBody>
-      </p:sp>
-      <p:sp>
-        <p:nvSpPr>
-          <p:cNvPr id="8" name="Date Placeholder 7">
-            <a:extLst>
-              <a:ext uri="{FF2B5EF4-FFF2-40B4-BE49-F238E27FC236}">
-                <a16:creationId xmlns:a16="http://schemas.microsoft.com/office/drawing/2014/main" id="{4EB44ED7-7731-489B-9F8C-07F5367E9D2E}"/>
-              </a:ext>
-            </a:extLst>
-          </p:cNvPr>
-          <p:cNvSpPr>
-            <a:spLocks noGrp="1"/>
-          </p:cNvSpPr>
-          <p:nvPr>
-            <p:ph type="dt" sz="half" idx="10"/>
-          </p:nvPr>
-        </p:nvSpPr>
-        <p:spPr>
-          <a:xfrm>
-            <a:off x="7909560" y="6409944"/>
-            <a:ext cx="3703320" cy="448056"/>
-          </a:xfrm>
-        </p:spPr>
-        <p:txBody>
-          <a:bodyPr rtlCol="0"/>
-          <a:lstStyle/>
-          <a:p>
-            <a:pPr rtl="0"/>
-            <a:r>
-              <a:rPr lang="en-GB"/>
-              <a:t>Monday, February 1, 20XX</a:t>
-            </a:r>
-          </a:p>
-        </p:txBody>
-      </p:sp>
-      <p:sp>
-        <p:nvSpPr>
-          <p:cNvPr id="10" name="Slide Number Placeholder 9">
-            <a:extLst>
-              <a:ext uri="{FF2B5EF4-FFF2-40B4-BE49-F238E27FC236}">
-                <a16:creationId xmlns:a16="http://schemas.microsoft.com/office/drawing/2014/main" id="{5DB7A9A4-E0AF-4EBE-905E-7610470537F2}"/>
-              </a:ext>
-            </a:extLst>
-          </p:cNvPr>
-          <p:cNvSpPr>
-            <a:spLocks noGrp="1"/>
-          </p:cNvSpPr>
-          <p:nvPr>
-            <p:ph type="sldNum" sz="quarter" idx="12"/>
-          </p:nvPr>
-        </p:nvSpPr>
-        <p:spPr>
-          <a:xfrm>
-            <a:off x="11667744" y="6409944"/>
-            <a:ext cx="438912" cy="448056"/>
-          </a:xfrm>
-        </p:spPr>
-        <p:txBody>
-          <a:bodyPr rtlCol="0"/>
-          <a:lstStyle/>
-          <a:p>
-            <a:pPr rtl="0"/>
-            <a:fld id="{8B48EBF6-60E6-462A-9155-5FAF136BCCBC}" type="slidenum">
+            <a:fld id="{C01389E6-C847-4AD0-B56D-D205B2EAB1EE}" type="slidenum">
               <a:rPr lang="en-GB" smtClean="0"/>
-              <a:pPr/>
               <a:t>8</a:t>
             </a:fld>
             <a:endParaRPr lang="en-GB" dirty="0"/>
@@ -20176,7 +22519,7 @@
     </p:spTree>
     <p:extLst>
       <p:ext uri="{BB962C8B-B14F-4D97-AF65-F5344CB8AC3E}">
-        <p14:creationId xmlns:p14="http://schemas.microsoft.com/office/powerpoint/2010/main" val="2790870031"/>
+        <p14:creationId xmlns:p14="http://schemas.microsoft.com/office/powerpoint/2010/main" val="715360821"/>
       </p:ext>
     </p:extLst>
   </p:cSld>
@@ -20208,7 +22551,7 @@
           <p:cNvPr id="2" name="Title 1">
             <a:extLst>
               <a:ext uri="{FF2B5EF4-FFF2-40B4-BE49-F238E27FC236}">
-                <a16:creationId xmlns:a16="http://schemas.microsoft.com/office/drawing/2014/main" id="{F8A51886-AA43-422E-B193-F1F3DF7D8A4D}"/>
+                <a16:creationId xmlns:a16="http://schemas.microsoft.com/office/drawing/2014/main" id="{A8727B81-0B8B-4365-8134-80651A12C730}"/>
               </a:ext>
             </a:extLst>
           </p:cNvPr>
@@ -20232,17 +22575,17 @@
             <a:pPr rtl="0"/>
             <a:r>
               <a:rPr lang="en-GB"/>
-              <a:t>timeline</a:t>
-            </a:r>
-          </a:p>
-        </p:txBody>
-      </p:sp>
-      <p:sp>
-        <p:nvSpPr>
-          <p:cNvPr id="8" name="Footer Placeholder 7">
-            <a:extLst>
-              <a:ext uri="{FF2B5EF4-FFF2-40B4-BE49-F238E27FC236}">
-                <a16:creationId xmlns:a16="http://schemas.microsoft.com/office/drawing/2014/main" id="{0543A6F8-52D4-4DE7-8CC0-08DC662C2BD6}"/>
+              <a:t>chart</a:t>
+            </a:r>
+          </a:p>
+        </p:txBody>
+      </p:sp>
+      <p:sp>
+        <p:nvSpPr>
+          <p:cNvPr id="3" name="Footer Placeholder 2">
+            <a:extLst>
+              <a:ext uri="{FF2B5EF4-FFF2-40B4-BE49-F238E27FC236}">
+                <a16:creationId xmlns:a16="http://schemas.microsoft.com/office/drawing/2014/main" id="{2C67144F-BC65-415D-8EA3-197F1BA0D1CF}"/>
               </a:ext>
             </a:extLst>
           </p:cNvPr>
@@ -20273,10 +22616,13 @@
       </p:sp>
       <p:graphicFrame>
         <p:nvGraphicFramePr>
-          <p:cNvPr id="7" name="Content Placeholder 6" descr="Timeline Smart Art">
-            <a:extLst>
-              <a:ext uri="{FF2B5EF4-FFF2-40B4-BE49-F238E27FC236}">
-                <a16:creationId xmlns:a16="http://schemas.microsoft.com/office/drawing/2014/main" id="{7F19F4C0-09A9-4052-8CA4-4CE1AF00A359}"/>
+          <p:cNvPr id="7" name="Content Placeholder 15" descr="Bar Chart ">
+            <a:extLst>
+              <a:ext uri="{FF2B5EF4-FFF2-40B4-BE49-F238E27FC236}">
+                <a16:creationId xmlns:a16="http://schemas.microsoft.com/office/drawing/2014/main" id="{5274D981-B49C-4389-A6CB-924B3F0158DF}"/>
+              </a:ext>
+              <a:ext uri="{C183D7F6-B498-43B3-948B-1728B52AA6E4}">
+                <adec:decorative xmlns:adec="http://schemas.microsoft.com/office/drawing/2017/decorative" val="0"/>
               </a:ext>
             </a:extLst>
           </p:cNvPr>
@@ -20287,27 +22633,27 @@
             <p:ph idx="1"/>
             <p:extLst>
               <p:ext uri="{D42A27DB-BD31-4B8C-83A1-F6EECF244321}">
-                <p14:modId xmlns:p14="http://schemas.microsoft.com/office/powerpoint/2010/main" val="2667413758"/>
+                <p14:modId xmlns:p14="http://schemas.microsoft.com/office/powerpoint/2010/main" val="1906429528"/>
               </p:ext>
             </p:extLst>
           </p:nvPr>
         </p:nvGraphicFramePr>
         <p:xfrm>
-          <a:off x="838200" y="1825625"/>
-          <a:ext cx="10515600" cy="4351338"/>
+          <a:off x="1371600" y="2603500"/>
+          <a:ext cx="10190163" cy="3468688"/>
         </p:xfrm>
         <a:graphic>
-          <a:graphicData uri="http://schemas.openxmlformats.org/drawingml/2006/diagram">
-            <dgm:relIds xmlns:dgm="http://schemas.openxmlformats.org/drawingml/2006/diagram" xmlns:r="http://schemas.openxmlformats.org/officeDocument/2006/relationships" r:dm="rId3" r:lo="rId4" r:qs="rId5" r:cs="rId6"/>
+          <a:graphicData uri="http://schemas.openxmlformats.org/drawingml/2006/chart">
+            <c:chart xmlns:c="http://schemas.openxmlformats.org/drawingml/2006/chart" xmlns:r="http://schemas.openxmlformats.org/officeDocument/2006/relationships" r:id="rId2"/>
           </a:graphicData>
         </a:graphic>
       </p:graphicFrame>
       <p:sp>
         <p:nvSpPr>
-          <p:cNvPr id="3" name="Date Placeholder 2">
-            <a:extLst>
-              <a:ext uri="{FF2B5EF4-FFF2-40B4-BE49-F238E27FC236}">
-                <a16:creationId xmlns:a16="http://schemas.microsoft.com/office/drawing/2014/main" id="{5932410C-796A-4C04-978D-E9F12DC15F29}"/>
+          <p:cNvPr id="5" name="Date Placeholder 4">
+            <a:extLst>
+              <a:ext uri="{FF2B5EF4-FFF2-40B4-BE49-F238E27FC236}">
+                <a16:creationId xmlns:a16="http://schemas.microsoft.com/office/drawing/2014/main" id="{822B97E7-EFA7-4FCE-85AE-3715915092B9}"/>
               </a:ext>
             </a:extLst>
           </p:cNvPr>
@@ -20338,10 +22684,10 @@
       </p:sp>
       <p:sp>
         <p:nvSpPr>
-          <p:cNvPr id="5" name="Slide Number Placeholder 4">
-            <a:extLst>
-              <a:ext uri="{FF2B5EF4-FFF2-40B4-BE49-F238E27FC236}">
-                <a16:creationId xmlns:a16="http://schemas.microsoft.com/office/drawing/2014/main" id="{B7AE1B71-4F09-43CB-815A-9B020C22A7F4}"/>
+          <p:cNvPr id="6" name="Slide Number Placeholder 5">
+            <a:extLst>
+              <a:ext uri="{FF2B5EF4-FFF2-40B4-BE49-F238E27FC236}">
+                <a16:creationId xmlns:a16="http://schemas.microsoft.com/office/drawing/2014/main" id="{1BFDF3FA-E37C-4F01-AB1A-E1179A1A74A2}"/>
               </a:ext>
             </a:extLst>
           </p:cNvPr>
@@ -20365,7 +22711,7 @@
             <a:pPr rtl="0"/>
             <a:fld id="{C01389E6-C847-4AD0-B56D-D205B2EAB1EE}" type="slidenum">
               <a:rPr lang="en-GB" smtClean="0"/>
-              <a:pPr/>
+              <a:pPr rtl="0"/>
               <a:t>9</a:t>
             </a:fld>
             <a:endParaRPr lang="en-GB" dirty="0"/>
@@ -20375,7 +22721,7 @@
     </p:spTree>
     <p:extLst>
       <p:ext uri="{BB962C8B-B14F-4D97-AF65-F5344CB8AC3E}">
-        <p14:creationId xmlns:p14="http://schemas.microsoft.com/office/powerpoint/2010/main" val="61361026"/>
+        <p14:creationId xmlns:p14="http://schemas.microsoft.com/office/powerpoint/2010/main" val="1153327679"/>
       </p:ext>
     </p:extLst>
   </p:cSld>
@@ -21177,22 +23523,12 @@
 </file>
 
 <file path=customXml/item1.xml><?xml version="1.0" encoding="utf-8"?>
-<p:properties xmlns:p="http://schemas.microsoft.com/office/2006/metadata/properties" xmlns:xsi="http://www.w3.org/2001/XMLSchema-instance" xmlns:pc="http://schemas.microsoft.com/office/infopath/2007/PartnerControls">
-  <documentManagement>
-    <_ip_UnifiedCompliancePolicyUIAction xmlns="http://schemas.microsoft.com/sharepoint/v3" xsi:nil="true"/>
-    <Image xmlns="71af3243-3dd4-4a8d-8c0d-dd76da1f02a5">
-      <Url xsi:nil="true"/>
-      <Description xsi:nil="true"/>
-    </Image>
-    <Status xmlns="71af3243-3dd4-4a8d-8c0d-dd76da1f02a5">Not started</Status>
-    <_ip_UnifiedCompliancePolicyProperties xmlns="http://schemas.microsoft.com/sharepoint/v3" xsi:nil="true"/>
-    <lcf76f155ced4ddcb4097134ff3c332f xmlns="71af3243-3dd4-4a8d-8c0d-dd76da1f02a5">
-      <Terms xmlns="http://schemas.microsoft.com/office/infopath/2007/PartnerControls"/>
-    </lcf76f155ced4ddcb4097134ff3c332f>
-    <TaxCatchAll xmlns="230e9df3-be65-4c73-a93b-d1236ebd677e"/>
-    <MediaServiceKeyPoints xmlns="71af3243-3dd4-4a8d-8c0d-dd76da1f02a5" xsi:nil="true"/>
-  </documentManagement>
-</p:properties>
+<?mso-contentType ?>
+<FormTemplates xmlns="http://schemas.microsoft.com/sharepoint/v3/contenttype/forms">
+  <Display>DocumentLibraryForm</Display>
+  <Edit>DocumentLibraryForm</Edit>
+  <New>DocumentLibraryForm</New>
+</FormTemplates>
 </file>
 
 <file path=customXml/item2.xml><?xml version="1.0" encoding="utf-8"?>
@@ -21472,22 +23808,28 @@
 </file>
 
 <file path=customXml/item3.xml><?xml version="1.0" encoding="utf-8"?>
-<?mso-contentType ?>
-<FormTemplates xmlns="http://schemas.microsoft.com/sharepoint/v3/contenttype/forms">
-  <Display>DocumentLibraryForm</Display>
-  <Edit>DocumentLibraryForm</Edit>
-  <New>DocumentLibraryForm</New>
-</FormTemplates>
+<p:properties xmlns:p="http://schemas.microsoft.com/office/2006/metadata/properties" xmlns:xsi="http://www.w3.org/2001/XMLSchema-instance" xmlns:pc="http://schemas.microsoft.com/office/infopath/2007/PartnerControls">
+  <documentManagement>
+    <_ip_UnifiedCompliancePolicyUIAction xmlns="http://schemas.microsoft.com/sharepoint/v3" xsi:nil="true"/>
+    <Image xmlns="71af3243-3dd4-4a8d-8c0d-dd76da1f02a5">
+      <Url xsi:nil="true"/>
+      <Description xsi:nil="true"/>
+    </Image>
+    <Status xmlns="71af3243-3dd4-4a8d-8c0d-dd76da1f02a5">Not started</Status>
+    <_ip_UnifiedCompliancePolicyProperties xmlns="http://schemas.microsoft.com/sharepoint/v3" xsi:nil="true"/>
+    <lcf76f155ced4ddcb4097134ff3c332f xmlns="71af3243-3dd4-4a8d-8c0d-dd76da1f02a5">
+      <Terms xmlns="http://schemas.microsoft.com/office/infopath/2007/PartnerControls"/>
+    </lcf76f155ced4ddcb4097134ff3c332f>
+    <TaxCatchAll xmlns="230e9df3-be65-4c73-a93b-d1236ebd677e"/>
+    <MediaServiceKeyPoints xmlns="71af3243-3dd4-4a8d-8c0d-dd76da1f02a5" xsi:nil="true"/>
+  </documentManagement>
+</p:properties>
 </file>
 
 <file path=customXml/itemProps1.xml><?xml version="1.0" encoding="utf-8"?>
-<ds:datastoreItem xmlns:ds="http://schemas.openxmlformats.org/officeDocument/2006/customXml" ds:itemID="{9B9123E8-1B6B-49B5-873D-A8D01C369B68}">
+<ds:datastoreItem xmlns:ds="http://schemas.openxmlformats.org/officeDocument/2006/customXml" ds:itemID="{8C51EB17-D597-42E7-995C-18B75FCBF237}">
   <ds:schemaRefs>
-    <ds:schemaRef ds:uri="http://schemas.microsoft.com/office/2006/metadata/properties"/>
-    <ds:schemaRef ds:uri="http://schemas.microsoft.com/office/infopath/2007/PartnerControls"/>
-    <ds:schemaRef ds:uri="http://schemas.microsoft.com/sharepoint/v3"/>
-    <ds:schemaRef ds:uri="71af3243-3dd4-4a8d-8c0d-dd76da1f02a5"/>
-    <ds:schemaRef ds:uri="230e9df3-be65-4c73-a93b-d1236ebd677e"/>
+    <ds:schemaRef ds:uri="http://schemas.microsoft.com/sharepoint/v3/contenttype/forms"/>
   </ds:schemaRefs>
 </ds:datastoreItem>
 </file>
@@ -21514,15 +23856,13 @@
 </file>
 
 <file path=customXml/itemProps3.xml><?xml version="1.0" encoding="utf-8"?>
-<ds:datastoreItem xmlns:ds="http://schemas.openxmlformats.org/officeDocument/2006/customXml" ds:itemID="{8C51EB17-D597-42E7-995C-18B75FCBF237}">
+<ds:datastoreItem xmlns:ds="http://schemas.openxmlformats.org/officeDocument/2006/customXml" ds:itemID="{9B9123E8-1B6B-49B5-873D-A8D01C369B68}">
   <ds:schemaRefs>
-    <ds:schemaRef ds:uri="http://schemas.microsoft.com/sharepoint/v3/contenttype/forms"/>
+    <ds:schemaRef ds:uri="http://schemas.microsoft.com/office/2006/metadata/properties"/>
+    <ds:schemaRef ds:uri="http://schemas.microsoft.com/office/infopath/2007/PartnerControls"/>
+    <ds:schemaRef ds:uri="http://schemas.microsoft.com/sharepoint/v3"/>
+    <ds:schemaRef ds:uri="71af3243-3dd4-4a8d-8c0d-dd76da1f02a5"/>
+    <ds:schemaRef ds:uri="230e9df3-be65-4c73-a93b-d1236ebd677e"/>
   </ds:schemaRefs>
 </ds:datastoreItem>
-</file>
-
-<file path=docMetadata/LabelInfo.xml><?xml version="1.0" encoding="utf-8"?>
-<clbl:labelList xmlns:clbl="http://schemas.microsoft.com/office/2020/mipLabelMetadata">
-  <clbl:label id="{f42aa342-8706-4288-bd11-ebb85995028c}" enabled="1" method="Standard" siteId="{72f988bf-86f1-41af-91ab-2d7cd011db47}" contentBits="0" removed="0"/>
-</clbl:labelList>
 </file>
--- a/slides/Mambo no 5.pptx
+++ b/slides/Mambo no 5.pptx
@@ -19,11 +19,11 @@
     <p:sldId id="290" r:id="rId10"/>
     <p:sldId id="291" r:id="rId11"/>
     <p:sldId id="275" r:id="rId12"/>
-    <p:sldId id="288" r:id="rId13"/>
-    <p:sldId id="287" r:id="rId14"/>
-    <p:sldId id="266" r:id="rId15"/>
-    <p:sldId id="273" r:id="rId16"/>
-    <p:sldId id="280" r:id="rId17"/>
+    <p:sldId id="292" r:id="rId13"/>
+    <p:sldId id="266" r:id="rId14"/>
+    <p:sldId id="293" r:id="rId15"/>
+    <p:sldId id="280" r:id="rId16"/>
+    <p:sldId id="294" r:id="rId17"/>
     <p:sldId id="281" r:id="rId18"/>
     <p:sldId id="284" r:id="rId19"/>
     <p:sldId id="279" r:id="rId20"/>
@@ -145,1006 +145,6 @@
     </p:ext>
   </p:extLst>
 </p:presentation>
-</file>
-
-<file path=ppt/charts/chart1.xml><?xml version="1.0" encoding="utf-8"?>
-<c:chartSpace xmlns:c="http://schemas.openxmlformats.org/drawingml/2006/chart" xmlns:a="http://schemas.openxmlformats.org/drawingml/2006/main" xmlns:r="http://schemas.openxmlformats.org/officeDocument/2006/relationships" xmlns:c16r2="http://schemas.microsoft.com/office/drawing/2015/06/chart">
-  <c:date1904 val="0"/>
-  <c:lang val="en-GB"/>
-  <c:roundedCorners val="0"/>
-  <mc:AlternateContent xmlns:mc="http://schemas.openxmlformats.org/markup-compatibility/2006">
-    <mc:Choice xmlns:c14="http://schemas.microsoft.com/office/drawing/2007/8/2/chart" Requires="c14">
-      <c14:style val="102"/>
-    </mc:Choice>
-    <mc:Fallback>
-      <c:style val="2"/>
-    </mc:Fallback>
-  </mc:AlternateContent>
-  <c:chart>
-    <c:title>
-      <c:overlay val="0"/>
-      <c:spPr>
-        <a:noFill/>
-        <a:ln>
-          <a:noFill/>
-        </a:ln>
-        <a:effectLst/>
-      </c:spPr>
-      <c:txPr>
-        <a:bodyPr rot="0" spcFirstLastPara="1" vertOverflow="ellipsis" vert="horz" wrap="square" anchor="ctr" anchorCtr="1"/>
-        <a:lstStyle/>
-        <a:p>
-          <a:pPr>
-            <a:defRPr sz="1862" b="0" i="0" u="none" strike="noStrike" kern="1200" spc="0" baseline="0">
-              <a:solidFill>
-                <a:schemeClr val="tx1">
-                  <a:lumMod val="65000"/>
-                  <a:lumOff val="35000"/>
-                </a:schemeClr>
-              </a:solidFill>
-              <a:latin typeface="+mn-lt"/>
-              <a:ea typeface="+mn-ea"/>
-              <a:cs typeface="+mn-cs"/>
-            </a:defRPr>
-          </a:pPr>
-          <a:endParaRPr lang="en-US"/>
-        </a:p>
-      </c:txPr>
-    </c:title>
-    <c:autoTitleDeleted val="0"/>
-    <c:plotArea>
-      <c:layout/>
-      <c:barChart>
-        <c:barDir val="col"/>
-        <c:grouping val="clustered"/>
-        <c:varyColors val="0"/>
-        <c:ser>
-          <c:idx val="0"/>
-          <c:order val="0"/>
-          <c:tx>
-            <c:strRef>
-              <c:f>Sheet1!$B$1</c:f>
-              <c:strCache>
-                <c:ptCount val="1"/>
-                <c:pt idx="0">
-                  <c:v>Series 1</c:v>
-                </c:pt>
-              </c:strCache>
-            </c:strRef>
-          </c:tx>
-          <c:spPr>
-            <a:solidFill>
-              <a:schemeClr val="accent1"/>
-            </a:solidFill>
-            <a:ln>
-              <a:noFill/>
-            </a:ln>
-            <a:effectLst/>
-          </c:spPr>
-          <c:invertIfNegative val="0"/>
-          <c:cat>
-            <c:strRef>
-              <c:f>Sheet1!$A$2:$A$5</c:f>
-              <c:strCache>
-                <c:ptCount val="4"/>
-                <c:pt idx="0">
-                  <c:v>Category 1</c:v>
-                </c:pt>
-                <c:pt idx="1">
-                  <c:v>Category 2</c:v>
-                </c:pt>
-                <c:pt idx="2">
-                  <c:v>Category 3</c:v>
-                </c:pt>
-                <c:pt idx="3">
-                  <c:v>Category 4</c:v>
-                </c:pt>
-              </c:strCache>
-            </c:strRef>
-          </c:cat>
-          <c:val>
-            <c:numRef>
-              <c:f>Sheet1!$B$2:$B$5</c:f>
-              <c:numCache>
-                <c:formatCode>General</c:formatCode>
-                <c:ptCount val="4"/>
-                <c:pt idx="0">
-                  <c:v>4.3</c:v>
-                </c:pt>
-                <c:pt idx="1">
-                  <c:v>2.5</c:v>
-                </c:pt>
-                <c:pt idx="2">
-                  <c:v>3.5</c:v>
-                </c:pt>
-                <c:pt idx="3">
-                  <c:v>4.5</c:v>
-                </c:pt>
-              </c:numCache>
-            </c:numRef>
-          </c:val>
-          <c:extLst>
-            <c:ext xmlns:c16="http://schemas.microsoft.com/office/drawing/2014/chart" uri="{C3380CC4-5D6E-409C-BE32-E72D297353CC}">
-              <c16:uniqueId val="{00000000-4E88-4244-9F83-DDFA3F41D7EF}"/>
-            </c:ext>
-          </c:extLst>
-        </c:ser>
-        <c:ser>
-          <c:idx val="1"/>
-          <c:order val="1"/>
-          <c:tx>
-            <c:strRef>
-              <c:f>Sheet1!$C$1</c:f>
-              <c:strCache>
-                <c:ptCount val="1"/>
-                <c:pt idx="0">
-                  <c:v>Series 2</c:v>
-                </c:pt>
-              </c:strCache>
-            </c:strRef>
-          </c:tx>
-          <c:spPr>
-            <a:solidFill>
-              <a:schemeClr val="accent2"/>
-            </a:solidFill>
-            <a:ln>
-              <a:noFill/>
-            </a:ln>
-            <a:effectLst/>
-          </c:spPr>
-          <c:invertIfNegative val="0"/>
-          <c:cat>
-            <c:strRef>
-              <c:f>Sheet1!$A$2:$A$5</c:f>
-              <c:strCache>
-                <c:ptCount val="4"/>
-                <c:pt idx="0">
-                  <c:v>Category 1</c:v>
-                </c:pt>
-                <c:pt idx="1">
-                  <c:v>Category 2</c:v>
-                </c:pt>
-                <c:pt idx="2">
-                  <c:v>Category 3</c:v>
-                </c:pt>
-                <c:pt idx="3">
-                  <c:v>Category 4</c:v>
-                </c:pt>
-              </c:strCache>
-            </c:strRef>
-          </c:cat>
-          <c:val>
-            <c:numRef>
-              <c:f>Sheet1!$C$2:$C$5</c:f>
-              <c:numCache>
-                <c:formatCode>General</c:formatCode>
-                <c:ptCount val="4"/>
-                <c:pt idx="0">
-                  <c:v>2.4</c:v>
-                </c:pt>
-                <c:pt idx="1">
-                  <c:v>4.4000000000000004</c:v>
-                </c:pt>
-                <c:pt idx="2">
-                  <c:v>1.8</c:v>
-                </c:pt>
-                <c:pt idx="3">
-                  <c:v>2.8</c:v>
-                </c:pt>
-              </c:numCache>
-            </c:numRef>
-          </c:val>
-          <c:extLst>
-            <c:ext xmlns:c16="http://schemas.microsoft.com/office/drawing/2014/chart" uri="{C3380CC4-5D6E-409C-BE32-E72D297353CC}">
-              <c16:uniqueId val="{00000001-4E88-4244-9F83-DDFA3F41D7EF}"/>
-            </c:ext>
-          </c:extLst>
-        </c:ser>
-        <c:ser>
-          <c:idx val="2"/>
-          <c:order val="2"/>
-          <c:tx>
-            <c:strRef>
-              <c:f>Sheet1!$D$1</c:f>
-              <c:strCache>
-                <c:ptCount val="1"/>
-                <c:pt idx="0">
-                  <c:v>Series 3</c:v>
-                </c:pt>
-              </c:strCache>
-            </c:strRef>
-          </c:tx>
-          <c:spPr>
-            <a:solidFill>
-              <a:schemeClr val="accent3"/>
-            </a:solidFill>
-            <a:ln>
-              <a:noFill/>
-            </a:ln>
-            <a:effectLst/>
-          </c:spPr>
-          <c:invertIfNegative val="0"/>
-          <c:cat>
-            <c:strRef>
-              <c:f>Sheet1!$A$2:$A$5</c:f>
-              <c:strCache>
-                <c:ptCount val="4"/>
-                <c:pt idx="0">
-                  <c:v>Category 1</c:v>
-                </c:pt>
-                <c:pt idx="1">
-                  <c:v>Category 2</c:v>
-                </c:pt>
-                <c:pt idx="2">
-                  <c:v>Category 3</c:v>
-                </c:pt>
-                <c:pt idx="3">
-                  <c:v>Category 4</c:v>
-                </c:pt>
-              </c:strCache>
-            </c:strRef>
-          </c:cat>
-          <c:val>
-            <c:numRef>
-              <c:f>Sheet1!$D$2:$D$5</c:f>
-              <c:numCache>
-                <c:formatCode>General</c:formatCode>
-                <c:ptCount val="4"/>
-                <c:pt idx="0">
-                  <c:v>2</c:v>
-                </c:pt>
-                <c:pt idx="1">
-                  <c:v>2</c:v>
-                </c:pt>
-                <c:pt idx="2">
-                  <c:v>3</c:v>
-                </c:pt>
-                <c:pt idx="3">
-                  <c:v>5</c:v>
-                </c:pt>
-              </c:numCache>
-            </c:numRef>
-          </c:val>
-          <c:extLst>
-            <c:ext xmlns:c16="http://schemas.microsoft.com/office/drawing/2014/chart" uri="{C3380CC4-5D6E-409C-BE32-E72D297353CC}">
-              <c16:uniqueId val="{00000002-4E88-4244-9F83-DDFA3F41D7EF}"/>
-            </c:ext>
-          </c:extLst>
-        </c:ser>
-        <c:dLbls>
-          <c:showLegendKey val="0"/>
-          <c:showVal val="0"/>
-          <c:showCatName val="0"/>
-          <c:showSerName val="0"/>
-          <c:showPercent val="0"/>
-          <c:showBubbleSize val="0"/>
-        </c:dLbls>
-        <c:gapWidth val="219"/>
-        <c:overlap val="-27"/>
-        <c:axId val="1627454304"/>
-        <c:axId val="1627456384"/>
-      </c:barChart>
-      <c:catAx>
-        <c:axId val="1627454304"/>
-        <c:scaling>
-          <c:orientation val="minMax"/>
-        </c:scaling>
-        <c:delete val="0"/>
-        <c:axPos val="b"/>
-        <c:numFmt formatCode="General" sourceLinked="1"/>
-        <c:majorTickMark val="none"/>
-        <c:minorTickMark val="none"/>
-        <c:tickLblPos val="nextTo"/>
-        <c:spPr>
-          <a:noFill/>
-          <a:ln w="9525" cap="flat" cmpd="sng" algn="ctr">
-            <a:solidFill>
-              <a:schemeClr val="tx1">
-                <a:lumMod val="15000"/>
-                <a:lumOff val="85000"/>
-              </a:schemeClr>
-            </a:solidFill>
-            <a:round/>
-          </a:ln>
-          <a:effectLst/>
-        </c:spPr>
-        <c:txPr>
-          <a:bodyPr rot="-60000000" spcFirstLastPara="1" vertOverflow="ellipsis" vert="horz" wrap="square" anchor="ctr" anchorCtr="1"/>
-          <a:lstStyle/>
-          <a:p>
-            <a:pPr>
-              <a:defRPr sz="1197" b="0" i="0" u="none" strike="noStrike" kern="1200" baseline="0">
-                <a:solidFill>
-                  <a:schemeClr val="tx1">
-                    <a:lumMod val="65000"/>
-                    <a:lumOff val="35000"/>
-                  </a:schemeClr>
-                </a:solidFill>
-                <a:latin typeface="+mn-lt"/>
-                <a:ea typeface="+mn-ea"/>
-                <a:cs typeface="+mn-cs"/>
-              </a:defRPr>
-            </a:pPr>
-            <a:endParaRPr lang="en-US"/>
-          </a:p>
-        </c:txPr>
-        <c:crossAx val="1627456384"/>
-        <c:crosses val="autoZero"/>
-        <c:auto val="1"/>
-        <c:lblAlgn val="ctr"/>
-        <c:lblOffset val="100"/>
-        <c:noMultiLvlLbl val="0"/>
-      </c:catAx>
-      <c:valAx>
-        <c:axId val="1627456384"/>
-        <c:scaling>
-          <c:orientation val="minMax"/>
-        </c:scaling>
-        <c:delete val="0"/>
-        <c:axPos val="l"/>
-        <c:majorGridlines>
-          <c:spPr>
-            <a:ln w="9525" cap="flat" cmpd="sng" algn="ctr">
-              <a:solidFill>
-                <a:schemeClr val="tx1">
-                  <a:lumMod val="15000"/>
-                  <a:lumOff val="85000"/>
-                </a:schemeClr>
-              </a:solidFill>
-              <a:round/>
-            </a:ln>
-            <a:effectLst/>
-          </c:spPr>
-        </c:majorGridlines>
-        <c:numFmt formatCode="General" sourceLinked="1"/>
-        <c:majorTickMark val="none"/>
-        <c:minorTickMark val="none"/>
-        <c:tickLblPos val="nextTo"/>
-        <c:spPr>
-          <a:noFill/>
-          <a:ln>
-            <a:noFill/>
-          </a:ln>
-          <a:effectLst/>
-        </c:spPr>
-        <c:txPr>
-          <a:bodyPr rot="-60000000" spcFirstLastPara="1" vertOverflow="ellipsis" vert="horz" wrap="square" anchor="ctr" anchorCtr="1"/>
-          <a:lstStyle/>
-          <a:p>
-            <a:pPr>
-              <a:defRPr sz="1197" b="0" i="0" u="none" strike="noStrike" kern="1200" baseline="0">
-                <a:solidFill>
-                  <a:schemeClr val="tx1">
-                    <a:lumMod val="65000"/>
-                    <a:lumOff val="35000"/>
-                  </a:schemeClr>
-                </a:solidFill>
-                <a:latin typeface="+mn-lt"/>
-                <a:ea typeface="+mn-ea"/>
-                <a:cs typeface="+mn-cs"/>
-              </a:defRPr>
-            </a:pPr>
-            <a:endParaRPr lang="en-US"/>
-          </a:p>
-        </c:txPr>
-        <c:crossAx val="1627454304"/>
-        <c:crosses val="autoZero"/>
-        <c:crossBetween val="between"/>
-      </c:valAx>
-      <c:spPr>
-        <a:noFill/>
-        <a:ln>
-          <a:noFill/>
-        </a:ln>
-        <a:effectLst/>
-      </c:spPr>
-    </c:plotArea>
-    <c:legend>
-      <c:legendPos val="b"/>
-      <c:overlay val="0"/>
-      <c:spPr>
-        <a:noFill/>
-        <a:ln>
-          <a:noFill/>
-        </a:ln>
-        <a:effectLst/>
-      </c:spPr>
-      <c:txPr>
-        <a:bodyPr rot="0" spcFirstLastPara="1" vertOverflow="ellipsis" vert="horz" wrap="square" anchor="ctr" anchorCtr="1"/>
-        <a:lstStyle/>
-        <a:p>
-          <a:pPr>
-            <a:defRPr sz="1197" b="0" i="0" u="none" strike="noStrike" kern="1200" baseline="0">
-              <a:solidFill>
-                <a:schemeClr val="tx1">
-                  <a:lumMod val="65000"/>
-                  <a:lumOff val="35000"/>
-                </a:schemeClr>
-              </a:solidFill>
-              <a:latin typeface="+mn-lt"/>
-              <a:ea typeface="+mn-ea"/>
-              <a:cs typeface="+mn-cs"/>
-            </a:defRPr>
-          </a:pPr>
-          <a:endParaRPr lang="en-US"/>
-        </a:p>
-      </c:txPr>
-    </c:legend>
-    <c:plotVisOnly val="1"/>
-    <c:dispBlanksAs val="gap"/>
-    <c:extLst>
-      <c:ext xmlns:c16r3="http://schemas.microsoft.com/office/drawing/2017/03/chart" uri="{56B9EC1D-385E-4148-901F-78D8002777C0}">
-        <c16r3:dataDisplayOptions16>
-          <c16r3:dispNaAsBlank val="1"/>
-        </c16r3:dataDisplayOptions16>
-      </c:ext>
-    </c:extLst>
-    <c:showDLblsOverMax val="0"/>
-  </c:chart>
-  <c:spPr>
-    <a:noFill/>
-    <a:ln>
-      <a:noFill/>
-    </a:ln>
-    <a:effectLst/>
-  </c:spPr>
-  <c:txPr>
-    <a:bodyPr/>
-    <a:lstStyle/>
-    <a:p>
-      <a:pPr>
-        <a:defRPr/>
-      </a:pPr>
-      <a:endParaRPr lang="en-US"/>
-    </a:p>
-  </c:txPr>
-  <c:externalData r:id="rId3">
-    <c:autoUpdate val="0"/>
-  </c:externalData>
-</c:chartSpace>
-</file>
-
-<file path=ppt/charts/colors1.xml><?xml version="1.0" encoding="utf-8"?>
-<cs:colorStyle xmlns:cs="http://schemas.microsoft.com/office/drawing/2012/chartStyle" xmlns:a="http://schemas.openxmlformats.org/drawingml/2006/main" meth="cycle" id="10">
-  <a:schemeClr val="accent1"/>
-  <a:schemeClr val="accent2"/>
-  <a:schemeClr val="accent3"/>
-  <a:schemeClr val="accent4"/>
-  <a:schemeClr val="accent5"/>
-  <a:schemeClr val="accent6"/>
-  <cs:variation/>
-  <cs:variation>
-    <a:lumMod val="60000"/>
-  </cs:variation>
-  <cs:variation>
-    <a:lumMod val="80000"/>
-    <a:lumOff val="20000"/>
-  </cs:variation>
-  <cs:variation>
-    <a:lumMod val="80000"/>
-  </cs:variation>
-  <cs:variation>
-    <a:lumMod val="60000"/>
-    <a:lumOff val="40000"/>
-  </cs:variation>
-  <cs:variation>
-    <a:lumMod val="50000"/>
-  </cs:variation>
-  <cs:variation>
-    <a:lumMod val="70000"/>
-    <a:lumOff val="30000"/>
-  </cs:variation>
-  <cs:variation>
-    <a:lumMod val="70000"/>
-  </cs:variation>
-  <cs:variation>
-    <a:lumMod val="50000"/>
-    <a:lumOff val="50000"/>
-  </cs:variation>
-</cs:colorStyle>
-</file>
-
-<file path=ppt/charts/style1.xml><?xml version="1.0" encoding="utf-8"?>
-<cs:chartStyle xmlns:cs="http://schemas.microsoft.com/office/drawing/2012/chartStyle" xmlns:a="http://schemas.openxmlformats.org/drawingml/2006/main" id="201">
-  <cs:axisTitle>
-    <cs:lnRef idx="0"/>
-    <cs:fillRef idx="0"/>
-    <cs:effectRef idx="0"/>
-    <cs:fontRef idx="minor">
-      <a:schemeClr val="tx1">
-        <a:lumMod val="65000"/>
-        <a:lumOff val="35000"/>
-      </a:schemeClr>
-    </cs:fontRef>
-    <cs:defRPr sz="1330" kern="1200"/>
-  </cs:axisTitle>
-  <cs:categoryAxis>
-    <cs:lnRef idx="0"/>
-    <cs:fillRef idx="0"/>
-    <cs:effectRef idx="0"/>
-    <cs:fontRef idx="minor">
-      <a:schemeClr val="tx1">
-        <a:lumMod val="65000"/>
-        <a:lumOff val="35000"/>
-      </a:schemeClr>
-    </cs:fontRef>
-    <cs:spPr>
-      <a:ln w="9525" cap="flat" cmpd="sng" algn="ctr">
-        <a:solidFill>
-          <a:schemeClr val="tx1">
-            <a:lumMod val="15000"/>
-            <a:lumOff val="85000"/>
-          </a:schemeClr>
-        </a:solidFill>
-        <a:round/>
-      </a:ln>
-    </cs:spPr>
-    <cs:defRPr sz="1197" kern="1200"/>
-  </cs:categoryAxis>
-  <cs:chartArea mods="allowNoFillOverride allowNoLineOverride">
-    <cs:lnRef idx="0"/>
-    <cs:fillRef idx="0"/>
-    <cs:effectRef idx="0"/>
-    <cs:fontRef idx="minor">
-      <a:schemeClr val="tx1"/>
-    </cs:fontRef>
-    <cs:spPr>
-      <a:solidFill>
-        <a:schemeClr val="bg1"/>
-      </a:solidFill>
-      <a:ln w="9525" cap="flat" cmpd="sng" algn="ctr">
-        <a:solidFill>
-          <a:schemeClr val="tx1">
-            <a:lumMod val="15000"/>
-            <a:lumOff val="85000"/>
-          </a:schemeClr>
-        </a:solidFill>
-        <a:round/>
-      </a:ln>
-    </cs:spPr>
-    <cs:defRPr sz="1330" kern="1200"/>
-  </cs:chartArea>
-  <cs:dataLabel>
-    <cs:lnRef idx="0"/>
-    <cs:fillRef idx="0"/>
-    <cs:effectRef idx="0"/>
-    <cs:fontRef idx="minor">
-      <a:schemeClr val="tx1">
-        <a:lumMod val="75000"/>
-        <a:lumOff val="25000"/>
-      </a:schemeClr>
-    </cs:fontRef>
-    <cs:defRPr sz="1197" kern="1200"/>
-  </cs:dataLabel>
-  <cs:dataLabelCallout>
-    <cs:lnRef idx="0"/>
-    <cs:fillRef idx="0"/>
-    <cs:effectRef idx="0"/>
-    <cs:fontRef idx="minor">
-      <a:schemeClr val="dk1">
-        <a:lumMod val="65000"/>
-        <a:lumOff val="35000"/>
-      </a:schemeClr>
-    </cs:fontRef>
-    <cs:spPr>
-      <a:solidFill>
-        <a:schemeClr val="lt1"/>
-      </a:solidFill>
-      <a:ln>
-        <a:solidFill>
-          <a:schemeClr val="dk1">
-            <a:lumMod val="25000"/>
-            <a:lumOff val="75000"/>
-          </a:schemeClr>
-        </a:solidFill>
-      </a:ln>
-    </cs:spPr>
-    <cs:defRPr sz="1197" kern="1200"/>
-    <cs:bodyPr rot="0" spcFirstLastPara="1" vertOverflow="clip" horzOverflow="clip" vert="horz" wrap="square" lIns="36576" tIns="18288" rIns="36576" bIns="18288" anchor="ctr" anchorCtr="1">
-      <a:spAutoFit/>
-    </cs:bodyPr>
-  </cs:dataLabelCallout>
-  <cs:dataPoint>
-    <cs:lnRef idx="0"/>
-    <cs:fillRef idx="1">
-      <cs:styleClr val="auto"/>
-    </cs:fillRef>
-    <cs:effectRef idx="0"/>
-    <cs:fontRef idx="minor">
-      <a:schemeClr val="tx1"/>
-    </cs:fontRef>
-  </cs:dataPoint>
-  <cs:dataPoint3D>
-    <cs:lnRef idx="0"/>
-    <cs:fillRef idx="1">
-      <cs:styleClr val="auto"/>
-    </cs:fillRef>
-    <cs:effectRef idx="0"/>
-    <cs:fontRef idx="minor">
-      <a:schemeClr val="tx1"/>
-    </cs:fontRef>
-  </cs:dataPoint3D>
-  <cs:dataPointLine>
-    <cs:lnRef idx="0">
-      <cs:styleClr val="auto"/>
-    </cs:lnRef>
-    <cs:fillRef idx="1"/>
-    <cs:effectRef idx="0"/>
-    <cs:fontRef idx="minor">
-      <a:schemeClr val="tx1"/>
-    </cs:fontRef>
-    <cs:spPr>
-      <a:ln w="28575" cap="rnd">
-        <a:solidFill>
-          <a:schemeClr val="phClr"/>
-        </a:solidFill>
-        <a:round/>
-      </a:ln>
-    </cs:spPr>
-  </cs:dataPointLine>
-  <cs:dataPointMarker>
-    <cs:lnRef idx="0">
-      <cs:styleClr val="auto"/>
-    </cs:lnRef>
-    <cs:fillRef idx="1">
-      <cs:styleClr val="auto"/>
-    </cs:fillRef>
-    <cs:effectRef idx="0"/>
-    <cs:fontRef idx="minor">
-      <a:schemeClr val="tx1"/>
-    </cs:fontRef>
-    <cs:spPr>
-      <a:ln w="9525">
-        <a:solidFill>
-          <a:schemeClr val="phClr"/>
-        </a:solidFill>
-      </a:ln>
-    </cs:spPr>
-  </cs:dataPointMarker>
-  <cs:dataPointMarkerLayout symbol="circle" size="5"/>
-  <cs:dataPointWireframe>
-    <cs:lnRef idx="0">
-      <cs:styleClr val="auto"/>
-    </cs:lnRef>
-    <cs:fillRef idx="1"/>
-    <cs:effectRef idx="0"/>
-    <cs:fontRef idx="minor">
-      <a:schemeClr val="tx1"/>
-    </cs:fontRef>
-    <cs:spPr>
-      <a:ln w="9525" cap="rnd">
-        <a:solidFill>
-          <a:schemeClr val="phClr"/>
-        </a:solidFill>
-        <a:round/>
-      </a:ln>
-    </cs:spPr>
-  </cs:dataPointWireframe>
-  <cs:dataTable>
-    <cs:lnRef idx="0"/>
-    <cs:fillRef idx="0"/>
-    <cs:effectRef idx="0"/>
-    <cs:fontRef idx="minor">
-      <a:schemeClr val="tx1">
-        <a:lumMod val="65000"/>
-        <a:lumOff val="35000"/>
-      </a:schemeClr>
-    </cs:fontRef>
-    <cs:spPr>
-      <a:noFill/>
-      <a:ln w="9525" cap="flat" cmpd="sng" algn="ctr">
-        <a:solidFill>
-          <a:schemeClr val="tx1">
-            <a:lumMod val="15000"/>
-            <a:lumOff val="85000"/>
-          </a:schemeClr>
-        </a:solidFill>
-        <a:round/>
-      </a:ln>
-    </cs:spPr>
-    <cs:defRPr sz="1197" kern="1200"/>
-  </cs:dataTable>
-  <cs:downBar>
-    <cs:lnRef idx="0"/>
-    <cs:fillRef idx="0"/>
-    <cs:effectRef idx="0"/>
-    <cs:fontRef idx="minor">
-      <a:schemeClr val="dk1"/>
-    </cs:fontRef>
-    <cs:spPr>
-      <a:solidFill>
-        <a:schemeClr val="dk1">
-          <a:lumMod val="65000"/>
-          <a:lumOff val="35000"/>
-        </a:schemeClr>
-      </a:solidFill>
-      <a:ln w="9525">
-        <a:solidFill>
-          <a:schemeClr val="tx1">
-            <a:lumMod val="65000"/>
-            <a:lumOff val="35000"/>
-          </a:schemeClr>
-        </a:solidFill>
-      </a:ln>
-    </cs:spPr>
-  </cs:downBar>
-  <cs:dropLine>
-    <cs:lnRef idx="0"/>
-    <cs:fillRef idx="0"/>
-    <cs:effectRef idx="0"/>
-    <cs:fontRef idx="minor">
-      <a:schemeClr val="tx1"/>
-    </cs:fontRef>
-    <cs:spPr>
-      <a:ln w="9525" cap="flat" cmpd="sng" algn="ctr">
-        <a:solidFill>
-          <a:schemeClr val="tx1">
-            <a:lumMod val="35000"/>
-            <a:lumOff val="65000"/>
-          </a:schemeClr>
-        </a:solidFill>
-        <a:round/>
-      </a:ln>
-    </cs:spPr>
-  </cs:dropLine>
-  <cs:errorBar>
-    <cs:lnRef idx="0"/>
-    <cs:fillRef idx="0"/>
-    <cs:effectRef idx="0"/>
-    <cs:fontRef idx="minor">
-      <a:schemeClr val="tx1"/>
-    </cs:fontRef>
-    <cs:spPr>
-      <a:ln w="9525" cap="flat" cmpd="sng" algn="ctr">
-        <a:solidFill>
-          <a:schemeClr val="tx1">
-            <a:lumMod val="65000"/>
-            <a:lumOff val="35000"/>
-          </a:schemeClr>
-        </a:solidFill>
-        <a:round/>
-      </a:ln>
-    </cs:spPr>
-  </cs:errorBar>
-  <cs:floor>
-    <cs:lnRef idx="0"/>
-    <cs:fillRef idx="0"/>
-    <cs:effectRef idx="0"/>
-    <cs:fontRef idx="minor">
-      <a:schemeClr val="tx1"/>
-    </cs:fontRef>
-    <cs:spPr>
-      <a:noFill/>
-      <a:ln>
-        <a:noFill/>
-      </a:ln>
-    </cs:spPr>
-  </cs:floor>
-  <cs:gridlineMajor>
-    <cs:lnRef idx="0"/>
-    <cs:fillRef idx="0"/>
-    <cs:effectRef idx="0"/>
-    <cs:fontRef idx="minor">
-      <a:schemeClr val="tx1"/>
-    </cs:fontRef>
-    <cs:spPr>
-      <a:ln w="9525" cap="flat" cmpd="sng" algn="ctr">
-        <a:solidFill>
-          <a:schemeClr val="tx1">
-            <a:lumMod val="15000"/>
-            <a:lumOff val="85000"/>
-          </a:schemeClr>
-        </a:solidFill>
-        <a:round/>
-      </a:ln>
-    </cs:spPr>
-  </cs:gridlineMajor>
-  <cs:gridlineMinor>
-    <cs:lnRef idx="0"/>
-    <cs:fillRef idx="0"/>
-    <cs:effectRef idx="0"/>
-    <cs:fontRef idx="minor">
-      <a:schemeClr val="tx1"/>
-    </cs:fontRef>
-    <cs:spPr>
-      <a:ln w="9525" cap="flat" cmpd="sng" algn="ctr">
-        <a:solidFill>
-          <a:schemeClr val="tx1">
-            <a:lumMod val="5000"/>
-            <a:lumOff val="95000"/>
-          </a:schemeClr>
-        </a:solidFill>
-        <a:round/>
-      </a:ln>
-    </cs:spPr>
-  </cs:gridlineMinor>
-  <cs:hiLoLine>
-    <cs:lnRef idx="0"/>
-    <cs:fillRef idx="0"/>
-    <cs:effectRef idx="0"/>
-    <cs:fontRef idx="minor">
-      <a:schemeClr val="tx1"/>
-    </cs:fontRef>
-    <cs:spPr>
-      <a:ln w="9525" cap="flat" cmpd="sng" algn="ctr">
-        <a:solidFill>
-          <a:schemeClr val="tx1">
-            <a:lumMod val="75000"/>
-            <a:lumOff val="25000"/>
-          </a:schemeClr>
-        </a:solidFill>
-        <a:round/>
-      </a:ln>
-    </cs:spPr>
-  </cs:hiLoLine>
-  <cs:leaderLine>
-    <cs:lnRef idx="0"/>
-    <cs:fillRef idx="0"/>
-    <cs:effectRef idx="0"/>
-    <cs:fontRef idx="minor">
-      <a:schemeClr val="tx1"/>
-    </cs:fontRef>
-    <cs:spPr>
-      <a:ln w="9525" cap="flat" cmpd="sng" algn="ctr">
-        <a:solidFill>
-          <a:schemeClr val="tx1">
-            <a:lumMod val="35000"/>
-            <a:lumOff val="65000"/>
-          </a:schemeClr>
-        </a:solidFill>
-        <a:round/>
-      </a:ln>
-    </cs:spPr>
-  </cs:leaderLine>
-  <cs:legend>
-    <cs:lnRef idx="0"/>
-    <cs:fillRef idx="0"/>
-    <cs:effectRef idx="0"/>
-    <cs:fontRef idx="minor">
-      <a:schemeClr val="tx1">
-        <a:lumMod val="65000"/>
-        <a:lumOff val="35000"/>
-      </a:schemeClr>
-    </cs:fontRef>
-    <cs:defRPr sz="1197" kern="1200"/>
-  </cs:legend>
-  <cs:plotArea mods="allowNoFillOverride allowNoLineOverride">
-    <cs:lnRef idx="0"/>
-    <cs:fillRef idx="0"/>
-    <cs:effectRef idx="0"/>
-    <cs:fontRef idx="minor">
-      <a:schemeClr val="tx1"/>
-    </cs:fontRef>
-  </cs:plotArea>
-  <cs:plotArea3D mods="allowNoFillOverride allowNoLineOverride">
-    <cs:lnRef idx="0"/>
-    <cs:fillRef idx="0"/>
-    <cs:effectRef idx="0"/>
-    <cs:fontRef idx="minor">
-      <a:schemeClr val="tx1"/>
-    </cs:fontRef>
-  </cs:plotArea3D>
-  <cs:seriesAxis>
-    <cs:lnRef idx="0"/>
-    <cs:fillRef idx="0"/>
-    <cs:effectRef idx="0"/>
-    <cs:fontRef idx="minor">
-      <a:schemeClr val="tx1">
-        <a:lumMod val="65000"/>
-        <a:lumOff val="35000"/>
-      </a:schemeClr>
-    </cs:fontRef>
-    <cs:defRPr sz="1197" kern="1200"/>
-  </cs:seriesAxis>
-  <cs:seriesLine>
-    <cs:lnRef idx="0"/>
-    <cs:fillRef idx="0"/>
-    <cs:effectRef idx="0"/>
-    <cs:fontRef idx="minor">
-      <a:schemeClr val="tx1"/>
-    </cs:fontRef>
-    <cs:spPr>
-      <a:ln w="9525" cap="flat" cmpd="sng" algn="ctr">
-        <a:solidFill>
-          <a:schemeClr val="tx1">
-            <a:lumMod val="35000"/>
-            <a:lumOff val="65000"/>
-          </a:schemeClr>
-        </a:solidFill>
-        <a:round/>
-      </a:ln>
-    </cs:spPr>
-  </cs:seriesLine>
-  <cs:title>
-    <cs:lnRef idx="0"/>
-    <cs:fillRef idx="0"/>
-    <cs:effectRef idx="0"/>
-    <cs:fontRef idx="minor">
-      <a:schemeClr val="tx1">
-        <a:lumMod val="65000"/>
-        <a:lumOff val="35000"/>
-      </a:schemeClr>
-    </cs:fontRef>
-    <cs:defRPr sz="1862" b="0" kern="1200" spc="0" baseline="0"/>
-  </cs:title>
-  <cs:trendline>
-    <cs:lnRef idx="0">
-      <cs:styleClr val="auto"/>
-    </cs:lnRef>
-    <cs:fillRef idx="0"/>
-    <cs:effectRef idx="0"/>
-    <cs:fontRef idx="minor">
-      <a:schemeClr val="tx1"/>
-    </cs:fontRef>
-    <cs:spPr>
-      <a:ln w="19050" cap="rnd">
-        <a:solidFill>
-          <a:schemeClr val="phClr"/>
-        </a:solidFill>
-        <a:prstDash val="sysDot"/>
-      </a:ln>
-    </cs:spPr>
-  </cs:trendline>
-  <cs:trendlineLabel>
-    <cs:lnRef idx="0"/>
-    <cs:fillRef idx="0"/>
-    <cs:effectRef idx="0"/>
-    <cs:fontRef idx="minor">
-      <a:schemeClr val="tx1">
-        <a:lumMod val="65000"/>
-        <a:lumOff val="35000"/>
-      </a:schemeClr>
-    </cs:fontRef>
-    <cs:defRPr sz="1197" kern="1200"/>
-  </cs:trendlineLabel>
-  <cs:upBar>
-    <cs:lnRef idx="0"/>
-    <cs:fillRef idx="0"/>
-    <cs:effectRef idx="0"/>
-    <cs:fontRef idx="minor">
-      <a:schemeClr val="dk1"/>
-    </cs:fontRef>
-    <cs:spPr>
-      <a:solidFill>
-        <a:schemeClr val="lt1"/>
-      </a:solidFill>
-      <a:ln w="9525">
-        <a:solidFill>
-          <a:schemeClr val="tx1">
-            <a:lumMod val="15000"/>
-            <a:lumOff val="85000"/>
-          </a:schemeClr>
-        </a:solidFill>
-      </a:ln>
-    </cs:spPr>
-  </cs:upBar>
-  <cs:valueAxis>
-    <cs:lnRef idx="0"/>
-    <cs:fillRef idx="0"/>
-    <cs:effectRef idx="0"/>
-    <cs:fontRef idx="minor">
-      <a:schemeClr val="tx1">
-        <a:lumMod val="65000"/>
-        <a:lumOff val="35000"/>
-      </a:schemeClr>
-    </cs:fontRef>
-    <cs:defRPr sz="1197" kern="1200"/>
-  </cs:valueAxis>
-  <cs:wall>
-    <cs:lnRef idx="0"/>
-    <cs:fillRef idx="0"/>
-    <cs:effectRef idx="0"/>
-    <cs:fontRef idx="minor">
-      <a:schemeClr val="tx1"/>
-    </cs:fontRef>
-    <cs:spPr>
-      <a:noFill/>
-      <a:ln>
-        <a:noFill/>
-      </a:ln>
-    </cs:spPr>
-  </cs:wall>
-</cs:chartStyle>
 </file>
 
 <file path=ppt/diagrams/colors1.xml><?xml version="1.0" encoding="utf-8"?>
@@ -5712,7 +4712,7 @@
             <a:pPr rtl="0"/>
             <a:fld id="{A1E85A95-B7C1-4043-B4FD-1C1E7B6E43C0}" type="slidenum">
               <a:rPr lang="en-GB" smtClean="0"/>
-              <a:t>11</a:t>
+              <a:t>10</a:t>
             </a:fld>
             <a:endParaRPr lang="en-GB" dirty="0"/>
           </a:p>
@@ -5752,122 +4752,6 @@
     <p:extLst>
       <p:ext uri="{BB962C8B-B14F-4D97-AF65-F5344CB8AC3E}">
         <p14:creationId xmlns:p14="http://schemas.microsoft.com/office/powerpoint/2010/main" val="144160071"/>
-      </p:ext>
-    </p:extLst>
-  </p:cSld>
-  <p:clrMapOvr>
-    <a:masterClrMapping/>
-  </p:clrMapOvr>
-</p:notes>
-</file>
-
-<file path=ppt/notesSlides/notesSlide4.xml><?xml version="1.0" encoding="utf-8"?>
-<p:notes xmlns:a="http://schemas.openxmlformats.org/drawingml/2006/main" xmlns:r="http://schemas.openxmlformats.org/officeDocument/2006/relationships" xmlns:p="http://schemas.openxmlformats.org/presentationml/2006/main">
-  <p:cSld>
-    <p:spTree>
-      <p:nvGrpSpPr>
-        <p:cNvPr id="1" name=""/>
-        <p:cNvGrpSpPr/>
-        <p:nvPr/>
-      </p:nvGrpSpPr>
-      <p:grpSpPr>
-        <a:xfrm>
-          <a:off x="0" y="0"/>
-          <a:ext cx="0" cy="0"/>
-          <a:chOff x="0" y="0"/>
-          <a:chExt cx="0" cy="0"/>
-        </a:xfrm>
-      </p:grpSpPr>
-      <p:sp>
-        <p:nvSpPr>
-          <p:cNvPr id="2" name="Slide Image Placeholder 1"/>
-          <p:cNvSpPr>
-            <a:spLocks noGrp="1" noRot="1" noChangeAspect="1"/>
-          </p:cNvSpPr>
-          <p:nvPr>
-            <p:ph type="sldImg"/>
-          </p:nvPr>
-        </p:nvSpPr>
-        <p:spPr/>
-      </p:sp>
-      <p:sp>
-        <p:nvSpPr>
-          <p:cNvPr id="3" name="Notes Placeholder 2"/>
-          <p:cNvSpPr>
-            <a:spLocks noGrp="1"/>
-          </p:cNvSpPr>
-          <p:nvPr>
-            <p:ph type="body" idx="1"/>
-          </p:nvPr>
-        </p:nvSpPr>
-        <p:spPr/>
-        <p:txBody>
-          <a:bodyPr rtlCol="0"/>
-          <a:lstStyle/>
-          <a:p>
-            <a:pPr rtl="0"/>
-            <a:endParaRPr lang="en-GB" dirty="0"/>
-          </a:p>
-        </p:txBody>
-      </p:sp>
-      <p:sp>
-        <p:nvSpPr>
-          <p:cNvPr id="4" name="Slide Number Placeholder 3"/>
-          <p:cNvSpPr>
-            <a:spLocks noGrp="1"/>
-          </p:cNvSpPr>
-          <p:nvPr>
-            <p:ph type="sldNum" sz="quarter" idx="5"/>
-          </p:nvPr>
-        </p:nvSpPr>
-        <p:spPr/>
-        <p:txBody>
-          <a:bodyPr rtlCol="0"/>
-          <a:lstStyle/>
-          <a:p>
-            <a:pPr rtl="0"/>
-            <a:fld id="{DA8F3494-0491-4803-BC84-8A9DE4958074}" type="slidenum">
-              <a:rPr lang="en-GB" smtClean="0"/>
-              <a:t>12</a:t>
-            </a:fld>
-            <a:endParaRPr lang="en-GB" dirty="0"/>
-          </a:p>
-        </p:txBody>
-      </p:sp>
-      <p:sp>
-        <p:nvSpPr>
-          <p:cNvPr id="5" name="Date Placeholder 4">
-            <a:extLst>
-              <a:ext uri="{FF2B5EF4-FFF2-40B4-BE49-F238E27FC236}">
-                <a16:creationId xmlns:a16="http://schemas.microsoft.com/office/drawing/2014/main" id="{74FBB099-7CE2-410B-A006-B25961458A8D}"/>
-              </a:ext>
-            </a:extLst>
-          </p:cNvPr>
-          <p:cNvSpPr>
-            <a:spLocks noGrp="1"/>
-          </p:cNvSpPr>
-          <p:nvPr>
-            <p:ph type="dt" idx="1"/>
-          </p:nvPr>
-        </p:nvSpPr>
-        <p:spPr/>
-        <p:txBody>
-          <a:bodyPr/>
-          <a:lstStyle/>
-          <a:p>
-            <a:pPr rtl="0"/>
-            <a:fld id="{BB40498B-BB8F-4C8F-8E26-47AF27566CFA}" type="datetime1">
-              <a:rPr lang="en-GB" smtClean="0"/>
-              <a:t>25/05/2023</a:t>
-            </a:fld>
-            <a:endParaRPr lang="en-GB" dirty="0"/>
-          </a:p>
-        </p:txBody>
-      </p:sp>
-    </p:spTree>
-    <p:extLst>
-      <p:ext uri="{BB962C8B-B14F-4D97-AF65-F5344CB8AC3E}">
-        <p14:creationId xmlns:p14="http://schemas.microsoft.com/office/powerpoint/2010/main" val="1313959215"/>
       </p:ext>
     </p:extLst>
   </p:cSld>
@@ -15044,7 +13928,7 @@
           <p:cNvPr id="2" name="Title 1">
             <a:extLst>
               <a:ext uri="{FF2B5EF4-FFF2-40B4-BE49-F238E27FC236}">
-                <a16:creationId xmlns:a16="http://schemas.microsoft.com/office/drawing/2014/main" id="{8F68A273-E108-4158-B63B-49B2FB986F3F}"/>
+                <a16:creationId xmlns:a16="http://schemas.microsoft.com/office/drawing/2014/main" id="{BC562C5A-DC3A-4D57-A7F0-A52C0B0842C5}"/>
               </a:ext>
             </a:extLst>
           </p:cNvPr>
@@ -15052,33 +13936,39 @@
             <a:spLocks noGrp="1"/>
           </p:cNvSpPr>
           <p:nvPr>
-            <p:ph type="title"/>
+            <p:ph type="ctrTitle"/>
           </p:nvPr>
         </p:nvSpPr>
         <p:spPr>
           <a:xfrm>
-            <a:off x="1371600" y="795528"/>
-            <a:ext cx="10241280" cy="1234440"/>
+            <a:off x="1371601" y="4471415"/>
+            <a:ext cx="10229073" cy="1359626"/>
           </a:xfrm>
         </p:spPr>
         <p:txBody>
-          <a:bodyPr rtlCol="0"/>
+          <a:bodyPr rtlCol="0">
+            <a:normAutofit fontScale="90000"/>
+          </a:bodyPr>
           <a:lstStyle/>
           <a:p>
             <a:pPr rtl="0"/>
             <a:r>
-              <a:rPr lang="en-GB"/>
-              <a:t>table</a:t>
-            </a:r>
-          </a:p>
-        </p:txBody>
-      </p:sp>
-      <p:sp>
-        <p:nvSpPr>
-          <p:cNvPr id="3" name="Footer Placeholder 2">
-            <a:extLst>
-              <a:ext uri="{FF2B5EF4-FFF2-40B4-BE49-F238E27FC236}">
-                <a16:creationId xmlns:a16="http://schemas.microsoft.com/office/drawing/2014/main" id="{3DAD7ADA-DC72-44AB-A59D-90B6D15610CA}"/>
+              <a:rPr lang="en-GB" dirty="0"/>
+              <a:t>DEMOS: </a:t>
+            </a:r>
+            <a:r>
+              <a:rPr lang="en-GB" b="0" dirty="0"/>
+              <a:t>The way to get started is to quit talking and begin doing.</a:t>
+            </a:r>
+          </a:p>
+        </p:txBody>
+      </p:sp>
+      <p:sp>
+        <p:nvSpPr>
+          <p:cNvPr id="3" name="Subtitle 2">
+            <a:extLst>
+              <a:ext uri="{FF2B5EF4-FFF2-40B4-BE49-F238E27FC236}">
+                <a16:creationId xmlns:a16="http://schemas.microsoft.com/office/drawing/2014/main" id="{60F0DCEA-5CBC-4FE3-A819-C5EBE40E29E5}"/>
               </a:ext>
             </a:extLst>
           </p:cNvPr>
@@ -15086,13 +13976,13 @@
             <a:spLocks noGrp="1"/>
           </p:cNvSpPr>
           <p:nvPr>
-            <p:ph type="ftr" sz="quarter" idx="11"/>
+            <p:ph type="subTitle" idx="1"/>
           </p:nvPr>
         </p:nvSpPr>
         <p:spPr>
-          <a:xfrm rot="5400000">
-            <a:off x="-1828800" y="1911096"/>
-            <a:ext cx="4114800" cy="457200"/>
+          <a:xfrm>
+            <a:off x="1371601" y="5970897"/>
+            <a:ext cx="9448800" cy="429904"/>
           </a:xfrm>
         </p:spPr>
         <p:txBody>
@@ -15102,1401 +13992,51 @@
             <a:pPr rtl="0"/>
             <a:r>
               <a:rPr lang="en-GB"/>
-              <a:t>Sample Footer Text</a:t>
-            </a:r>
-          </a:p>
-        </p:txBody>
-      </p:sp>
-      <p:graphicFrame>
-        <p:nvGraphicFramePr>
-          <p:cNvPr id="7" name="Table 7">
-            <a:extLst>
-              <a:ext uri="{FF2B5EF4-FFF2-40B4-BE49-F238E27FC236}">
-                <a16:creationId xmlns:a16="http://schemas.microsoft.com/office/drawing/2014/main" id="{44D3FB8B-8AD3-4B8F-945C-BD1448830F89}"/>
-              </a:ext>
-            </a:extLst>
-          </p:cNvPr>
-          <p:cNvGraphicFramePr>
-            <a:graphicFrameLocks noGrp="1"/>
-          </p:cNvGraphicFramePr>
-          <p:nvPr>
-            <p:ph idx="1"/>
-            <p:extLst>
-              <p:ext uri="{D42A27DB-BD31-4B8C-83A1-F6EECF244321}">
-                <p14:modId xmlns:p14="http://schemas.microsoft.com/office/powerpoint/2010/main" val="1538502219"/>
-              </p:ext>
-            </p:extLst>
-          </p:nvPr>
-        </p:nvGraphicFramePr>
-        <p:xfrm>
-          <a:off x="1320800" y="2865438"/>
-          <a:ext cx="10240960" cy="2708655"/>
-        </p:xfrm>
-        <a:graphic>
-          <a:graphicData uri="http://schemas.openxmlformats.org/drawingml/2006/table">
-            <a:tbl>
-              <a:tblPr firstRow="1" bandRow="1">
-                <a:tableStyleId>{5C22544A-7EE6-4342-B048-85BDC9FD1C3A}</a:tableStyleId>
-              </a:tblPr>
-              <a:tblGrid>
-                <a:gridCol w="2048192">
-                  <a:extLst>
-                    <a:ext uri="{9D8B030D-6E8A-4147-A177-3AD203B41FA5}">
-                      <a16:colId xmlns:a16="http://schemas.microsoft.com/office/drawing/2014/main" val="2650480359"/>
-                    </a:ext>
-                  </a:extLst>
-                </a:gridCol>
-                <a:gridCol w="2048192">
-                  <a:extLst>
-                    <a:ext uri="{9D8B030D-6E8A-4147-A177-3AD203B41FA5}">
-                      <a16:colId xmlns:a16="http://schemas.microsoft.com/office/drawing/2014/main" val="1709022653"/>
-                    </a:ext>
-                  </a:extLst>
-                </a:gridCol>
-                <a:gridCol w="2048192">
-                  <a:extLst>
-                    <a:ext uri="{9D8B030D-6E8A-4147-A177-3AD203B41FA5}">
-                      <a16:colId xmlns:a16="http://schemas.microsoft.com/office/drawing/2014/main" val="1247652176"/>
-                    </a:ext>
-                  </a:extLst>
-                </a:gridCol>
-                <a:gridCol w="2048192">
-                  <a:extLst>
-                    <a:ext uri="{9D8B030D-6E8A-4147-A177-3AD203B41FA5}">
-                      <a16:colId xmlns:a16="http://schemas.microsoft.com/office/drawing/2014/main" val="138552216"/>
-                    </a:ext>
-                  </a:extLst>
-                </a:gridCol>
-                <a:gridCol w="2048192">
-                  <a:extLst>
-                    <a:ext uri="{9D8B030D-6E8A-4147-A177-3AD203B41FA5}">
-                      <a16:colId xmlns:a16="http://schemas.microsoft.com/office/drawing/2014/main" val="2206530427"/>
-                    </a:ext>
-                  </a:extLst>
-                </a:gridCol>
-              </a:tblGrid>
-              <a:tr h="541731">
-                <a:tc>
-                  <a:txBody>
-                    <a:bodyPr/>
-                    <a:lstStyle/>
-                    <a:p>
-                      <a:pPr algn="ctr" rtl="0"/>
-                      <a:endParaRPr lang="en-GB" dirty="0"/>
-                    </a:p>
-                  </a:txBody>
-                  <a:tcPr anchor="ctr">
-                    <a:lnB w="6350" cap="flat" cmpd="sng" algn="ctr">
-                      <a:noFill/>
-                      <a:prstDash val="solid"/>
-                      <a:round/>
-                      <a:headEnd type="none" w="med" len="med"/>
-                      <a:tailEnd type="none" w="med" len="med"/>
-                    </a:lnB>
-                  </a:tcPr>
-                </a:tc>
-                <a:tc>
-                  <a:txBody>
-                    <a:bodyPr/>
-                    <a:lstStyle/>
-                    <a:p>
-                      <a:pPr algn="ctr" rtl="0"/>
-                      <a:r>
-                        <a:rPr lang="en-GB"/>
-                        <a:t>Category 1</a:t>
-                      </a:r>
-                    </a:p>
-                  </a:txBody>
-                  <a:tcPr anchor="ctr">
-                    <a:lnB w="6350" cap="flat" cmpd="sng" algn="ctr">
-                      <a:noFill/>
-                      <a:prstDash val="solid"/>
-                      <a:round/>
-                      <a:headEnd type="none" w="med" len="med"/>
-                      <a:tailEnd type="none" w="med" len="med"/>
-                    </a:lnB>
-                  </a:tcPr>
-                </a:tc>
-                <a:tc>
-                  <a:txBody>
-                    <a:bodyPr/>
-                    <a:lstStyle/>
-                    <a:p>
-                      <a:pPr algn="ctr" rtl="0"/>
-                      <a:r>
-                        <a:rPr lang="en-GB"/>
-                        <a:t>Category 2</a:t>
-                      </a:r>
-                    </a:p>
-                  </a:txBody>
-                  <a:tcPr anchor="ctr">
-                    <a:lnB w="6350" cap="flat" cmpd="sng" algn="ctr">
-                      <a:noFill/>
-                      <a:prstDash val="solid"/>
-                      <a:round/>
-                      <a:headEnd type="none" w="med" len="med"/>
-                      <a:tailEnd type="none" w="med" len="med"/>
-                    </a:lnB>
-                  </a:tcPr>
-                </a:tc>
-                <a:tc>
-                  <a:txBody>
-                    <a:bodyPr/>
-                    <a:lstStyle/>
-                    <a:p>
-                      <a:pPr algn="ctr" rtl="0"/>
-                      <a:r>
-                        <a:rPr lang="en-GB"/>
-                        <a:t>Category 3</a:t>
-                      </a:r>
-                    </a:p>
-                  </a:txBody>
-                  <a:tcPr anchor="ctr">
-                    <a:lnB w="6350" cap="flat" cmpd="sng" algn="ctr">
-                      <a:noFill/>
-                      <a:prstDash val="solid"/>
-                      <a:round/>
-                      <a:headEnd type="none" w="med" len="med"/>
-                      <a:tailEnd type="none" w="med" len="med"/>
-                    </a:lnB>
-                  </a:tcPr>
-                </a:tc>
-                <a:tc>
-                  <a:txBody>
-                    <a:bodyPr/>
-                    <a:lstStyle/>
-                    <a:p>
-                      <a:pPr algn="ctr" rtl="0"/>
-                      <a:r>
-                        <a:rPr lang="en-GB"/>
-                        <a:t>Category 4</a:t>
-                      </a:r>
-                    </a:p>
-                  </a:txBody>
-                  <a:tcPr anchor="ctr">
-                    <a:lnB w="6350" cap="flat" cmpd="sng" algn="ctr">
-                      <a:noFill/>
-                      <a:prstDash val="solid"/>
-                      <a:round/>
-                      <a:headEnd type="none" w="med" len="med"/>
-                      <a:tailEnd type="none" w="med" len="med"/>
-                    </a:lnB>
-                  </a:tcPr>
-                </a:tc>
-                <a:extLst>
-                  <a:ext uri="{0D108BD9-81ED-4DB2-BD59-A6C34878D82A}">
-                    <a16:rowId xmlns:a16="http://schemas.microsoft.com/office/drawing/2014/main" val="271234776"/>
-                  </a:ext>
-                </a:extLst>
-              </a:tr>
-              <a:tr h="541731">
-                <a:tc>
-                  <a:txBody>
-                    <a:bodyPr/>
-                    <a:lstStyle/>
-                    <a:p>
-                      <a:pPr algn="ctr" rtl="0"/>
-                      <a:r>
-                        <a:rPr lang="en-GB"/>
-                        <a:t>Item 1</a:t>
-                      </a:r>
-                    </a:p>
-                  </a:txBody>
-                  <a:tcPr anchor="ctr">
-                    <a:lnL w="6350" cap="flat" cmpd="sng" algn="ctr">
-                      <a:solidFill>
-                        <a:schemeClr val="bg2">
-                          <a:lumMod val="75000"/>
-                        </a:schemeClr>
-                      </a:solidFill>
-                      <a:prstDash val="solid"/>
-                      <a:round/>
-                      <a:headEnd type="none" w="med" len="med"/>
-                      <a:tailEnd type="none" w="med" len="med"/>
-                    </a:lnL>
-                    <a:lnR w="6350" cap="flat" cmpd="sng" algn="ctr">
-                      <a:solidFill>
-                        <a:schemeClr val="bg2">
-                          <a:lumMod val="75000"/>
-                        </a:schemeClr>
-                      </a:solidFill>
-                      <a:prstDash val="solid"/>
-                      <a:round/>
-                      <a:headEnd type="none" w="med" len="med"/>
-                      <a:tailEnd type="none" w="med" len="med"/>
-                    </a:lnR>
-                    <a:lnT w="6350" cap="flat" cmpd="sng" algn="ctr">
-                      <a:noFill/>
-                      <a:prstDash val="solid"/>
-                      <a:round/>
-                      <a:headEnd type="none" w="med" len="med"/>
-                      <a:tailEnd type="none" w="med" len="med"/>
-                    </a:lnT>
-                    <a:lnB w="6350" cap="flat" cmpd="sng" algn="ctr">
-                      <a:solidFill>
-                        <a:schemeClr val="bg2">
-                          <a:lumMod val="75000"/>
-                        </a:schemeClr>
-                      </a:solidFill>
-                      <a:prstDash val="solid"/>
-                      <a:round/>
-                      <a:headEnd type="none" w="med" len="med"/>
-                      <a:tailEnd type="none" w="med" len="med"/>
-                    </a:lnB>
-                    <a:noFill/>
-                  </a:tcPr>
-                </a:tc>
-                <a:tc>
-                  <a:txBody>
-                    <a:bodyPr/>
-                    <a:lstStyle/>
-                    <a:p>
-                      <a:pPr algn="ctr" rtl="0"/>
-                      <a:r>
-                        <a:rPr lang="en-GB"/>
-                        <a:t>4.5</a:t>
-                      </a:r>
-                    </a:p>
-                  </a:txBody>
-                  <a:tcPr anchor="ctr">
-                    <a:lnL w="6350" cap="flat" cmpd="sng" algn="ctr">
-                      <a:solidFill>
-                        <a:schemeClr val="bg2">
-                          <a:lumMod val="75000"/>
-                        </a:schemeClr>
-                      </a:solidFill>
-                      <a:prstDash val="solid"/>
-                      <a:round/>
-                      <a:headEnd type="none" w="med" len="med"/>
-                      <a:tailEnd type="none" w="med" len="med"/>
-                    </a:lnL>
-                    <a:lnR w="6350" cap="flat" cmpd="sng" algn="ctr">
-                      <a:solidFill>
-                        <a:schemeClr val="bg2">
-                          <a:lumMod val="75000"/>
-                        </a:schemeClr>
-                      </a:solidFill>
-                      <a:prstDash val="solid"/>
-                      <a:round/>
-                      <a:headEnd type="none" w="med" len="med"/>
-                      <a:tailEnd type="none" w="med" len="med"/>
-                    </a:lnR>
-                    <a:lnT w="6350" cap="flat" cmpd="sng" algn="ctr">
-                      <a:noFill/>
-                      <a:prstDash val="solid"/>
-                      <a:round/>
-                      <a:headEnd type="none" w="med" len="med"/>
-                      <a:tailEnd type="none" w="med" len="med"/>
-                    </a:lnT>
-                    <a:lnB w="6350" cap="flat" cmpd="sng" algn="ctr">
-                      <a:solidFill>
-                        <a:schemeClr val="bg2">
-                          <a:lumMod val="75000"/>
-                        </a:schemeClr>
-                      </a:solidFill>
-                      <a:prstDash val="solid"/>
-                      <a:round/>
-                      <a:headEnd type="none" w="med" len="med"/>
-                      <a:tailEnd type="none" w="med" len="med"/>
-                    </a:lnB>
-                    <a:noFill/>
-                  </a:tcPr>
-                </a:tc>
-                <a:tc>
-                  <a:txBody>
-                    <a:bodyPr/>
-                    <a:lstStyle/>
-                    <a:p>
-                      <a:pPr algn="ctr" rtl="0"/>
-                      <a:r>
-                        <a:rPr lang="en-GB"/>
-                        <a:t>2.3</a:t>
-                      </a:r>
-                    </a:p>
-                  </a:txBody>
-                  <a:tcPr anchor="ctr">
-                    <a:lnL w="6350" cap="flat" cmpd="sng" algn="ctr">
-                      <a:solidFill>
-                        <a:schemeClr val="bg2">
-                          <a:lumMod val="75000"/>
-                        </a:schemeClr>
-                      </a:solidFill>
-                      <a:prstDash val="solid"/>
-                      <a:round/>
-                      <a:headEnd type="none" w="med" len="med"/>
-                      <a:tailEnd type="none" w="med" len="med"/>
-                    </a:lnL>
-                    <a:lnR w="6350" cap="flat" cmpd="sng" algn="ctr">
-                      <a:solidFill>
-                        <a:schemeClr val="bg2">
-                          <a:lumMod val="75000"/>
-                        </a:schemeClr>
-                      </a:solidFill>
-                      <a:prstDash val="solid"/>
-                      <a:round/>
-                      <a:headEnd type="none" w="med" len="med"/>
-                      <a:tailEnd type="none" w="med" len="med"/>
-                    </a:lnR>
-                    <a:lnT w="6350" cap="flat" cmpd="sng" algn="ctr">
-                      <a:noFill/>
-                      <a:prstDash val="solid"/>
-                      <a:round/>
-                      <a:headEnd type="none" w="med" len="med"/>
-                      <a:tailEnd type="none" w="med" len="med"/>
-                    </a:lnT>
-                    <a:lnB w="6350" cap="flat" cmpd="sng" algn="ctr">
-                      <a:solidFill>
-                        <a:schemeClr val="bg2">
-                          <a:lumMod val="75000"/>
-                        </a:schemeClr>
-                      </a:solidFill>
-                      <a:prstDash val="solid"/>
-                      <a:round/>
-                      <a:headEnd type="none" w="med" len="med"/>
-                      <a:tailEnd type="none" w="med" len="med"/>
-                    </a:lnB>
-                    <a:noFill/>
-                  </a:tcPr>
-                </a:tc>
-                <a:tc>
-                  <a:txBody>
-                    <a:bodyPr/>
-                    <a:lstStyle/>
-                    <a:p>
-                      <a:pPr algn="ctr" rtl="0"/>
-                      <a:r>
-                        <a:rPr lang="en-GB"/>
-                        <a:t>1.7</a:t>
-                      </a:r>
-                    </a:p>
-                  </a:txBody>
-                  <a:tcPr anchor="ctr">
-                    <a:lnL w="6350" cap="flat" cmpd="sng" algn="ctr">
-                      <a:solidFill>
-                        <a:schemeClr val="bg2">
-                          <a:lumMod val="75000"/>
-                        </a:schemeClr>
-                      </a:solidFill>
-                      <a:prstDash val="solid"/>
-                      <a:round/>
-                      <a:headEnd type="none" w="med" len="med"/>
-                      <a:tailEnd type="none" w="med" len="med"/>
-                    </a:lnL>
-                    <a:lnR w="6350" cap="flat" cmpd="sng" algn="ctr">
-                      <a:solidFill>
-                        <a:schemeClr val="bg2">
-                          <a:lumMod val="75000"/>
-                        </a:schemeClr>
-                      </a:solidFill>
-                      <a:prstDash val="solid"/>
-                      <a:round/>
-                      <a:headEnd type="none" w="med" len="med"/>
-                      <a:tailEnd type="none" w="med" len="med"/>
-                    </a:lnR>
-                    <a:lnT w="6350" cap="flat" cmpd="sng" algn="ctr">
-                      <a:noFill/>
-                      <a:prstDash val="solid"/>
-                      <a:round/>
-                      <a:headEnd type="none" w="med" len="med"/>
-                      <a:tailEnd type="none" w="med" len="med"/>
-                    </a:lnT>
-                    <a:lnB w="6350" cap="flat" cmpd="sng" algn="ctr">
-                      <a:solidFill>
-                        <a:schemeClr val="bg2">
-                          <a:lumMod val="75000"/>
-                        </a:schemeClr>
-                      </a:solidFill>
-                      <a:prstDash val="solid"/>
-                      <a:round/>
-                      <a:headEnd type="none" w="med" len="med"/>
-                      <a:tailEnd type="none" w="med" len="med"/>
-                    </a:lnB>
-                    <a:noFill/>
-                  </a:tcPr>
-                </a:tc>
-                <a:tc>
-                  <a:txBody>
-                    <a:bodyPr/>
-                    <a:lstStyle/>
-                    <a:p>
-                      <a:pPr algn="ctr" rtl="0"/>
-                      <a:r>
-                        <a:rPr lang="en-GB"/>
-                        <a:t>5</a:t>
-                      </a:r>
-                    </a:p>
-                  </a:txBody>
-                  <a:tcPr anchor="ctr">
-                    <a:lnL w="6350" cap="flat" cmpd="sng" algn="ctr">
-                      <a:solidFill>
-                        <a:schemeClr val="bg2">
-                          <a:lumMod val="75000"/>
-                        </a:schemeClr>
-                      </a:solidFill>
-                      <a:prstDash val="solid"/>
-                      <a:round/>
-                      <a:headEnd type="none" w="med" len="med"/>
-                      <a:tailEnd type="none" w="med" len="med"/>
-                    </a:lnL>
-                    <a:lnR w="6350" cap="flat" cmpd="sng" algn="ctr">
-                      <a:solidFill>
-                        <a:schemeClr val="bg2">
-                          <a:lumMod val="75000"/>
-                        </a:schemeClr>
-                      </a:solidFill>
-                      <a:prstDash val="solid"/>
-                      <a:round/>
-                      <a:headEnd type="none" w="med" len="med"/>
-                      <a:tailEnd type="none" w="med" len="med"/>
-                    </a:lnR>
-                    <a:lnT w="6350" cap="flat" cmpd="sng" algn="ctr">
-                      <a:noFill/>
-                      <a:prstDash val="solid"/>
-                      <a:round/>
-                      <a:headEnd type="none" w="med" len="med"/>
-                      <a:tailEnd type="none" w="med" len="med"/>
-                    </a:lnT>
-                    <a:lnB w="6350" cap="flat" cmpd="sng" algn="ctr">
-                      <a:solidFill>
-                        <a:schemeClr val="bg2">
-                          <a:lumMod val="75000"/>
-                        </a:schemeClr>
-                      </a:solidFill>
-                      <a:prstDash val="solid"/>
-                      <a:round/>
-                      <a:headEnd type="none" w="med" len="med"/>
-                      <a:tailEnd type="none" w="med" len="med"/>
-                    </a:lnB>
-                    <a:noFill/>
-                  </a:tcPr>
-                </a:tc>
-                <a:extLst>
-                  <a:ext uri="{0D108BD9-81ED-4DB2-BD59-A6C34878D82A}">
-                    <a16:rowId xmlns:a16="http://schemas.microsoft.com/office/drawing/2014/main" val="3938626146"/>
-                  </a:ext>
-                </a:extLst>
-              </a:tr>
-              <a:tr h="541731">
-                <a:tc>
-                  <a:txBody>
-                    <a:bodyPr/>
-                    <a:lstStyle/>
-                    <a:p>
-                      <a:pPr algn="ctr" rtl="0"/>
-                      <a:r>
-                        <a:rPr lang="en-GB"/>
-                        <a:t>Item 2</a:t>
-                      </a:r>
-                    </a:p>
-                  </a:txBody>
-                  <a:tcPr anchor="ctr">
-                    <a:lnL w="6350" cap="flat" cmpd="sng" algn="ctr">
-                      <a:solidFill>
-                        <a:schemeClr val="bg2">
-                          <a:lumMod val="75000"/>
-                        </a:schemeClr>
-                      </a:solidFill>
-                      <a:prstDash val="solid"/>
-                      <a:round/>
-                      <a:headEnd type="none" w="med" len="med"/>
-                      <a:tailEnd type="none" w="med" len="med"/>
-                    </a:lnL>
-                    <a:lnR w="6350" cap="flat" cmpd="sng" algn="ctr">
-                      <a:solidFill>
-                        <a:schemeClr val="bg2">
-                          <a:lumMod val="75000"/>
-                        </a:schemeClr>
-                      </a:solidFill>
-                      <a:prstDash val="solid"/>
-                      <a:round/>
-                      <a:headEnd type="none" w="med" len="med"/>
-                      <a:tailEnd type="none" w="med" len="med"/>
-                    </a:lnR>
-                    <a:lnT w="6350" cap="flat" cmpd="sng" algn="ctr">
-                      <a:solidFill>
-                        <a:schemeClr val="bg2">
-                          <a:lumMod val="75000"/>
-                        </a:schemeClr>
-                      </a:solidFill>
-                      <a:prstDash val="solid"/>
-                      <a:round/>
-                      <a:headEnd type="none" w="med" len="med"/>
-                      <a:tailEnd type="none" w="med" len="med"/>
-                    </a:lnT>
-                    <a:lnB w="6350" cap="flat" cmpd="sng" algn="ctr">
-                      <a:solidFill>
-                        <a:schemeClr val="bg2">
-                          <a:lumMod val="75000"/>
-                        </a:schemeClr>
-                      </a:solidFill>
-                      <a:prstDash val="solid"/>
-                      <a:round/>
-                      <a:headEnd type="none" w="med" len="med"/>
-                      <a:tailEnd type="none" w="med" len="med"/>
-                    </a:lnB>
-                  </a:tcPr>
-                </a:tc>
-                <a:tc>
-                  <a:txBody>
-                    <a:bodyPr/>
-                    <a:lstStyle/>
-                    <a:p>
-                      <a:pPr algn="ctr" rtl="0"/>
-                      <a:r>
-                        <a:rPr lang="en-GB"/>
-                        <a:t>3.2</a:t>
-                      </a:r>
-                    </a:p>
-                  </a:txBody>
-                  <a:tcPr anchor="ctr">
-                    <a:lnL w="6350" cap="flat" cmpd="sng" algn="ctr">
-                      <a:solidFill>
-                        <a:schemeClr val="bg2">
-                          <a:lumMod val="75000"/>
-                        </a:schemeClr>
-                      </a:solidFill>
-                      <a:prstDash val="solid"/>
-                      <a:round/>
-                      <a:headEnd type="none" w="med" len="med"/>
-                      <a:tailEnd type="none" w="med" len="med"/>
-                    </a:lnL>
-                    <a:lnR w="6350" cap="flat" cmpd="sng" algn="ctr">
-                      <a:solidFill>
-                        <a:schemeClr val="bg2">
-                          <a:lumMod val="75000"/>
-                        </a:schemeClr>
-                      </a:solidFill>
-                      <a:prstDash val="solid"/>
-                      <a:round/>
-                      <a:headEnd type="none" w="med" len="med"/>
-                      <a:tailEnd type="none" w="med" len="med"/>
-                    </a:lnR>
-                    <a:lnT w="6350" cap="flat" cmpd="sng" algn="ctr">
-                      <a:solidFill>
-                        <a:schemeClr val="bg2">
-                          <a:lumMod val="75000"/>
-                        </a:schemeClr>
-                      </a:solidFill>
-                      <a:prstDash val="solid"/>
-                      <a:round/>
-                      <a:headEnd type="none" w="med" len="med"/>
-                      <a:tailEnd type="none" w="med" len="med"/>
-                    </a:lnT>
-                    <a:lnB w="6350" cap="flat" cmpd="sng" algn="ctr">
-                      <a:solidFill>
-                        <a:schemeClr val="bg2">
-                          <a:lumMod val="75000"/>
-                        </a:schemeClr>
-                      </a:solidFill>
-                      <a:prstDash val="solid"/>
-                      <a:round/>
-                      <a:headEnd type="none" w="med" len="med"/>
-                      <a:tailEnd type="none" w="med" len="med"/>
-                    </a:lnB>
-                  </a:tcPr>
-                </a:tc>
-                <a:tc>
-                  <a:txBody>
-                    <a:bodyPr/>
-                    <a:lstStyle/>
-                    <a:p>
-                      <a:pPr algn="ctr" rtl="0"/>
-                      <a:r>
-                        <a:rPr lang="en-GB"/>
-                        <a:t>5.1</a:t>
-                      </a:r>
-                    </a:p>
-                  </a:txBody>
-                  <a:tcPr anchor="ctr">
-                    <a:lnL w="6350" cap="flat" cmpd="sng" algn="ctr">
-                      <a:solidFill>
-                        <a:schemeClr val="bg2">
-                          <a:lumMod val="75000"/>
-                        </a:schemeClr>
-                      </a:solidFill>
-                      <a:prstDash val="solid"/>
-                      <a:round/>
-                      <a:headEnd type="none" w="med" len="med"/>
-                      <a:tailEnd type="none" w="med" len="med"/>
-                    </a:lnL>
-                    <a:lnR w="6350" cap="flat" cmpd="sng" algn="ctr">
-                      <a:solidFill>
-                        <a:schemeClr val="bg2">
-                          <a:lumMod val="75000"/>
-                        </a:schemeClr>
-                      </a:solidFill>
-                      <a:prstDash val="solid"/>
-                      <a:round/>
-                      <a:headEnd type="none" w="med" len="med"/>
-                      <a:tailEnd type="none" w="med" len="med"/>
-                    </a:lnR>
-                    <a:lnT w="6350" cap="flat" cmpd="sng" algn="ctr">
-                      <a:solidFill>
-                        <a:schemeClr val="bg2">
-                          <a:lumMod val="75000"/>
-                        </a:schemeClr>
-                      </a:solidFill>
-                      <a:prstDash val="solid"/>
-                      <a:round/>
-                      <a:headEnd type="none" w="med" len="med"/>
-                      <a:tailEnd type="none" w="med" len="med"/>
-                    </a:lnT>
-                    <a:lnB w="6350" cap="flat" cmpd="sng" algn="ctr">
-                      <a:solidFill>
-                        <a:schemeClr val="bg2">
-                          <a:lumMod val="75000"/>
-                        </a:schemeClr>
-                      </a:solidFill>
-                      <a:prstDash val="solid"/>
-                      <a:round/>
-                      <a:headEnd type="none" w="med" len="med"/>
-                      <a:tailEnd type="none" w="med" len="med"/>
-                    </a:lnB>
-                  </a:tcPr>
-                </a:tc>
-                <a:tc>
-                  <a:txBody>
-                    <a:bodyPr/>
-                    <a:lstStyle/>
-                    <a:p>
-                      <a:pPr algn="ctr" rtl="0"/>
-                      <a:r>
-                        <a:rPr lang="en-GB"/>
-                        <a:t>4.4</a:t>
-                      </a:r>
-                    </a:p>
-                  </a:txBody>
-                  <a:tcPr anchor="ctr">
-                    <a:lnL w="6350" cap="flat" cmpd="sng" algn="ctr">
-                      <a:solidFill>
-                        <a:schemeClr val="bg2">
-                          <a:lumMod val="75000"/>
-                        </a:schemeClr>
-                      </a:solidFill>
-                      <a:prstDash val="solid"/>
-                      <a:round/>
-                      <a:headEnd type="none" w="med" len="med"/>
-                      <a:tailEnd type="none" w="med" len="med"/>
-                    </a:lnL>
-                    <a:lnR w="6350" cap="flat" cmpd="sng" algn="ctr">
-                      <a:solidFill>
-                        <a:schemeClr val="bg2">
-                          <a:lumMod val="75000"/>
-                        </a:schemeClr>
-                      </a:solidFill>
-                      <a:prstDash val="solid"/>
-                      <a:round/>
-                      <a:headEnd type="none" w="med" len="med"/>
-                      <a:tailEnd type="none" w="med" len="med"/>
-                    </a:lnR>
-                    <a:lnT w="6350" cap="flat" cmpd="sng" algn="ctr">
-                      <a:solidFill>
-                        <a:schemeClr val="bg2">
-                          <a:lumMod val="75000"/>
-                        </a:schemeClr>
-                      </a:solidFill>
-                      <a:prstDash val="solid"/>
-                      <a:round/>
-                      <a:headEnd type="none" w="med" len="med"/>
-                      <a:tailEnd type="none" w="med" len="med"/>
-                    </a:lnT>
-                    <a:lnB w="6350" cap="flat" cmpd="sng" algn="ctr">
-                      <a:solidFill>
-                        <a:schemeClr val="bg2">
-                          <a:lumMod val="75000"/>
-                        </a:schemeClr>
-                      </a:solidFill>
-                      <a:prstDash val="solid"/>
-                      <a:round/>
-                      <a:headEnd type="none" w="med" len="med"/>
-                      <a:tailEnd type="none" w="med" len="med"/>
-                    </a:lnB>
-                  </a:tcPr>
-                </a:tc>
-                <a:tc>
-                  <a:txBody>
-                    <a:bodyPr/>
-                    <a:lstStyle/>
-                    <a:p>
-                      <a:pPr algn="ctr" rtl="0"/>
-                      <a:r>
-                        <a:rPr lang="en-GB"/>
-                        <a:t>3</a:t>
-                      </a:r>
-                    </a:p>
-                  </a:txBody>
-                  <a:tcPr anchor="ctr">
-                    <a:lnL w="6350" cap="flat" cmpd="sng" algn="ctr">
-                      <a:solidFill>
-                        <a:schemeClr val="bg2">
-                          <a:lumMod val="75000"/>
-                        </a:schemeClr>
-                      </a:solidFill>
-                      <a:prstDash val="solid"/>
-                      <a:round/>
-                      <a:headEnd type="none" w="med" len="med"/>
-                      <a:tailEnd type="none" w="med" len="med"/>
-                    </a:lnL>
-                    <a:lnR w="6350" cap="flat" cmpd="sng" algn="ctr">
-                      <a:solidFill>
-                        <a:schemeClr val="bg2">
-                          <a:lumMod val="75000"/>
-                        </a:schemeClr>
-                      </a:solidFill>
-                      <a:prstDash val="solid"/>
-                      <a:round/>
-                      <a:headEnd type="none" w="med" len="med"/>
-                      <a:tailEnd type="none" w="med" len="med"/>
-                    </a:lnR>
-                    <a:lnT w="6350" cap="flat" cmpd="sng" algn="ctr">
-                      <a:solidFill>
-                        <a:schemeClr val="bg2">
-                          <a:lumMod val="75000"/>
-                        </a:schemeClr>
-                      </a:solidFill>
-                      <a:prstDash val="solid"/>
-                      <a:round/>
-                      <a:headEnd type="none" w="med" len="med"/>
-                      <a:tailEnd type="none" w="med" len="med"/>
-                    </a:lnT>
-                    <a:lnB w="6350" cap="flat" cmpd="sng" algn="ctr">
-                      <a:solidFill>
-                        <a:schemeClr val="bg2">
-                          <a:lumMod val="75000"/>
-                        </a:schemeClr>
-                      </a:solidFill>
-                      <a:prstDash val="solid"/>
-                      <a:round/>
-                      <a:headEnd type="none" w="med" len="med"/>
-                      <a:tailEnd type="none" w="med" len="med"/>
-                    </a:lnB>
-                  </a:tcPr>
-                </a:tc>
-                <a:extLst>
-                  <a:ext uri="{0D108BD9-81ED-4DB2-BD59-A6C34878D82A}">
-                    <a16:rowId xmlns:a16="http://schemas.microsoft.com/office/drawing/2014/main" val="4273620150"/>
-                  </a:ext>
-                </a:extLst>
-              </a:tr>
-              <a:tr h="541731">
-                <a:tc>
-                  <a:txBody>
-                    <a:bodyPr/>
-                    <a:lstStyle/>
-                    <a:p>
-                      <a:pPr algn="ctr" rtl="0"/>
-                      <a:r>
-                        <a:rPr lang="en-GB"/>
-                        <a:t>Item 3</a:t>
-                      </a:r>
-                    </a:p>
-                  </a:txBody>
-                  <a:tcPr anchor="ctr">
-                    <a:lnL w="6350" cap="flat" cmpd="sng" algn="ctr">
-                      <a:solidFill>
-                        <a:schemeClr val="bg2">
-                          <a:lumMod val="75000"/>
-                        </a:schemeClr>
-                      </a:solidFill>
-                      <a:prstDash val="solid"/>
-                      <a:round/>
-                      <a:headEnd type="none" w="med" len="med"/>
-                      <a:tailEnd type="none" w="med" len="med"/>
-                    </a:lnL>
-                    <a:lnR w="6350" cap="flat" cmpd="sng" algn="ctr">
-                      <a:solidFill>
-                        <a:schemeClr val="bg2">
-                          <a:lumMod val="75000"/>
-                        </a:schemeClr>
-                      </a:solidFill>
-                      <a:prstDash val="solid"/>
-                      <a:round/>
-                      <a:headEnd type="none" w="med" len="med"/>
-                      <a:tailEnd type="none" w="med" len="med"/>
-                    </a:lnR>
-                    <a:lnT w="6350" cap="flat" cmpd="sng" algn="ctr">
-                      <a:solidFill>
-                        <a:schemeClr val="bg2">
-                          <a:lumMod val="75000"/>
-                        </a:schemeClr>
-                      </a:solidFill>
-                      <a:prstDash val="solid"/>
-                      <a:round/>
-                      <a:headEnd type="none" w="med" len="med"/>
-                      <a:tailEnd type="none" w="med" len="med"/>
-                    </a:lnT>
-                    <a:lnB w="6350" cap="flat" cmpd="sng" algn="ctr">
-                      <a:solidFill>
-                        <a:schemeClr val="bg2">
-                          <a:lumMod val="75000"/>
-                        </a:schemeClr>
-                      </a:solidFill>
-                      <a:prstDash val="solid"/>
-                      <a:round/>
-                      <a:headEnd type="none" w="med" len="med"/>
-                      <a:tailEnd type="none" w="med" len="med"/>
-                    </a:lnB>
-                    <a:noFill/>
-                  </a:tcPr>
-                </a:tc>
-                <a:tc>
-                  <a:txBody>
-                    <a:bodyPr/>
-                    <a:lstStyle/>
-                    <a:p>
-                      <a:pPr algn="ctr" rtl="0"/>
-                      <a:r>
-                        <a:rPr lang="en-GB"/>
-                        <a:t>2.1</a:t>
-                      </a:r>
-                    </a:p>
-                  </a:txBody>
-                  <a:tcPr anchor="ctr">
-                    <a:lnL w="6350" cap="flat" cmpd="sng" algn="ctr">
-                      <a:solidFill>
-                        <a:schemeClr val="bg2">
-                          <a:lumMod val="75000"/>
-                        </a:schemeClr>
-                      </a:solidFill>
-                      <a:prstDash val="solid"/>
-                      <a:round/>
-                      <a:headEnd type="none" w="med" len="med"/>
-                      <a:tailEnd type="none" w="med" len="med"/>
-                    </a:lnL>
-                    <a:lnR w="6350" cap="flat" cmpd="sng" algn="ctr">
-                      <a:solidFill>
-                        <a:schemeClr val="bg2">
-                          <a:lumMod val="75000"/>
-                        </a:schemeClr>
-                      </a:solidFill>
-                      <a:prstDash val="solid"/>
-                      <a:round/>
-                      <a:headEnd type="none" w="med" len="med"/>
-                      <a:tailEnd type="none" w="med" len="med"/>
-                    </a:lnR>
-                    <a:lnT w="6350" cap="flat" cmpd="sng" algn="ctr">
-                      <a:solidFill>
-                        <a:schemeClr val="bg2">
-                          <a:lumMod val="75000"/>
-                        </a:schemeClr>
-                      </a:solidFill>
-                      <a:prstDash val="solid"/>
-                      <a:round/>
-                      <a:headEnd type="none" w="med" len="med"/>
-                      <a:tailEnd type="none" w="med" len="med"/>
-                    </a:lnT>
-                    <a:lnB w="6350" cap="flat" cmpd="sng" algn="ctr">
-                      <a:solidFill>
-                        <a:schemeClr val="bg2">
-                          <a:lumMod val="75000"/>
-                        </a:schemeClr>
-                      </a:solidFill>
-                      <a:prstDash val="solid"/>
-                      <a:round/>
-                      <a:headEnd type="none" w="med" len="med"/>
-                      <a:tailEnd type="none" w="med" len="med"/>
-                    </a:lnB>
-                    <a:noFill/>
-                  </a:tcPr>
-                </a:tc>
-                <a:tc>
-                  <a:txBody>
-                    <a:bodyPr/>
-                    <a:lstStyle/>
-                    <a:p>
-                      <a:pPr algn="ctr" rtl="0"/>
-                      <a:r>
-                        <a:rPr lang="en-GB"/>
-                        <a:t>1.7</a:t>
-                      </a:r>
-                    </a:p>
-                  </a:txBody>
-                  <a:tcPr anchor="ctr">
-                    <a:lnL w="6350" cap="flat" cmpd="sng" algn="ctr">
-                      <a:solidFill>
-                        <a:schemeClr val="bg2">
-                          <a:lumMod val="75000"/>
-                        </a:schemeClr>
-                      </a:solidFill>
-                      <a:prstDash val="solid"/>
-                      <a:round/>
-                      <a:headEnd type="none" w="med" len="med"/>
-                      <a:tailEnd type="none" w="med" len="med"/>
-                    </a:lnL>
-                    <a:lnR w="6350" cap="flat" cmpd="sng" algn="ctr">
-                      <a:solidFill>
-                        <a:schemeClr val="bg2">
-                          <a:lumMod val="75000"/>
-                        </a:schemeClr>
-                      </a:solidFill>
-                      <a:prstDash val="solid"/>
-                      <a:round/>
-                      <a:headEnd type="none" w="med" len="med"/>
-                      <a:tailEnd type="none" w="med" len="med"/>
-                    </a:lnR>
-                    <a:lnT w="6350" cap="flat" cmpd="sng" algn="ctr">
-                      <a:solidFill>
-                        <a:schemeClr val="bg2">
-                          <a:lumMod val="75000"/>
-                        </a:schemeClr>
-                      </a:solidFill>
-                      <a:prstDash val="solid"/>
-                      <a:round/>
-                      <a:headEnd type="none" w="med" len="med"/>
-                      <a:tailEnd type="none" w="med" len="med"/>
-                    </a:lnT>
-                    <a:lnB w="6350" cap="flat" cmpd="sng" algn="ctr">
-                      <a:solidFill>
-                        <a:schemeClr val="bg2">
-                          <a:lumMod val="75000"/>
-                        </a:schemeClr>
-                      </a:solidFill>
-                      <a:prstDash val="solid"/>
-                      <a:round/>
-                      <a:headEnd type="none" w="med" len="med"/>
-                      <a:tailEnd type="none" w="med" len="med"/>
-                    </a:lnB>
-                    <a:noFill/>
-                  </a:tcPr>
-                </a:tc>
-                <a:tc>
-                  <a:txBody>
-                    <a:bodyPr/>
-                    <a:lstStyle/>
-                    <a:p>
-                      <a:pPr algn="ctr" rtl="0"/>
-                      <a:r>
-                        <a:rPr lang="en-GB"/>
-                        <a:t>2.5</a:t>
-                      </a:r>
-                    </a:p>
-                  </a:txBody>
-                  <a:tcPr anchor="ctr">
-                    <a:lnL w="6350" cap="flat" cmpd="sng" algn="ctr">
-                      <a:solidFill>
-                        <a:schemeClr val="bg2">
-                          <a:lumMod val="75000"/>
-                        </a:schemeClr>
-                      </a:solidFill>
-                      <a:prstDash val="solid"/>
-                      <a:round/>
-                      <a:headEnd type="none" w="med" len="med"/>
-                      <a:tailEnd type="none" w="med" len="med"/>
-                    </a:lnL>
-                    <a:lnR w="6350" cap="flat" cmpd="sng" algn="ctr">
-                      <a:solidFill>
-                        <a:schemeClr val="bg2">
-                          <a:lumMod val="75000"/>
-                        </a:schemeClr>
-                      </a:solidFill>
-                      <a:prstDash val="solid"/>
-                      <a:round/>
-                      <a:headEnd type="none" w="med" len="med"/>
-                      <a:tailEnd type="none" w="med" len="med"/>
-                    </a:lnR>
-                    <a:lnT w="6350" cap="flat" cmpd="sng" algn="ctr">
-                      <a:solidFill>
-                        <a:schemeClr val="bg2">
-                          <a:lumMod val="75000"/>
-                        </a:schemeClr>
-                      </a:solidFill>
-                      <a:prstDash val="solid"/>
-                      <a:round/>
-                      <a:headEnd type="none" w="med" len="med"/>
-                      <a:tailEnd type="none" w="med" len="med"/>
-                    </a:lnT>
-                    <a:lnB w="6350" cap="flat" cmpd="sng" algn="ctr">
-                      <a:solidFill>
-                        <a:schemeClr val="bg2">
-                          <a:lumMod val="75000"/>
-                        </a:schemeClr>
-                      </a:solidFill>
-                      <a:prstDash val="solid"/>
-                      <a:round/>
-                      <a:headEnd type="none" w="med" len="med"/>
-                      <a:tailEnd type="none" w="med" len="med"/>
-                    </a:lnB>
-                    <a:noFill/>
-                  </a:tcPr>
-                </a:tc>
-                <a:tc>
-                  <a:txBody>
-                    <a:bodyPr/>
-                    <a:lstStyle/>
-                    <a:p>
-                      <a:pPr algn="ctr" rtl="0"/>
-                      <a:r>
-                        <a:rPr lang="en-GB"/>
-                        <a:t>2.8</a:t>
-                      </a:r>
-                    </a:p>
-                  </a:txBody>
-                  <a:tcPr anchor="ctr">
-                    <a:lnL w="6350" cap="flat" cmpd="sng" algn="ctr">
-                      <a:solidFill>
-                        <a:schemeClr val="bg2">
-                          <a:lumMod val="75000"/>
-                        </a:schemeClr>
-                      </a:solidFill>
-                      <a:prstDash val="solid"/>
-                      <a:round/>
-                      <a:headEnd type="none" w="med" len="med"/>
-                      <a:tailEnd type="none" w="med" len="med"/>
-                    </a:lnL>
-                    <a:lnR w="6350" cap="flat" cmpd="sng" algn="ctr">
-                      <a:solidFill>
-                        <a:schemeClr val="bg2">
-                          <a:lumMod val="75000"/>
-                        </a:schemeClr>
-                      </a:solidFill>
-                      <a:prstDash val="solid"/>
-                      <a:round/>
-                      <a:headEnd type="none" w="med" len="med"/>
-                      <a:tailEnd type="none" w="med" len="med"/>
-                    </a:lnR>
-                    <a:lnT w="6350" cap="flat" cmpd="sng" algn="ctr">
-                      <a:solidFill>
-                        <a:schemeClr val="bg2">
-                          <a:lumMod val="75000"/>
-                        </a:schemeClr>
-                      </a:solidFill>
-                      <a:prstDash val="solid"/>
-                      <a:round/>
-                      <a:headEnd type="none" w="med" len="med"/>
-                      <a:tailEnd type="none" w="med" len="med"/>
-                    </a:lnT>
-                    <a:lnB w="6350" cap="flat" cmpd="sng" algn="ctr">
-                      <a:solidFill>
-                        <a:schemeClr val="bg2">
-                          <a:lumMod val="75000"/>
-                        </a:schemeClr>
-                      </a:solidFill>
-                      <a:prstDash val="solid"/>
-                      <a:round/>
-                      <a:headEnd type="none" w="med" len="med"/>
-                      <a:tailEnd type="none" w="med" len="med"/>
-                    </a:lnB>
-                    <a:noFill/>
-                  </a:tcPr>
-                </a:tc>
-                <a:extLst>
-                  <a:ext uri="{0D108BD9-81ED-4DB2-BD59-A6C34878D82A}">
-                    <a16:rowId xmlns:a16="http://schemas.microsoft.com/office/drawing/2014/main" val="2356119336"/>
-                  </a:ext>
-                </a:extLst>
-              </a:tr>
-              <a:tr h="541731">
-                <a:tc>
-                  <a:txBody>
-                    <a:bodyPr/>
-                    <a:lstStyle/>
-                    <a:p>
-                      <a:pPr algn="ctr" rtl="0"/>
-                      <a:r>
-                        <a:rPr lang="en-GB"/>
-                        <a:t>Item 4</a:t>
-                      </a:r>
-                    </a:p>
-                  </a:txBody>
-                  <a:tcPr anchor="ctr">
-                    <a:lnL w="6350" cap="flat" cmpd="sng" algn="ctr">
-                      <a:solidFill>
-                        <a:schemeClr val="bg2">
-                          <a:lumMod val="75000"/>
-                        </a:schemeClr>
-                      </a:solidFill>
-                      <a:prstDash val="solid"/>
-                      <a:round/>
-                      <a:headEnd type="none" w="med" len="med"/>
-                      <a:tailEnd type="none" w="med" len="med"/>
-                    </a:lnL>
-                    <a:lnR w="6350" cap="flat" cmpd="sng" algn="ctr">
-                      <a:solidFill>
-                        <a:schemeClr val="bg2">
-                          <a:lumMod val="75000"/>
-                        </a:schemeClr>
-                      </a:solidFill>
-                      <a:prstDash val="solid"/>
-                      <a:round/>
-                      <a:headEnd type="none" w="med" len="med"/>
-                      <a:tailEnd type="none" w="med" len="med"/>
-                    </a:lnR>
-                    <a:lnT w="6350" cap="flat" cmpd="sng" algn="ctr">
-                      <a:solidFill>
-                        <a:schemeClr val="bg2">
-                          <a:lumMod val="75000"/>
-                        </a:schemeClr>
-                      </a:solidFill>
-                      <a:prstDash val="solid"/>
-                      <a:round/>
-                      <a:headEnd type="none" w="med" len="med"/>
-                      <a:tailEnd type="none" w="med" len="med"/>
-                    </a:lnT>
-                    <a:lnB w="6350" cap="flat" cmpd="sng" algn="ctr">
-                      <a:solidFill>
-                        <a:schemeClr val="bg2">
-                          <a:lumMod val="75000"/>
-                        </a:schemeClr>
-                      </a:solidFill>
-                      <a:prstDash val="solid"/>
-                      <a:round/>
-                      <a:headEnd type="none" w="med" len="med"/>
-                      <a:tailEnd type="none" w="med" len="med"/>
-                    </a:lnB>
-                  </a:tcPr>
-                </a:tc>
-                <a:tc>
-                  <a:txBody>
-                    <a:bodyPr/>
-                    <a:lstStyle/>
-                    <a:p>
-                      <a:pPr algn="ctr" rtl="0"/>
-                      <a:r>
-                        <a:rPr lang="en-GB"/>
-                        <a:t>4.5</a:t>
-                      </a:r>
-                    </a:p>
-                  </a:txBody>
-                  <a:tcPr anchor="ctr">
-                    <a:lnL w="6350" cap="flat" cmpd="sng" algn="ctr">
-                      <a:solidFill>
-                        <a:schemeClr val="bg2">
-                          <a:lumMod val="75000"/>
-                        </a:schemeClr>
-                      </a:solidFill>
-                      <a:prstDash val="solid"/>
-                      <a:round/>
-                      <a:headEnd type="none" w="med" len="med"/>
-                      <a:tailEnd type="none" w="med" len="med"/>
-                    </a:lnL>
-                    <a:lnR w="6350" cap="flat" cmpd="sng" algn="ctr">
-                      <a:solidFill>
-                        <a:schemeClr val="bg2">
-                          <a:lumMod val="75000"/>
-                        </a:schemeClr>
-                      </a:solidFill>
-                      <a:prstDash val="solid"/>
-                      <a:round/>
-                      <a:headEnd type="none" w="med" len="med"/>
-                      <a:tailEnd type="none" w="med" len="med"/>
-                    </a:lnR>
-                    <a:lnT w="6350" cap="flat" cmpd="sng" algn="ctr">
-                      <a:solidFill>
-                        <a:schemeClr val="bg2">
-                          <a:lumMod val="75000"/>
-                        </a:schemeClr>
-                      </a:solidFill>
-                      <a:prstDash val="solid"/>
-                      <a:round/>
-                      <a:headEnd type="none" w="med" len="med"/>
-                      <a:tailEnd type="none" w="med" len="med"/>
-                    </a:lnT>
-                    <a:lnB w="6350" cap="flat" cmpd="sng" algn="ctr">
-                      <a:solidFill>
-                        <a:schemeClr val="bg2">
-                          <a:lumMod val="75000"/>
-                        </a:schemeClr>
-                      </a:solidFill>
-                      <a:prstDash val="solid"/>
-                      <a:round/>
-                      <a:headEnd type="none" w="med" len="med"/>
-                      <a:tailEnd type="none" w="med" len="med"/>
-                    </a:lnB>
-                  </a:tcPr>
-                </a:tc>
-                <a:tc>
-                  <a:txBody>
-                    <a:bodyPr/>
-                    <a:lstStyle/>
-                    <a:p>
-                      <a:pPr algn="ctr" rtl="0"/>
-                      <a:r>
-                        <a:rPr lang="en-GB"/>
-                        <a:t>2.2</a:t>
-                      </a:r>
-                    </a:p>
-                  </a:txBody>
-                  <a:tcPr anchor="ctr">
-                    <a:lnL w="6350" cap="flat" cmpd="sng" algn="ctr">
-                      <a:solidFill>
-                        <a:schemeClr val="bg2">
-                          <a:lumMod val="75000"/>
-                        </a:schemeClr>
-                      </a:solidFill>
-                      <a:prstDash val="solid"/>
-                      <a:round/>
-                      <a:headEnd type="none" w="med" len="med"/>
-                      <a:tailEnd type="none" w="med" len="med"/>
-                    </a:lnL>
-                    <a:lnR w="6350" cap="flat" cmpd="sng" algn="ctr">
-                      <a:solidFill>
-                        <a:schemeClr val="bg2">
-                          <a:lumMod val="75000"/>
-                        </a:schemeClr>
-                      </a:solidFill>
-                      <a:prstDash val="solid"/>
-                      <a:round/>
-                      <a:headEnd type="none" w="med" len="med"/>
-                      <a:tailEnd type="none" w="med" len="med"/>
-                    </a:lnR>
-                    <a:lnT w="6350" cap="flat" cmpd="sng" algn="ctr">
-                      <a:solidFill>
-                        <a:schemeClr val="bg2">
-                          <a:lumMod val="75000"/>
-                        </a:schemeClr>
-                      </a:solidFill>
-                      <a:prstDash val="solid"/>
-                      <a:round/>
-                      <a:headEnd type="none" w="med" len="med"/>
-                      <a:tailEnd type="none" w="med" len="med"/>
-                    </a:lnT>
-                    <a:lnB w="6350" cap="flat" cmpd="sng" algn="ctr">
-                      <a:solidFill>
-                        <a:schemeClr val="bg2">
-                          <a:lumMod val="75000"/>
-                        </a:schemeClr>
-                      </a:solidFill>
-                      <a:prstDash val="solid"/>
-                      <a:round/>
-                      <a:headEnd type="none" w="med" len="med"/>
-                      <a:tailEnd type="none" w="med" len="med"/>
-                    </a:lnB>
-                  </a:tcPr>
-                </a:tc>
-                <a:tc>
-                  <a:txBody>
-                    <a:bodyPr/>
-                    <a:lstStyle/>
-                    <a:p>
-                      <a:pPr algn="ctr" rtl="0"/>
-                      <a:r>
-                        <a:rPr lang="en-GB"/>
-                        <a:t>1.7</a:t>
-                      </a:r>
-                    </a:p>
-                  </a:txBody>
-                  <a:tcPr anchor="ctr">
-                    <a:lnL w="6350" cap="flat" cmpd="sng" algn="ctr">
-                      <a:solidFill>
-                        <a:schemeClr val="bg2">
-                          <a:lumMod val="75000"/>
-                        </a:schemeClr>
-                      </a:solidFill>
-                      <a:prstDash val="solid"/>
-                      <a:round/>
-                      <a:headEnd type="none" w="med" len="med"/>
-                      <a:tailEnd type="none" w="med" len="med"/>
-                    </a:lnL>
-                    <a:lnR w="6350" cap="flat" cmpd="sng" algn="ctr">
-                      <a:solidFill>
-                        <a:schemeClr val="bg2">
-                          <a:lumMod val="75000"/>
-                        </a:schemeClr>
-                      </a:solidFill>
-                      <a:prstDash val="solid"/>
-                      <a:round/>
-                      <a:headEnd type="none" w="med" len="med"/>
-                      <a:tailEnd type="none" w="med" len="med"/>
-                    </a:lnR>
-                    <a:lnT w="6350" cap="flat" cmpd="sng" algn="ctr">
-                      <a:solidFill>
-                        <a:schemeClr val="bg2">
-                          <a:lumMod val="75000"/>
-                        </a:schemeClr>
-                      </a:solidFill>
-                      <a:prstDash val="solid"/>
-                      <a:round/>
-                      <a:headEnd type="none" w="med" len="med"/>
-                      <a:tailEnd type="none" w="med" len="med"/>
-                    </a:lnT>
-                    <a:lnB w="6350" cap="flat" cmpd="sng" algn="ctr">
-                      <a:solidFill>
-                        <a:schemeClr val="bg2">
-                          <a:lumMod val="75000"/>
-                        </a:schemeClr>
-                      </a:solidFill>
-                      <a:prstDash val="solid"/>
-                      <a:round/>
-                      <a:headEnd type="none" w="med" len="med"/>
-                      <a:tailEnd type="none" w="med" len="med"/>
-                    </a:lnB>
-                  </a:tcPr>
-                </a:tc>
-                <a:tc>
-                  <a:txBody>
-                    <a:bodyPr/>
-                    <a:lstStyle/>
-                    <a:p>
-                      <a:pPr algn="ctr" rtl="0"/>
-                      <a:r>
-                        <a:rPr lang="en-GB"/>
-                        <a:t>7</a:t>
-                      </a:r>
-                    </a:p>
-                  </a:txBody>
-                  <a:tcPr anchor="ctr">
-                    <a:lnL w="6350" cap="flat" cmpd="sng" algn="ctr">
-                      <a:solidFill>
-                        <a:schemeClr val="bg2">
-                          <a:lumMod val="75000"/>
-                        </a:schemeClr>
-                      </a:solidFill>
-                      <a:prstDash val="solid"/>
-                      <a:round/>
-                      <a:headEnd type="none" w="med" len="med"/>
-                      <a:tailEnd type="none" w="med" len="med"/>
-                    </a:lnL>
-                    <a:lnR w="6350" cap="flat" cmpd="sng" algn="ctr">
-                      <a:solidFill>
-                        <a:schemeClr val="bg2">
-                          <a:lumMod val="75000"/>
-                        </a:schemeClr>
-                      </a:solidFill>
-                      <a:prstDash val="solid"/>
-                      <a:round/>
-                      <a:headEnd type="none" w="med" len="med"/>
-                      <a:tailEnd type="none" w="med" len="med"/>
-                    </a:lnR>
-                    <a:lnT w="6350" cap="flat" cmpd="sng" algn="ctr">
-                      <a:solidFill>
-                        <a:schemeClr val="bg2">
-                          <a:lumMod val="75000"/>
-                        </a:schemeClr>
-                      </a:solidFill>
-                      <a:prstDash val="solid"/>
-                      <a:round/>
-                      <a:headEnd type="none" w="med" len="med"/>
-                      <a:tailEnd type="none" w="med" len="med"/>
-                    </a:lnT>
-                    <a:lnB w="6350" cap="flat" cmpd="sng" algn="ctr">
-                      <a:solidFill>
-                        <a:schemeClr val="bg2">
-                          <a:lumMod val="75000"/>
-                        </a:schemeClr>
-                      </a:solidFill>
-                      <a:prstDash val="solid"/>
-                      <a:round/>
-                      <a:headEnd type="none" w="med" len="med"/>
-                      <a:tailEnd type="none" w="med" len="med"/>
-                    </a:lnB>
-                  </a:tcPr>
-                </a:tc>
-                <a:extLst>
-                  <a:ext uri="{0D108BD9-81ED-4DB2-BD59-A6C34878D82A}">
-                    <a16:rowId xmlns:a16="http://schemas.microsoft.com/office/drawing/2014/main" val="1405360145"/>
-                  </a:ext>
-                </a:extLst>
-              </a:tr>
-            </a:tbl>
-          </a:graphicData>
-        </a:graphic>
-      </p:graphicFrame>
-      <p:sp>
-        <p:nvSpPr>
-          <p:cNvPr id="4" name="Date Placeholder 3">
-            <a:extLst>
-              <a:ext uri="{FF2B5EF4-FFF2-40B4-BE49-F238E27FC236}">
-                <a16:creationId xmlns:a16="http://schemas.microsoft.com/office/drawing/2014/main" id="{98FF78BF-EED7-4AC2-968A-8644D6224B29}"/>
+              <a:t>Walt Disney</a:t>
+            </a:r>
+          </a:p>
+        </p:txBody>
+      </p:sp>
+      <p:pic>
+        <p:nvPicPr>
+          <p:cNvPr id="14" name="Picture Placeholder 13" descr="A close - up of a violinist">
+            <a:extLst>
+              <a:ext uri="{FF2B5EF4-FFF2-40B4-BE49-F238E27FC236}">
+                <a16:creationId xmlns:a16="http://schemas.microsoft.com/office/drawing/2014/main" id="{5BC04982-CB92-4287-8A66-635C39585584}"/>
+              </a:ext>
+            </a:extLst>
+          </p:cNvPr>
+          <p:cNvPicPr>
+            <a:picLocks noGrp="1" noChangeAspect="1"/>
+          </p:cNvPicPr>
+          <p:nvPr>
+            <p:ph type="pic" sz="quarter" idx="13"/>
+          </p:nvPr>
+        </p:nvPicPr>
+        <p:blipFill rotWithShape="1">
+          <a:blip r:embed="rId3" cstate="screen">
+            <a:extLst>
+              <a:ext uri="{28A0092B-C50C-407E-A947-70E740481C1C}">
+                <a14:useLocalDpi xmlns:a14="http://schemas.microsoft.com/office/drawing/2010/main" val="0"/>
+              </a:ext>
+            </a:extLst>
+          </a:blip>
+          <a:srcRect/>
+          <a:stretch/>
+        </p:blipFill>
+        <p:spPr>
+          <a:xfrm>
+            <a:off x="0" y="0"/>
+            <a:ext cx="12188952" cy="4462272"/>
+          </a:xfrm>
+        </p:spPr>
+      </p:pic>
+      <p:sp>
+        <p:nvSpPr>
+          <p:cNvPr id="21" name="Date Placeholder 20">
+            <a:extLst>
+              <a:ext uri="{FF2B5EF4-FFF2-40B4-BE49-F238E27FC236}">
+                <a16:creationId xmlns:a16="http://schemas.microsoft.com/office/drawing/2014/main" id="{6FF32649-32BD-4DF7-8CF4-C5EF7B01FDD0}"/>
               </a:ext>
             </a:extLst>
           </p:cNvPr>
@@ -16517,20 +14057,19 @@
           <a:bodyPr rtlCol="0"/>
           <a:lstStyle/>
           <a:p>
-            <a:pPr rtl="0"/>
-            <a:r>
-              <a:rPr lang="en-GB"/>
-              <a:t>Monday, February 1, 20XX</a:t>
-            </a:r>
-          </a:p>
-        </p:txBody>
-      </p:sp>
-      <p:sp>
-        <p:nvSpPr>
-          <p:cNvPr id="6" name="Slide Number Placeholder 5">
-            <a:extLst>
-              <a:ext uri="{FF2B5EF4-FFF2-40B4-BE49-F238E27FC236}">
-                <a16:creationId xmlns:a16="http://schemas.microsoft.com/office/drawing/2014/main" id="{2E49EF26-3B47-496A-81C1-04CA0FCA9C63}"/>
+            <a:r>
+              <a:rPr lang="en-GB" dirty="0"/>
+              <a:t>Thursday, May 25, 2025</a:t>
+            </a:r>
+          </a:p>
+        </p:txBody>
+      </p:sp>
+      <p:sp>
+        <p:nvSpPr>
+          <p:cNvPr id="23" name="Slide Number Placeholder 22">
+            <a:extLst>
+              <a:ext uri="{FF2B5EF4-FFF2-40B4-BE49-F238E27FC236}">
+                <a16:creationId xmlns:a16="http://schemas.microsoft.com/office/drawing/2014/main" id="{6D853837-26C5-47BD-A51B-085EDF9224A5}"/>
               </a:ext>
             </a:extLst>
           </p:cNvPr>
@@ -16564,7 +14103,7 @@
     </p:spTree>
     <p:extLst>
       <p:ext uri="{BB962C8B-B14F-4D97-AF65-F5344CB8AC3E}">
-        <p14:creationId xmlns:p14="http://schemas.microsoft.com/office/powerpoint/2010/main" val="3717323242"/>
+        <p14:creationId xmlns:p14="http://schemas.microsoft.com/office/powerpoint/2010/main" val="2131406861"/>
       </p:ext>
     </p:extLst>
   </p:cSld>
@@ -16593,10 +14132,10 @@
       </p:grpSpPr>
       <p:sp>
         <p:nvSpPr>
-          <p:cNvPr id="2" name="Title 1">
-            <a:extLst>
-              <a:ext uri="{FF2B5EF4-FFF2-40B4-BE49-F238E27FC236}">
-                <a16:creationId xmlns:a16="http://schemas.microsoft.com/office/drawing/2014/main" id="{BC562C5A-DC3A-4D57-A7F0-A52C0B0842C5}"/>
+          <p:cNvPr id="8" name="Title 7">
+            <a:extLst>
+              <a:ext uri="{FF2B5EF4-FFF2-40B4-BE49-F238E27FC236}">
+                <a16:creationId xmlns:a16="http://schemas.microsoft.com/office/drawing/2014/main" id="{D7B820C0-182D-42F4-8707-5CC4A745D15D}"/>
               </a:ext>
             </a:extLst>
           </p:cNvPr>
@@ -16604,49 +14143,13 @@
             <a:spLocks noGrp="1"/>
           </p:cNvSpPr>
           <p:nvPr>
-            <p:ph type="ctrTitle"/>
+            <p:ph type="title"/>
           </p:nvPr>
         </p:nvSpPr>
         <p:spPr>
           <a:xfrm>
-            <a:off x="1383807" y="4611271"/>
-            <a:ext cx="10229073" cy="1171556"/>
-          </a:xfrm>
-        </p:spPr>
-        <p:txBody>
-          <a:bodyPr rtlCol="0">
-            <a:normAutofit fontScale="90000"/>
-          </a:bodyPr>
-          <a:lstStyle/>
-          <a:p>
-            <a:pPr rtl="0"/>
-            <a:r>
-              <a:rPr lang="en-GB"/>
-              <a:t>The way to get started is to quit talking and begin doing.</a:t>
-            </a:r>
-          </a:p>
-        </p:txBody>
-      </p:sp>
-      <p:sp>
-        <p:nvSpPr>
-          <p:cNvPr id="3" name="Subtitle 2">
-            <a:extLst>
-              <a:ext uri="{FF2B5EF4-FFF2-40B4-BE49-F238E27FC236}">
-                <a16:creationId xmlns:a16="http://schemas.microsoft.com/office/drawing/2014/main" id="{60F0DCEA-5CBC-4FE3-A819-C5EBE40E29E5}"/>
-              </a:ext>
-            </a:extLst>
-          </p:cNvPr>
-          <p:cNvSpPr>
-            <a:spLocks noGrp="1"/>
-          </p:cNvSpPr>
-          <p:nvPr>
-            <p:ph type="subTitle" idx="1"/>
-          </p:nvPr>
-        </p:nvSpPr>
-        <p:spPr>
-          <a:xfrm>
-            <a:off x="1371601" y="5970897"/>
-            <a:ext cx="9448800" cy="429904"/>
+            <a:off x="1371600" y="795528"/>
+            <a:ext cx="10241280" cy="1234440"/>
           </a:xfrm>
         </p:spPr>
         <p:txBody>
@@ -16655,52 +14158,18 @@
           <a:p>
             <a:pPr rtl="0"/>
             <a:r>
-              <a:rPr lang="en-GB"/>
-              <a:t>Walt Disney</a:t>
-            </a:r>
-          </a:p>
-        </p:txBody>
-      </p:sp>
-      <p:pic>
-        <p:nvPicPr>
-          <p:cNvPr id="14" name="Picture Placeholder 13" descr="A close - up of a violinist">
-            <a:extLst>
-              <a:ext uri="{FF2B5EF4-FFF2-40B4-BE49-F238E27FC236}">
-                <a16:creationId xmlns:a16="http://schemas.microsoft.com/office/drawing/2014/main" id="{5BC04982-CB92-4287-8A66-635C39585584}"/>
-              </a:ext>
-            </a:extLst>
-          </p:cNvPr>
-          <p:cNvPicPr>
-            <a:picLocks noGrp="1" noChangeAspect="1"/>
-          </p:cNvPicPr>
-          <p:nvPr>
-            <p:ph type="pic" sz="quarter" idx="13"/>
-          </p:nvPr>
-        </p:nvPicPr>
-        <p:blipFill rotWithShape="1">
-          <a:blip r:embed="rId3" cstate="screen">
-            <a:extLst>
-              <a:ext uri="{28A0092B-C50C-407E-A947-70E740481C1C}">
-                <a14:useLocalDpi xmlns:a14="http://schemas.microsoft.com/office/drawing/2010/main" val="0"/>
-              </a:ext>
-            </a:extLst>
-          </a:blip>
-          <a:srcRect/>
-          <a:stretch/>
-        </p:blipFill>
-        <p:spPr>
-          <a:xfrm>
-            <a:off x="0" y="0"/>
-            <a:ext cx="12188952" cy="4462272"/>
-          </a:xfrm>
-        </p:spPr>
-      </p:pic>
-      <p:sp>
-        <p:nvSpPr>
-          <p:cNvPr id="4" name="Footer Placeholder 3">
-            <a:extLst>
-              <a:ext uri="{FF2B5EF4-FFF2-40B4-BE49-F238E27FC236}">
-                <a16:creationId xmlns:a16="http://schemas.microsoft.com/office/drawing/2014/main" id="{EB4C6ED3-13A4-4C80-9C81-CB6CC8D7DCB8}"/>
+              <a:rPr lang="en-GB" dirty="0"/>
+              <a:t>Hello, World! across languages</a:t>
+            </a:r>
+          </a:p>
+        </p:txBody>
+      </p:sp>
+      <p:sp>
+        <p:nvSpPr>
+          <p:cNvPr id="14" name="Footer Placeholder 13">
+            <a:extLst>
+              <a:ext uri="{FF2B5EF4-FFF2-40B4-BE49-F238E27FC236}">
+                <a16:creationId xmlns:a16="http://schemas.microsoft.com/office/drawing/2014/main" id="{EC5535F9-DB15-409A-BCC6-52A919692070}"/>
               </a:ext>
             </a:extLst>
           </p:cNvPr>
@@ -16731,10 +14200,344 @@
       </p:sp>
       <p:sp>
         <p:nvSpPr>
-          <p:cNvPr id="21" name="Date Placeholder 20">
-            <a:extLst>
-              <a:ext uri="{FF2B5EF4-FFF2-40B4-BE49-F238E27FC236}">
-                <a16:creationId xmlns:a16="http://schemas.microsoft.com/office/drawing/2014/main" id="{6FF32649-32BD-4DF7-8CF4-C5EF7B01FDD0}"/>
+          <p:cNvPr id="2" name="Text Placeholder 1">
+            <a:extLst>
+              <a:ext uri="{FF2B5EF4-FFF2-40B4-BE49-F238E27FC236}">
+                <a16:creationId xmlns:a16="http://schemas.microsoft.com/office/drawing/2014/main" id="{D54DDEAB-A1D8-45E5-B8F9-54AF382754D8}"/>
+              </a:ext>
+            </a:extLst>
+          </p:cNvPr>
+          <p:cNvSpPr>
+            <a:spLocks noGrp="1"/>
+          </p:cNvSpPr>
+          <p:nvPr>
+            <p:ph type="body" idx="1"/>
+          </p:nvPr>
+        </p:nvSpPr>
+        <p:spPr>
+          <a:xfrm>
+            <a:off x="1371600" y="2112264"/>
+            <a:ext cx="3200400" cy="823912"/>
+          </a:xfrm>
+        </p:spPr>
+        <p:txBody>
+          <a:bodyPr rtlCol="0"/>
+          <a:lstStyle/>
+          <a:p>
+            <a:pPr rtl="0"/>
+            <a:r>
+              <a:rPr lang="en-GB" dirty="0"/>
+              <a:t>Java</a:t>
+            </a:r>
+          </a:p>
+        </p:txBody>
+      </p:sp>
+      <p:sp>
+        <p:nvSpPr>
+          <p:cNvPr id="3" name="Content Placeholder 2">
+            <a:extLst>
+              <a:ext uri="{FF2B5EF4-FFF2-40B4-BE49-F238E27FC236}">
+                <a16:creationId xmlns:a16="http://schemas.microsoft.com/office/drawing/2014/main" id="{9290A70A-B7A4-4395-BFBC-6889EE79D2B3}"/>
+              </a:ext>
+            </a:extLst>
+          </p:cNvPr>
+          <p:cNvSpPr>
+            <a:spLocks noGrp="1"/>
+          </p:cNvSpPr>
+          <p:nvPr>
+            <p:ph sz="half" idx="2"/>
+          </p:nvPr>
+        </p:nvSpPr>
+        <p:spPr>
+          <a:xfrm>
+            <a:off x="1371600" y="3018472"/>
+            <a:ext cx="3200400" cy="3104856"/>
+          </a:xfrm>
+        </p:spPr>
+        <p:txBody>
+          <a:bodyPr rtlCol="0">
+            <a:normAutofit/>
+          </a:bodyPr>
+          <a:lstStyle/>
+          <a:p>
+            <a:pPr rtl="0"/>
+            <a:r>
+              <a:rPr lang="en-GB" dirty="0"/>
+              <a:t>Lots of boilerplate</a:t>
+            </a:r>
+          </a:p>
+          <a:p>
+            <a:pPr rtl="0"/>
+            <a:r>
+              <a:rPr lang="en-GB" dirty="0"/>
+              <a:t>What’s a class? What’s public? What’s static?</a:t>
+            </a:r>
+          </a:p>
+          <a:p>
+            <a:pPr rtl="0"/>
+            <a:r>
+              <a:rPr lang="en-GB" dirty="0"/>
+              <a:t>Getting better: </a:t>
+            </a:r>
+            <a:r>
+              <a:rPr lang="en-GB" dirty="0">
+                <a:hlinkClick r:id="rId2"/>
+              </a:rPr>
+              <a:t>JShell</a:t>
+            </a:r>
+            <a:r>
+              <a:rPr lang="en-GB" dirty="0"/>
+              <a:t>, </a:t>
+            </a:r>
+            <a:r>
+              <a:rPr lang="en-GB" dirty="0">
+                <a:hlinkClick r:id="rId3"/>
+              </a:rPr>
+              <a:t>JBang</a:t>
+            </a:r>
+            <a:r>
+              <a:rPr lang="en-GB" dirty="0"/>
+              <a:t>,  </a:t>
+            </a:r>
+            <a:r>
+              <a:rPr lang="en-GB" dirty="0">
+                <a:hlinkClick r:id="rId4"/>
+              </a:rPr>
+              <a:t>JEP 445</a:t>
+            </a:r>
+            <a:r>
+              <a:rPr lang="en-GB" dirty="0"/>
+              <a:t>.</a:t>
+            </a:r>
+          </a:p>
+        </p:txBody>
+      </p:sp>
+      <p:sp>
+        <p:nvSpPr>
+          <p:cNvPr id="4" name="Text Placeholder 3">
+            <a:extLst>
+              <a:ext uri="{FF2B5EF4-FFF2-40B4-BE49-F238E27FC236}">
+                <a16:creationId xmlns:a16="http://schemas.microsoft.com/office/drawing/2014/main" id="{22BD1F5F-2C0D-469F-B9D7-F62887EF92CF}"/>
+              </a:ext>
+            </a:extLst>
+          </p:cNvPr>
+          <p:cNvSpPr>
+            <a:spLocks noGrp="1"/>
+          </p:cNvSpPr>
+          <p:nvPr>
+            <p:ph type="body" sz="quarter" idx="3"/>
+          </p:nvPr>
+        </p:nvSpPr>
+        <p:spPr>
+          <a:xfrm>
+            <a:off x="4892040" y="2109976"/>
+            <a:ext cx="3200400" cy="823912"/>
+          </a:xfrm>
+        </p:spPr>
+        <p:txBody>
+          <a:bodyPr rtlCol="0"/>
+          <a:lstStyle/>
+          <a:p>
+            <a:pPr rtl="0"/>
+            <a:r>
+              <a:rPr lang="en-GB" dirty="0"/>
+              <a:t>Kotlin</a:t>
+            </a:r>
+          </a:p>
+        </p:txBody>
+      </p:sp>
+      <p:sp>
+        <p:nvSpPr>
+          <p:cNvPr id="5" name="Content Placeholder 4">
+            <a:extLst>
+              <a:ext uri="{FF2B5EF4-FFF2-40B4-BE49-F238E27FC236}">
+                <a16:creationId xmlns:a16="http://schemas.microsoft.com/office/drawing/2014/main" id="{F456CC6B-4AA1-4424-8333-65754C5AE4D4}"/>
+              </a:ext>
+            </a:extLst>
+          </p:cNvPr>
+          <p:cNvSpPr>
+            <a:spLocks noGrp="1"/>
+          </p:cNvSpPr>
+          <p:nvPr>
+            <p:ph sz="quarter" idx="4"/>
+          </p:nvPr>
+        </p:nvSpPr>
+        <p:spPr>
+          <a:xfrm>
+            <a:off x="4892040" y="3016183"/>
+            <a:ext cx="3200400" cy="3104857"/>
+          </a:xfrm>
+        </p:spPr>
+        <p:txBody>
+          <a:bodyPr rtlCol="0">
+            <a:normAutofit/>
+          </a:bodyPr>
+          <a:lstStyle/>
+          <a:p>
+            <a:pPr rtl="0"/>
+            <a:r>
+              <a:rPr lang="en-GB" dirty="0"/>
+              <a:t>Clean top level function</a:t>
+            </a:r>
+          </a:p>
+          <a:p>
+            <a:pPr rtl="0"/>
+            <a:r>
+              <a:rPr lang="en-GB" dirty="0"/>
+              <a:t>Proper tools for beginners REPL, Scripting &amp; Worksheets</a:t>
+            </a:r>
+          </a:p>
+          <a:p>
+            <a:pPr rtl="0"/>
+            <a:r>
+              <a:rPr lang="en-GB" dirty="0"/>
+              <a:t>Simple but getting more powerful. E.g., </a:t>
+            </a:r>
+            <a:r>
+              <a:rPr lang="en-GB" dirty="0">
+                <a:hlinkClick r:id="rId5"/>
+              </a:rPr>
+              <a:t>Script dependencies</a:t>
+            </a:r>
+            <a:r>
+              <a:rPr lang="en-GB" dirty="0"/>
+              <a:t>.</a:t>
+            </a:r>
+          </a:p>
+        </p:txBody>
+      </p:sp>
+      <p:sp>
+        <p:nvSpPr>
+          <p:cNvPr id="9" name="Text Placeholder 8">
+            <a:extLst>
+              <a:ext uri="{FF2B5EF4-FFF2-40B4-BE49-F238E27FC236}">
+                <a16:creationId xmlns:a16="http://schemas.microsoft.com/office/drawing/2014/main" id="{3E04CE81-6A28-4EA4-BA58-E94D051A3BC1}"/>
+              </a:ext>
+            </a:extLst>
+          </p:cNvPr>
+          <p:cNvSpPr>
+            <a:spLocks noGrp="1"/>
+          </p:cNvSpPr>
+          <p:nvPr>
+            <p:ph type="body" sz="quarter" idx="13"/>
+          </p:nvPr>
+        </p:nvSpPr>
+        <p:spPr>
+          <a:xfrm>
+            <a:off x="8412480" y="2112263"/>
+            <a:ext cx="3200400" cy="823912"/>
+          </a:xfrm>
+        </p:spPr>
+        <p:txBody>
+          <a:bodyPr rtlCol="0"/>
+          <a:lstStyle/>
+          <a:p>
+            <a:pPr rtl="0"/>
+            <a:r>
+              <a:rPr lang="en-GB" dirty="0"/>
+              <a:t>Scala</a:t>
+            </a:r>
+          </a:p>
+        </p:txBody>
+      </p:sp>
+      <p:sp>
+        <p:nvSpPr>
+          <p:cNvPr id="10" name="Content Placeholder 9">
+            <a:extLst>
+              <a:ext uri="{FF2B5EF4-FFF2-40B4-BE49-F238E27FC236}">
+                <a16:creationId xmlns:a16="http://schemas.microsoft.com/office/drawing/2014/main" id="{3A996BD0-4A93-4EF8-8348-686D9CB3C977}"/>
+              </a:ext>
+            </a:extLst>
+          </p:cNvPr>
+          <p:cNvSpPr>
+            <a:spLocks noGrp="1"/>
+          </p:cNvSpPr>
+          <p:nvPr>
+            <p:ph sz="quarter" idx="14"/>
+          </p:nvPr>
+        </p:nvSpPr>
+        <p:spPr>
+          <a:xfrm>
+            <a:off x="8412480" y="3018470"/>
+            <a:ext cx="3200400" cy="3104857"/>
+          </a:xfrm>
+        </p:spPr>
+        <p:txBody>
+          <a:bodyPr rtlCol="0">
+            <a:normAutofit/>
+          </a:bodyPr>
+          <a:lstStyle/>
+          <a:p>
+            <a:pPr rtl="0"/>
+            <a:r>
+              <a:rPr lang="en-GB" dirty="0"/>
+              <a:t>Scala 2 still needed some boilerplate. </a:t>
+            </a:r>
+          </a:p>
+          <a:p>
+            <a:pPr rtl="0"/>
+            <a:r>
+              <a:rPr lang="en-GB" dirty="0"/>
+              <a:t>Proper tooling OOB, but can be a little messy</a:t>
+            </a:r>
+          </a:p>
+          <a:p>
+            <a:pPr rtl="0"/>
+            <a:r>
+              <a:rPr lang="en-GB" dirty="0">
+                <a:hlinkClick r:id="rId6"/>
+              </a:rPr>
+              <a:t>Ammonite</a:t>
+            </a:r>
+            <a:r>
+              <a:rPr lang="en-GB" dirty="0"/>
+              <a:t>, </a:t>
+            </a:r>
+            <a:r>
+              <a:rPr lang="en-GB" dirty="0">
+                <a:hlinkClick r:id="rId7"/>
+              </a:rPr>
+              <a:t>Scala CLI</a:t>
+            </a:r>
+            <a:r>
+              <a:rPr lang="en-GB" dirty="0"/>
+              <a:t>.</a:t>
+            </a:r>
+          </a:p>
+          <a:p>
+            <a:pPr rtl="0"/>
+            <a:r>
+              <a:rPr lang="en-GB" dirty="0">
+                <a:hlinkClick r:id="rId8"/>
+              </a:rPr>
+              <a:t>Scala 3: </a:t>
+            </a:r>
+            <a:r>
+              <a:rPr lang="en-GB" dirty="0" err="1"/>
+              <a:t>Clean,powerful</a:t>
+            </a:r>
+            <a:r>
+              <a:rPr lang="en-GB" dirty="0"/>
+              <a:t> and </a:t>
+            </a:r>
+            <a:r>
+              <a:rPr lang="en-GB" dirty="0" err="1"/>
+              <a:t>typesafe</a:t>
+            </a:r>
+            <a:endParaRPr lang="en-GB" dirty="0"/>
+          </a:p>
+          <a:p>
+            <a:pPr rtl="0"/>
+            <a:endParaRPr lang="en-GB" dirty="0"/>
+          </a:p>
+        </p:txBody>
+      </p:sp>
+      <p:sp>
+        <p:nvSpPr>
+          <p:cNvPr id="6" name="Date Placeholder 5">
+            <a:extLst>
+              <a:ext uri="{FF2B5EF4-FFF2-40B4-BE49-F238E27FC236}">
+                <a16:creationId xmlns:a16="http://schemas.microsoft.com/office/drawing/2014/main" id="{256B2184-E681-4C0F-B7BE-487EF89C01F1}"/>
               </a:ext>
             </a:extLst>
           </p:cNvPr>
@@ -16755,20 +14558,19 @@
           <a:bodyPr rtlCol="0"/>
           <a:lstStyle/>
           <a:p>
-            <a:pPr rtl="0"/>
-            <a:r>
-              <a:rPr lang="en-GB"/>
-              <a:t>Monday, February 1, 20XX</a:t>
-            </a:r>
-          </a:p>
-        </p:txBody>
-      </p:sp>
-      <p:sp>
-        <p:nvSpPr>
-          <p:cNvPr id="23" name="Slide Number Placeholder 22">
-            <a:extLst>
-              <a:ext uri="{FF2B5EF4-FFF2-40B4-BE49-F238E27FC236}">
-                <a16:creationId xmlns:a16="http://schemas.microsoft.com/office/drawing/2014/main" id="{6D853837-26C5-47BD-A51B-085EDF9224A5}"/>
+            <a:r>
+              <a:rPr lang="en-GB" dirty="0"/>
+              <a:t>Thursday, May 25, 2025</a:t>
+            </a:r>
+          </a:p>
+        </p:txBody>
+      </p:sp>
+      <p:sp>
+        <p:nvSpPr>
+          <p:cNvPr id="7" name="Slide Number Placeholder 6">
+            <a:extLst>
+              <a:ext uri="{FF2B5EF4-FFF2-40B4-BE49-F238E27FC236}">
+                <a16:creationId xmlns:a16="http://schemas.microsoft.com/office/drawing/2014/main" id="{2AE7E0D2-79BA-4A99-B0A5-6C7F621F51B7}"/>
               </a:ext>
             </a:extLst>
           </p:cNvPr>
@@ -16802,7 +14604,7 @@
     </p:spTree>
     <p:extLst>
       <p:ext uri="{BB962C8B-B14F-4D97-AF65-F5344CB8AC3E}">
-        <p14:creationId xmlns:p14="http://schemas.microsoft.com/office/powerpoint/2010/main" val="2131406861"/>
+        <p14:creationId xmlns:p14="http://schemas.microsoft.com/office/powerpoint/2010/main" val="1856099828"/>
       </p:ext>
     </p:extLst>
   </p:cSld>
@@ -16831,10 +14633,10 @@
       </p:grpSpPr>
       <p:sp>
         <p:nvSpPr>
-          <p:cNvPr id="11" name="Title 10">
-            <a:extLst>
-              <a:ext uri="{FF2B5EF4-FFF2-40B4-BE49-F238E27FC236}">
-                <a16:creationId xmlns:a16="http://schemas.microsoft.com/office/drawing/2014/main" id="{0733DF59-A4B2-4E69-B8BA-B4E6D9904EDB}"/>
+          <p:cNvPr id="6" name="Title 5">
+            <a:extLst>
+              <a:ext uri="{FF2B5EF4-FFF2-40B4-BE49-F238E27FC236}">
+                <a16:creationId xmlns:a16="http://schemas.microsoft.com/office/drawing/2014/main" id="{796646DD-9771-4241-9017-A1226C4F0655}"/>
               </a:ext>
             </a:extLst>
           </p:cNvPr>
@@ -16847,18 +14649,18 @@
         </p:nvSpPr>
         <p:spPr>
           <a:xfrm>
-            <a:off x="1371600" y="580030"/>
-            <a:ext cx="10240903" cy="1009934"/>
+            <a:off x="1371600" y="795528"/>
+            <a:ext cx="10241280" cy="1234440"/>
           </a:xfrm>
         </p:spPr>
         <p:txBody>
-          <a:bodyPr rtlCol="0" anchor="ctr"/>
+          <a:bodyPr rtlCol="0"/>
           <a:lstStyle/>
           <a:p>
             <a:pPr rtl="0"/>
             <a:r>
-              <a:rPr lang="en-GB"/>
-              <a:t>team</a:t>
+              <a:rPr lang="en-GB" dirty="0"/>
+              <a:t>Enums</a:t>
             </a:r>
           </a:p>
         </p:txBody>
@@ -16868,7 +14670,7 @@
           <p:cNvPr id="2" name="Footer Placeholder 1">
             <a:extLst>
               <a:ext uri="{FF2B5EF4-FFF2-40B4-BE49-F238E27FC236}">
-                <a16:creationId xmlns:a16="http://schemas.microsoft.com/office/drawing/2014/main" id="{6F661F5F-6E1D-45DF-9BF7-1D0E0B690E5F}"/>
+                <a16:creationId xmlns:a16="http://schemas.microsoft.com/office/drawing/2014/main" id="{18BA7DF5-0D60-4A7E-ADA0-055736BA9EDD}"/>
               </a:ext>
             </a:extLst>
           </p:cNvPr>
@@ -16897,148 +14699,12 @@
           </a:p>
         </p:txBody>
       </p:sp>
-      <p:pic>
-        <p:nvPicPr>
-          <p:cNvPr id="55" name="Picture Placeholder 54" descr="A person smiling for the camera">
-            <a:extLst>
-              <a:ext uri="{FF2B5EF4-FFF2-40B4-BE49-F238E27FC236}">
-                <a16:creationId xmlns:a16="http://schemas.microsoft.com/office/drawing/2014/main" id="{0E5C6F58-2AD4-4892-9B04-3BFAC5CEA500}"/>
-              </a:ext>
-            </a:extLst>
-          </p:cNvPr>
-          <p:cNvPicPr>
-            <a:picLocks noGrp="1" noChangeAspect="1"/>
-          </p:cNvPicPr>
-          <p:nvPr>
-            <p:ph type="pic" sz="quarter" idx="13"/>
-          </p:nvPr>
-        </p:nvPicPr>
-        <p:blipFill rotWithShape="1">
-          <a:blip r:embed="rId3" cstate="screen">
-            <a:extLst>
-              <a:ext uri="{28A0092B-C50C-407E-A947-70E740481C1C}">
-                <a14:useLocalDpi xmlns:a14="http://schemas.microsoft.com/office/drawing/2010/main" val="0"/>
-              </a:ext>
-            </a:extLst>
-          </a:blip>
-          <a:srcRect/>
-          <a:stretch/>
-        </p:blipFill>
-        <p:spPr>
-          <a:xfrm>
-            <a:off x="1045013" y="1819656"/>
-            <a:ext cx="2282932" cy="2282932"/>
-          </a:xfrm>
-        </p:spPr>
-      </p:pic>
-      <p:pic>
-        <p:nvPicPr>
-          <p:cNvPr id="39" name="Picture Placeholder 38" descr="A person smiling for the camera in the office">
-            <a:extLst>
-              <a:ext uri="{FF2B5EF4-FFF2-40B4-BE49-F238E27FC236}">
-                <a16:creationId xmlns:a16="http://schemas.microsoft.com/office/drawing/2014/main" id="{BF46F0F4-0C90-4C85-A0A9-A4B1E4D75AA7}"/>
-              </a:ext>
-            </a:extLst>
-          </p:cNvPr>
-          <p:cNvPicPr>
-            <a:picLocks noGrp="1" noChangeAspect="1"/>
-          </p:cNvPicPr>
-          <p:nvPr>
-            <p:ph type="pic" sz="quarter" idx="14"/>
-          </p:nvPr>
-        </p:nvPicPr>
-        <p:blipFill rotWithShape="1">
-          <a:blip r:embed="rId4" cstate="screen">
-            <a:extLst>
-              <a:ext uri="{28A0092B-C50C-407E-A947-70E740481C1C}">
-                <a14:useLocalDpi xmlns:a14="http://schemas.microsoft.com/office/drawing/2010/main" val="0"/>
-              </a:ext>
-            </a:extLst>
-          </a:blip>
-          <a:srcRect/>
-          <a:stretch/>
-        </p:blipFill>
-        <p:spPr>
-          <a:xfrm>
-            <a:off x="3657600" y="1819656"/>
-            <a:ext cx="2282932" cy="2282932"/>
-          </a:xfrm>
-        </p:spPr>
-      </p:pic>
-      <p:pic>
-        <p:nvPicPr>
-          <p:cNvPr id="41" name="Picture Placeholder 40" descr="A person smiling for the camera in the office">
-            <a:extLst>
-              <a:ext uri="{FF2B5EF4-FFF2-40B4-BE49-F238E27FC236}">
-                <a16:creationId xmlns:a16="http://schemas.microsoft.com/office/drawing/2014/main" id="{868BC0BC-25FE-4B51-9E04-D097D34B2E5D}"/>
-              </a:ext>
-            </a:extLst>
-          </p:cNvPr>
-          <p:cNvPicPr>
-            <a:picLocks noGrp="1" noChangeAspect="1"/>
-          </p:cNvPicPr>
-          <p:nvPr>
-            <p:ph type="pic" sz="quarter" idx="15"/>
-          </p:nvPr>
-        </p:nvPicPr>
-        <p:blipFill rotWithShape="1">
-          <a:blip r:embed="rId5" cstate="screen">
-            <a:extLst>
-              <a:ext uri="{28A0092B-C50C-407E-A947-70E740481C1C}">
-                <a14:useLocalDpi xmlns:a14="http://schemas.microsoft.com/office/drawing/2010/main" val="0"/>
-              </a:ext>
-            </a:extLst>
-          </a:blip>
-          <a:srcRect/>
-          <a:stretch/>
-        </p:blipFill>
-        <p:spPr>
-          <a:xfrm>
-            <a:off x="6281928" y="1819656"/>
-            <a:ext cx="2282932" cy="2282932"/>
-          </a:xfrm>
-        </p:spPr>
-      </p:pic>
-      <p:pic>
-        <p:nvPicPr>
-          <p:cNvPr id="57" name="Picture Placeholder 56" descr="A person smiling for the camera in the office">
-            <a:extLst>
-              <a:ext uri="{FF2B5EF4-FFF2-40B4-BE49-F238E27FC236}">
-                <a16:creationId xmlns:a16="http://schemas.microsoft.com/office/drawing/2014/main" id="{5E87E414-B261-4885-B6EF-3C0761238F5F}"/>
-              </a:ext>
-            </a:extLst>
-          </p:cNvPr>
-          <p:cNvPicPr>
-            <a:picLocks noGrp="1" noChangeAspect="1"/>
-          </p:cNvPicPr>
-          <p:nvPr>
-            <p:ph type="pic" sz="quarter" idx="16"/>
-          </p:nvPr>
-        </p:nvPicPr>
-        <p:blipFill rotWithShape="1">
-          <a:blip r:embed="rId6" cstate="screen">
-            <a:extLst>
-              <a:ext uri="{28A0092B-C50C-407E-A947-70E740481C1C}">
-                <a14:useLocalDpi xmlns:a14="http://schemas.microsoft.com/office/drawing/2010/main" val="0"/>
-              </a:ext>
-            </a:extLst>
-          </a:blip>
-          <a:srcRect/>
-          <a:stretch/>
-        </p:blipFill>
-        <p:spPr>
-          <a:xfrm>
-            <a:off x="8897112" y="1819656"/>
-            <a:ext cx="2282932" cy="2282932"/>
-          </a:xfrm>
-        </p:spPr>
-      </p:pic>
-      <p:sp>
-        <p:nvSpPr>
-          <p:cNvPr id="46" name="Text Placeholder 45">
-            <a:extLst>
-              <a:ext uri="{FF2B5EF4-FFF2-40B4-BE49-F238E27FC236}">
-                <a16:creationId xmlns:a16="http://schemas.microsoft.com/office/drawing/2014/main" id="{757F99B5-64D7-4A64-86D6-36354C4B82BF}"/>
+      <p:sp>
+        <p:nvSpPr>
+          <p:cNvPr id="7" name="Text Placeholder 6">
+            <a:extLst>
+              <a:ext uri="{FF2B5EF4-FFF2-40B4-BE49-F238E27FC236}">
+                <a16:creationId xmlns:a16="http://schemas.microsoft.com/office/drawing/2014/main" id="{919CE106-2B1C-439F-9798-7B9D0616AD85}"/>
               </a:ext>
             </a:extLst>
           </p:cNvPr>
@@ -17046,13 +14712,13 @@
             <a:spLocks noGrp="1"/>
           </p:cNvSpPr>
           <p:nvPr>
-            <p:ph type="body" sz="quarter" idx="17"/>
+            <p:ph type="body" idx="1"/>
           </p:nvPr>
         </p:nvSpPr>
         <p:spPr>
           <a:xfrm>
-            <a:off x="1031368" y="4466873"/>
-            <a:ext cx="2286000" cy="274320"/>
+            <a:off x="1371600" y="2112264"/>
+            <a:ext cx="4841076" cy="823912"/>
           </a:xfrm>
         </p:spPr>
         <p:txBody>
@@ -17062,17 +14728,17 @@
             <a:pPr rtl="0"/>
             <a:r>
               <a:rPr lang="en-GB"/>
-              <a:t>Name</a:t>
-            </a:r>
-          </a:p>
-        </p:txBody>
-      </p:sp>
-      <p:sp>
-        <p:nvSpPr>
-          <p:cNvPr id="47" name="Text Placeholder 46">
-            <a:extLst>
-              <a:ext uri="{FF2B5EF4-FFF2-40B4-BE49-F238E27FC236}">
-                <a16:creationId xmlns:a16="http://schemas.microsoft.com/office/drawing/2014/main" id="{BECA2EEA-616D-4E87-9A3A-DF8655C5416D}"/>
+              <a:t>Subtitle</a:t>
+            </a:r>
+          </a:p>
+        </p:txBody>
+      </p:sp>
+      <p:sp>
+        <p:nvSpPr>
+          <p:cNvPr id="8" name="Content Placeholder 7">
+            <a:extLst>
+              <a:ext uri="{FF2B5EF4-FFF2-40B4-BE49-F238E27FC236}">
+                <a16:creationId xmlns:a16="http://schemas.microsoft.com/office/drawing/2014/main" id="{170F1437-7C61-4D91-B080-B0C80E5D4EF7}"/>
               </a:ext>
             </a:extLst>
           </p:cNvPr>
@@ -17080,33 +14746,63 @@
             <a:spLocks noGrp="1"/>
           </p:cNvSpPr>
           <p:nvPr>
-            <p:ph type="body" sz="quarter" idx="21"/>
+            <p:ph sz="half" idx="2"/>
           </p:nvPr>
         </p:nvSpPr>
         <p:spPr>
           <a:xfrm>
-            <a:off x="1045013" y="4877332"/>
-            <a:ext cx="2286000" cy="594360"/>
+            <a:off x="1371600" y="3018472"/>
+            <a:ext cx="4841076" cy="3104856"/>
           </a:xfrm>
         </p:spPr>
         <p:txBody>
-          <a:bodyPr rtlCol="0"/>
+          <a:bodyPr rtlCol="0">
+            <a:normAutofit fontScale="92500"/>
+          </a:bodyPr>
           <a:lstStyle/>
           <a:p>
             <a:pPr rtl="0"/>
             <a:r>
-              <a:rPr lang="en-GB"/>
-              <a:t>Title</a:t>
-            </a:r>
-          </a:p>
-        </p:txBody>
-      </p:sp>
-      <p:sp>
-        <p:nvSpPr>
-          <p:cNvPr id="48" name="Text Placeholder 47">
-            <a:extLst>
-              <a:ext uri="{FF2B5EF4-FFF2-40B4-BE49-F238E27FC236}">
-                <a16:creationId xmlns:a16="http://schemas.microsoft.com/office/drawing/2014/main" id="{AE9A8D92-00FD-4246-866B-B772E0CA7757}"/>
+              <a:rPr lang="en-GB" dirty="0"/>
+              <a:t>Add text, images, art, and videos.</a:t>
+            </a:r>
+          </a:p>
+          <a:p>
+            <a:pPr rtl="0"/>
+            <a:r>
+              <a:rPr lang="en-GB" dirty="0"/>
+              <a:t>Add transitions, animations, and motion.</a:t>
+            </a:r>
+          </a:p>
+          <a:p>
+            <a:pPr rtl="0"/>
+            <a:r>
+              <a:rPr lang="en-GB" dirty="0"/>
+              <a:t>Save to One Drive, to get to your presentations from your computer, tablet, or phone.</a:t>
+            </a:r>
+          </a:p>
+          <a:p>
+            <a:pPr rtl="0"/>
+            <a:r>
+              <a:rPr lang="en-GB" dirty="0"/>
+              <a:t>Add text, images, art, and videos.</a:t>
+            </a:r>
+          </a:p>
+          <a:p>
+            <a:pPr rtl="0"/>
+            <a:r>
+              <a:rPr lang="en-GB" dirty="0"/>
+              <a:t>Add transitions, animations, and motion.</a:t>
+            </a:r>
+          </a:p>
+        </p:txBody>
+      </p:sp>
+      <p:sp>
+        <p:nvSpPr>
+          <p:cNvPr id="9" name="Text Placeholder 8">
+            <a:extLst>
+              <a:ext uri="{FF2B5EF4-FFF2-40B4-BE49-F238E27FC236}">
+                <a16:creationId xmlns:a16="http://schemas.microsoft.com/office/drawing/2014/main" id="{1DA21DAF-879A-47B0-B70D-76461CFBB18A}"/>
               </a:ext>
             </a:extLst>
           </p:cNvPr>
@@ -17114,13 +14810,13 @@
             <a:spLocks noGrp="1"/>
           </p:cNvSpPr>
           <p:nvPr>
-            <p:ph type="body" sz="quarter" idx="22"/>
+            <p:ph type="body" sz="quarter" idx="3"/>
           </p:nvPr>
         </p:nvSpPr>
         <p:spPr>
           <a:xfrm>
-            <a:off x="3667663" y="4466873"/>
-            <a:ext cx="2286000" cy="274320"/>
+            <a:off x="6766560" y="2112264"/>
+            <a:ext cx="4846320" cy="823912"/>
           </a:xfrm>
         </p:spPr>
         <p:txBody>
@@ -17130,17 +14826,17 @@
             <a:pPr rtl="0"/>
             <a:r>
               <a:rPr lang="en-GB"/>
-              <a:t>Name</a:t>
-            </a:r>
-          </a:p>
-        </p:txBody>
-      </p:sp>
-      <p:sp>
-        <p:nvSpPr>
-          <p:cNvPr id="49" name="Text Placeholder 48">
-            <a:extLst>
-              <a:ext uri="{FF2B5EF4-FFF2-40B4-BE49-F238E27FC236}">
-                <a16:creationId xmlns:a16="http://schemas.microsoft.com/office/drawing/2014/main" id="{1522E387-1530-4794-9487-2FB24AFFDC59}"/>
+              <a:t>Subtitle</a:t>
+            </a:r>
+          </a:p>
+        </p:txBody>
+      </p:sp>
+      <p:sp>
+        <p:nvSpPr>
+          <p:cNvPr id="10" name="Content Placeholder 9">
+            <a:extLst>
+              <a:ext uri="{FF2B5EF4-FFF2-40B4-BE49-F238E27FC236}">
+                <a16:creationId xmlns:a16="http://schemas.microsoft.com/office/drawing/2014/main" id="{289C50EF-21A2-4017-B5C6-084510E6828D}"/>
               </a:ext>
             </a:extLst>
           </p:cNvPr>
@@ -17148,169 +14844,67 @@
             <a:spLocks noGrp="1"/>
           </p:cNvSpPr>
           <p:nvPr>
-            <p:ph type="body" sz="quarter" idx="23"/>
+            <p:ph sz="quarter" idx="4"/>
           </p:nvPr>
         </p:nvSpPr>
         <p:spPr>
           <a:xfrm>
-            <a:off x="3681308" y="4877332"/>
-            <a:ext cx="2286000" cy="594360"/>
+            <a:off x="6766560" y="3018471"/>
+            <a:ext cx="4841076" cy="3104857"/>
           </a:xfrm>
         </p:spPr>
         <p:txBody>
-          <a:bodyPr rtlCol="0"/>
+          <a:bodyPr rtlCol="0">
+            <a:normAutofit fontScale="92500"/>
+          </a:bodyPr>
           <a:lstStyle/>
           <a:p>
             <a:pPr rtl="0"/>
             <a:r>
               <a:rPr lang="en-GB"/>
-              <a:t>Title</a:t>
-            </a:r>
-          </a:p>
-        </p:txBody>
-      </p:sp>
-      <p:sp>
-        <p:nvSpPr>
-          <p:cNvPr id="50" name="Text Placeholder 49">
-            <a:extLst>
-              <a:ext uri="{FF2B5EF4-FFF2-40B4-BE49-F238E27FC236}">
-                <a16:creationId xmlns:a16="http://schemas.microsoft.com/office/drawing/2014/main" id="{684E5FF7-FFBE-4834-89C3-708240DAC19B}"/>
-              </a:ext>
-            </a:extLst>
-          </p:cNvPr>
-          <p:cNvSpPr>
-            <a:spLocks noGrp="1"/>
-          </p:cNvSpPr>
-          <p:nvPr>
-            <p:ph type="body" sz="quarter" idx="24"/>
-          </p:nvPr>
-        </p:nvSpPr>
-        <p:spPr>
-          <a:xfrm>
-            <a:off x="6290307" y="4466873"/>
-            <a:ext cx="2286000" cy="274320"/>
-          </a:xfrm>
-        </p:spPr>
-        <p:txBody>
-          <a:bodyPr rtlCol="0"/>
-          <a:lstStyle/>
+              <a:t>Add text, images, art, and videos.</a:t>
+            </a:r>
+          </a:p>
           <a:p>
             <a:pPr rtl="0"/>
             <a:r>
               <a:rPr lang="en-GB"/>
-              <a:t>Name</a:t>
-            </a:r>
-          </a:p>
-        </p:txBody>
-      </p:sp>
-      <p:sp>
-        <p:nvSpPr>
-          <p:cNvPr id="51" name="Text Placeholder 50">
-            <a:extLst>
-              <a:ext uri="{FF2B5EF4-FFF2-40B4-BE49-F238E27FC236}">
-                <a16:creationId xmlns:a16="http://schemas.microsoft.com/office/drawing/2014/main" id="{06C01CB0-5757-463B-9D47-3F8CA427DAD9}"/>
-              </a:ext>
-            </a:extLst>
-          </p:cNvPr>
-          <p:cNvSpPr>
-            <a:spLocks noGrp="1"/>
-          </p:cNvSpPr>
-          <p:nvPr>
-            <p:ph type="body" sz="quarter" idx="25"/>
-          </p:nvPr>
-        </p:nvSpPr>
-        <p:spPr>
-          <a:xfrm>
-            <a:off x="6303952" y="4877332"/>
-            <a:ext cx="2286000" cy="594360"/>
-          </a:xfrm>
-        </p:spPr>
-        <p:txBody>
-          <a:bodyPr rtlCol="0"/>
-          <a:lstStyle/>
+              <a:t>Add transitions, animations, and motion.</a:t>
+            </a:r>
+          </a:p>
           <a:p>
             <a:pPr rtl="0"/>
             <a:r>
               <a:rPr lang="en-GB"/>
-              <a:t>Title</a:t>
-            </a:r>
-          </a:p>
-        </p:txBody>
-      </p:sp>
-      <p:sp>
-        <p:nvSpPr>
-          <p:cNvPr id="52" name="Text Placeholder 51">
-            <a:extLst>
-              <a:ext uri="{FF2B5EF4-FFF2-40B4-BE49-F238E27FC236}">
-                <a16:creationId xmlns:a16="http://schemas.microsoft.com/office/drawing/2014/main" id="{F6EAF102-9D8C-42FA-8631-0A97B8FEAED2}"/>
-              </a:ext>
-            </a:extLst>
-          </p:cNvPr>
-          <p:cNvSpPr>
-            <a:spLocks noGrp="1"/>
-          </p:cNvSpPr>
-          <p:nvPr>
-            <p:ph type="body" sz="quarter" idx="26"/>
-          </p:nvPr>
-        </p:nvSpPr>
-        <p:spPr>
-          <a:xfrm>
-            <a:off x="8924408" y="4466873"/>
-            <a:ext cx="2286000" cy="274320"/>
-          </a:xfrm>
-        </p:spPr>
-        <p:txBody>
-          <a:bodyPr rtlCol="0"/>
-          <a:lstStyle/>
+              <a:t>Save to One Drive, to get to your presentations from your computer, tablet, or phone.</a:t>
+            </a:r>
+          </a:p>
           <a:p>
             <a:pPr rtl="0"/>
             <a:r>
               <a:rPr lang="en-GB"/>
-              <a:t>Name</a:t>
-            </a:r>
-          </a:p>
-        </p:txBody>
-      </p:sp>
-      <p:sp>
-        <p:nvSpPr>
-          <p:cNvPr id="53" name="Text Placeholder 52">
-            <a:extLst>
-              <a:ext uri="{FF2B5EF4-FFF2-40B4-BE49-F238E27FC236}">
-                <a16:creationId xmlns:a16="http://schemas.microsoft.com/office/drawing/2014/main" id="{69F3136F-4592-4535-9658-790F97780F74}"/>
-              </a:ext>
-            </a:extLst>
-          </p:cNvPr>
-          <p:cNvSpPr>
-            <a:spLocks noGrp="1"/>
-          </p:cNvSpPr>
-          <p:nvPr>
-            <p:ph type="body" sz="quarter" idx="27"/>
-          </p:nvPr>
-        </p:nvSpPr>
-        <p:spPr>
-          <a:xfrm>
-            <a:off x="8938053" y="4877332"/>
-            <a:ext cx="2286000" cy="594360"/>
-          </a:xfrm>
-        </p:spPr>
-        <p:txBody>
-          <a:bodyPr rtlCol="0"/>
-          <a:lstStyle/>
+              <a:t>Add text, images, art, and videos.</a:t>
+            </a:r>
+          </a:p>
           <a:p>
             <a:pPr rtl="0"/>
             <a:r>
               <a:rPr lang="en-GB"/>
-              <a:t>Title</a:t>
-            </a:r>
-          </a:p>
-        </p:txBody>
-      </p:sp>
-      <p:sp>
-        <p:nvSpPr>
-          <p:cNvPr id="8" name="Date Placeholder 7">
-            <a:extLst>
-              <a:ext uri="{FF2B5EF4-FFF2-40B4-BE49-F238E27FC236}">
-                <a16:creationId xmlns:a16="http://schemas.microsoft.com/office/drawing/2014/main" id="{4EB44ED7-7731-489B-9F8C-07F5367E9D2E}"/>
+              <a:t>Add transitions, animations, and motion.</a:t>
+            </a:r>
+          </a:p>
+          <a:p>
+            <a:pPr rtl="0"/>
+            <a:endParaRPr lang="en-GB" dirty="0"/>
+          </a:p>
+        </p:txBody>
+      </p:sp>
+      <p:sp>
+        <p:nvSpPr>
+          <p:cNvPr id="14" name="Date Placeholder 13">
+            <a:extLst>
+              <a:ext uri="{FF2B5EF4-FFF2-40B4-BE49-F238E27FC236}">
+                <a16:creationId xmlns:a16="http://schemas.microsoft.com/office/drawing/2014/main" id="{7C0C8496-3347-458C-A9DA-C0C7BA01F90F}"/>
               </a:ext>
             </a:extLst>
           </p:cNvPr>
@@ -17341,10 +14935,10 @@
       </p:sp>
       <p:sp>
         <p:nvSpPr>
-          <p:cNvPr id="10" name="Slide Number Placeholder 9">
-            <a:extLst>
-              <a:ext uri="{FF2B5EF4-FFF2-40B4-BE49-F238E27FC236}">
-                <a16:creationId xmlns:a16="http://schemas.microsoft.com/office/drawing/2014/main" id="{5DB7A9A4-E0AF-4EBE-905E-7610470537F2}"/>
+          <p:cNvPr id="16" name="Slide Number Placeholder 15">
+            <a:extLst>
+              <a:ext uri="{FF2B5EF4-FFF2-40B4-BE49-F238E27FC236}">
+                <a16:creationId xmlns:a16="http://schemas.microsoft.com/office/drawing/2014/main" id="{B4425451-8618-441E-9D12-2D59D6AD1B9D}"/>
               </a:ext>
             </a:extLst>
           </p:cNvPr>
@@ -17366,7 +14960,7 @@
           <a:lstStyle/>
           <a:p>
             <a:pPr rtl="0"/>
-            <a:fld id="{8B48EBF6-60E6-462A-9155-5FAF136BCCBC}" type="slidenum">
+            <a:fld id="{C01389E6-C847-4AD0-B56D-D205B2EAB1EE}" type="slidenum">
               <a:rPr lang="en-GB" smtClean="0"/>
               <a:pPr rtl="0"/>
               <a:t>12</a:t>
@@ -17378,7 +14972,7 @@
     </p:spTree>
     <p:extLst>
       <p:ext uri="{BB962C8B-B14F-4D97-AF65-F5344CB8AC3E}">
-        <p14:creationId xmlns:p14="http://schemas.microsoft.com/office/powerpoint/2010/main" val="2790870031"/>
+        <p14:creationId xmlns:p14="http://schemas.microsoft.com/office/powerpoint/2010/main" val="1360356816"/>
       </p:ext>
     </p:extLst>
   </p:cSld>
@@ -17407,10 +15001,10 @@
       </p:grpSpPr>
       <p:sp>
         <p:nvSpPr>
-          <p:cNvPr id="6" name="Title 5">
-            <a:extLst>
-              <a:ext uri="{FF2B5EF4-FFF2-40B4-BE49-F238E27FC236}">
-                <a16:creationId xmlns:a16="http://schemas.microsoft.com/office/drawing/2014/main" id="{796646DD-9771-4241-9017-A1226C4F0655}"/>
+          <p:cNvPr id="8" name="Title 7">
+            <a:extLst>
+              <a:ext uri="{FF2B5EF4-FFF2-40B4-BE49-F238E27FC236}">
+                <a16:creationId xmlns:a16="http://schemas.microsoft.com/office/drawing/2014/main" id="{D7B820C0-182D-42F4-8707-5CC4A745D15D}"/>
               </a:ext>
             </a:extLst>
           </p:cNvPr>
@@ -17433,18 +15027,18 @@
           <a:p>
             <a:pPr rtl="0"/>
             <a:r>
-              <a:rPr lang="en-GB"/>
-              <a:t>content</a:t>
-            </a:r>
-          </a:p>
-        </p:txBody>
-      </p:sp>
-      <p:sp>
-        <p:nvSpPr>
-          <p:cNvPr id="2" name="Footer Placeholder 1">
-            <a:extLst>
-              <a:ext uri="{FF2B5EF4-FFF2-40B4-BE49-F238E27FC236}">
-                <a16:creationId xmlns:a16="http://schemas.microsoft.com/office/drawing/2014/main" id="{18BA7DF5-0D60-4A7E-ADA0-055736BA9EDD}"/>
+              <a:rPr lang="en-GB" dirty="0"/>
+              <a:t>Extension methods</a:t>
+            </a:r>
+          </a:p>
+        </p:txBody>
+      </p:sp>
+      <p:sp>
+        <p:nvSpPr>
+          <p:cNvPr id="14" name="Footer Placeholder 13">
+            <a:extLst>
+              <a:ext uri="{FF2B5EF4-FFF2-40B4-BE49-F238E27FC236}">
+                <a16:creationId xmlns:a16="http://schemas.microsoft.com/office/drawing/2014/main" id="{EC5535F9-DB15-409A-BCC6-52A919692070}"/>
               </a:ext>
             </a:extLst>
           </p:cNvPr>
@@ -17475,10 +15069,10 @@
       </p:sp>
       <p:sp>
         <p:nvSpPr>
-          <p:cNvPr id="7" name="Text Placeholder 6">
-            <a:extLst>
-              <a:ext uri="{FF2B5EF4-FFF2-40B4-BE49-F238E27FC236}">
-                <a16:creationId xmlns:a16="http://schemas.microsoft.com/office/drawing/2014/main" id="{919CE106-2B1C-439F-9798-7B9D0616AD85}"/>
+          <p:cNvPr id="2" name="Text Placeholder 1">
+            <a:extLst>
+              <a:ext uri="{FF2B5EF4-FFF2-40B4-BE49-F238E27FC236}">
+                <a16:creationId xmlns:a16="http://schemas.microsoft.com/office/drawing/2014/main" id="{D54DDEAB-A1D8-45E5-B8F9-54AF382754D8}"/>
               </a:ext>
             </a:extLst>
           </p:cNvPr>
@@ -17492,7 +15086,7 @@
         <p:spPr>
           <a:xfrm>
             <a:off x="1371600" y="2112264"/>
-            <a:ext cx="4841076" cy="823912"/>
+            <a:ext cx="3200400" cy="823912"/>
           </a:xfrm>
         </p:spPr>
         <p:txBody>
@@ -17509,10 +15103,10 @@
       </p:sp>
       <p:sp>
         <p:nvSpPr>
-          <p:cNvPr id="8" name="Content Placeholder 7">
-            <a:extLst>
-              <a:ext uri="{FF2B5EF4-FFF2-40B4-BE49-F238E27FC236}">
-                <a16:creationId xmlns:a16="http://schemas.microsoft.com/office/drawing/2014/main" id="{170F1437-7C61-4D91-B080-B0C80E5D4EF7}"/>
+          <p:cNvPr id="3" name="Content Placeholder 2">
+            <a:extLst>
+              <a:ext uri="{FF2B5EF4-FFF2-40B4-BE49-F238E27FC236}">
+                <a16:creationId xmlns:a16="http://schemas.microsoft.com/office/drawing/2014/main" id="{9290A70A-B7A4-4395-BFBC-6889EE79D2B3}"/>
               </a:ext>
             </a:extLst>
           </p:cNvPr>
@@ -17526,12 +15120,12 @@
         <p:spPr>
           <a:xfrm>
             <a:off x="1371600" y="3018472"/>
-            <a:ext cx="4841076" cy="3104856"/>
+            <a:ext cx="3200400" cy="3104856"/>
           </a:xfrm>
         </p:spPr>
         <p:txBody>
           <a:bodyPr rtlCol="0">
-            <a:normAutofit fontScale="92500"/>
+            <a:normAutofit fontScale="70000" lnSpcReduction="20000"/>
           </a:bodyPr>
           <a:lstStyle/>
           <a:p>
@@ -17573,10 +15167,10 @@
       </p:sp>
       <p:sp>
         <p:nvSpPr>
-          <p:cNvPr id="9" name="Text Placeholder 8">
-            <a:extLst>
-              <a:ext uri="{FF2B5EF4-FFF2-40B4-BE49-F238E27FC236}">
-                <a16:creationId xmlns:a16="http://schemas.microsoft.com/office/drawing/2014/main" id="{1DA21DAF-879A-47B0-B70D-76461CFBB18A}"/>
+          <p:cNvPr id="4" name="Text Placeholder 3">
+            <a:extLst>
+              <a:ext uri="{FF2B5EF4-FFF2-40B4-BE49-F238E27FC236}">
+                <a16:creationId xmlns:a16="http://schemas.microsoft.com/office/drawing/2014/main" id="{22BD1F5F-2C0D-469F-B9D7-F62887EF92CF}"/>
               </a:ext>
             </a:extLst>
           </p:cNvPr>
@@ -17589,8 +15183,8 @@
         </p:nvSpPr>
         <p:spPr>
           <a:xfrm>
-            <a:off x="6766560" y="2112264"/>
-            <a:ext cx="4846320" cy="823912"/>
+            <a:off x="4892040" y="2109976"/>
+            <a:ext cx="3200400" cy="823912"/>
           </a:xfrm>
         </p:spPr>
         <p:txBody>
@@ -17607,10 +15201,10 @@
       </p:sp>
       <p:sp>
         <p:nvSpPr>
-          <p:cNvPr id="10" name="Content Placeholder 9">
-            <a:extLst>
-              <a:ext uri="{FF2B5EF4-FFF2-40B4-BE49-F238E27FC236}">
-                <a16:creationId xmlns:a16="http://schemas.microsoft.com/office/drawing/2014/main" id="{289C50EF-21A2-4017-B5C6-084510E6828D}"/>
+          <p:cNvPr id="5" name="Content Placeholder 4">
+            <a:extLst>
+              <a:ext uri="{FF2B5EF4-FFF2-40B4-BE49-F238E27FC236}">
+                <a16:creationId xmlns:a16="http://schemas.microsoft.com/office/drawing/2014/main" id="{F456CC6B-4AA1-4424-8333-65754C5AE4D4}"/>
               </a:ext>
             </a:extLst>
           </p:cNvPr>
@@ -17623,13 +15217,13 @@
         </p:nvSpPr>
         <p:spPr>
           <a:xfrm>
-            <a:off x="6766560" y="3018471"/>
-            <a:ext cx="4841076" cy="3104857"/>
+            <a:off x="4892040" y="3016183"/>
+            <a:ext cx="3200400" cy="3104857"/>
           </a:xfrm>
         </p:spPr>
         <p:txBody>
           <a:bodyPr rtlCol="0">
-            <a:normAutofit fontScale="92500"/>
+            <a:normAutofit fontScale="70000" lnSpcReduction="20000"/>
           </a:bodyPr>
           <a:lstStyle/>
           <a:p>
@@ -17667,18 +15261,112 @@
               <a:t>Add transitions, animations, and motion.</a:t>
             </a:r>
           </a:p>
+        </p:txBody>
+      </p:sp>
+      <p:sp>
+        <p:nvSpPr>
+          <p:cNvPr id="9" name="Text Placeholder 8">
+            <a:extLst>
+              <a:ext uri="{FF2B5EF4-FFF2-40B4-BE49-F238E27FC236}">
+                <a16:creationId xmlns:a16="http://schemas.microsoft.com/office/drawing/2014/main" id="{3E04CE81-6A28-4EA4-BA58-E94D051A3BC1}"/>
+              </a:ext>
+            </a:extLst>
+          </p:cNvPr>
+          <p:cNvSpPr>
+            <a:spLocks noGrp="1"/>
+          </p:cNvSpPr>
+          <p:nvPr>
+            <p:ph type="body" sz="quarter" idx="13"/>
+          </p:nvPr>
+        </p:nvSpPr>
+        <p:spPr>
+          <a:xfrm>
+            <a:off x="8412480" y="2112263"/>
+            <a:ext cx="3200400" cy="823912"/>
+          </a:xfrm>
+        </p:spPr>
+        <p:txBody>
+          <a:bodyPr rtlCol="0"/>
+          <a:lstStyle/>
           <a:p>
             <a:pPr rtl="0"/>
-            <a:endParaRPr lang="en-GB" dirty="0"/>
-          </a:p>
-        </p:txBody>
-      </p:sp>
-      <p:sp>
-        <p:nvSpPr>
-          <p:cNvPr id="14" name="Date Placeholder 13">
-            <a:extLst>
-              <a:ext uri="{FF2B5EF4-FFF2-40B4-BE49-F238E27FC236}">
-                <a16:creationId xmlns:a16="http://schemas.microsoft.com/office/drawing/2014/main" id="{7C0C8496-3347-458C-A9DA-C0C7BA01F90F}"/>
+            <a:r>
+              <a:rPr lang="en-GB"/>
+              <a:t>Subtitle</a:t>
+            </a:r>
+          </a:p>
+        </p:txBody>
+      </p:sp>
+      <p:sp>
+        <p:nvSpPr>
+          <p:cNvPr id="10" name="Content Placeholder 9">
+            <a:extLst>
+              <a:ext uri="{FF2B5EF4-FFF2-40B4-BE49-F238E27FC236}">
+                <a16:creationId xmlns:a16="http://schemas.microsoft.com/office/drawing/2014/main" id="{3A996BD0-4A93-4EF8-8348-686D9CB3C977}"/>
+              </a:ext>
+            </a:extLst>
+          </p:cNvPr>
+          <p:cNvSpPr>
+            <a:spLocks noGrp="1"/>
+          </p:cNvSpPr>
+          <p:nvPr>
+            <p:ph sz="quarter" idx="14"/>
+          </p:nvPr>
+        </p:nvSpPr>
+        <p:spPr>
+          <a:xfrm>
+            <a:off x="8412480" y="3018470"/>
+            <a:ext cx="3200400" cy="3104857"/>
+          </a:xfrm>
+        </p:spPr>
+        <p:txBody>
+          <a:bodyPr rtlCol="0">
+            <a:normAutofit fontScale="70000" lnSpcReduction="20000"/>
+          </a:bodyPr>
+          <a:lstStyle/>
+          <a:p>
+            <a:pPr rtl="0"/>
+            <a:r>
+              <a:rPr lang="en-GB"/>
+              <a:t>Add text, images, art, and videos.</a:t>
+            </a:r>
+          </a:p>
+          <a:p>
+            <a:pPr rtl="0"/>
+            <a:r>
+              <a:rPr lang="en-GB"/>
+              <a:t>Add transitions, animations, and motion.</a:t>
+            </a:r>
+          </a:p>
+          <a:p>
+            <a:pPr rtl="0"/>
+            <a:r>
+              <a:rPr lang="en-GB"/>
+              <a:t>Save to One Drive, to get to your presentations from your computer, tablet, or phone.</a:t>
+            </a:r>
+          </a:p>
+          <a:p>
+            <a:pPr rtl="0"/>
+            <a:r>
+              <a:rPr lang="en-GB"/>
+              <a:t>Add text, images, art, and videos.</a:t>
+            </a:r>
+          </a:p>
+          <a:p>
+            <a:pPr rtl="0"/>
+            <a:r>
+              <a:rPr lang="en-GB"/>
+              <a:t>Add transitions, animations, and motion.</a:t>
+            </a:r>
+          </a:p>
+        </p:txBody>
+      </p:sp>
+      <p:sp>
+        <p:nvSpPr>
+          <p:cNvPr id="6" name="Date Placeholder 5">
+            <a:extLst>
+              <a:ext uri="{FF2B5EF4-FFF2-40B4-BE49-F238E27FC236}">
+                <a16:creationId xmlns:a16="http://schemas.microsoft.com/office/drawing/2014/main" id="{256B2184-E681-4C0F-B7BE-487EF89C01F1}"/>
               </a:ext>
             </a:extLst>
           </p:cNvPr>
@@ -17709,10 +15397,10 @@
       </p:sp>
       <p:sp>
         <p:nvSpPr>
-          <p:cNvPr id="16" name="Slide Number Placeholder 15">
-            <a:extLst>
-              <a:ext uri="{FF2B5EF4-FFF2-40B4-BE49-F238E27FC236}">
-                <a16:creationId xmlns:a16="http://schemas.microsoft.com/office/drawing/2014/main" id="{B4425451-8618-441E-9D12-2D59D6AD1B9D}"/>
+          <p:cNvPr id="7" name="Slide Number Placeholder 6">
+            <a:extLst>
+              <a:ext uri="{FF2B5EF4-FFF2-40B4-BE49-F238E27FC236}">
+                <a16:creationId xmlns:a16="http://schemas.microsoft.com/office/drawing/2014/main" id="{2AE7E0D2-79BA-4A99-B0A5-6C7F621F51B7}"/>
               </a:ext>
             </a:extLst>
           </p:cNvPr>
@@ -17746,7 +15434,7 @@
     </p:spTree>
     <p:extLst>
       <p:ext uri="{BB962C8B-B14F-4D97-AF65-F5344CB8AC3E}">
-        <p14:creationId xmlns:p14="http://schemas.microsoft.com/office/powerpoint/2010/main" val="1360356816"/>
+        <p14:creationId xmlns:p14="http://schemas.microsoft.com/office/powerpoint/2010/main" val="3488866921"/>
       </p:ext>
     </p:extLst>
   </p:cSld>
@@ -17801,8 +15489,8 @@
           <a:p>
             <a:pPr rtl="0"/>
             <a:r>
-              <a:rPr lang="en-GB"/>
-              <a:t>Content 2</a:t>
+              <a:rPr lang="en-GB" dirty="0"/>
+              <a:t>Value Classes</a:t>
             </a:r>
           </a:p>
         </p:txBody>
@@ -22311,13 +19999,15 @@
           </a:xfrm>
         </p:spPr>
         <p:txBody>
-          <a:bodyPr rtlCol="0"/>
+          <a:bodyPr rtlCol="0">
+            <a:normAutofit fontScale="90000"/>
+          </a:bodyPr>
           <a:lstStyle/>
           <a:p>
             <a:pPr rtl="0"/>
             <a:r>
-              <a:rPr lang="en-GB"/>
-              <a:t>Topic one</a:t>
+              <a:rPr lang="en-GB" dirty="0"/>
+              <a:t>Can a language be too powerful for its own good?</a:t>
             </a:r>
           </a:p>
         </p:txBody>
@@ -22350,41 +20040,8 @@
           <a:p>
             <a:pPr rtl="0"/>
             <a:r>
-              <a:rPr lang="en-GB"/>
-              <a:t>Subtitle</a:t>
-            </a:r>
-          </a:p>
-        </p:txBody>
-      </p:sp>
-      <p:sp>
-        <p:nvSpPr>
-          <p:cNvPr id="7" name="Footer Placeholder 6">
-            <a:extLst>
-              <a:ext uri="{FF2B5EF4-FFF2-40B4-BE49-F238E27FC236}">
-                <a16:creationId xmlns:a16="http://schemas.microsoft.com/office/drawing/2014/main" id="{3FB81DAD-88A7-463E-B09A-E1BC93B156F8}"/>
-              </a:ext>
-            </a:extLst>
-          </p:cNvPr>
-          <p:cNvSpPr>
-            <a:spLocks noGrp="1"/>
-          </p:cNvSpPr>
-          <p:nvPr>
-            <p:ph type="ftr" sz="quarter" idx="11"/>
-          </p:nvPr>
-        </p:nvSpPr>
-        <p:spPr/>
-        <p:txBody>
-          <a:bodyPr rtlCol="0"/>
-          <a:lstStyle/>
-          <a:p>
-            <a:pPr rtl="0"/>
-            <a:r>
-              <a:rPr lang="en-GB">
-                <a:solidFill>
-                  <a:schemeClr val="bg1"/>
-                </a:solidFill>
-              </a:rPr>
-              <a:t>Sample Footer Text</a:t>
+              <a:rPr lang="en-GB" dirty="0"/>
+              <a:t>Cleaning up some of Scala's features</a:t>
             </a:r>
           </a:p>
         </p:txBody>
@@ -22478,10 +20135,9 @@
           <a:bodyPr rtlCol="0"/>
           <a:lstStyle/>
           <a:p>
-            <a:pPr rtl="0"/>
-            <a:r>
-              <a:rPr lang="en-GB"/>
-              <a:t>Monday, February 1, 20XX</a:t>
+            <a:r>
+              <a:rPr lang="en-GB" dirty="0"/>
+              <a:t>Thursday, May 25, 2025</a:t>
             </a:r>
           </a:p>
         </p:txBody>
@@ -22548,10 +20204,10 @@
       </p:grpSpPr>
       <p:sp>
         <p:nvSpPr>
-          <p:cNvPr id="2" name="Title 1">
-            <a:extLst>
-              <a:ext uri="{FF2B5EF4-FFF2-40B4-BE49-F238E27FC236}">
-                <a16:creationId xmlns:a16="http://schemas.microsoft.com/office/drawing/2014/main" id="{A8727B81-0B8B-4365-8134-80651A12C730}"/>
+          <p:cNvPr id="9" name="Title 8">
+            <a:extLst>
+              <a:ext uri="{FF2B5EF4-FFF2-40B4-BE49-F238E27FC236}">
+                <a16:creationId xmlns:a16="http://schemas.microsoft.com/office/drawing/2014/main" id="{546B1951-0D15-33EC-6FF9-A5EC3B8C4030}"/>
               </a:ext>
             </a:extLst>
           </p:cNvPr>
@@ -22564,28 +20220,63 @@
         </p:nvSpPr>
         <p:spPr>
           <a:xfrm>
-            <a:off x="1371600" y="795528"/>
-            <a:ext cx="10241280" cy="1234440"/>
+            <a:off x="8576137" y="334618"/>
+            <a:ext cx="3091607" cy="991664"/>
           </a:xfrm>
         </p:spPr>
         <p:txBody>
-          <a:bodyPr rtlCol="0"/>
+          <a:bodyPr anchor="b">
+            <a:normAutofit/>
+          </a:bodyPr>
           <a:lstStyle/>
           <a:p>
-            <a:pPr rtl="0"/>
-            <a:r>
-              <a:rPr lang="en-GB"/>
-              <a:t>chart</a:t>
-            </a:r>
-          </a:p>
-        </p:txBody>
-      </p:sp>
-      <p:sp>
-        <p:nvSpPr>
-          <p:cNvPr id="3" name="Footer Placeholder 2">
-            <a:extLst>
-              <a:ext uri="{FF2B5EF4-FFF2-40B4-BE49-F238E27FC236}">
-                <a16:creationId xmlns:a16="http://schemas.microsoft.com/office/drawing/2014/main" id="{2C67144F-BC65-415D-8EA3-197F1BA0D1CF}"/>
+            <a:r>
+              <a:rPr lang="en-US" sz="2800" dirty="0" err="1"/>
+              <a:t>SCaLa</a:t>
+            </a:r>
+            <a:r>
+              <a:rPr lang="en-US" sz="2800" dirty="0"/>
+              <a:t> 2 ASCII ART</a:t>
+            </a:r>
+          </a:p>
+        </p:txBody>
+      </p:sp>
+      <p:pic>
+        <p:nvPicPr>
+          <p:cNvPr id="12" name="Picture 11" descr="Blue abstract pattern">
+            <a:extLst>
+              <a:ext uri="{FF2B5EF4-FFF2-40B4-BE49-F238E27FC236}">
+                <a16:creationId xmlns:a16="http://schemas.microsoft.com/office/drawing/2014/main" id="{3AC51D52-54B6-363C-D035-0A89281572B1}"/>
+              </a:ext>
+            </a:extLst>
+          </p:cNvPr>
+          <p:cNvPicPr>
+            <a:picLocks noChangeAspect="1"/>
+          </p:cNvPicPr>
+          <p:nvPr/>
+        </p:nvPicPr>
+        <p:blipFill rotWithShape="1">
+          <a:blip r:embed="rId2"/>
+          <a:srcRect l="6838" r="8605" b="-1"/>
+          <a:stretch/>
+        </p:blipFill>
+        <p:spPr>
+          <a:xfrm>
+            <a:off x="20" y="10"/>
+            <a:ext cx="8119852" cy="6409934"/>
+          </a:xfrm>
+          <a:prstGeom prst="rect">
+            <a:avLst/>
+          </a:prstGeom>
+          <a:noFill/>
+        </p:spPr>
+      </p:pic>
+      <p:sp>
+        <p:nvSpPr>
+          <p:cNvPr id="4" name="Footer Placeholder 3">
+            <a:extLst>
+              <a:ext uri="{FF2B5EF4-FFF2-40B4-BE49-F238E27FC236}">
+                <a16:creationId xmlns:a16="http://schemas.microsoft.com/office/drawing/2014/main" id="{A933BD5E-1AD6-3602-B6CB-C5C12239BCE0}"/>
               </a:ext>
             </a:extLst>
           </p:cNvPr>
@@ -22603,10 +20294,16 @@
           </a:xfrm>
         </p:spPr>
         <p:txBody>
-          <a:bodyPr rtlCol="0"/>
+          <a:bodyPr anchor="ctr">
+            <a:normAutofit/>
+          </a:bodyPr>
           <a:lstStyle/>
           <a:p>
-            <a:pPr rtl="0"/>
+            <a:pPr rtl="0">
+              <a:spcAft>
+                <a:spcPts val="600"/>
+              </a:spcAft>
+            </a:pPr>
             <a:r>
               <a:rPr lang="en-GB"/>
               <a:t>Sample Footer Text</a:t>
@@ -22614,46 +20311,12 @@
           </a:p>
         </p:txBody>
       </p:sp>
-      <p:graphicFrame>
-        <p:nvGraphicFramePr>
-          <p:cNvPr id="7" name="Content Placeholder 15" descr="Bar Chart ">
-            <a:extLst>
-              <a:ext uri="{FF2B5EF4-FFF2-40B4-BE49-F238E27FC236}">
-                <a16:creationId xmlns:a16="http://schemas.microsoft.com/office/drawing/2014/main" id="{5274D981-B49C-4389-A6CB-924B3F0158DF}"/>
-              </a:ext>
-              <a:ext uri="{C183D7F6-B498-43B3-948B-1728B52AA6E4}">
-                <adec:decorative xmlns:adec="http://schemas.microsoft.com/office/drawing/2017/decorative" val="0"/>
-              </a:ext>
-            </a:extLst>
-          </p:cNvPr>
-          <p:cNvGraphicFramePr>
-            <a:graphicFrameLocks noGrp="1"/>
-          </p:cNvGraphicFramePr>
-          <p:nvPr>
-            <p:ph idx="1"/>
-            <p:extLst>
-              <p:ext uri="{D42A27DB-BD31-4B8C-83A1-F6EECF244321}">
-                <p14:modId xmlns:p14="http://schemas.microsoft.com/office/powerpoint/2010/main" val="1906429528"/>
-              </p:ext>
-            </p:extLst>
-          </p:nvPr>
-        </p:nvGraphicFramePr>
-        <p:xfrm>
-          <a:off x="1371600" y="2603500"/>
-          <a:ext cx="10190163" cy="3468688"/>
-        </p:xfrm>
-        <a:graphic>
-          <a:graphicData uri="http://schemas.openxmlformats.org/drawingml/2006/chart">
-            <c:chart xmlns:c="http://schemas.openxmlformats.org/drawingml/2006/chart" xmlns:r="http://schemas.openxmlformats.org/officeDocument/2006/relationships" r:id="rId2"/>
-          </a:graphicData>
-        </a:graphic>
-      </p:graphicFrame>
-      <p:sp>
-        <p:nvSpPr>
-          <p:cNvPr id="5" name="Date Placeholder 4">
-            <a:extLst>
-              <a:ext uri="{FF2B5EF4-FFF2-40B4-BE49-F238E27FC236}">
-                <a16:creationId xmlns:a16="http://schemas.microsoft.com/office/drawing/2014/main" id="{822B97E7-EFA7-4FCE-85AE-3715915092B9}"/>
+      <p:sp>
+        <p:nvSpPr>
+          <p:cNvPr id="7" name="Date Placeholder 6">
+            <a:extLst>
+              <a:ext uri="{FF2B5EF4-FFF2-40B4-BE49-F238E27FC236}">
+                <a16:creationId xmlns:a16="http://schemas.microsoft.com/office/drawing/2014/main" id="{2E37E048-BE01-1537-C236-5242D99755B6}"/>
               </a:ext>
             </a:extLst>
           </p:cNvPr>
@@ -22671,10 +20334,16 @@
           </a:xfrm>
         </p:spPr>
         <p:txBody>
-          <a:bodyPr rtlCol="0"/>
+          <a:bodyPr anchor="ctr">
+            <a:normAutofit/>
+          </a:bodyPr>
           <a:lstStyle/>
           <a:p>
-            <a:pPr rtl="0"/>
+            <a:pPr rtl="0">
+              <a:spcAft>
+                <a:spcPts val="600"/>
+              </a:spcAft>
+            </a:pPr>
             <a:r>
               <a:rPr lang="en-GB"/>
               <a:t>Monday, February 1, 20XX</a:t>
@@ -22684,10 +20353,10 @@
       </p:sp>
       <p:sp>
         <p:nvSpPr>
-          <p:cNvPr id="6" name="Slide Number Placeholder 5">
-            <a:extLst>
-              <a:ext uri="{FF2B5EF4-FFF2-40B4-BE49-F238E27FC236}">
-                <a16:creationId xmlns:a16="http://schemas.microsoft.com/office/drawing/2014/main" id="{1BFDF3FA-E37C-4F01-AB1A-E1179A1A74A2}"/>
+          <p:cNvPr id="8" name="Slide Number Placeholder 7">
+            <a:extLst>
+              <a:ext uri="{FF2B5EF4-FFF2-40B4-BE49-F238E27FC236}">
+                <a16:creationId xmlns:a16="http://schemas.microsoft.com/office/drawing/2014/main" id="{EB23A4FF-DEE6-7E9D-65C7-83690ECAD20C}"/>
               </a:ext>
             </a:extLst>
           </p:cNvPr>
@@ -22705,29 +20374,902 @@
           </a:xfrm>
         </p:spPr>
         <p:txBody>
-          <a:bodyPr rtlCol="0"/>
+          <a:bodyPr anchor="ctr">
+            <a:normAutofit/>
+          </a:bodyPr>
           <a:lstStyle/>
           <a:p>
-            <a:pPr rtl="0"/>
+            <a:pPr rtl="0">
+              <a:spcAft>
+                <a:spcPts val="600"/>
+              </a:spcAft>
+            </a:pPr>
             <a:fld id="{C01389E6-C847-4AD0-B56D-D205B2EAB1EE}" type="slidenum">
               <a:rPr lang="en-GB" smtClean="0"/>
-              <a:pPr rtl="0"/>
+              <a:pPr rtl="0">
+                <a:spcAft>
+                  <a:spcPts val="600"/>
+                </a:spcAft>
+              </a:pPr>
               <a:t>9</a:t>
             </a:fld>
-            <a:endParaRPr lang="en-GB" dirty="0"/>
+            <a:endParaRPr lang="en-GB"/>
+          </a:p>
+        </p:txBody>
+      </p:sp>
+      <p:sp>
+        <p:nvSpPr>
+          <p:cNvPr id="13" name="TextBox 12">
+            <a:extLst>
+              <a:ext uri="{FF2B5EF4-FFF2-40B4-BE49-F238E27FC236}">
+                <a16:creationId xmlns:a16="http://schemas.microsoft.com/office/drawing/2014/main" id="{C6284C90-E63E-DB54-5321-3759ACE3C50D}"/>
+              </a:ext>
+            </a:extLst>
+          </p:cNvPr>
+          <p:cNvSpPr txBox="1"/>
+          <p:nvPr/>
+        </p:nvSpPr>
+        <p:spPr>
+          <a:xfrm>
+            <a:off x="8385802" y="2386874"/>
+            <a:ext cx="1356041" cy="369332"/>
+          </a:xfrm>
+          <a:prstGeom prst="rect">
+            <a:avLst/>
+          </a:prstGeom>
+          <a:noFill/>
+        </p:spPr>
+        <p:txBody>
+          <a:bodyPr wrap="square">
+            <a:spAutoFit/>
+          </a:bodyPr>
+          <a:lstStyle/>
+          <a:p>
+            <a:r>
+              <a:rPr lang="en-GB" sz="1800" dirty="0">
+                <a:solidFill>
+                  <a:srgbClr val="A9B7C6"/>
+                </a:solidFill>
+                <a:effectLst/>
+                <a:latin typeface="JetBrains Mono"/>
+              </a:rPr>
+              <a:t>(</a:t>
+            </a:r>
+            <a:r>
+              <a:rPr lang="en-GB" sz="1800" dirty="0">
+                <a:solidFill>
+                  <a:srgbClr val="6897BB"/>
+                </a:solidFill>
+                <a:effectLst/>
+                <a:latin typeface="JetBrains Mono"/>
+              </a:rPr>
+              <a:t>0 </a:t>
+            </a:r>
+            <a:r>
+              <a:rPr lang="en-GB" sz="1800" dirty="0">
+                <a:solidFill>
+                  <a:srgbClr val="A9B7C6"/>
+                </a:solidFill>
+                <a:effectLst/>
+                <a:latin typeface="JetBrains Mono"/>
+              </a:rPr>
+              <a:t>/: l)(_ + _)</a:t>
+            </a:r>
+          </a:p>
+        </p:txBody>
+      </p:sp>
+      <p:sp>
+        <p:nvSpPr>
+          <p:cNvPr id="14" name="TextBox 13">
+            <a:extLst>
+              <a:ext uri="{FF2B5EF4-FFF2-40B4-BE49-F238E27FC236}">
+                <a16:creationId xmlns:a16="http://schemas.microsoft.com/office/drawing/2014/main" id="{24365D84-14AB-866C-E1EB-6170489D75E4}"/>
+              </a:ext>
+            </a:extLst>
+          </p:cNvPr>
+          <p:cNvSpPr txBox="1"/>
+          <p:nvPr/>
+        </p:nvSpPr>
+        <p:spPr>
+          <a:xfrm>
+            <a:off x="9697488" y="2386874"/>
+            <a:ext cx="2409168" cy="369332"/>
+          </a:xfrm>
+          <a:prstGeom prst="rect">
+            <a:avLst/>
+          </a:prstGeom>
+          <a:noFill/>
+        </p:spPr>
+        <p:txBody>
+          <a:bodyPr wrap="square">
+            <a:spAutoFit/>
+          </a:bodyPr>
+          <a:lstStyle/>
+          <a:p>
+            <a:r>
+              <a:rPr lang="en-GB" sz="1800" dirty="0">
+                <a:solidFill>
+                  <a:srgbClr val="808080"/>
+                </a:solidFill>
+                <a:effectLst/>
+                <a:latin typeface="JetBrains Mono"/>
+              </a:rPr>
+              <a:t>// (╯°□°</a:t>
+            </a:r>
+            <a:r>
+              <a:rPr lang="en-GB" sz="1800" dirty="0">
+                <a:solidFill>
+                  <a:srgbClr val="808080"/>
+                </a:solidFill>
+                <a:effectLst/>
+                <a:latin typeface="Menlo-Regular" panose="020B0609030804020204" pitchFamily="49" charset="0"/>
+              </a:rPr>
+              <a:t>）</a:t>
+            </a:r>
+            <a:r>
+              <a:rPr lang="en-GB" sz="1800" dirty="0">
+                <a:solidFill>
+                  <a:srgbClr val="808080"/>
+                </a:solidFill>
+                <a:effectLst/>
+                <a:latin typeface="JetBrains Mono"/>
+              </a:rPr>
+              <a:t>╯</a:t>
+            </a:r>
+            <a:r>
+              <a:rPr lang="en-GB" sz="1800" dirty="0">
+                <a:solidFill>
+                  <a:srgbClr val="808080"/>
+                </a:solidFill>
+                <a:effectLst/>
+                <a:latin typeface="Menlo-Regular" panose="020B0609030804020204" pitchFamily="49" charset="0"/>
+              </a:rPr>
+              <a:t>︵</a:t>
+            </a:r>
+            <a:r>
+              <a:rPr lang="en-GB" sz="1800" dirty="0">
+                <a:solidFill>
+                  <a:srgbClr val="808080"/>
+                </a:solidFill>
+                <a:effectLst/>
+                <a:latin typeface="JetBrains Mono"/>
+              </a:rPr>
+              <a:t> ┻━┻</a:t>
+            </a:r>
+            <a:endParaRPr lang="en-GB" sz="1800" dirty="0">
+              <a:solidFill>
+                <a:srgbClr val="A9B7C6"/>
+              </a:solidFill>
+              <a:effectLst/>
+              <a:latin typeface="JetBrains Mono"/>
+            </a:endParaRPr>
+          </a:p>
+        </p:txBody>
+      </p:sp>
+      <p:sp>
+        <p:nvSpPr>
+          <p:cNvPr id="16" name="TextBox 15">
+            <a:extLst>
+              <a:ext uri="{FF2B5EF4-FFF2-40B4-BE49-F238E27FC236}">
+                <a16:creationId xmlns:a16="http://schemas.microsoft.com/office/drawing/2014/main" id="{7D0A7CC2-5A71-BDFB-7685-13D92FFF5B70}"/>
+              </a:ext>
+            </a:extLst>
+          </p:cNvPr>
+          <p:cNvSpPr txBox="1"/>
+          <p:nvPr/>
+        </p:nvSpPr>
+        <p:spPr>
+          <a:xfrm>
+            <a:off x="8397203" y="1945059"/>
+            <a:ext cx="3489997" cy="369332"/>
+          </a:xfrm>
+          <a:prstGeom prst="rect">
+            <a:avLst/>
+          </a:prstGeom>
+          <a:noFill/>
+        </p:spPr>
+        <p:txBody>
+          <a:bodyPr wrap="square">
+            <a:spAutoFit/>
+          </a:bodyPr>
+          <a:lstStyle/>
+          <a:p>
+            <a:r>
+              <a:rPr lang="en-GB" sz="1800" dirty="0" err="1">
+                <a:solidFill>
+                  <a:srgbClr val="CC7832"/>
+                </a:solidFill>
+                <a:effectLst/>
+                <a:latin typeface="JetBrains Mono"/>
+              </a:rPr>
+              <a:t>val</a:t>
+            </a:r>
+            <a:r>
+              <a:rPr lang="en-GB" sz="1800" dirty="0">
+                <a:solidFill>
+                  <a:srgbClr val="CC7832"/>
+                </a:solidFill>
+                <a:effectLst/>
+                <a:latin typeface="JetBrains Mono"/>
+              </a:rPr>
+              <a:t> </a:t>
+            </a:r>
+            <a:r>
+              <a:rPr lang="en-GB" sz="1800" dirty="0">
+                <a:solidFill>
+                  <a:srgbClr val="A9B7C6"/>
+                </a:solidFill>
+                <a:effectLst/>
+                <a:latin typeface="JetBrains Mono"/>
+              </a:rPr>
+              <a:t>l = List(</a:t>
+            </a:r>
+            <a:r>
+              <a:rPr lang="en-GB" sz="1800" dirty="0">
+                <a:solidFill>
+                  <a:srgbClr val="6897BB"/>
+                </a:solidFill>
+                <a:effectLst/>
+                <a:latin typeface="JetBrains Mono"/>
+              </a:rPr>
+              <a:t>1</a:t>
+            </a:r>
+            <a:r>
+              <a:rPr lang="en-GB" sz="1800" dirty="0">
+                <a:solidFill>
+                  <a:srgbClr val="CC7832"/>
+                </a:solidFill>
+                <a:effectLst/>
+                <a:latin typeface="JetBrains Mono"/>
+              </a:rPr>
+              <a:t>, </a:t>
+            </a:r>
+            <a:r>
+              <a:rPr lang="en-GB" sz="1800" dirty="0">
+                <a:solidFill>
+                  <a:srgbClr val="6897BB"/>
+                </a:solidFill>
+                <a:effectLst/>
+                <a:latin typeface="JetBrains Mono"/>
+              </a:rPr>
+              <a:t>2</a:t>
+            </a:r>
+            <a:r>
+              <a:rPr lang="en-GB" sz="1800" dirty="0">
+                <a:solidFill>
+                  <a:srgbClr val="CC7832"/>
+                </a:solidFill>
+                <a:effectLst/>
+                <a:latin typeface="JetBrains Mono"/>
+              </a:rPr>
+              <a:t>, </a:t>
+            </a:r>
+            <a:r>
+              <a:rPr lang="en-GB" sz="1800" dirty="0">
+                <a:solidFill>
+                  <a:srgbClr val="6897BB"/>
+                </a:solidFill>
+                <a:effectLst/>
+                <a:latin typeface="JetBrains Mono"/>
+              </a:rPr>
+              <a:t>3</a:t>
+            </a:r>
+            <a:r>
+              <a:rPr lang="en-GB" sz="1800" dirty="0">
+                <a:solidFill>
+                  <a:srgbClr val="CC7832"/>
+                </a:solidFill>
+                <a:effectLst/>
+                <a:latin typeface="JetBrains Mono"/>
+              </a:rPr>
+              <a:t>, </a:t>
+            </a:r>
+            <a:r>
+              <a:rPr lang="en-GB" sz="1800" dirty="0">
+                <a:solidFill>
+                  <a:srgbClr val="6897BB"/>
+                </a:solidFill>
+                <a:effectLst/>
+                <a:latin typeface="JetBrains Mono"/>
+              </a:rPr>
+              <a:t>4</a:t>
+            </a:r>
+            <a:r>
+              <a:rPr lang="en-GB" sz="1800" dirty="0">
+                <a:solidFill>
+                  <a:srgbClr val="CC7832"/>
+                </a:solidFill>
+                <a:effectLst/>
+                <a:latin typeface="JetBrains Mono"/>
+              </a:rPr>
+              <a:t>, </a:t>
+            </a:r>
+            <a:r>
+              <a:rPr lang="en-GB" sz="1800" dirty="0">
+                <a:solidFill>
+                  <a:srgbClr val="6897BB"/>
+                </a:solidFill>
+                <a:effectLst/>
+                <a:latin typeface="JetBrains Mono"/>
+              </a:rPr>
+              <a:t>5</a:t>
+            </a:r>
+            <a:r>
+              <a:rPr lang="en-GB" sz="1800" dirty="0">
+                <a:solidFill>
+                  <a:srgbClr val="CC7832"/>
+                </a:solidFill>
+                <a:effectLst/>
+                <a:latin typeface="JetBrains Mono"/>
+              </a:rPr>
+              <a:t>, </a:t>
+            </a:r>
+            <a:r>
+              <a:rPr lang="en-GB" sz="1800" dirty="0">
+                <a:solidFill>
+                  <a:srgbClr val="6897BB"/>
+                </a:solidFill>
+                <a:effectLst/>
+                <a:latin typeface="JetBrains Mono"/>
+              </a:rPr>
+              <a:t>6</a:t>
+            </a:r>
+            <a:r>
+              <a:rPr lang="en-GB" sz="1800" dirty="0">
+                <a:solidFill>
+                  <a:srgbClr val="CC7832"/>
+                </a:solidFill>
+                <a:effectLst/>
+                <a:latin typeface="JetBrains Mono"/>
+              </a:rPr>
+              <a:t>, </a:t>
+            </a:r>
+            <a:r>
+              <a:rPr lang="en-GB" sz="1800" dirty="0">
+                <a:solidFill>
+                  <a:srgbClr val="6897BB"/>
+                </a:solidFill>
+                <a:effectLst/>
+                <a:latin typeface="JetBrains Mono"/>
+              </a:rPr>
+              <a:t>7</a:t>
+            </a:r>
+            <a:r>
+              <a:rPr lang="en-GB" sz="1800" dirty="0">
+                <a:solidFill>
+                  <a:srgbClr val="CC7832"/>
+                </a:solidFill>
+                <a:effectLst/>
+                <a:latin typeface="JetBrains Mono"/>
+              </a:rPr>
+              <a:t>, </a:t>
+            </a:r>
+            <a:r>
+              <a:rPr lang="en-GB" sz="1800" dirty="0">
+                <a:solidFill>
+                  <a:srgbClr val="6897BB"/>
+                </a:solidFill>
+                <a:effectLst/>
+                <a:latin typeface="JetBrains Mono"/>
+              </a:rPr>
+              <a:t>8</a:t>
+            </a:r>
+            <a:r>
+              <a:rPr lang="en-GB" sz="1800" dirty="0">
+                <a:solidFill>
+                  <a:srgbClr val="CC7832"/>
+                </a:solidFill>
+                <a:effectLst/>
+                <a:latin typeface="JetBrains Mono"/>
+              </a:rPr>
+              <a:t>, </a:t>
+            </a:r>
+            <a:r>
+              <a:rPr lang="en-GB" sz="1800" dirty="0">
+                <a:solidFill>
+                  <a:srgbClr val="6897BB"/>
+                </a:solidFill>
+                <a:effectLst/>
+                <a:latin typeface="JetBrains Mono"/>
+              </a:rPr>
+              <a:t>9</a:t>
+            </a:r>
+            <a:r>
+              <a:rPr lang="en-GB" sz="1800" dirty="0">
+                <a:solidFill>
+                  <a:srgbClr val="CC7832"/>
+                </a:solidFill>
+                <a:effectLst/>
+                <a:latin typeface="JetBrains Mono"/>
+              </a:rPr>
+              <a:t>, </a:t>
+            </a:r>
+            <a:r>
+              <a:rPr lang="en-GB" sz="1800" dirty="0">
+                <a:solidFill>
+                  <a:srgbClr val="6897BB"/>
+                </a:solidFill>
+                <a:effectLst/>
+                <a:latin typeface="JetBrains Mono"/>
+              </a:rPr>
+              <a:t>10</a:t>
+            </a:r>
+            <a:r>
+              <a:rPr lang="en-GB" sz="1800" dirty="0">
+                <a:solidFill>
+                  <a:srgbClr val="A9B7C6"/>
+                </a:solidFill>
+                <a:effectLst/>
+                <a:latin typeface="JetBrains Mono"/>
+              </a:rPr>
+              <a:t>)</a:t>
+            </a:r>
+          </a:p>
+        </p:txBody>
+      </p:sp>
+      <p:sp>
+        <p:nvSpPr>
+          <p:cNvPr id="17" name="TextBox 16">
+            <a:extLst>
+              <a:ext uri="{FF2B5EF4-FFF2-40B4-BE49-F238E27FC236}">
+                <a16:creationId xmlns:a16="http://schemas.microsoft.com/office/drawing/2014/main" id="{730ED7EC-D1D7-398A-14AF-F0F1372C7AB7}"/>
+              </a:ext>
+            </a:extLst>
+          </p:cNvPr>
+          <p:cNvSpPr txBox="1"/>
+          <p:nvPr/>
+        </p:nvSpPr>
+        <p:spPr>
+          <a:xfrm>
+            <a:off x="8304837" y="3059667"/>
+            <a:ext cx="3582363" cy="2862322"/>
+          </a:xfrm>
+          <a:prstGeom prst="rect">
+            <a:avLst/>
+          </a:prstGeom>
+          <a:noFill/>
+        </p:spPr>
+        <p:txBody>
+          <a:bodyPr wrap="square" rtlCol="0">
+            <a:spAutoFit/>
+          </a:bodyPr>
+          <a:lstStyle/>
+          <a:p>
+            <a:pPr marL="285750" indent="-285750">
+              <a:buFont typeface="Arial" panose="020B0604020202020204" pitchFamily="34" charset="0"/>
+              <a:buChar char="•"/>
+            </a:pPr>
+            <a:r>
+              <a:rPr lang="en-US" dirty="0"/>
+              <a:t>A cheap shot at a deprecated feature</a:t>
+            </a:r>
+          </a:p>
+          <a:p>
+            <a:pPr marL="285750" indent="-285750">
+              <a:buFont typeface="Arial" panose="020B0604020202020204" pitchFamily="34" charset="0"/>
+              <a:buChar char="•"/>
+            </a:pPr>
+            <a:r>
+              <a:rPr lang="en-US" dirty="0"/>
+              <a:t>But Scala 3 is cleaning up a lot of things. </a:t>
+            </a:r>
+          </a:p>
+          <a:p>
+            <a:pPr marL="285750" indent="-285750">
+              <a:buFont typeface="Arial" panose="020B0604020202020204" pitchFamily="34" charset="0"/>
+              <a:buChar char="•"/>
+            </a:pPr>
+            <a:r>
+              <a:rPr lang="en-US" dirty="0"/>
+              <a:t>Syntax, Symbols, arity-0 magic, </a:t>
+            </a:r>
+            <a:r>
+              <a:rPr lang="en-US" dirty="0" err="1"/>
+              <a:t>implicits</a:t>
+            </a:r>
+            <a:r>
+              <a:rPr lang="en-US" dirty="0"/>
+              <a:t>, macros, existential types and </a:t>
+            </a:r>
+            <a:r>
+              <a:rPr lang="en-US" dirty="0">
+                <a:hlinkClick r:id="rId3"/>
+              </a:rPr>
+              <a:t>much more</a:t>
+            </a:r>
+            <a:r>
+              <a:rPr lang="en-US" dirty="0"/>
+              <a:t>. </a:t>
+            </a:r>
+          </a:p>
+          <a:p>
+            <a:pPr marL="285750" indent="-285750">
+              <a:buFont typeface="Arial" panose="020B0604020202020204" pitchFamily="34" charset="0"/>
+              <a:buChar char="•"/>
+            </a:pPr>
+            <a:r>
+              <a:rPr lang="en-US" dirty="0"/>
+              <a:t>Common theme: JVM languages are converging</a:t>
+            </a:r>
           </a:p>
         </p:txBody>
       </p:sp>
     </p:spTree>
     <p:extLst>
       <p:ext uri="{BB962C8B-B14F-4D97-AF65-F5344CB8AC3E}">
-        <p14:creationId xmlns:p14="http://schemas.microsoft.com/office/powerpoint/2010/main" val="1153327679"/>
+        <p14:creationId xmlns:p14="http://schemas.microsoft.com/office/powerpoint/2010/main" val="2010251815"/>
       </p:ext>
     </p:extLst>
   </p:cSld>
   <p:clrMapOvr>
     <a:masterClrMapping/>
   </p:clrMapOvr>
+  <p:timing>
+    <p:tnLst>
+      <p:par>
+        <p:cTn id="1" dur="indefinite" restart="never" nodeType="tmRoot">
+          <p:childTnLst>
+            <p:seq concurrent="1" nextAc="seek">
+              <p:cTn id="2" dur="indefinite" nodeType="mainSeq">
+                <p:childTnLst>
+                  <p:par>
+                    <p:cTn id="3" fill="hold">
+                      <p:stCondLst>
+                        <p:cond delay="indefinite"/>
+                      </p:stCondLst>
+                      <p:childTnLst>
+                        <p:par>
+                          <p:cTn id="4" fill="hold">
+                            <p:stCondLst>
+                              <p:cond delay="0"/>
+                            </p:stCondLst>
+                            <p:childTnLst>
+                              <p:par>
+                                <p:cTn id="5" presetID="1" presetClass="entr" presetSubtype="0" fill="hold" grpId="0" nodeType="clickEffect">
+                                  <p:stCondLst>
+                                    <p:cond delay="0"/>
+                                  </p:stCondLst>
+                                  <p:childTnLst>
+                                    <p:set>
+                                      <p:cBhvr>
+                                        <p:cTn id="6" dur="1" fill="hold">
+                                          <p:stCondLst>
+                                            <p:cond delay="0"/>
+                                          </p:stCondLst>
+                                        </p:cTn>
+                                        <p:tgtEl>
+                                          <p:spTgt spid="13"/>
+                                        </p:tgtEl>
+                                        <p:attrNameLst>
+                                          <p:attrName>style.visibility</p:attrName>
+                                        </p:attrNameLst>
+                                      </p:cBhvr>
+                                      <p:to>
+                                        <p:strVal val="visible"/>
+                                      </p:to>
+                                    </p:set>
+                                  </p:childTnLst>
+                                </p:cTn>
+                              </p:par>
+                            </p:childTnLst>
+                          </p:cTn>
+                        </p:par>
+                      </p:childTnLst>
+                    </p:cTn>
+                  </p:par>
+                  <p:par>
+                    <p:cTn id="7" fill="hold">
+                      <p:stCondLst>
+                        <p:cond delay="indefinite"/>
+                      </p:stCondLst>
+                      <p:childTnLst>
+                        <p:par>
+                          <p:cTn id="8" fill="hold">
+                            <p:stCondLst>
+                              <p:cond delay="0"/>
+                            </p:stCondLst>
+                            <p:childTnLst>
+                              <p:par>
+                                <p:cTn id="9" presetID="1" presetClass="entr" presetSubtype="0" fill="hold" grpId="0" nodeType="clickEffect">
+                                  <p:stCondLst>
+                                    <p:cond delay="0"/>
+                                  </p:stCondLst>
+                                  <p:childTnLst>
+                                    <p:set>
+                                      <p:cBhvr>
+                                        <p:cTn id="10" dur="1" fill="hold">
+                                          <p:stCondLst>
+                                            <p:cond delay="0"/>
+                                          </p:stCondLst>
+                                        </p:cTn>
+                                        <p:tgtEl>
+                                          <p:spTgt spid="14"/>
+                                        </p:tgtEl>
+                                        <p:attrNameLst>
+                                          <p:attrName>style.visibility</p:attrName>
+                                        </p:attrNameLst>
+                                      </p:cBhvr>
+                                      <p:to>
+                                        <p:strVal val="visible"/>
+                                      </p:to>
+                                    </p:set>
+                                  </p:childTnLst>
+                                </p:cTn>
+                              </p:par>
+                            </p:childTnLst>
+                          </p:cTn>
+                        </p:par>
+                      </p:childTnLst>
+                    </p:cTn>
+                  </p:par>
+                  <p:par>
+                    <p:cTn id="11" fill="hold">
+                      <p:stCondLst>
+                        <p:cond delay="indefinite"/>
+                      </p:stCondLst>
+                      <p:childTnLst>
+                        <p:par>
+                          <p:cTn id="12" fill="hold">
+                            <p:stCondLst>
+                              <p:cond delay="0"/>
+                            </p:stCondLst>
+                            <p:childTnLst>
+                              <p:par>
+                                <p:cTn id="13" presetID="1" presetClass="entr" presetSubtype="0" fill="hold" grpId="0" nodeType="clickEffect">
+                                  <p:stCondLst>
+                                    <p:cond delay="0"/>
+                                  </p:stCondLst>
+                                  <p:childTnLst>
+                                    <p:set>
+                                      <p:cBhvr>
+                                        <p:cTn id="14" dur="1" fill="hold">
+                                          <p:stCondLst>
+                                            <p:cond delay="0"/>
+                                          </p:stCondLst>
+                                        </p:cTn>
+                                        <p:tgtEl>
+                                          <p:spTgt spid="16"/>
+                                        </p:tgtEl>
+                                        <p:attrNameLst>
+                                          <p:attrName>style.visibility</p:attrName>
+                                        </p:attrNameLst>
+                                      </p:cBhvr>
+                                      <p:to>
+                                        <p:strVal val="visible"/>
+                                      </p:to>
+                                    </p:set>
+                                  </p:childTnLst>
+                                </p:cTn>
+                              </p:par>
+                            </p:childTnLst>
+                          </p:cTn>
+                        </p:par>
+                      </p:childTnLst>
+                    </p:cTn>
+                  </p:par>
+                  <p:par>
+                    <p:cTn id="15" fill="hold">
+                      <p:stCondLst>
+                        <p:cond delay="indefinite"/>
+                      </p:stCondLst>
+                      <p:childTnLst>
+                        <p:par>
+                          <p:cTn id="16" fill="hold">
+                            <p:stCondLst>
+                              <p:cond delay="0"/>
+                            </p:stCondLst>
+                            <p:childTnLst>
+                              <p:par>
+                                <p:cTn id="17" presetID="1" presetClass="entr" presetSubtype="0" fill="hold" nodeType="clickEffect">
+                                  <p:stCondLst>
+                                    <p:cond delay="0"/>
+                                  </p:stCondLst>
+                                  <p:childTnLst>
+                                    <p:set>
+                                      <p:cBhvr>
+                                        <p:cTn id="18" dur="1" fill="hold">
+                                          <p:stCondLst>
+                                            <p:cond delay="0"/>
+                                          </p:stCondLst>
+                                        </p:cTn>
+                                        <p:tgtEl>
+                                          <p:spTgt spid="17">
+                                            <p:txEl>
+                                              <p:pRg st="0" end="0"/>
+                                            </p:txEl>
+                                          </p:spTgt>
+                                        </p:tgtEl>
+                                        <p:attrNameLst>
+                                          <p:attrName>style.visibility</p:attrName>
+                                        </p:attrNameLst>
+                                      </p:cBhvr>
+                                      <p:to>
+                                        <p:strVal val="visible"/>
+                                      </p:to>
+                                    </p:set>
+                                  </p:childTnLst>
+                                </p:cTn>
+                              </p:par>
+                            </p:childTnLst>
+                          </p:cTn>
+                        </p:par>
+                      </p:childTnLst>
+                    </p:cTn>
+                  </p:par>
+                  <p:par>
+                    <p:cTn id="19" fill="hold">
+                      <p:stCondLst>
+                        <p:cond delay="indefinite"/>
+                      </p:stCondLst>
+                      <p:childTnLst>
+                        <p:par>
+                          <p:cTn id="20" fill="hold">
+                            <p:stCondLst>
+                              <p:cond delay="0"/>
+                            </p:stCondLst>
+                            <p:childTnLst>
+                              <p:par>
+                                <p:cTn id="21" presetID="1" presetClass="entr" presetSubtype="0" fill="hold" nodeType="clickEffect">
+                                  <p:stCondLst>
+                                    <p:cond delay="0"/>
+                                  </p:stCondLst>
+                                  <p:childTnLst>
+                                    <p:set>
+                                      <p:cBhvr>
+                                        <p:cTn id="22" dur="1" fill="hold">
+                                          <p:stCondLst>
+                                            <p:cond delay="0"/>
+                                          </p:stCondLst>
+                                        </p:cTn>
+                                        <p:tgtEl>
+                                          <p:spTgt spid="17">
+                                            <p:txEl>
+                                              <p:pRg st="1" end="1"/>
+                                            </p:txEl>
+                                          </p:spTgt>
+                                        </p:tgtEl>
+                                        <p:attrNameLst>
+                                          <p:attrName>style.visibility</p:attrName>
+                                        </p:attrNameLst>
+                                      </p:cBhvr>
+                                      <p:to>
+                                        <p:strVal val="visible"/>
+                                      </p:to>
+                                    </p:set>
+                                  </p:childTnLst>
+                                </p:cTn>
+                              </p:par>
+                            </p:childTnLst>
+                          </p:cTn>
+                        </p:par>
+                      </p:childTnLst>
+                    </p:cTn>
+                  </p:par>
+                  <p:par>
+                    <p:cTn id="23" fill="hold">
+                      <p:stCondLst>
+                        <p:cond delay="indefinite"/>
+                      </p:stCondLst>
+                      <p:childTnLst>
+                        <p:par>
+                          <p:cTn id="24" fill="hold">
+                            <p:stCondLst>
+                              <p:cond delay="0"/>
+                            </p:stCondLst>
+                            <p:childTnLst>
+                              <p:par>
+                                <p:cTn id="25" presetID="1" presetClass="entr" presetSubtype="0" fill="hold" nodeType="clickEffect">
+                                  <p:stCondLst>
+                                    <p:cond delay="0"/>
+                                  </p:stCondLst>
+                                  <p:childTnLst>
+                                    <p:set>
+                                      <p:cBhvr>
+                                        <p:cTn id="26" dur="1" fill="hold">
+                                          <p:stCondLst>
+                                            <p:cond delay="0"/>
+                                          </p:stCondLst>
+                                        </p:cTn>
+                                        <p:tgtEl>
+                                          <p:spTgt spid="17">
+                                            <p:txEl>
+                                              <p:pRg st="2" end="2"/>
+                                            </p:txEl>
+                                          </p:spTgt>
+                                        </p:tgtEl>
+                                        <p:attrNameLst>
+                                          <p:attrName>style.visibility</p:attrName>
+                                        </p:attrNameLst>
+                                      </p:cBhvr>
+                                      <p:to>
+                                        <p:strVal val="visible"/>
+                                      </p:to>
+                                    </p:set>
+                                  </p:childTnLst>
+                                </p:cTn>
+                              </p:par>
+                            </p:childTnLst>
+                          </p:cTn>
+                        </p:par>
+                      </p:childTnLst>
+                    </p:cTn>
+                  </p:par>
+                  <p:par>
+                    <p:cTn id="27" fill="hold">
+                      <p:stCondLst>
+                        <p:cond delay="indefinite"/>
+                      </p:stCondLst>
+                      <p:childTnLst>
+                        <p:par>
+                          <p:cTn id="28" fill="hold">
+                            <p:stCondLst>
+                              <p:cond delay="0"/>
+                            </p:stCondLst>
+                            <p:childTnLst>
+                              <p:par>
+                                <p:cTn id="29" presetID="1" presetClass="entr" presetSubtype="0" fill="hold" nodeType="clickEffect">
+                                  <p:stCondLst>
+                                    <p:cond delay="0"/>
+                                  </p:stCondLst>
+                                  <p:childTnLst>
+                                    <p:set>
+                                      <p:cBhvr>
+                                        <p:cTn id="30" dur="1" fill="hold">
+                                          <p:stCondLst>
+                                            <p:cond delay="0"/>
+                                          </p:stCondLst>
+                                        </p:cTn>
+                                        <p:tgtEl>
+                                          <p:spTgt spid="17">
+                                            <p:txEl>
+                                              <p:pRg st="3" end="3"/>
+                                            </p:txEl>
+                                          </p:spTgt>
+                                        </p:tgtEl>
+                                        <p:attrNameLst>
+                                          <p:attrName>style.visibility</p:attrName>
+                                        </p:attrNameLst>
+                                      </p:cBhvr>
+                                      <p:to>
+                                        <p:strVal val="visible"/>
+                                      </p:to>
+                                    </p:set>
+                                  </p:childTnLst>
+                                </p:cTn>
+                              </p:par>
+                            </p:childTnLst>
+                          </p:cTn>
+                        </p:par>
+                      </p:childTnLst>
+                    </p:cTn>
+                  </p:par>
+                </p:childTnLst>
+              </p:cTn>
+              <p:prevCondLst>
+                <p:cond evt="onPrev" delay="0">
+                  <p:tgtEl>
+                    <p:sldTgt/>
+                  </p:tgtEl>
+                </p:cond>
+              </p:prevCondLst>
+              <p:nextCondLst>
+                <p:cond evt="onNext" delay="0">
+                  <p:tgtEl>
+                    <p:sldTgt/>
+                  </p:tgtEl>
+                </p:cond>
+              </p:nextCondLst>
+            </p:seq>
+          </p:childTnLst>
+        </p:cTn>
+      </p:par>
+    </p:tnLst>
+    <p:bldLst>
+      <p:bldP spid="13" grpId="0"/>
+      <p:bldP spid="14" grpId="0"/>
+      <p:bldP spid="16" grpId="0"/>
+    </p:bldLst>
+  </p:timing>
 </p:sld>
 </file>
 
@@ -23523,15 +22065,6 @@
 </file>
 
 <file path=customXml/item1.xml><?xml version="1.0" encoding="utf-8"?>
-<?mso-contentType ?>
-<FormTemplates xmlns="http://schemas.microsoft.com/sharepoint/v3/contenttype/forms">
-  <Display>DocumentLibraryForm</Display>
-  <Edit>DocumentLibraryForm</Edit>
-  <New>DocumentLibraryForm</New>
-</FormTemplates>
-</file>
-
-<file path=customXml/item2.xml><?xml version="1.0" encoding="utf-8"?>
 <ct:contentTypeSchema xmlns:ct="http://schemas.microsoft.com/office/2006/metadata/contentType" xmlns:ma="http://schemas.microsoft.com/office/2006/metadata/properties/metaAttributes" ct:_="" ma:_="" ma:contentTypeName="Document" ma:contentTypeID="0x01010079F111ED35F8CC479449609E8A0923A6" ma:contentTypeVersion="18" ma:contentTypeDescription="Create a new document." ma:contentTypeScope="" ma:versionID="22a266b9fa9a230c5a512669d8b298c3">
   <xsd:schema xmlns:xsd="http://www.w3.org/2001/XMLSchema" xmlns:xs="http://www.w3.org/2001/XMLSchema" xmlns:p="http://schemas.microsoft.com/office/2006/metadata/properties" xmlns:ns1="http://schemas.microsoft.com/sharepoint/v3" xmlns:ns2="71af3243-3dd4-4a8d-8c0d-dd76da1f02a5" xmlns:ns3="16c05727-aa75-4e4a-9b5f-8a80a1165891" xmlns:ns4="230e9df3-be65-4c73-a93b-d1236ebd677e" targetNamespace="http://schemas.microsoft.com/office/2006/metadata/properties" ma:root="true" ma:fieldsID="eddc33fff6b14141ee5c74a0d29ea6a1" ns1:_="" ns2:_="" ns3:_="" ns4:_="">
     <xsd:import namespace="http://schemas.microsoft.com/sharepoint/v3"/>
@@ -23807,6 +22340,15 @@
 </ct:contentTypeSchema>
 </file>
 
+<file path=customXml/item2.xml><?xml version="1.0" encoding="utf-8"?>
+<?mso-contentType ?>
+<FormTemplates xmlns="http://schemas.microsoft.com/sharepoint/v3/contenttype/forms">
+  <Display>DocumentLibraryForm</Display>
+  <Edit>DocumentLibraryForm</Edit>
+  <New>DocumentLibraryForm</New>
+</FormTemplates>
+</file>
+
 <file path=customXml/item3.xml><?xml version="1.0" encoding="utf-8"?>
 <p:properties xmlns:p="http://schemas.microsoft.com/office/2006/metadata/properties" xmlns:xsi="http://www.w3.org/2001/XMLSchema-instance" xmlns:pc="http://schemas.microsoft.com/office/infopath/2007/PartnerControls">
   <documentManagement>
@@ -23827,14 +22369,6 @@
 </file>
 
 <file path=customXml/itemProps1.xml><?xml version="1.0" encoding="utf-8"?>
-<ds:datastoreItem xmlns:ds="http://schemas.openxmlformats.org/officeDocument/2006/customXml" ds:itemID="{8C51EB17-D597-42E7-995C-18B75FCBF237}">
-  <ds:schemaRefs>
-    <ds:schemaRef ds:uri="http://schemas.microsoft.com/sharepoint/v3/contenttype/forms"/>
-  </ds:schemaRefs>
-</ds:datastoreItem>
-</file>
-
-<file path=customXml/itemProps2.xml><?xml version="1.0" encoding="utf-8"?>
 <ds:datastoreItem xmlns:ds="http://schemas.openxmlformats.org/officeDocument/2006/customXml" ds:itemID="{61E43E0E-1DE3-4D32-85EB-739731B9E71E}">
   <ds:schemaRefs>
     <ds:schemaRef ds:uri="http://schemas.microsoft.com/office/2006/metadata/contentType"/>
@@ -23855,6 +22389,14 @@
 </ds:datastoreItem>
 </file>
 
+<file path=customXml/itemProps2.xml><?xml version="1.0" encoding="utf-8"?>
+<ds:datastoreItem xmlns:ds="http://schemas.openxmlformats.org/officeDocument/2006/customXml" ds:itemID="{8C51EB17-D597-42E7-995C-18B75FCBF237}">
+  <ds:schemaRefs>
+    <ds:schemaRef ds:uri="http://schemas.microsoft.com/sharepoint/v3/contenttype/forms"/>
+  </ds:schemaRefs>
+</ds:datastoreItem>
+</file>
+
 <file path=customXml/itemProps3.xml><?xml version="1.0" encoding="utf-8"?>
 <ds:datastoreItem xmlns:ds="http://schemas.openxmlformats.org/officeDocument/2006/customXml" ds:itemID="{9B9123E8-1B6B-49B5-873D-A8D01C369B68}">
   <ds:schemaRefs>

--- a/slides/Mambo no 5.pptx
+++ b/slides/Mambo no 5.pptx
@@ -22,8 +22,8 @@
     <p:sldId id="292" r:id="rId13"/>
     <p:sldId id="266" r:id="rId14"/>
     <p:sldId id="293" r:id="rId15"/>
-    <p:sldId id="280" r:id="rId16"/>
-    <p:sldId id="294" r:id="rId17"/>
+    <p:sldId id="294" r:id="rId16"/>
+    <p:sldId id="280" r:id="rId17"/>
     <p:sldId id="281" r:id="rId18"/>
     <p:sldId id="284" r:id="rId19"/>
     <p:sldId id="279" r:id="rId20"/>
@@ -14166,40 +14166,6 @@
       </p:sp>
       <p:sp>
         <p:nvSpPr>
-          <p:cNvPr id="14" name="Footer Placeholder 13">
-            <a:extLst>
-              <a:ext uri="{FF2B5EF4-FFF2-40B4-BE49-F238E27FC236}">
-                <a16:creationId xmlns:a16="http://schemas.microsoft.com/office/drawing/2014/main" id="{EC5535F9-DB15-409A-BCC6-52A919692070}"/>
-              </a:ext>
-            </a:extLst>
-          </p:cNvPr>
-          <p:cNvSpPr>
-            <a:spLocks noGrp="1"/>
-          </p:cNvSpPr>
-          <p:nvPr>
-            <p:ph type="ftr" sz="quarter" idx="11"/>
-          </p:nvPr>
-        </p:nvSpPr>
-        <p:spPr>
-          <a:xfrm rot="5400000">
-            <a:off x="-1828800" y="1911096"/>
-            <a:ext cx="4114800" cy="457200"/>
-          </a:xfrm>
-        </p:spPr>
-        <p:txBody>
-          <a:bodyPr rtlCol="0"/>
-          <a:lstStyle/>
-          <a:p>
-            <a:pPr rtl="0"/>
-            <a:r>
-              <a:rPr lang="en-GB"/>
-              <a:t>Sample Footer Text</a:t>
-            </a:r>
-          </a:p>
-        </p:txBody>
-      </p:sp>
-      <p:sp>
-        <p:nvSpPr>
           <p:cNvPr id="2" name="Text Placeholder 1">
             <a:extLst>
               <a:ext uri="{FF2B5EF4-FFF2-40B4-BE49-F238E27FC236}">
@@ -14633,10 +14599,10 @@
       </p:grpSpPr>
       <p:sp>
         <p:nvSpPr>
-          <p:cNvPr id="6" name="Title 5">
-            <a:extLst>
-              <a:ext uri="{FF2B5EF4-FFF2-40B4-BE49-F238E27FC236}">
-                <a16:creationId xmlns:a16="http://schemas.microsoft.com/office/drawing/2014/main" id="{796646DD-9771-4241-9017-A1226C4F0655}"/>
+          <p:cNvPr id="8" name="Title 7">
+            <a:extLst>
+              <a:ext uri="{FF2B5EF4-FFF2-40B4-BE49-F238E27FC236}">
+                <a16:creationId xmlns:a16="http://schemas.microsoft.com/office/drawing/2014/main" id="{D7B820C0-182D-42F4-8707-5CC4A745D15D}"/>
               </a:ext>
             </a:extLst>
           </p:cNvPr>
@@ -14667,10 +14633,10 @@
       </p:sp>
       <p:sp>
         <p:nvSpPr>
-          <p:cNvPr id="2" name="Footer Placeholder 1">
-            <a:extLst>
-              <a:ext uri="{FF2B5EF4-FFF2-40B4-BE49-F238E27FC236}">
-                <a16:creationId xmlns:a16="http://schemas.microsoft.com/office/drawing/2014/main" id="{18BA7DF5-0D60-4A7E-ADA0-055736BA9EDD}"/>
+          <p:cNvPr id="2" name="Text Placeholder 1">
+            <a:extLst>
+              <a:ext uri="{FF2B5EF4-FFF2-40B4-BE49-F238E27FC236}">
+                <a16:creationId xmlns:a16="http://schemas.microsoft.com/office/drawing/2014/main" id="{D54DDEAB-A1D8-45E5-B8F9-54AF382754D8}"/>
               </a:ext>
             </a:extLst>
           </p:cNvPr>
@@ -14678,13 +14644,13 @@
             <a:spLocks noGrp="1"/>
           </p:cNvSpPr>
           <p:nvPr>
-            <p:ph type="ftr" sz="quarter" idx="11"/>
+            <p:ph type="body" idx="1"/>
           </p:nvPr>
         </p:nvSpPr>
         <p:spPr>
-          <a:xfrm rot="5400000">
-            <a:off x="-1828800" y="1911096"/>
-            <a:ext cx="4114800" cy="457200"/>
+          <a:xfrm>
+            <a:off x="1371600" y="2112264"/>
+            <a:ext cx="3200400" cy="823912"/>
           </a:xfrm>
         </p:spPr>
         <p:txBody>
@@ -14693,18 +14659,18 @@
           <a:p>
             <a:pPr rtl="0"/>
             <a:r>
-              <a:rPr lang="en-GB"/>
-              <a:t>Sample Footer Text</a:t>
-            </a:r>
-          </a:p>
-        </p:txBody>
-      </p:sp>
-      <p:sp>
-        <p:nvSpPr>
-          <p:cNvPr id="7" name="Text Placeholder 6">
-            <a:extLst>
-              <a:ext uri="{FF2B5EF4-FFF2-40B4-BE49-F238E27FC236}">
-                <a16:creationId xmlns:a16="http://schemas.microsoft.com/office/drawing/2014/main" id="{919CE106-2B1C-439F-9798-7B9D0616AD85}"/>
+              <a:rPr lang="en-GB" dirty="0"/>
+              <a:t>Java</a:t>
+            </a:r>
+          </a:p>
+        </p:txBody>
+      </p:sp>
+      <p:sp>
+        <p:nvSpPr>
+          <p:cNvPr id="3" name="Content Placeholder 2">
+            <a:extLst>
+              <a:ext uri="{FF2B5EF4-FFF2-40B4-BE49-F238E27FC236}">
+                <a16:creationId xmlns:a16="http://schemas.microsoft.com/office/drawing/2014/main" id="{9290A70A-B7A4-4395-BFBC-6889EE79D2B3}"/>
               </a:ext>
             </a:extLst>
           </p:cNvPr>
@@ -14712,33 +14678,52 @@
             <a:spLocks noGrp="1"/>
           </p:cNvSpPr>
           <p:nvPr>
-            <p:ph type="body" idx="1"/>
+            <p:ph sz="half" idx="2"/>
           </p:nvPr>
         </p:nvSpPr>
         <p:spPr>
           <a:xfrm>
-            <a:off x="1371600" y="2112264"/>
-            <a:ext cx="4841076" cy="823912"/>
+            <a:off x="1371600" y="3018472"/>
+            <a:ext cx="3200400" cy="3104856"/>
           </a:xfrm>
         </p:spPr>
         <p:txBody>
-          <a:bodyPr rtlCol="0"/>
+          <a:bodyPr rtlCol="0">
+            <a:normAutofit/>
+          </a:bodyPr>
           <a:lstStyle/>
           <a:p>
             <a:pPr rtl="0"/>
             <a:r>
-              <a:rPr lang="en-GB"/>
-              <a:t>Subtitle</a:t>
-            </a:r>
-          </a:p>
-        </p:txBody>
-      </p:sp>
-      <p:sp>
-        <p:nvSpPr>
-          <p:cNvPr id="8" name="Content Placeholder 7">
-            <a:extLst>
-              <a:ext uri="{FF2B5EF4-FFF2-40B4-BE49-F238E27FC236}">
-                <a16:creationId xmlns:a16="http://schemas.microsoft.com/office/drawing/2014/main" id="{170F1437-7C61-4D91-B080-B0C80E5D4EF7}"/>
+              <a:rPr lang="en-GB" dirty="0"/>
+              <a:t>Enums are surprisingly powerful and clean</a:t>
+            </a:r>
+          </a:p>
+          <a:p>
+            <a:pPr rtl="0"/>
+            <a:r>
+              <a:rPr lang="en-GB" dirty="0"/>
+              <a:t>Now that </a:t>
+            </a:r>
+            <a:r>
+              <a:rPr lang="en-GB" dirty="0">
+                <a:hlinkClick r:id="rId2"/>
+              </a:rPr>
+              <a:t>Record classes </a:t>
+            </a:r>
+            <a:r>
+              <a:rPr lang="en-GB" dirty="0"/>
+              <a:t>are a thing, Enums could use some simplification</a:t>
+            </a:r>
+          </a:p>
+        </p:txBody>
+      </p:sp>
+      <p:sp>
+        <p:nvSpPr>
+          <p:cNvPr id="4" name="Text Placeholder 3">
+            <a:extLst>
+              <a:ext uri="{FF2B5EF4-FFF2-40B4-BE49-F238E27FC236}">
+                <a16:creationId xmlns:a16="http://schemas.microsoft.com/office/drawing/2014/main" id="{22BD1F5F-2C0D-469F-B9D7-F62887EF92CF}"/>
               </a:ext>
             </a:extLst>
           </p:cNvPr>
@@ -14746,63 +14731,33 @@
             <a:spLocks noGrp="1"/>
           </p:cNvSpPr>
           <p:nvPr>
-            <p:ph sz="half" idx="2"/>
+            <p:ph type="body" sz="quarter" idx="3"/>
           </p:nvPr>
         </p:nvSpPr>
         <p:spPr>
           <a:xfrm>
-            <a:off x="1371600" y="3018472"/>
-            <a:ext cx="4841076" cy="3104856"/>
+            <a:off x="4892040" y="2109976"/>
+            <a:ext cx="3200400" cy="823912"/>
           </a:xfrm>
         </p:spPr>
         <p:txBody>
-          <a:bodyPr rtlCol="0">
-            <a:normAutofit fontScale="92500"/>
-          </a:bodyPr>
+          <a:bodyPr rtlCol="0"/>
           <a:lstStyle/>
           <a:p>
             <a:pPr rtl="0"/>
             <a:r>
               <a:rPr lang="en-GB" dirty="0"/>
-              <a:t>Add text, images, art, and videos.</a:t>
-            </a:r>
-          </a:p>
-          <a:p>
-            <a:pPr rtl="0"/>
-            <a:r>
-              <a:rPr lang="en-GB" dirty="0"/>
-              <a:t>Add transitions, animations, and motion.</a:t>
-            </a:r>
-          </a:p>
-          <a:p>
-            <a:pPr rtl="0"/>
-            <a:r>
-              <a:rPr lang="en-GB" dirty="0"/>
-              <a:t>Save to One Drive, to get to your presentations from your computer, tablet, or phone.</a:t>
-            </a:r>
-          </a:p>
-          <a:p>
-            <a:pPr rtl="0"/>
-            <a:r>
-              <a:rPr lang="en-GB" dirty="0"/>
-              <a:t>Add text, images, art, and videos.</a:t>
-            </a:r>
-          </a:p>
-          <a:p>
-            <a:pPr rtl="0"/>
-            <a:r>
-              <a:rPr lang="en-GB" dirty="0"/>
-              <a:t>Add transitions, animations, and motion.</a:t>
-            </a:r>
-          </a:p>
-        </p:txBody>
-      </p:sp>
-      <p:sp>
-        <p:nvSpPr>
-          <p:cNvPr id="9" name="Text Placeholder 8">
-            <a:extLst>
-              <a:ext uri="{FF2B5EF4-FFF2-40B4-BE49-F238E27FC236}">
-                <a16:creationId xmlns:a16="http://schemas.microsoft.com/office/drawing/2014/main" id="{1DA21DAF-879A-47B0-B70D-76461CFBB18A}"/>
+              <a:t>Kotlin</a:t>
+            </a:r>
+          </a:p>
+        </p:txBody>
+      </p:sp>
+      <p:sp>
+        <p:nvSpPr>
+          <p:cNvPr id="5" name="Content Placeholder 4">
+            <a:extLst>
+              <a:ext uri="{FF2B5EF4-FFF2-40B4-BE49-F238E27FC236}">
+                <a16:creationId xmlns:a16="http://schemas.microsoft.com/office/drawing/2014/main" id="{F456CC6B-4AA1-4424-8333-65754C5AE4D4}"/>
               </a:ext>
             </a:extLst>
           </p:cNvPr>
@@ -14810,33 +14765,73 @@
             <a:spLocks noGrp="1"/>
           </p:cNvSpPr>
           <p:nvPr>
-            <p:ph type="body" sz="quarter" idx="3"/>
+            <p:ph sz="quarter" idx="4"/>
           </p:nvPr>
         </p:nvSpPr>
         <p:spPr>
           <a:xfrm>
-            <a:off x="6766560" y="2112264"/>
-            <a:ext cx="4846320" cy="823912"/>
+            <a:off x="4892040" y="3016183"/>
+            <a:ext cx="3200400" cy="3104857"/>
           </a:xfrm>
         </p:spPr>
         <p:txBody>
-          <a:bodyPr rtlCol="0"/>
+          <a:bodyPr rtlCol="0">
+            <a:normAutofit/>
+          </a:bodyPr>
           <a:lstStyle/>
           <a:p>
             <a:pPr rtl="0"/>
             <a:r>
-              <a:rPr lang="en-GB"/>
-              <a:t>Subtitle</a:t>
-            </a:r>
-          </a:p>
-        </p:txBody>
-      </p:sp>
-      <p:sp>
-        <p:nvSpPr>
-          <p:cNvPr id="10" name="Content Placeholder 9">
-            <a:extLst>
-              <a:ext uri="{FF2B5EF4-FFF2-40B4-BE49-F238E27FC236}">
-                <a16:creationId xmlns:a16="http://schemas.microsoft.com/office/drawing/2014/main" id="{289C50EF-21A2-4017-B5C6-084510E6828D}"/>
+              <a:rPr lang="en-GB" dirty="0"/>
+              <a:t>Basically better Java Enums</a:t>
+            </a:r>
+          </a:p>
+          <a:p>
+            <a:pPr rtl="0"/>
+            <a:r>
+              <a:rPr lang="en-GB" dirty="0"/>
+              <a:t>Top level constants, companion objects, etc</a:t>
+            </a:r>
+          </a:p>
+          <a:p>
+            <a:r>
+              <a:rPr lang="en-GB" dirty="0"/>
+              <a:t>Unnecessary </a:t>
+            </a:r>
+            <a:r>
+              <a:rPr lang="en-GB" sz="1800" dirty="0">
+                <a:solidFill>
+                  <a:srgbClr val="CC7832"/>
+                </a:solidFill>
+                <a:effectLst/>
+                <a:latin typeface="JetBrains Mono"/>
+              </a:rPr>
+              <a:t>class </a:t>
+            </a:r>
+            <a:r>
+              <a:rPr lang="en-GB" sz="1800" dirty="0"/>
+              <a:t>keyword</a:t>
+            </a:r>
+            <a:endParaRPr lang="en-GB" sz="1800" dirty="0">
+              <a:solidFill>
+                <a:srgbClr val="A9B7C6"/>
+              </a:solidFill>
+              <a:effectLst/>
+              <a:latin typeface="JetBrains Mono"/>
+            </a:endParaRPr>
+          </a:p>
+          <a:p>
+            <a:pPr rtl="0"/>
+            <a:endParaRPr lang="en-GB" dirty="0"/>
+          </a:p>
+        </p:txBody>
+      </p:sp>
+      <p:sp>
+        <p:nvSpPr>
+          <p:cNvPr id="9" name="Text Placeholder 8">
+            <a:extLst>
+              <a:ext uri="{FF2B5EF4-FFF2-40B4-BE49-F238E27FC236}">
+                <a16:creationId xmlns:a16="http://schemas.microsoft.com/office/drawing/2014/main" id="{3E04CE81-6A28-4EA4-BA58-E94D051A3BC1}"/>
               </a:ext>
             </a:extLst>
           </p:cNvPr>
@@ -14844,67 +14839,140 @@
             <a:spLocks noGrp="1"/>
           </p:cNvSpPr>
           <p:nvPr>
-            <p:ph sz="quarter" idx="4"/>
+            <p:ph type="body" sz="quarter" idx="13"/>
           </p:nvPr>
         </p:nvSpPr>
         <p:spPr>
           <a:xfrm>
-            <a:off x="6766560" y="3018471"/>
-            <a:ext cx="4841076" cy="3104857"/>
+            <a:off x="8412480" y="2112263"/>
+            <a:ext cx="3200400" cy="823912"/>
           </a:xfrm>
         </p:spPr>
         <p:txBody>
+          <a:bodyPr rtlCol="0"/>
+          <a:lstStyle/>
+          <a:p>
+            <a:pPr rtl="0"/>
+            <a:r>
+              <a:rPr lang="en-GB" dirty="0"/>
+              <a:t>Scala</a:t>
+            </a:r>
+          </a:p>
+        </p:txBody>
+      </p:sp>
+      <p:sp>
+        <p:nvSpPr>
+          <p:cNvPr id="10" name="Content Placeholder 9">
+            <a:extLst>
+              <a:ext uri="{FF2B5EF4-FFF2-40B4-BE49-F238E27FC236}">
+                <a16:creationId xmlns:a16="http://schemas.microsoft.com/office/drawing/2014/main" id="{3A996BD0-4A93-4EF8-8348-686D9CB3C977}"/>
+              </a:ext>
+            </a:extLst>
+          </p:cNvPr>
+          <p:cNvSpPr>
+            <a:spLocks noGrp="1"/>
+          </p:cNvSpPr>
+          <p:nvPr>
+            <p:ph sz="quarter" idx="14"/>
+          </p:nvPr>
+        </p:nvSpPr>
+        <p:spPr>
+          <a:xfrm>
+            <a:off x="8412480" y="3018470"/>
+            <a:ext cx="3200400" cy="3104857"/>
+          </a:xfrm>
+        </p:spPr>
+        <p:txBody>
           <a:bodyPr rtlCol="0">
-            <a:normAutofit fontScale="92500"/>
+            <a:normAutofit fontScale="92500" lnSpcReduction="10000"/>
           </a:bodyPr>
           <a:lstStyle/>
           <a:p>
             <a:pPr rtl="0"/>
             <a:r>
+              <a:rPr lang="en-GB" dirty="0"/>
+              <a:t>Scala 2 Enumerations were messy, no way around it.</a:t>
+            </a:r>
+          </a:p>
+          <a:p>
+            <a:pPr rtl="0"/>
+            <a:r>
+              <a:rPr lang="en-GB" dirty="0"/>
+              <a:t>Roll your own solution with ADTs, or use </a:t>
+            </a:r>
+            <a:r>
+              <a:rPr lang="en-GB" dirty="0" err="1"/>
+              <a:t>liblike</a:t>
+            </a:r>
+            <a:r>
+              <a:rPr lang="en-GB" dirty="0"/>
+              <a:t> </a:t>
+            </a:r>
+            <a:r>
+              <a:rPr lang="en-GB" dirty="0">
+                <a:hlinkClick r:id="rId3"/>
+              </a:rPr>
+              <a:t>Enumeratum</a:t>
+            </a:r>
+            <a:r>
+              <a:rPr lang="en-GB" dirty="0"/>
+              <a:t>.</a:t>
+            </a:r>
+          </a:p>
+          <a:p>
+            <a:pPr rtl="0"/>
+            <a:r>
+              <a:rPr lang="en-GB" dirty="0"/>
+              <a:t>Scala 3 closed the gap</a:t>
+            </a:r>
+          </a:p>
+          <a:p>
+            <a:r>
               <a:rPr lang="en-GB"/>
-              <a:t>Add text, images, art, and videos.</a:t>
-            </a:r>
-          </a:p>
-          <a:p>
-            <a:pPr rtl="0"/>
-            <a:r>
-              <a:rPr lang="en-GB"/>
-              <a:t>Add transitions, animations, and motion.</a:t>
-            </a:r>
-          </a:p>
-          <a:p>
-            <a:pPr rtl="0"/>
-            <a:r>
-              <a:rPr lang="en-GB"/>
-              <a:t>Save to One Drive, to get to your presentations from your computer, tablet, or phone.</a:t>
-            </a:r>
-          </a:p>
-          <a:p>
-            <a:pPr rtl="0"/>
-            <a:r>
-              <a:rPr lang="en-GB"/>
-              <a:t>Add text, images, art, and videos.</a:t>
-            </a:r>
-          </a:p>
-          <a:p>
-            <a:pPr rtl="0"/>
-            <a:r>
-              <a:rPr lang="en-GB"/>
-              <a:t>Add transitions, animations, and motion.</a:t>
-            </a:r>
+              <a:t>Unnecessary </a:t>
+            </a:r>
+            <a:r>
+              <a:rPr lang="en-GB" sz="2000">
+                <a:solidFill>
+                  <a:srgbClr val="CC7832"/>
+                </a:solidFill>
+                <a:effectLst/>
+                <a:latin typeface="JetBrains Mono"/>
+              </a:rPr>
+              <a:t>case </a:t>
+            </a:r>
+            <a:r>
+              <a:rPr lang="en-GB" sz="2000" dirty="0"/>
+              <a:t>keyword</a:t>
+            </a:r>
+            <a:endParaRPr lang="en-GB" sz="2000" dirty="0">
+              <a:solidFill>
+                <a:srgbClr val="A9B7C6"/>
+              </a:solidFill>
+              <a:effectLst/>
+              <a:latin typeface="JetBrains Mono"/>
+            </a:endParaRPr>
           </a:p>
           <a:p>
             <a:pPr rtl="0"/>
             <a:endParaRPr lang="en-GB" dirty="0"/>
           </a:p>
-        </p:txBody>
-      </p:sp>
-      <p:sp>
-        <p:nvSpPr>
-          <p:cNvPr id="14" name="Date Placeholder 13">
-            <a:extLst>
-              <a:ext uri="{FF2B5EF4-FFF2-40B4-BE49-F238E27FC236}">
-                <a16:creationId xmlns:a16="http://schemas.microsoft.com/office/drawing/2014/main" id="{7C0C8496-3347-458C-A9DA-C0C7BA01F90F}"/>
+          <a:p>
+            <a:pPr rtl="0"/>
+            <a:endParaRPr lang="en-GB" dirty="0"/>
+          </a:p>
+          <a:p>
+            <a:pPr rtl="0"/>
+            <a:endParaRPr lang="en-GB" dirty="0"/>
+          </a:p>
+        </p:txBody>
+      </p:sp>
+      <p:sp>
+        <p:nvSpPr>
+          <p:cNvPr id="6" name="Date Placeholder 5">
+            <a:extLst>
+              <a:ext uri="{FF2B5EF4-FFF2-40B4-BE49-F238E27FC236}">
+                <a16:creationId xmlns:a16="http://schemas.microsoft.com/office/drawing/2014/main" id="{256B2184-E681-4C0F-B7BE-487EF89C01F1}"/>
               </a:ext>
             </a:extLst>
           </p:cNvPr>
@@ -14925,20 +14993,19 @@
           <a:bodyPr rtlCol="0"/>
           <a:lstStyle/>
           <a:p>
-            <a:pPr rtl="0"/>
-            <a:r>
-              <a:rPr lang="en-GB"/>
-              <a:t>Monday, February 1, 20XX</a:t>
-            </a:r>
-          </a:p>
-        </p:txBody>
-      </p:sp>
-      <p:sp>
-        <p:nvSpPr>
-          <p:cNvPr id="16" name="Slide Number Placeholder 15">
-            <a:extLst>
-              <a:ext uri="{FF2B5EF4-FFF2-40B4-BE49-F238E27FC236}">
-                <a16:creationId xmlns:a16="http://schemas.microsoft.com/office/drawing/2014/main" id="{B4425451-8618-441E-9D12-2D59D6AD1B9D}"/>
+            <a:r>
+              <a:rPr lang="en-GB" dirty="0"/>
+              <a:t>Thursday, May 25, 2025</a:t>
+            </a:r>
+          </a:p>
+        </p:txBody>
+      </p:sp>
+      <p:sp>
+        <p:nvSpPr>
+          <p:cNvPr id="7" name="Slide Number Placeholder 6">
+            <a:extLst>
+              <a:ext uri="{FF2B5EF4-FFF2-40B4-BE49-F238E27FC236}">
+                <a16:creationId xmlns:a16="http://schemas.microsoft.com/office/drawing/2014/main" id="{2AE7E0D2-79BA-4A99-B0A5-6C7F621F51B7}"/>
               </a:ext>
             </a:extLst>
           </p:cNvPr>
@@ -14972,7 +15039,7 @@
     </p:spTree>
     <p:extLst>
       <p:ext uri="{BB962C8B-B14F-4D97-AF65-F5344CB8AC3E}">
-        <p14:creationId xmlns:p14="http://schemas.microsoft.com/office/powerpoint/2010/main" val="1360356816"/>
+        <p14:creationId xmlns:p14="http://schemas.microsoft.com/office/powerpoint/2010/main" val="3488866921"/>
       </p:ext>
     </p:extLst>
   </p:cSld>
@@ -15001,10 +15068,10 @@
       </p:grpSpPr>
       <p:sp>
         <p:nvSpPr>
-          <p:cNvPr id="8" name="Title 7">
-            <a:extLst>
-              <a:ext uri="{FF2B5EF4-FFF2-40B4-BE49-F238E27FC236}">
-                <a16:creationId xmlns:a16="http://schemas.microsoft.com/office/drawing/2014/main" id="{D7B820C0-182D-42F4-8707-5CC4A745D15D}"/>
+          <p:cNvPr id="6" name="Title 5">
+            <a:extLst>
+              <a:ext uri="{FF2B5EF4-FFF2-40B4-BE49-F238E27FC236}">
+                <a16:creationId xmlns:a16="http://schemas.microsoft.com/office/drawing/2014/main" id="{796646DD-9771-4241-9017-A1226C4F0655}"/>
               </a:ext>
             </a:extLst>
           </p:cNvPr>
@@ -15028,17 +15095,17 @@
             <a:pPr rtl="0"/>
             <a:r>
               <a:rPr lang="en-GB" dirty="0"/>
-              <a:t>Extension methods</a:t>
-            </a:r>
-          </a:p>
-        </p:txBody>
-      </p:sp>
-      <p:sp>
-        <p:nvSpPr>
-          <p:cNvPr id="14" name="Footer Placeholder 13">
-            <a:extLst>
-              <a:ext uri="{FF2B5EF4-FFF2-40B4-BE49-F238E27FC236}">
-                <a16:creationId xmlns:a16="http://schemas.microsoft.com/office/drawing/2014/main" id="{EC5535F9-DB15-409A-BCC6-52A919692070}"/>
+              <a:t>Extension Methods</a:t>
+            </a:r>
+          </a:p>
+        </p:txBody>
+      </p:sp>
+      <p:sp>
+        <p:nvSpPr>
+          <p:cNvPr id="2" name="Footer Placeholder 1">
+            <a:extLst>
+              <a:ext uri="{FF2B5EF4-FFF2-40B4-BE49-F238E27FC236}">
+                <a16:creationId xmlns:a16="http://schemas.microsoft.com/office/drawing/2014/main" id="{18BA7DF5-0D60-4A7E-ADA0-055736BA9EDD}"/>
               </a:ext>
             </a:extLst>
           </p:cNvPr>
@@ -15069,10 +15136,10 @@
       </p:sp>
       <p:sp>
         <p:nvSpPr>
-          <p:cNvPr id="2" name="Text Placeholder 1">
-            <a:extLst>
-              <a:ext uri="{FF2B5EF4-FFF2-40B4-BE49-F238E27FC236}">
-                <a16:creationId xmlns:a16="http://schemas.microsoft.com/office/drawing/2014/main" id="{D54DDEAB-A1D8-45E5-B8F9-54AF382754D8}"/>
+          <p:cNvPr id="7" name="Text Placeholder 6">
+            <a:extLst>
+              <a:ext uri="{FF2B5EF4-FFF2-40B4-BE49-F238E27FC236}">
+                <a16:creationId xmlns:a16="http://schemas.microsoft.com/office/drawing/2014/main" id="{919CE106-2B1C-439F-9798-7B9D0616AD85}"/>
               </a:ext>
             </a:extLst>
           </p:cNvPr>
@@ -15086,7 +15153,7 @@
         <p:spPr>
           <a:xfrm>
             <a:off x="1371600" y="2112264"/>
-            <a:ext cx="3200400" cy="823912"/>
+            <a:ext cx="4841076" cy="823912"/>
           </a:xfrm>
         </p:spPr>
         <p:txBody>
@@ -15095,18 +15162,18 @@
           <a:p>
             <a:pPr rtl="0"/>
             <a:r>
-              <a:rPr lang="en-GB"/>
-              <a:t>Subtitle</a:t>
-            </a:r>
-          </a:p>
-        </p:txBody>
-      </p:sp>
-      <p:sp>
-        <p:nvSpPr>
-          <p:cNvPr id="3" name="Content Placeholder 2">
-            <a:extLst>
-              <a:ext uri="{FF2B5EF4-FFF2-40B4-BE49-F238E27FC236}">
-                <a16:creationId xmlns:a16="http://schemas.microsoft.com/office/drawing/2014/main" id="{9290A70A-B7A4-4395-BFBC-6889EE79D2B3}"/>
+              <a:rPr lang="en-GB" dirty="0"/>
+              <a:t>Kotlin</a:t>
+            </a:r>
+          </a:p>
+        </p:txBody>
+      </p:sp>
+      <p:sp>
+        <p:nvSpPr>
+          <p:cNvPr id="8" name="Content Placeholder 7">
+            <a:extLst>
+              <a:ext uri="{FF2B5EF4-FFF2-40B4-BE49-F238E27FC236}">
+                <a16:creationId xmlns:a16="http://schemas.microsoft.com/office/drawing/2014/main" id="{170F1437-7C61-4D91-B080-B0C80E5D4EF7}"/>
               </a:ext>
             </a:extLst>
           </p:cNvPr>
@@ -15120,46 +15187,46 @@
         <p:spPr>
           <a:xfrm>
             <a:off x="1371600" y="3018472"/>
-            <a:ext cx="3200400" cy="3104856"/>
+            <a:ext cx="4841076" cy="3104856"/>
           </a:xfrm>
         </p:spPr>
         <p:txBody>
           <a:bodyPr rtlCol="0">
-            <a:normAutofit fontScale="70000" lnSpcReduction="20000"/>
+            <a:normAutofit fontScale="92500"/>
           </a:bodyPr>
           <a:lstStyle/>
           <a:p>
             <a:pPr rtl="0"/>
             <a:r>
-              <a:rPr lang="en-GB"/>
+              <a:rPr lang="en-GB" dirty="0"/>
               <a:t>Add text, images, art, and videos.</a:t>
             </a:r>
           </a:p>
           <a:p>
             <a:pPr rtl="0"/>
             <a:r>
-              <a:rPr lang="en-GB"/>
+              <a:rPr lang="en-GB" dirty="0"/>
               <a:t>Add transitions, animations, and motion.</a:t>
             </a:r>
           </a:p>
           <a:p>
             <a:pPr rtl="0"/>
             <a:r>
-              <a:rPr lang="en-GB"/>
+              <a:rPr lang="en-GB" dirty="0"/>
               <a:t>Save to One Drive, to get to your presentations from your computer, tablet, or phone.</a:t>
             </a:r>
           </a:p>
           <a:p>
             <a:pPr rtl="0"/>
             <a:r>
-              <a:rPr lang="en-GB"/>
+              <a:rPr lang="en-GB" dirty="0"/>
               <a:t>Add text, images, art, and videos.</a:t>
             </a:r>
           </a:p>
           <a:p>
             <a:pPr rtl="0"/>
             <a:r>
-              <a:rPr lang="en-GB"/>
+              <a:rPr lang="en-GB" dirty="0"/>
               <a:t>Add transitions, animations, and motion.</a:t>
             </a:r>
           </a:p>
@@ -15167,10 +15234,10 @@
       </p:sp>
       <p:sp>
         <p:nvSpPr>
-          <p:cNvPr id="4" name="Text Placeholder 3">
-            <a:extLst>
-              <a:ext uri="{FF2B5EF4-FFF2-40B4-BE49-F238E27FC236}">
-                <a16:creationId xmlns:a16="http://schemas.microsoft.com/office/drawing/2014/main" id="{22BD1F5F-2C0D-469F-B9D7-F62887EF92CF}"/>
+          <p:cNvPr id="9" name="Text Placeholder 8">
+            <a:extLst>
+              <a:ext uri="{FF2B5EF4-FFF2-40B4-BE49-F238E27FC236}">
+                <a16:creationId xmlns:a16="http://schemas.microsoft.com/office/drawing/2014/main" id="{1DA21DAF-879A-47B0-B70D-76461CFBB18A}"/>
               </a:ext>
             </a:extLst>
           </p:cNvPr>
@@ -15183,8 +15250,8 @@
         </p:nvSpPr>
         <p:spPr>
           <a:xfrm>
-            <a:off x="4892040" y="2109976"/>
-            <a:ext cx="3200400" cy="823912"/>
+            <a:off x="6766560" y="2112264"/>
+            <a:ext cx="4846320" cy="823912"/>
           </a:xfrm>
         </p:spPr>
         <p:txBody>
@@ -15193,18 +15260,18 @@
           <a:p>
             <a:pPr rtl="0"/>
             <a:r>
-              <a:rPr lang="en-GB"/>
-              <a:t>Subtitle</a:t>
-            </a:r>
-          </a:p>
-        </p:txBody>
-      </p:sp>
-      <p:sp>
-        <p:nvSpPr>
-          <p:cNvPr id="5" name="Content Placeholder 4">
-            <a:extLst>
-              <a:ext uri="{FF2B5EF4-FFF2-40B4-BE49-F238E27FC236}">
-                <a16:creationId xmlns:a16="http://schemas.microsoft.com/office/drawing/2014/main" id="{F456CC6B-4AA1-4424-8333-65754C5AE4D4}"/>
+              <a:rPr lang="en-GB" dirty="0"/>
+              <a:t>Scala</a:t>
+            </a:r>
+          </a:p>
+        </p:txBody>
+      </p:sp>
+      <p:sp>
+        <p:nvSpPr>
+          <p:cNvPr id="10" name="Content Placeholder 9">
+            <a:extLst>
+              <a:ext uri="{FF2B5EF4-FFF2-40B4-BE49-F238E27FC236}">
+                <a16:creationId xmlns:a16="http://schemas.microsoft.com/office/drawing/2014/main" id="{289C50EF-21A2-4017-B5C6-084510E6828D}"/>
               </a:ext>
             </a:extLst>
           </p:cNvPr>
@@ -15217,13 +15284,13 @@
         </p:nvSpPr>
         <p:spPr>
           <a:xfrm>
-            <a:off x="4892040" y="3016183"/>
-            <a:ext cx="3200400" cy="3104857"/>
+            <a:off x="6766560" y="3018471"/>
+            <a:ext cx="4841076" cy="3104857"/>
           </a:xfrm>
         </p:spPr>
         <p:txBody>
           <a:bodyPr rtlCol="0">
-            <a:normAutofit fontScale="70000" lnSpcReduction="20000"/>
+            <a:normAutofit fontScale="92500"/>
           </a:bodyPr>
           <a:lstStyle/>
           <a:p>
@@ -15261,112 +15328,18 @@
               <a:t>Add transitions, animations, and motion.</a:t>
             </a:r>
           </a:p>
-        </p:txBody>
-      </p:sp>
-      <p:sp>
-        <p:nvSpPr>
-          <p:cNvPr id="9" name="Text Placeholder 8">
-            <a:extLst>
-              <a:ext uri="{FF2B5EF4-FFF2-40B4-BE49-F238E27FC236}">
-                <a16:creationId xmlns:a16="http://schemas.microsoft.com/office/drawing/2014/main" id="{3E04CE81-6A28-4EA4-BA58-E94D051A3BC1}"/>
-              </a:ext>
-            </a:extLst>
-          </p:cNvPr>
-          <p:cNvSpPr>
-            <a:spLocks noGrp="1"/>
-          </p:cNvSpPr>
-          <p:nvPr>
-            <p:ph type="body" sz="quarter" idx="13"/>
-          </p:nvPr>
-        </p:nvSpPr>
-        <p:spPr>
-          <a:xfrm>
-            <a:off x="8412480" y="2112263"/>
-            <a:ext cx="3200400" cy="823912"/>
-          </a:xfrm>
-        </p:spPr>
-        <p:txBody>
-          <a:bodyPr rtlCol="0"/>
-          <a:lstStyle/>
           <a:p>
             <a:pPr rtl="0"/>
-            <a:r>
-              <a:rPr lang="en-GB"/>
-              <a:t>Subtitle</a:t>
-            </a:r>
-          </a:p>
-        </p:txBody>
-      </p:sp>
-      <p:sp>
-        <p:nvSpPr>
-          <p:cNvPr id="10" name="Content Placeholder 9">
-            <a:extLst>
-              <a:ext uri="{FF2B5EF4-FFF2-40B4-BE49-F238E27FC236}">
-                <a16:creationId xmlns:a16="http://schemas.microsoft.com/office/drawing/2014/main" id="{3A996BD0-4A93-4EF8-8348-686D9CB3C977}"/>
-              </a:ext>
-            </a:extLst>
-          </p:cNvPr>
-          <p:cNvSpPr>
-            <a:spLocks noGrp="1"/>
-          </p:cNvSpPr>
-          <p:nvPr>
-            <p:ph sz="quarter" idx="14"/>
-          </p:nvPr>
-        </p:nvSpPr>
-        <p:spPr>
-          <a:xfrm>
-            <a:off x="8412480" y="3018470"/>
-            <a:ext cx="3200400" cy="3104857"/>
-          </a:xfrm>
-        </p:spPr>
-        <p:txBody>
-          <a:bodyPr rtlCol="0">
-            <a:normAutofit fontScale="70000" lnSpcReduction="20000"/>
-          </a:bodyPr>
-          <a:lstStyle/>
-          <a:p>
-            <a:pPr rtl="0"/>
-            <a:r>
-              <a:rPr lang="en-GB"/>
-              <a:t>Add text, images, art, and videos.</a:t>
-            </a:r>
-          </a:p>
-          <a:p>
-            <a:pPr rtl="0"/>
-            <a:r>
-              <a:rPr lang="en-GB"/>
-              <a:t>Add transitions, animations, and motion.</a:t>
-            </a:r>
-          </a:p>
-          <a:p>
-            <a:pPr rtl="0"/>
-            <a:r>
-              <a:rPr lang="en-GB"/>
-              <a:t>Save to One Drive, to get to your presentations from your computer, tablet, or phone.</a:t>
-            </a:r>
-          </a:p>
-          <a:p>
-            <a:pPr rtl="0"/>
-            <a:r>
-              <a:rPr lang="en-GB"/>
-              <a:t>Add text, images, art, and videos.</a:t>
-            </a:r>
-          </a:p>
-          <a:p>
-            <a:pPr rtl="0"/>
-            <a:r>
-              <a:rPr lang="en-GB"/>
-              <a:t>Add transitions, animations, and motion.</a:t>
-            </a:r>
-          </a:p>
-        </p:txBody>
-      </p:sp>
-      <p:sp>
-        <p:nvSpPr>
-          <p:cNvPr id="6" name="Date Placeholder 5">
-            <a:extLst>
-              <a:ext uri="{FF2B5EF4-FFF2-40B4-BE49-F238E27FC236}">
-                <a16:creationId xmlns:a16="http://schemas.microsoft.com/office/drawing/2014/main" id="{256B2184-E681-4C0F-B7BE-487EF89C01F1}"/>
+            <a:endParaRPr lang="en-GB" dirty="0"/>
+          </a:p>
+        </p:txBody>
+      </p:sp>
+      <p:sp>
+        <p:nvSpPr>
+          <p:cNvPr id="14" name="Date Placeholder 13">
+            <a:extLst>
+              <a:ext uri="{FF2B5EF4-FFF2-40B4-BE49-F238E27FC236}">
+                <a16:creationId xmlns:a16="http://schemas.microsoft.com/office/drawing/2014/main" id="{7C0C8496-3347-458C-A9DA-C0C7BA01F90F}"/>
               </a:ext>
             </a:extLst>
           </p:cNvPr>
@@ -15397,10 +15370,10 @@
       </p:sp>
       <p:sp>
         <p:nvSpPr>
-          <p:cNvPr id="7" name="Slide Number Placeholder 6">
-            <a:extLst>
-              <a:ext uri="{FF2B5EF4-FFF2-40B4-BE49-F238E27FC236}">
-                <a16:creationId xmlns:a16="http://schemas.microsoft.com/office/drawing/2014/main" id="{2AE7E0D2-79BA-4A99-B0A5-6C7F621F51B7}"/>
+          <p:cNvPr id="16" name="Slide Number Placeholder 15">
+            <a:extLst>
+              <a:ext uri="{FF2B5EF4-FFF2-40B4-BE49-F238E27FC236}">
+                <a16:creationId xmlns:a16="http://schemas.microsoft.com/office/drawing/2014/main" id="{B4425451-8618-441E-9D12-2D59D6AD1B9D}"/>
               </a:ext>
             </a:extLst>
           </p:cNvPr>
@@ -15434,7 +15407,7 @@
     </p:spTree>
     <p:extLst>
       <p:ext uri="{BB962C8B-B14F-4D97-AF65-F5344CB8AC3E}">
-        <p14:creationId xmlns:p14="http://schemas.microsoft.com/office/powerpoint/2010/main" val="3488866921"/>
+        <p14:creationId xmlns:p14="http://schemas.microsoft.com/office/powerpoint/2010/main" val="1360356816"/>
       </p:ext>
     </p:extLst>
   </p:cSld>

--- a/slides/Mambo no 5.pptx
+++ b/slides/Mambo no 5.pptx
@@ -5,10 +5,10 @@
     <p:sldMasterId id="2147483648" r:id="rId4"/>
   </p:sldMasterIdLst>
   <p:notesMasterIdLst>
-    <p:notesMasterId r:id="rId21"/>
+    <p:notesMasterId r:id="rId20"/>
   </p:notesMasterIdLst>
   <p:handoutMasterIdLst>
-    <p:handoutMasterId r:id="rId22"/>
+    <p:handoutMasterId r:id="rId21"/>
   </p:handoutMasterIdLst>
   <p:sldIdLst>
     <p:sldId id="274" r:id="rId5"/>
@@ -24,9 +24,8 @@
     <p:sldId id="293" r:id="rId15"/>
     <p:sldId id="294" r:id="rId16"/>
     <p:sldId id="280" r:id="rId17"/>
-    <p:sldId id="281" r:id="rId18"/>
-    <p:sldId id="284" r:id="rId19"/>
-    <p:sldId id="279" r:id="rId20"/>
+    <p:sldId id="284" r:id="rId18"/>
+    <p:sldId id="279" r:id="rId19"/>
   </p:sldIdLst>
   <p:sldSz cx="12192000" cy="6858000"/>
   <p:notesSz cx="6858000" cy="9144000"/>
@@ -14928,11 +14927,11 @@
           </a:p>
           <a:p>
             <a:r>
-              <a:rPr lang="en-GB"/>
+              <a:rPr lang="en-GB" dirty="0"/>
               <a:t>Unnecessary </a:t>
             </a:r>
             <a:r>
-              <a:rPr lang="en-GB" sz="2000">
+              <a:rPr lang="en-GB" sz="2000" dirty="0">
                 <a:solidFill>
                   <a:srgbClr val="CC7832"/>
                 </a:solidFill>
@@ -15102,40 +15101,6 @@
       </p:sp>
       <p:sp>
         <p:nvSpPr>
-          <p:cNvPr id="2" name="Footer Placeholder 1">
-            <a:extLst>
-              <a:ext uri="{FF2B5EF4-FFF2-40B4-BE49-F238E27FC236}">
-                <a16:creationId xmlns:a16="http://schemas.microsoft.com/office/drawing/2014/main" id="{18BA7DF5-0D60-4A7E-ADA0-055736BA9EDD}"/>
-              </a:ext>
-            </a:extLst>
-          </p:cNvPr>
-          <p:cNvSpPr>
-            <a:spLocks noGrp="1"/>
-          </p:cNvSpPr>
-          <p:nvPr>
-            <p:ph type="ftr" sz="quarter" idx="11"/>
-          </p:nvPr>
-        </p:nvSpPr>
-        <p:spPr>
-          <a:xfrm rot="5400000">
-            <a:off x="-1828800" y="1911096"/>
-            <a:ext cx="4114800" cy="457200"/>
-          </a:xfrm>
-        </p:spPr>
-        <p:txBody>
-          <a:bodyPr rtlCol="0"/>
-          <a:lstStyle/>
-          <a:p>
-            <a:pPr rtl="0"/>
-            <a:r>
-              <a:rPr lang="en-GB"/>
-              <a:t>Sample Footer Text</a:t>
-            </a:r>
-          </a:p>
-        </p:txBody>
-      </p:sp>
-      <p:sp>
-        <p:nvSpPr>
           <p:cNvPr id="7" name="Text Placeholder 6">
             <a:extLst>
               <a:ext uri="{FF2B5EF4-FFF2-40B4-BE49-F238E27FC236}">
@@ -15192,42 +15157,48 @@
         </p:spPr>
         <p:txBody>
           <a:bodyPr rtlCol="0">
-            <a:normAutofit fontScale="92500"/>
+            <a:normAutofit/>
           </a:bodyPr>
           <a:lstStyle/>
           <a:p>
             <a:pPr rtl="0"/>
             <a:r>
               <a:rPr lang="en-GB" dirty="0"/>
-              <a:t>Add text, images, art, and videos.</a:t>
+              <a:t>Clean syntax</a:t>
             </a:r>
           </a:p>
           <a:p>
             <a:pPr rtl="0"/>
             <a:r>
               <a:rPr lang="en-GB" dirty="0"/>
-              <a:t>Add transitions, animations, and motion.</a:t>
+              <a:t>One method at a time</a:t>
             </a:r>
           </a:p>
           <a:p>
             <a:pPr rtl="0"/>
             <a:r>
               <a:rPr lang="en-GB" dirty="0"/>
-              <a:t>Save to One Drive, to get to your presentations from your computer, tablet, or phone.</a:t>
-            </a:r>
-          </a:p>
-          <a:p>
-            <a:pPr rtl="0"/>
+              <a:t>Interesting complementary ideas such as </a:t>
+            </a:r>
+            <a:r>
+              <a:rPr lang="en-GB" dirty="0">
+                <a:hlinkClick r:id="rId2"/>
+              </a:rPr>
+              <a:t>Function Types with Receivers </a:t>
+            </a:r>
             <a:r>
               <a:rPr lang="en-GB" dirty="0"/>
-              <a:t>Add text, images, art, and videos.</a:t>
-            </a:r>
-          </a:p>
-          <a:p>
-            <a:pPr rtl="0"/>
+              <a:t>and </a:t>
+            </a:r>
+            <a:r>
+              <a:rPr lang="en-GB" dirty="0">
+                <a:hlinkClick r:id="rId3"/>
+              </a:rPr>
+              <a:t>Type-Safe Builders</a:t>
+            </a:r>
             <a:r>
               <a:rPr lang="en-GB" dirty="0"/>
-              <a:t>Add transitions, animations, and motion.</a:t>
+              <a:t>. </a:t>
             </a:r>
           </a:p>
         </p:txBody>
@@ -15290,47 +15261,56 @@
         </p:spPr>
         <p:txBody>
           <a:bodyPr rtlCol="0">
-            <a:normAutofit fontScale="92500"/>
+            <a:normAutofit/>
           </a:bodyPr>
           <a:lstStyle/>
           <a:p>
             <a:pPr rtl="0"/>
             <a:r>
+              <a:rPr lang="en-GB" dirty="0"/>
+              <a:t>Scala 2: Implicit conversions / Pimp My Library Pattern</a:t>
+            </a:r>
+          </a:p>
+          <a:p>
+            <a:r>
+              <a:rPr lang="en-GB" dirty="0"/>
+              <a:t>Scala 3: new </a:t>
+            </a:r>
+            <a:r>
+              <a:rPr lang="en-GB" sz="1800" dirty="0">
+                <a:solidFill>
+                  <a:srgbClr val="CC7832"/>
+                </a:solidFill>
+                <a:effectLst/>
+                <a:latin typeface="JetBrains Mono"/>
+                <a:hlinkClick r:id="rId4"/>
+              </a:rPr>
+              <a:t>extension</a:t>
+            </a:r>
+            <a:r>
+              <a:rPr lang="en-GB" dirty="0"/>
+              <a:t> keyword</a:t>
+            </a:r>
+          </a:p>
+          <a:p>
+            <a:r>
+              <a:rPr lang="en-GB" dirty="0"/>
+              <a:t>Part of </a:t>
+            </a:r>
+            <a:r>
               <a:rPr lang="en-GB"/>
-              <a:t>Add text, images, art, and videos.</a:t>
-            </a:r>
-          </a:p>
-          <a:p>
-            <a:pPr rtl="0"/>
-            <a:r>
-              <a:rPr lang="en-GB"/>
-              <a:t>Add transitions, animations, and motion.</a:t>
-            </a:r>
-          </a:p>
-          <a:p>
-            <a:pPr rtl="0"/>
-            <a:r>
-              <a:rPr lang="en-GB"/>
-              <a:t>Save to One Drive, to get to your presentations from your computer, tablet, or phone.</a:t>
-            </a:r>
-          </a:p>
-          <a:p>
-            <a:pPr rtl="0"/>
-            <a:r>
-              <a:rPr lang="en-GB"/>
-              <a:t>Add text, images, art, and videos.</a:t>
-            </a:r>
-          </a:p>
-          <a:p>
-            <a:pPr rtl="0"/>
-            <a:r>
-              <a:rPr lang="en-GB"/>
-              <a:t>Add transitions, animations, and motion.</a:t>
-            </a:r>
-          </a:p>
-          <a:p>
-            <a:pPr rtl="0"/>
-            <a:endParaRPr lang="en-GB" dirty="0"/>
+              <a:t>Implicits </a:t>
+            </a:r>
+            <a:r>
+              <a:rPr lang="en-GB" dirty="0"/>
+              <a:t>clean-up (given, using)</a:t>
+            </a:r>
+          </a:p>
+          <a:p>
+            <a:r>
+              <a:rPr lang="en-GB" dirty="0"/>
+              <a:t>Powerful tools to create DSLs</a:t>
+            </a:r>
           </a:p>
         </p:txBody>
       </p:sp>
@@ -15360,10 +15340,9 @@
           <a:bodyPr rtlCol="0"/>
           <a:lstStyle/>
           <a:p>
-            <a:pPr rtl="0"/>
-            <a:r>
-              <a:rPr lang="en-GB"/>
-              <a:t>Monday, February 1, 20XX</a:t>
+            <a:r>
+              <a:rPr lang="en-GB" dirty="0"/>
+              <a:t>Thursday, May 25, 2025</a:t>
             </a:r>
           </a:p>
         </p:txBody>
@@ -15436,468 +15415,6 @@
       </p:grpSpPr>
       <p:sp>
         <p:nvSpPr>
-          <p:cNvPr id="8" name="Title 7">
-            <a:extLst>
-              <a:ext uri="{FF2B5EF4-FFF2-40B4-BE49-F238E27FC236}">
-                <a16:creationId xmlns:a16="http://schemas.microsoft.com/office/drawing/2014/main" id="{D7B820C0-182D-42F4-8707-5CC4A745D15D}"/>
-              </a:ext>
-            </a:extLst>
-          </p:cNvPr>
-          <p:cNvSpPr>
-            <a:spLocks noGrp="1"/>
-          </p:cNvSpPr>
-          <p:nvPr>
-            <p:ph type="title"/>
-          </p:nvPr>
-        </p:nvSpPr>
-        <p:spPr>
-          <a:xfrm>
-            <a:off x="1371600" y="795528"/>
-            <a:ext cx="10241280" cy="1234440"/>
-          </a:xfrm>
-        </p:spPr>
-        <p:txBody>
-          <a:bodyPr rtlCol="0"/>
-          <a:lstStyle/>
-          <a:p>
-            <a:pPr rtl="0"/>
-            <a:r>
-              <a:rPr lang="en-GB" dirty="0"/>
-              <a:t>Value Classes</a:t>
-            </a:r>
-          </a:p>
-        </p:txBody>
-      </p:sp>
-      <p:sp>
-        <p:nvSpPr>
-          <p:cNvPr id="14" name="Footer Placeholder 13">
-            <a:extLst>
-              <a:ext uri="{FF2B5EF4-FFF2-40B4-BE49-F238E27FC236}">
-                <a16:creationId xmlns:a16="http://schemas.microsoft.com/office/drawing/2014/main" id="{EC5535F9-DB15-409A-BCC6-52A919692070}"/>
-              </a:ext>
-            </a:extLst>
-          </p:cNvPr>
-          <p:cNvSpPr>
-            <a:spLocks noGrp="1"/>
-          </p:cNvSpPr>
-          <p:nvPr>
-            <p:ph type="ftr" sz="quarter" idx="11"/>
-          </p:nvPr>
-        </p:nvSpPr>
-        <p:spPr>
-          <a:xfrm rot="5400000">
-            <a:off x="-1828800" y="1911096"/>
-            <a:ext cx="4114800" cy="457200"/>
-          </a:xfrm>
-        </p:spPr>
-        <p:txBody>
-          <a:bodyPr rtlCol="0"/>
-          <a:lstStyle/>
-          <a:p>
-            <a:pPr rtl="0"/>
-            <a:r>
-              <a:rPr lang="en-GB"/>
-              <a:t>Sample Footer Text</a:t>
-            </a:r>
-          </a:p>
-        </p:txBody>
-      </p:sp>
-      <p:sp>
-        <p:nvSpPr>
-          <p:cNvPr id="2" name="Text Placeholder 1">
-            <a:extLst>
-              <a:ext uri="{FF2B5EF4-FFF2-40B4-BE49-F238E27FC236}">
-                <a16:creationId xmlns:a16="http://schemas.microsoft.com/office/drawing/2014/main" id="{D54DDEAB-A1D8-45E5-B8F9-54AF382754D8}"/>
-              </a:ext>
-            </a:extLst>
-          </p:cNvPr>
-          <p:cNvSpPr>
-            <a:spLocks noGrp="1"/>
-          </p:cNvSpPr>
-          <p:nvPr>
-            <p:ph type="body" idx="1"/>
-          </p:nvPr>
-        </p:nvSpPr>
-        <p:spPr>
-          <a:xfrm>
-            <a:off x="1371600" y="2112264"/>
-            <a:ext cx="3200400" cy="823912"/>
-          </a:xfrm>
-        </p:spPr>
-        <p:txBody>
-          <a:bodyPr rtlCol="0"/>
-          <a:lstStyle/>
-          <a:p>
-            <a:pPr rtl="0"/>
-            <a:r>
-              <a:rPr lang="en-GB"/>
-              <a:t>Subtitle</a:t>
-            </a:r>
-          </a:p>
-        </p:txBody>
-      </p:sp>
-      <p:sp>
-        <p:nvSpPr>
-          <p:cNvPr id="3" name="Content Placeholder 2">
-            <a:extLst>
-              <a:ext uri="{FF2B5EF4-FFF2-40B4-BE49-F238E27FC236}">
-                <a16:creationId xmlns:a16="http://schemas.microsoft.com/office/drawing/2014/main" id="{9290A70A-B7A4-4395-BFBC-6889EE79D2B3}"/>
-              </a:ext>
-            </a:extLst>
-          </p:cNvPr>
-          <p:cNvSpPr>
-            <a:spLocks noGrp="1"/>
-          </p:cNvSpPr>
-          <p:nvPr>
-            <p:ph sz="half" idx="2"/>
-          </p:nvPr>
-        </p:nvSpPr>
-        <p:spPr>
-          <a:xfrm>
-            <a:off x="1371600" y="3018472"/>
-            <a:ext cx="3200400" cy="3104856"/>
-          </a:xfrm>
-        </p:spPr>
-        <p:txBody>
-          <a:bodyPr rtlCol="0">
-            <a:normAutofit fontScale="70000" lnSpcReduction="20000"/>
-          </a:bodyPr>
-          <a:lstStyle/>
-          <a:p>
-            <a:pPr rtl="0"/>
-            <a:r>
-              <a:rPr lang="en-GB"/>
-              <a:t>Add text, images, art, and videos.</a:t>
-            </a:r>
-          </a:p>
-          <a:p>
-            <a:pPr rtl="0"/>
-            <a:r>
-              <a:rPr lang="en-GB"/>
-              <a:t>Add transitions, animations, and motion.</a:t>
-            </a:r>
-          </a:p>
-          <a:p>
-            <a:pPr rtl="0"/>
-            <a:r>
-              <a:rPr lang="en-GB"/>
-              <a:t>Save to One Drive, to get to your presentations from your computer, tablet, or phone.</a:t>
-            </a:r>
-          </a:p>
-          <a:p>
-            <a:pPr rtl="0"/>
-            <a:r>
-              <a:rPr lang="en-GB"/>
-              <a:t>Add text, images, art, and videos.</a:t>
-            </a:r>
-          </a:p>
-          <a:p>
-            <a:pPr rtl="0"/>
-            <a:r>
-              <a:rPr lang="en-GB"/>
-              <a:t>Add transitions, animations, and motion.</a:t>
-            </a:r>
-          </a:p>
-        </p:txBody>
-      </p:sp>
-      <p:sp>
-        <p:nvSpPr>
-          <p:cNvPr id="4" name="Text Placeholder 3">
-            <a:extLst>
-              <a:ext uri="{FF2B5EF4-FFF2-40B4-BE49-F238E27FC236}">
-                <a16:creationId xmlns:a16="http://schemas.microsoft.com/office/drawing/2014/main" id="{22BD1F5F-2C0D-469F-B9D7-F62887EF92CF}"/>
-              </a:ext>
-            </a:extLst>
-          </p:cNvPr>
-          <p:cNvSpPr>
-            <a:spLocks noGrp="1"/>
-          </p:cNvSpPr>
-          <p:nvPr>
-            <p:ph type="body" sz="quarter" idx="3"/>
-          </p:nvPr>
-        </p:nvSpPr>
-        <p:spPr>
-          <a:xfrm>
-            <a:off x="4892040" y="2109976"/>
-            <a:ext cx="3200400" cy="823912"/>
-          </a:xfrm>
-        </p:spPr>
-        <p:txBody>
-          <a:bodyPr rtlCol="0"/>
-          <a:lstStyle/>
-          <a:p>
-            <a:pPr rtl="0"/>
-            <a:r>
-              <a:rPr lang="en-GB"/>
-              <a:t>Subtitle</a:t>
-            </a:r>
-          </a:p>
-        </p:txBody>
-      </p:sp>
-      <p:sp>
-        <p:nvSpPr>
-          <p:cNvPr id="5" name="Content Placeholder 4">
-            <a:extLst>
-              <a:ext uri="{FF2B5EF4-FFF2-40B4-BE49-F238E27FC236}">
-                <a16:creationId xmlns:a16="http://schemas.microsoft.com/office/drawing/2014/main" id="{F456CC6B-4AA1-4424-8333-65754C5AE4D4}"/>
-              </a:ext>
-            </a:extLst>
-          </p:cNvPr>
-          <p:cNvSpPr>
-            <a:spLocks noGrp="1"/>
-          </p:cNvSpPr>
-          <p:nvPr>
-            <p:ph sz="quarter" idx="4"/>
-          </p:nvPr>
-        </p:nvSpPr>
-        <p:spPr>
-          <a:xfrm>
-            <a:off x="4892040" y="3016183"/>
-            <a:ext cx="3200400" cy="3104857"/>
-          </a:xfrm>
-        </p:spPr>
-        <p:txBody>
-          <a:bodyPr rtlCol="0">
-            <a:normAutofit fontScale="70000" lnSpcReduction="20000"/>
-          </a:bodyPr>
-          <a:lstStyle/>
-          <a:p>
-            <a:pPr rtl="0"/>
-            <a:r>
-              <a:rPr lang="en-GB"/>
-              <a:t>Add text, images, art, and videos.</a:t>
-            </a:r>
-          </a:p>
-          <a:p>
-            <a:pPr rtl="0"/>
-            <a:r>
-              <a:rPr lang="en-GB"/>
-              <a:t>Add transitions, animations, and motion.</a:t>
-            </a:r>
-          </a:p>
-          <a:p>
-            <a:pPr rtl="0"/>
-            <a:r>
-              <a:rPr lang="en-GB"/>
-              <a:t>Save to One Drive, to get to your presentations from your computer, tablet, or phone.</a:t>
-            </a:r>
-          </a:p>
-          <a:p>
-            <a:pPr rtl="0"/>
-            <a:r>
-              <a:rPr lang="en-GB"/>
-              <a:t>Add text, images, art, and videos.</a:t>
-            </a:r>
-          </a:p>
-          <a:p>
-            <a:pPr rtl="0"/>
-            <a:r>
-              <a:rPr lang="en-GB"/>
-              <a:t>Add transitions, animations, and motion.</a:t>
-            </a:r>
-          </a:p>
-        </p:txBody>
-      </p:sp>
-      <p:sp>
-        <p:nvSpPr>
-          <p:cNvPr id="9" name="Text Placeholder 8">
-            <a:extLst>
-              <a:ext uri="{FF2B5EF4-FFF2-40B4-BE49-F238E27FC236}">
-                <a16:creationId xmlns:a16="http://schemas.microsoft.com/office/drawing/2014/main" id="{3E04CE81-6A28-4EA4-BA58-E94D051A3BC1}"/>
-              </a:ext>
-            </a:extLst>
-          </p:cNvPr>
-          <p:cNvSpPr>
-            <a:spLocks noGrp="1"/>
-          </p:cNvSpPr>
-          <p:nvPr>
-            <p:ph type="body" sz="quarter" idx="13"/>
-          </p:nvPr>
-        </p:nvSpPr>
-        <p:spPr>
-          <a:xfrm>
-            <a:off x="8412480" y="2112263"/>
-            <a:ext cx="3200400" cy="823912"/>
-          </a:xfrm>
-        </p:spPr>
-        <p:txBody>
-          <a:bodyPr rtlCol="0"/>
-          <a:lstStyle/>
-          <a:p>
-            <a:pPr rtl="0"/>
-            <a:r>
-              <a:rPr lang="en-GB"/>
-              <a:t>Subtitle</a:t>
-            </a:r>
-          </a:p>
-        </p:txBody>
-      </p:sp>
-      <p:sp>
-        <p:nvSpPr>
-          <p:cNvPr id="10" name="Content Placeholder 9">
-            <a:extLst>
-              <a:ext uri="{FF2B5EF4-FFF2-40B4-BE49-F238E27FC236}">
-                <a16:creationId xmlns:a16="http://schemas.microsoft.com/office/drawing/2014/main" id="{3A996BD0-4A93-4EF8-8348-686D9CB3C977}"/>
-              </a:ext>
-            </a:extLst>
-          </p:cNvPr>
-          <p:cNvSpPr>
-            <a:spLocks noGrp="1"/>
-          </p:cNvSpPr>
-          <p:nvPr>
-            <p:ph sz="quarter" idx="14"/>
-          </p:nvPr>
-        </p:nvSpPr>
-        <p:spPr>
-          <a:xfrm>
-            <a:off x="8412480" y="3018470"/>
-            <a:ext cx="3200400" cy="3104857"/>
-          </a:xfrm>
-        </p:spPr>
-        <p:txBody>
-          <a:bodyPr rtlCol="0">
-            <a:normAutofit fontScale="70000" lnSpcReduction="20000"/>
-          </a:bodyPr>
-          <a:lstStyle/>
-          <a:p>
-            <a:pPr rtl="0"/>
-            <a:r>
-              <a:rPr lang="en-GB"/>
-              <a:t>Add text, images, art, and videos.</a:t>
-            </a:r>
-          </a:p>
-          <a:p>
-            <a:pPr rtl="0"/>
-            <a:r>
-              <a:rPr lang="en-GB"/>
-              <a:t>Add transitions, animations, and motion.</a:t>
-            </a:r>
-          </a:p>
-          <a:p>
-            <a:pPr rtl="0"/>
-            <a:r>
-              <a:rPr lang="en-GB"/>
-              <a:t>Save to One Drive, to get to your presentations from your computer, tablet, or phone.</a:t>
-            </a:r>
-          </a:p>
-          <a:p>
-            <a:pPr rtl="0"/>
-            <a:r>
-              <a:rPr lang="en-GB"/>
-              <a:t>Add text, images, art, and videos.</a:t>
-            </a:r>
-          </a:p>
-          <a:p>
-            <a:pPr rtl="0"/>
-            <a:r>
-              <a:rPr lang="en-GB"/>
-              <a:t>Add transitions, animations, and motion.</a:t>
-            </a:r>
-          </a:p>
-        </p:txBody>
-      </p:sp>
-      <p:sp>
-        <p:nvSpPr>
-          <p:cNvPr id="6" name="Date Placeholder 5">
-            <a:extLst>
-              <a:ext uri="{FF2B5EF4-FFF2-40B4-BE49-F238E27FC236}">
-                <a16:creationId xmlns:a16="http://schemas.microsoft.com/office/drawing/2014/main" id="{256B2184-E681-4C0F-B7BE-487EF89C01F1}"/>
-              </a:ext>
-            </a:extLst>
-          </p:cNvPr>
-          <p:cNvSpPr>
-            <a:spLocks noGrp="1"/>
-          </p:cNvSpPr>
-          <p:nvPr>
-            <p:ph type="dt" sz="half" idx="10"/>
-          </p:nvPr>
-        </p:nvSpPr>
-        <p:spPr>
-          <a:xfrm>
-            <a:off x="7909560" y="6409944"/>
-            <a:ext cx="3703320" cy="448056"/>
-          </a:xfrm>
-        </p:spPr>
-        <p:txBody>
-          <a:bodyPr rtlCol="0"/>
-          <a:lstStyle/>
-          <a:p>
-            <a:pPr rtl="0"/>
-            <a:r>
-              <a:rPr lang="en-GB"/>
-              <a:t>Monday, February 1, 20XX</a:t>
-            </a:r>
-          </a:p>
-        </p:txBody>
-      </p:sp>
-      <p:sp>
-        <p:nvSpPr>
-          <p:cNvPr id="7" name="Slide Number Placeholder 6">
-            <a:extLst>
-              <a:ext uri="{FF2B5EF4-FFF2-40B4-BE49-F238E27FC236}">
-                <a16:creationId xmlns:a16="http://schemas.microsoft.com/office/drawing/2014/main" id="{2AE7E0D2-79BA-4A99-B0A5-6C7F621F51B7}"/>
-              </a:ext>
-            </a:extLst>
-          </p:cNvPr>
-          <p:cNvSpPr>
-            <a:spLocks noGrp="1"/>
-          </p:cNvSpPr>
-          <p:nvPr>
-            <p:ph type="sldNum" sz="quarter" idx="12"/>
-          </p:nvPr>
-        </p:nvSpPr>
-        <p:spPr>
-          <a:xfrm>
-            <a:off x="11667744" y="6409944"/>
-            <a:ext cx="438912" cy="448056"/>
-          </a:xfrm>
-        </p:spPr>
-        <p:txBody>
-          <a:bodyPr rtlCol="0"/>
-          <a:lstStyle/>
-          <a:p>
-            <a:pPr rtl="0"/>
-            <a:fld id="{C01389E6-C847-4AD0-B56D-D205B2EAB1EE}" type="slidenum">
-              <a:rPr lang="en-GB" smtClean="0"/>
-              <a:pPr rtl="0"/>
-              <a:t>14</a:t>
-            </a:fld>
-            <a:endParaRPr lang="en-GB" dirty="0"/>
-          </a:p>
-        </p:txBody>
-      </p:sp>
-    </p:spTree>
-    <p:extLst>
-      <p:ext uri="{BB962C8B-B14F-4D97-AF65-F5344CB8AC3E}">
-        <p14:creationId xmlns:p14="http://schemas.microsoft.com/office/powerpoint/2010/main" val="607991963"/>
-      </p:ext>
-    </p:extLst>
-  </p:cSld>
-  <p:clrMapOvr>
-    <a:masterClrMapping/>
-  </p:clrMapOvr>
-</p:sld>
-</file>
-
-<file path=ppt/slides/slide15.xml><?xml version="1.0" encoding="utf-8"?>
-<p:sld xmlns:a="http://schemas.openxmlformats.org/drawingml/2006/main" xmlns:r="http://schemas.openxmlformats.org/officeDocument/2006/relationships" xmlns:p="http://schemas.openxmlformats.org/presentationml/2006/main">
-  <p:cSld>
-    <p:spTree>
-      <p:nvGrpSpPr>
-        <p:cNvPr id="1" name=""/>
-        <p:cNvGrpSpPr/>
-        <p:nvPr/>
-      </p:nvGrpSpPr>
-      <p:grpSpPr>
-        <a:xfrm>
-          <a:off x="0" y="0"/>
-          <a:ext cx="0" cy="0"/>
-          <a:chOff x="0" y="0"/>
-          <a:chExt cx="0" cy="0"/>
-        </a:xfrm>
-      </p:grpSpPr>
-      <p:sp>
-        <p:nvSpPr>
           <p:cNvPr id="2" name="Title 1">
             <a:extLst>
               <a:ext uri="{FF2B5EF4-FFF2-40B4-BE49-F238E27FC236}">
@@ -16164,7 +15681,7 @@
             <a:fld id="{C01389E6-C847-4AD0-B56D-D205B2EAB1EE}" type="slidenum">
               <a:rPr lang="en-GB" smtClean="0"/>
               <a:pPr rtl="0"/>
-              <a:t>15</a:t>
+              <a:t>14</a:t>
             </a:fld>
             <a:endParaRPr lang="en-GB" dirty="0"/>
           </a:p>
@@ -16461,7 +15978,7 @@
 </p:sld>
 </file>
 
-<file path=ppt/slides/slide16.xml><?xml version="1.0" encoding="utf-8"?>
+<file path=ppt/slides/slide15.xml><?xml version="1.0" encoding="utf-8"?>
 <p:sld xmlns:a="http://schemas.openxmlformats.org/drawingml/2006/main" xmlns:r="http://schemas.openxmlformats.org/officeDocument/2006/relationships" xmlns:p="http://schemas.openxmlformats.org/presentationml/2006/main">
   <p:cSld>
     <p:spTree>
@@ -16615,7 +16132,7 @@
             <a:fld id="{C01389E6-C847-4AD0-B56D-D205B2EAB1EE}" type="slidenum">
               <a:rPr lang="en-GB" smtClean="0"/>
               <a:pPr rtl="0"/>
-              <a:t>16</a:t>
+              <a:t>15</a:t>
             </a:fld>
             <a:endParaRPr lang="en-GB" dirty="0"/>
           </a:p>
@@ -17378,13 +16895,6 @@
             <a:r>
               <a:rPr lang="en-GB" dirty="0"/>
               <a:t>Extension methods</a:t>
-            </a:r>
-          </a:p>
-          <a:p>
-            <a:pPr rtl="0"/>
-            <a:r>
-              <a:rPr lang="en-GB" dirty="0"/>
-              <a:t>Value classes &amp; Aliases</a:t>
             </a:r>
           </a:p>
           <a:p>
